--- a/Foundation Tracker.pptx
+++ b/Foundation Tracker.pptx
@@ -2,14 +2,17 @@
 <file path=ppt/presentation.xml><?xml version="1.0" encoding="utf-8"?>
 <p:presentation xmlns:a="http://schemas.openxmlformats.org/drawingml/2006/main" xmlns:r="http://schemas.openxmlformats.org/officeDocument/2006/relationships" xmlns:p="http://schemas.openxmlformats.org/presentationml/2006/main" autoCompressPictures="0">
   <p:sldMasterIdLst>
-    <p:sldMasterId id="2147483648" r:id="rId1"/>
+    <p:sldMasterId id="2147483699" r:id="rId1"/>
   </p:sldMasterIdLst>
   <p:sldIdLst>
     <p:sldId id="256" r:id="rId2"/>
     <p:sldId id="259" r:id="rId3"/>
-    <p:sldId id="257" r:id="rId4"/>
-    <p:sldId id="258" r:id="rId5"/>
-    <p:sldId id="260" r:id="rId6"/>
+    <p:sldId id="258" r:id="rId4"/>
+    <p:sldId id="257" r:id="rId5"/>
+    <p:sldId id="262" r:id="rId6"/>
+    <p:sldId id="261" r:id="rId7"/>
+    <p:sldId id="263" r:id="rId8"/>
+    <p:sldId id="260" r:id="rId9"/>
   </p:sldIdLst>
   <p:sldSz cx="12192000" cy="6858000"/>
   <p:notesSz cx="6858000" cy="9144000"/>
@@ -1928,8 +1931,8 @@
         <a:lstStyle/>
         <a:p>
           <a:r>
-            <a:rPr lang="de-DE" sz="1600" dirty="0" smtClean="0"/>
-            <a:t>Jahresberichte</a:t>
+            <a:rPr lang="de-DE" sz="1400" dirty="0" smtClean="0"/>
+            <a:t>Jahres-berichte</a:t>
           </a:r>
           <a:endParaRPr lang="de-DE" sz="1600" dirty="0"/>
         </a:p>
@@ -2011,7 +2014,7 @@
         <a:p>
           <a:r>
             <a:rPr lang="de-DE" sz="1200" dirty="0" smtClean="0"/>
-            <a:t>Handelsregister der Kantone</a:t>
+            <a:t>Handels-register der Kantone</a:t>
           </a:r>
           <a:endParaRPr lang="de-DE" sz="1200" dirty="0"/>
         </a:p>
@@ -2240,7 +2243,7 @@
             <a:alphaOff val="0"/>
           </a:schemeClr>
         </a:solidFill>
-        <a:ln w="15875" cap="rnd" cmpd="sng" algn="ctr">
+        <a:ln w="12700" cap="flat" cmpd="sng" algn="ctr">
           <a:solidFill>
             <a:schemeClr val="lt1">
               <a:hueOff val="0"/>
@@ -2250,6 +2253,7 @@
             </a:schemeClr>
           </a:solidFill>
           <a:prstDash val="solid"/>
+          <a:miter lim="800000"/>
         </a:ln>
         <a:effectLst/>
       </dsp:spPr>
@@ -2347,7 +2351,7 @@
             <a:alphaOff val="0"/>
           </a:schemeClr>
         </a:solidFill>
-        <a:ln w="15875" cap="rnd" cmpd="sng" algn="ctr">
+        <a:ln w="12700" cap="flat" cmpd="sng" algn="ctr">
           <a:solidFill>
             <a:schemeClr val="lt1">
               <a:hueOff val="0"/>
@@ -2357,6 +2361,7 @@
             </a:schemeClr>
           </a:solidFill>
           <a:prstDash val="solid"/>
+          <a:miter lim="800000"/>
         </a:ln>
         <a:effectLst/>
       </dsp:spPr>
@@ -2421,7 +2426,7 @@
             <a:lumMod val="75000"/>
           </a:schemeClr>
         </a:solidFill>
-        <a:ln w="15875" cap="rnd" cmpd="sng" algn="ctr">
+        <a:ln w="12700" cap="flat" cmpd="sng" algn="ctr">
           <a:solidFill>
             <a:schemeClr val="lt1">
               <a:hueOff val="0"/>
@@ -2431,6 +2436,7 @@
             </a:schemeClr>
           </a:solidFill>
           <a:prstDash val="solid"/>
+          <a:miter lim="800000"/>
         </a:ln>
         <a:effectLst/>
       </dsp:spPr>
@@ -2498,7 +2504,7 @@
             <a:alphaOff val="0"/>
           </a:schemeClr>
         </a:solidFill>
-        <a:ln w="15875" cap="rnd" cmpd="sng" algn="ctr">
+        <a:ln w="12700" cap="flat" cmpd="sng" algn="ctr">
           <a:solidFill>
             <a:schemeClr val="lt1">
               <a:hueOff val="0"/>
@@ -2508,6 +2514,7 @@
             </a:schemeClr>
           </a:solidFill>
           <a:prstDash val="solid"/>
+          <a:miter lim="800000"/>
         </a:ln>
         <a:effectLst/>
       </dsp:spPr>
@@ -2576,7 +2583,7 @@
             <a:alphaOff val="0"/>
           </a:schemeClr>
         </a:solidFill>
-        <a:ln w="9525" cap="rnd" cmpd="sng" algn="ctr">
+        <a:ln w="6350" cap="flat" cmpd="sng" algn="ctr">
           <a:solidFill>
             <a:schemeClr val="accent1">
               <a:hueOff val="0"/>
@@ -2586,6 +2593,7 @@
             </a:schemeClr>
           </a:solidFill>
           <a:prstDash val="solid"/>
+          <a:miter lim="800000"/>
         </a:ln>
         <a:effectLst/>
       </dsp:spPr>
@@ -2635,7 +2643,7 @@
             <a:alphaOff val="0"/>
           </a:schemeClr>
         </a:solidFill>
-        <a:ln w="15875" cap="rnd" cmpd="sng" algn="ctr">
+        <a:ln w="12700" cap="flat" cmpd="sng" algn="ctr">
           <a:solidFill>
             <a:schemeClr val="lt1">
               <a:hueOff val="0"/>
@@ -2645,6 +2653,7 @@
             </a:schemeClr>
           </a:solidFill>
           <a:prstDash val="solid"/>
+          <a:miter lim="800000"/>
         </a:ln>
         <a:effectLst/>
       </dsp:spPr>
@@ -2778,7 +2787,7 @@
             <a:alphaOff val="0"/>
           </a:schemeClr>
         </a:solidFill>
-        <a:ln w="15875" cap="rnd" cmpd="sng" algn="ctr">
+        <a:ln w="12700" cap="flat" cmpd="sng" algn="ctr">
           <a:solidFill>
             <a:schemeClr val="lt1">
               <a:hueOff val="0"/>
@@ -2788,6 +2797,7 @@
             </a:schemeClr>
           </a:solidFill>
           <a:prstDash val="solid"/>
+          <a:miter lim="800000"/>
         </a:ln>
         <a:effectLst/>
       </dsp:spPr>
@@ -2824,7 +2834,7 @@
           </a:pPr>
           <a:r>
             <a:rPr lang="de-DE" sz="1200" kern="1200" dirty="0" smtClean="0"/>
-            <a:t>Handelsregister der Kantone</a:t>
+            <a:t>Handels-register der Kantone</a:t>
           </a:r>
           <a:endParaRPr lang="de-DE" sz="1200" kern="1200" dirty="0"/>
         </a:p>
@@ -2921,7 +2931,7 @@
             <a:alphaOff val="0"/>
           </a:schemeClr>
         </a:solidFill>
-        <a:ln w="15875" cap="rnd" cmpd="sng" algn="ctr">
+        <a:ln w="12700" cap="flat" cmpd="sng" algn="ctr">
           <a:solidFill>
             <a:schemeClr val="lt1">
               <a:hueOff val="0"/>
@@ -2931,6 +2941,7 @@
             </a:schemeClr>
           </a:solidFill>
           <a:prstDash val="solid"/>
+          <a:miter lim="800000"/>
         </a:ln>
         <a:effectLst/>
       </dsp:spPr>
@@ -2949,12 +2960,12 @@
         </a:fontRef>
       </dsp:style>
       <dsp:txBody>
-        <a:bodyPr spcFirstLastPara="0" vert="horz" wrap="square" lIns="20320" tIns="20320" rIns="20320" bIns="20320" numCol="1" spcCol="1270" anchor="ctr" anchorCtr="0">
+        <a:bodyPr spcFirstLastPara="0" vert="horz" wrap="square" lIns="17780" tIns="17780" rIns="17780" bIns="17780" numCol="1" spcCol="1270" anchor="ctr" anchorCtr="0">
           <a:noAutofit/>
         </a:bodyPr>
         <a:lstStyle/>
         <a:p>
-          <a:pPr lvl="0" algn="ctr" defTabSz="711200">
+          <a:pPr lvl="0" algn="ctr" defTabSz="622300">
             <a:lnSpc>
               <a:spcPct val="90000"/>
             </a:lnSpc>
@@ -2966,8 +2977,8 @@
             </a:spcAft>
           </a:pPr>
           <a:r>
-            <a:rPr lang="de-DE" sz="1600" kern="1200" dirty="0" smtClean="0"/>
-            <a:t>Jahresberichte</a:t>
+            <a:rPr lang="de-DE" sz="1400" kern="1200" dirty="0" smtClean="0"/>
+            <a:t>Jahres-berichte</a:t>
           </a:r>
           <a:endParaRPr lang="de-DE" sz="1600" kern="1200" dirty="0"/>
         </a:p>
@@ -3067,7 +3078,7 @@
             <a:alphaOff val="0"/>
           </a:schemeClr>
         </a:solidFill>
-        <a:ln w="15875" cap="rnd" cmpd="sng" algn="ctr">
+        <a:ln w="12700" cap="flat" cmpd="sng" algn="ctr">
           <a:solidFill>
             <a:schemeClr val="lt1">
               <a:hueOff val="0"/>
@@ -3077,6 +3088,7 @@
             </a:schemeClr>
           </a:solidFill>
           <a:prstDash val="solid"/>
+          <a:miter lim="800000"/>
         </a:ln>
         <a:effectLst/>
       </dsp:spPr>
@@ -5787,7 +5799,7 @@
 </file>
 
 <file path=ppt/slideLayouts/slideLayout1.xml><?xml version="1.0" encoding="utf-8"?>
-<p:sldLayout xmlns:a="http://schemas.openxmlformats.org/drawingml/2006/main" xmlns:r="http://schemas.openxmlformats.org/officeDocument/2006/relationships" xmlns:p="http://schemas.openxmlformats.org/presentationml/2006/main" showMasterSp="0" type="title" preserve="1">
+<p:sldLayout xmlns:a="http://schemas.openxmlformats.org/drawingml/2006/main" xmlns:r="http://schemas.openxmlformats.org/officeDocument/2006/relationships" xmlns:p="http://schemas.openxmlformats.org/presentationml/2006/main" type="title" preserve="1">
   <p:cSld name="Titelfolie">
     <p:spTree>
       <p:nvGrpSpPr>
@@ -5805,6 +5817,110 @@
       </p:grpSpPr>
       <p:sp>
         <p:nvSpPr>
+          <p:cNvPr id="11" name="Freeform 6"/>
+          <p:cNvSpPr/>
+          <p:nvPr/>
+        </p:nvSpPr>
+        <p:spPr bwMode="auto">
+          <a:xfrm>
+            <a:off x="0" y="-3175"/>
+            <a:ext cx="12192000" cy="5203825"/>
+          </a:xfrm>
+          <a:custGeom>
+            <a:avLst/>
+            <a:gdLst/>
+            <a:ahLst/>
+            <a:cxnLst/>
+            <a:rect l="0" t="0" r="r" b="b"/>
+            <a:pathLst>
+              <a:path w="5760" h="3278">
+                <a:moveTo>
+                  <a:pt x="5760" y="0"/>
+                </a:moveTo>
+                <a:lnTo>
+                  <a:pt x="0" y="0"/>
+                </a:lnTo>
+                <a:lnTo>
+                  <a:pt x="0" y="3090"/>
+                </a:lnTo>
+                <a:lnTo>
+                  <a:pt x="943" y="3090"/>
+                </a:lnTo>
+                <a:lnTo>
+                  <a:pt x="1123" y="3270"/>
+                </a:lnTo>
+                <a:lnTo>
+                  <a:pt x="1123" y="3270"/>
+                </a:lnTo>
+                <a:lnTo>
+                  <a:pt x="1127" y="3272"/>
+                </a:lnTo>
+                <a:lnTo>
+                  <a:pt x="1133" y="3275"/>
+                </a:lnTo>
+                <a:lnTo>
+                  <a:pt x="1139" y="3278"/>
+                </a:lnTo>
+                <a:lnTo>
+                  <a:pt x="1144" y="3278"/>
+                </a:lnTo>
+                <a:lnTo>
+                  <a:pt x="1150" y="3278"/>
+                </a:lnTo>
+                <a:lnTo>
+                  <a:pt x="1155" y="3275"/>
+                </a:lnTo>
+                <a:lnTo>
+                  <a:pt x="1161" y="3272"/>
+                </a:lnTo>
+                <a:lnTo>
+                  <a:pt x="1165" y="3270"/>
+                </a:lnTo>
+                <a:lnTo>
+                  <a:pt x="1345" y="3090"/>
+                </a:lnTo>
+                <a:lnTo>
+                  <a:pt x="5760" y="3090"/>
+                </a:lnTo>
+                <a:lnTo>
+                  <a:pt x="5760" y="0"/>
+                </a:lnTo>
+                <a:close/>
+              </a:path>
+            </a:pathLst>
+          </a:custGeom>
+          <a:ln/>
+          <a:effectLst/>
+          <a:extLst>
+            <a:ext uri="{91240B29-F687-4f45-9708-019B960494DF}">
+              <a14:hiddenLine xmlns:a14="http://schemas.microsoft.com/office/drawing/2010/main" xmlns="" w="9525">
+                <a:solidFill>
+                  <a:srgbClr val="000000"/>
+                </a:solidFill>
+                <a:round/>
+                <a:headEnd/>
+                <a:tailEnd/>
+              </a14:hiddenLine>
+            </a:ext>
+          </a:extLst>
+        </p:spPr>
+        <p:style>
+          <a:lnRef idx="1">
+            <a:schemeClr val="accent1"/>
+          </a:lnRef>
+          <a:fillRef idx="3">
+            <a:schemeClr val="accent1"/>
+          </a:fillRef>
+          <a:effectRef idx="2">
+            <a:schemeClr val="accent1"/>
+          </a:effectRef>
+          <a:fontRef idx="minor">
+            <a:schemeClr val="lt1"/>
+          </a:fontRef>
+        </p:style>
+      </p:sp>
+      <p:sp>
+        <p:nvSpPr>
           <p:cNvPr id="2" name="Title 1"/>
           <p:cNvSpPr>
             <a:spLocks noGrp="1"/>
@@ -5815,19 +5931,15 @@
         </p:nvSpPr>
         <p:spPr>
           <a:xfrm>
-            <a:off x="684212" y="685799"/>
-            <a:ext cx="8001000" cy="2971801"/>
+            <a:off x="810001" y="1449147"/>
+            <a:ext cx="10572000" cy="2971051"/>
           </a:xfrm>
         </p:spPr>
         <p:txBody>
-          <a:bodyPr anchor="b">
-            <a:normAutofit/>
-          </a:bodyPr>
+          <a:bodyPr/>
           <a:lstStyle>
-            <a:lvl1pPr algn="l">
-              <a:defRPr sz="4800">
-                <a:effectLst/>
-              </a:defRPr>
+            <a:lvl1pPr>
+              <a:defRPr sz="5400"/>
             </a:lvl1pPr>
           </a:lstStyle>
           <a:p>
@@ -5851,22 +5963,18 @@
         </p:nvSpPr>
         <p:spPr>
           <a:xfrm>
-            <a:off x="684212" y="3843867"/>
-            <a:ext cx="6400800" cy="1947333"/>
+            <a:off x="810001" y="5280847"/>
+            <a:ext cx="10572000" cy="434974"/>
           </a:xfrm>
         </p:spPr>
         <p:txBody>
-          <a:bodyPr anchor="t">
-            <a:normAutofit/>
-          </a:bodyPr>
+          <a:bodyPr anchor="t"/>
           <a:lstStyle>
             <a:lvl1pPr marL="0" indent="0" algn="l">
               <a:buNone/>
-              <a:defRPr sz="2100">
+              <a:defRPr>
                 <a:solidFill>
-                  <a:schemeClr val="bg2">
-                    <a:lumMod val="75000"/>
-                  </a:schemeClr>
+                  <a:schemeClr val="tx1"/>
                 </a:solidFill>
               </a:defRPr>
             </a:lvl1pPr>
@@ -5976,7 +6084,7 @@
           <a:lstStyle/>
           <a:p>
             <a:fld id="{B61BEF0D-F0BB-DE4B-95CE-6DB70DBA9567}" type="datetimeFigureOut">
-              <a:rPr lang="en-US" dirty="0"/>
+              <a:rPr lang="en-US" smtClean="0"/>
               <a:pPr/>
               <a:t>8/25/2018</a:t>
             </a:fld>
@@ -6019,7 +6127,7 @@
           <a:lstStyle/>
           <a:p>
             <a:fld id="{D57F1E4F-1CFF-5643-939E-217C01CDF565}" type="slidenum">
-              <a:rPr lang="en-US" dirty="0"/>
+              <a:rPr lang="en-US" smtClean="0"/>
               <a:pPr/>
               <a:t>‹Nr.›</a:t>
             </a:fld>
@@ -6027,182 +6135,12 @@
           </a:p>
         </p:txBody>
       </p:sp>
-      <p:cxnSp>
-        <p:nvCxnSpPr>
-          <p:cNvPr id="16" name="Straight Connector 15"/>
-          <p:cNvCxnSpPr/>
-          <p:nvPr/>
-        </p:nvCxnSpPr>
-        <p:spPr>
-          <a:xfrm flipH="1">
-            <a:off x="8228012" y="8467"/>
-            <a:ext cx="3810000" cy="3810000"/>
-          </a:xfrm>
-          <a:prstGeom prst="line">
-            <a:avLst/>
-          </a:prstGeom>
-          <a:ln w="12700">
-            <a:solidFill>
-              <a:schemeClr val="tx1"/>
-            </a:solidFill>
-          </a:ln>
-        </p:spPr>
-        <p:style>
-          <a:lnRef idx="2">
-            <a:schemeClr val="accent1"/>
-          </a:lnRef>
-          <a:fillRef idx="0">
-            <a:schemeClr val="accent1"/>
-          </a:fillRef>
-          <a:effectRef idx="1">
-            <a:schemeClr val="accent1"/>
-          </a:effectRef>
-          <a:fontRef idx="minor">
-            <a:schemeClr val="tx1"/>
-          </a:fontRef>
-        </p:style>
-      </p:cxnSp>
-      <p:cxnSp>
-        <p:nvCxnSpPr>
-          <p:cNvPr id="17" name="Straight Connector 16"/>
-          <p:cNvCxnSpPr/>
-          <p:nvPr/>
-        </p:nvCxnSpPr>
-        <p:spPr>
-          <a:xfrm flipH="1">
-            <a:off x="6108170" y="91545"/>
-            <a:ext cx="6080655" cy="6080655"/>
-          </a:xfrm>
-          <a:prstGeom prst="line">
-            <a:avLst/>
-          </a:prstGeom>
-          <a:ln w="12700">
-            <a:solidFill>
-              <a:schemeClr val="tx1"/>
-            </a:solidFill>
-          </a:ln>
-        </p:spPr>
-        <p:style>
-          <a:lnRef idx="2">
-            <a:schemeClr val="accent1"/>
-          </a:lnRef>
-          <a:fillRef idx="0">
-            <a:schemeClr val="accent1"/>
-          </a:fillRef>
-          <a:effectRef idx="1">
-            <a:schemeClr val="accent1"/>
-          </a:effectRef>
-          <a:fontRef idx="minor">
-            <a:schemeClr val="tx1"/>
-          </a:fontRef>
-        </p:style>
-      </p:cxnSp>
-      <p:cxnSp>
-        <p:nvCxnSpPr>
-          <p:cNvPr id="19" name="Straight Connector 18"/>
-          <p:cNvCxnSpPr/>
-          <p:nvPr/>
-        </p:nvCxnSpPr>
-        <p:spPr>
-          <a:xfrm flipH="1">
-            <a:off x="7235825" y="228600"/>
-            <a:ext cx="4953000" cy="4953000"/>
-          </a:xfrm>
-          <a:prstGeom prst="line">
-            <a:avLst/>
-          </a:prstGeom>
-          <a:ln w="12700">
-            <a:solidFill>
-              <a:schemeClr val="tx1"/>
-            </a:solidFill>
-          </a:ln>
-        </p:spPr>
-        <p:style>
-          <a:lnRef idx="2">
-            <a:schemeClr val="accent1"/>
-          </a:lnRef>
-          <a:fillRef idx="0">
-            <a:schemeClr val="accent1"/>
-          </a:fillRef>
-          <a:effectRef idx="1">
-            <a:schemeClr val="accent1"/>
-          </a:effectRef>
-          <a:fontRef idx="minor">
-            <a:schemeClr val="tx1"/>
-          </a:fontRef>
-        </p:style>
-      </p:cxnSp>
-      <p:cxnSp>
-        <p:nvCxnSpPr>
-          <p:cNvPr id="21" name="Straight Connector 20"/>
-          <p:cNvCxnSpPr/>
-          <p:nvPr/>
-        </p:nvCxnSpPr>
-        <p:spPr>
-          <a:xfrm flipH="1">
-            <a:off x="7335837" y="32278"/>
-            <a:ext cx="4852989" cy="4852989"/>
-          </a:xfrm>
-          <a:prstGeom prst="line">
-            <a:avLst/>
-          </a:prstGeom>
-          <a:ln w="31750">
-            <a:solidFill>
-              <a:schemeClr val="tx1"/>
-            </a:solidFill>
-          </a:ln>
-        </p:spPr>
-        <p:style>
-          <a:lnRef idx="2">
-            <a:schemeClr val="accent1"/>
-          </a:lnRef>
-          <a:fillRef idx="0">
-            <a:schemeClr val="accent1"/>
-          </a:fillRef>
-          <a:effectRef idx="1">
-            <a:schemeClr val="accent1"/>
-          </a:effectRef>
-          <a:fontRef idx="minor">
-            <a:schemeClr val="tx1"/>
-          </a:fontRef>
-        </p:style>
-      </p:cxnSp>
-      <p:cxnSp>
-        <p:nvCxnSpPr>
-          <p:cNvPr id="23" name="Straight Connector 22"/>
-          <p:cNvCxnSpPr/>
-          <p:nvPr/>
-        </p:nvCxnSpPr>
-        <p:spPr>
-          <a:xfrm flipH="1">
-            <a:off x="7845426" y="609601"/>
-            <a:ext cx="4343399" cy="4343399"/>
-          </a:xfrm>
-          <a:prstGeom prst="line">
-            <a:avLst/>
-          </a:prstGeom>
-          <a:ln w="31750">
-            <a:solidFill>
-              <a:schemeClr val="tx1"/>
-            </a:solidFill>
-          </a:ln>
-        </p:spPr>
-        <p:style>
-          <a:lnRef idx="2">
-            <a:schemeClr val="accent1"/>
-          </a:lnRef>
-          <a:fillRef idx="0">
-            <a:schemeClr val="accent1"/>
-          </a:fillRef>
-          <a:effectRef idx="1">
-            <a:schemeClr val="accent1"/>
-          </a:effectRef>
-          <a:fontRef idx="minor">
-            <a:schemeClr val="tx1"/>
-          </a:fontRef>
-        </p:style>
-      </p:cxnSp>
     </p:spTree>
+    <p:extLst>
+      <p:ext uri="{BB962C8B-B14F-4D97-AF65-F5344CB8AC3E}">
+        <p14:creationId xmlns:p14="http://schemas.microsoft.com/office/powerpoint/2010/main" val="2726665428"/>
+      </p:ext>
+    </p:extLst>
   </p:cSld>
   <p:clrMapOvr>
     <a:masterClrMapping/>
@@ -6237,10 +6175,21 @@
             <p:ph type="title"/>
           </p:nvPr>
         </p:nvSpPr>
-        <p:spPr/>
+        <p:spPr>
+          <a:xfrm>
+            <a:off x="810000" y="4800600"/>
+            <a:ext cx="10561418" cy="566738"/>
+          </a:xfrm>
+        </p:spPr>
         <p:txBody>
-          <a:bodyPr/>
-          <a:lstStyle/>
+          <a:bodyPr anchor="b">
+            <a:normAutofit/>
+          </a:bodyPr>
+          <a:lstStyle>
+            <a:lvl1pPr algn="l">
+              <a:defRPr sz="2400" b="0"/>
+            </a:lvl1pPr>
+          </a:lstStyle>
           <a:p>
             <a:r>
               <a:rPr lang="de-DE" smtClean="0"/>
@@ -6252,81 +6201,116 @@
       </p:sp>
       <p:sp>
         <p:nvSpPr>
-          <p:cNvPr id="17" name="Picture Placeholder 2"/>
+          <p:cNvPr id="15" name="Picture Placeholder 14"/>
           <p:cNvSpPr>
             <a:spLocks noGrp="1" noChangeAspect="1"/>
           </p:cNvSpPr>
           <p:nvPr>
-            <p:ph type="pic" idx="13"/>
+            <p:ph type="pic" sz="quarter" idx="13"/>
           </p:nvPr>
         </p:nvSpPr>
-        <p:spPr>
+        <p:spPr bwMode="auto">
           <a:xfrm>
-            <a:off x="685800" y="533400"/>
-            <a:ext cx="10818812" cy="3124200"/>
+            <a:off x="0" y="0"/>
+            <a:ext cx="12192000" cy="4800600"/>
           </a:xfrm>
-          <a:prstGeom prst="snip2DiagRect">
-            <a:avLst>
-              <a:gd name="adj1" fmla="val 10815"/>
-              <a:gd name="adj2" fmla="val 0"/>
-            </a:avLst>
-          </a:prstGeom>
-          <a:ln w="15875">
+          <a:custGeom>
+            <a:avLst/>
+            <a:gdLst/>
+            <a:ahLst/>
+            <a:cxnLst/>
+            <a:rect l="0" t="0" r="r" b="b"/>
+            <a:pathLst>
+              <a:path w="5760" h="3289">
+                <a:moveTo>
+                  <a:pt x="5760" y="0"/>
+                </a:moveTo>
+                <a:lnTo>
+                  <a:pt x="0" y="0"/>
+                </a:lnTo>
+                <a:lnTo>
+                  <a:pt x="0" y="3100"/>
+                </a:lnTo>
+                <a:lnTo>
+                  <a:pt x="943" y="3100"/>
+                </a:lnTo>
+                <a:lnTo>
+                  <a:pt x="1123" y="3281"/>
+                </a:lnTo>
+                <a:lnTo>
+                  <a:pt x="1123" y="3281"/>
+                </a:lnTo>
+                <a:lnTo>
+                  <a:pt x="1127" y="3283"/>
+                </a:lnTo>
+                <a:lnTo>
+                  <a:pt x="1133" y="3286"/>
+                </a:lnTo>
+                <a:lnTo>
+                  <a:pt x="1139" y="3289"/>
+                </a:lnTo>
+                <a:lnTo>
+                  <a:pt x="1144" y="3289"/>
+                </a:lnTo>
+                <a:lnTo>
+                  <a:pt x="1150" y="3289"/>
+                </a:lnTo>
+                <a:lnTo>
+                  <a:pt x="1155" y="3286"/>
+                </a:lnTo>
+                <a:lnTo>
+                  <a:pt x="1161" y="3283"/>
+                </a:lnTo>
+                <a:lnTo>
+                  <a:pt x="1165" y="3281"/>
+                </a:lnTo>
+                <a:lnTo>
+                  <a:pt x="1345" y="3100"/>
+                </a:lnTo>
+                <a:lnTo>
+                  <a:pt x="5760" y="3100"/>
+                </a:lnTo>
+                <a:lnTo>
+                  <a:pt x="5760" y="0"/>
+                </a:lnTo>
+                <a:close/>
+              </a:path>
+            </a:pathLst>
+          </a:custGeom>
+          <a:noFill/>
+          <a:ln>
             <a:solidFill>
-              <a:schemeClr val="tx1">
-                <a:alpha val="40000"/>
-              </a:schemeClr>
+              <a:schemeClr val="tx2"/>
             </a:solidFill>
           </a:ln>
-          <a:effectLst>
-            <a:innerShdw blurRad="57150" dist="38100" dir="14460000">
-              <a:srgbClr val="000000">
-                <a:alpha val="70000"/>
-              </a:srgbClr>
-            </a:innerShdw>
-          </a:effectLst>
         </p:spPr>
+        <p:style>
+          <a:lnRef idx="1">
+            <a:schemeClr val="accent1"/>
+          </a:lnRef>
+          <a:fillRef idx="3">
+            <a:schemeClr val="accent1"/>
+          </a:fillRef>
+          <a:effectRef idx="2">
+            <a:schemeClr val="accent1"/>
+          </a:effectRef>
+          <a:fontRef idx="minor">
+            <a:schemeClr val="lt1"/>
+          </a:fontRef>
+        </p:style>
         <p:txBody>
-          <a:bodyPr anchor="t">
+          <a:bodyPr wrap="square" numCol="1" anchor="t" anchorCtr="0" compatLnSpc="1">
+            <a:prstTxWarp prst="textNoShape">
+              <a:avLst/>
+            </a:prstTxWarp>
             <a:normAutofit/>
           </a:bodyPr>
           <a:lstStyle>
             <a:lvl1pPr marL="0" indent="0" algn="ctr">
+              <a:buFontTx/>
               <a:buNone/>
               <a:defRPr sz="1600"/>
             </a:lvl1pPr>
-            <a:lvl2pPr marL="457200" indent="0">
-              <a:buNone/>
-              <a:defRPr sz="1600"/>
-            </a:lvl2pPr>
-            <a:lvl3pPr marL="914400" indent="0">
-              <a:buNone/>
-              <a:defRPr sz="1600"/>
-            </a:lvl3pPr>
-            <a:lvl4pPr marL="1371600" indent="0">
-              <a:buNone/>
-              <a:defRPr sz="1600"/>
-            </a:lvl4pPr>
-            <a:lvl5pPr marL="1828800" indent="0">
-              <a:buNone/>
-              <a:defRPr sz="1600"/>
-            </a:lvl5pPr>
-            <a:lvl6pPr marL="2286000" indent="0">
-              <a:buNone/>
-              <a:defRPr sz="1600"/>
-            </a:lvl6pPr>
-            <a:lvl7pPr marL="2743200" indent="0">
-              <a:buNone/>
-              <a:defRPr sz="1600"/>
-            </a:lvl7pPr>
-            <a:lvl8pPr marL="3200400" indent="0">
-              <a:buNone/>
-              <a:defRPr sz="1600"/>
-            </a:lvl8pPr>
-            <a:lvl9pPr marL="3657600" indent="0">
-              <a:buNone/>
-              <a:defRPr sz="1600"/>
-            </a:lvl9pPr>
           </a:lstStyle>
           <a:p>
             <a:r>
@@ -6339,50 +6323,61 @@
       </p:sp>
       <p:sp>
         <p:nvSpPr>
-          <p:cNvPr id="16" name="Text Placeholder 9"/>
+          <p:cNvPr id="4" name="Text Placeholder 3"/>
           <p:cNvSpPr>
             <a:spLocks noGrp="1"/>
           </p:cNvSpPr>
           <p:nvPr>
-            <p:ph type="body" sz="quarter" idx="14"/>
+            <p:ph type="body" sz="half" idx="2"/>
           </p:nvPr>
         </p:nvSpPr>
         <p:spPr>
           <a:xfrm>
-            <a:off x="914402" y="3843867"/>
-            <a:ext cx="8304210" cy="457200"/>
+            <a:off x="810000" y="5367338"/>
+            <a:ext cx="10561418" cy="493712"/>
           </a:xfrm>
         </p:spPr>
         <p:txBody>
-          <a:bodyPr anchor="t">
+          <a:bodyPr>
             <a:normAutofit/>
           </a:bodyPr>
           <a:lstStyle>
             <a:lvl1pPr marL="0" indent="0">
-              <a:buFontTx/>
               <a:buNone/>
-              <a:defRPr sz="1600"/>
+              <a:defRPr sz="1200"/>
             </a:lvl1pPr>
             <a:lvl2pPr marL="457200" indent="0">
-              <a:buFontTx/>
               <a:buNone/>
-              <a:defRPr/>
+              <a:defRPr sz="1200"/>
             </a:lvl2pPr>
             <a:lvl3pPr marL="914400" indent="0">
-              <a:buFontTx/>
               <a:buNone/>
-              <a:defRPr/>
+              <a:defRPr sz="1000"/>
             </a:lvl3pPr>
             <a:lvl4pPr marL="1371600" indent="0">
-              <a:buFontTx/>
               <a:buNone/>
-              <a:defRPr/>
+              <a:defRPr sz="900"/>
             </a:lvl4pPr>
             <a:lvl5pPr marL="1828800" indent="0">
-              <a:buFontTx/>
               <a:buNone/>
-              <a:defRPr/>
+              <a:defRPr sz="900"/>
             </a:lvl5pPr>
+            <a:lvl6pPr marL="2286000" indent="0">
+              <a:buNone/>
+              <a:defRPr sz="900"/>
+            </a:lvl6pPr>
+            <a:lvl7pPr marL="2743200" indent="0">
+              <a:buNone/>
+              <a:defRPr sz="900"/>
+            </a:lvl7pPr>
+            <a:lvl8pPr marL="3200400" indent="0">
+              <a:buNone/>
+              <a:defRPr sz="900"/>
+            </a:lvl8pPr>
+            <a:lvl9pPr marL="3657600" indent="0">
+              <a:buNone/>
+              <a:defRPr sz="900"/>
+            </a:lvl9pPr>
           </a:lstStyle>
           <a:p>
             <a:pPr lvl="0"/>
@@ -6395,7 +6390,7 @@
       </p:sp>
       <p:sp>
         <p:nvSpPr>
-          <p:cNvPr id="3" name="Date Placeholder 2"/>
+          <p:cNvPr id="5" name="Date Placeholder 4"/>
           <p:cNvSpPr>
             <a:spLocks noGrp="1"/>
           </p:cNvSpPr>
@@ -6409,7 +6404,7 @@
           <a:lstStyle/>
           <a:p>
             <a:fld id="{B61BEF0D-F0BB-DE4B-95CE-6DB70DBA9567}" type="datetimeFigureOut">
-              <a:rPr lang="en-US" dirty="0"/>
+              <a:rPr lang="en-US" smtClean="0"/>
               <a:pPr/>
               <a:t>8/25/2018</a:t>
             </a:fld>
@@ -6419,7 +6414,7 @@
       </p:sp>
       <p:sp>
         <p:nvSpPr>
-          <p:cNvPr id="4" name="Footer Placeholder 3"/>
+          <p:cNvPr id="6" name="Footer Placeholder 5"/>
           <p:cNvSpPr>
             <a:spLocks noGrp="1"/>
           </p:cNvSpPr>
@@ -6438,7 +6433,7 @@
       </p:sp>
       <p:sp>
         <p:nvSpPr>
-          <p:cNvPr id="5" name="Slide Number Placeholder 4"/>
+          <p:cNvPr id="7" name="Slide Number Placeholder 6"/>
           <p:cNvSpPr>
             <a:spLocks noGrp="1"/>
           </p:cNvSpPr>
@@ -6452,7 +6447,7 @@
           <a:lstStyle/>
           <a:p>
             <a:fld id="{D57F1E4F-1CFF-5643-939E-217C01CDF565}" type="slidenum">
-              <a:rPr lang="en-US" dirty="0"/>
+              <a:rPr lang="en-US" smtClean="0"/>
               <a:pPr/>
               <a:t>‹Nr.›</a:t>
             </a:fld>
@@ -6461,6 +6456,11 @@
         </p:txBody>
       </p:sp>
     </p:spTree>
+    <p:extLst>
+      <p:ext uri="{BB962C8B-B14F-4D97-AF65-F5344CB8AC3E}">
+        <p14:creationId xmlns:p14="http://schemas.microsoft.com/office/powerpoint/2010/main" val="123660598"/>
+      </p:ext>
+    </p:extLst>
   </p:cSld>
   <p:clrMapOvr>
     <a:masterClrMapping/>
@@ -6470,7 +6470,7 @@
 
 <file path=ppt/slideLayouts/slideLayout11.xml><?xml version="1.0" encoding="utf-8"?>
 <p:sldLayout xmlns:a="http://schemas.openxmlformats.org/drawingml/2006/main" xmlns:r="http://schemas.openxmlformats.org/officeDocument/2006/relationships" xmlns:p="http://schemas.openxmlformats.org/presentationml/2006/main" preserve="1">
-  <p:cSld name="Titel und Beschriftung">
+  <p:cSld name="Zitat mit Beschriftung">
     <p:spTree>
       <p:nvGrpSpPr>
         <p:cNvPr id="1" name=""/>
@@ -6487,6 +6487,214 @@
       </p:grpSpPr>
       <p:sp>
         <p:nvSpPr>
+          <p:cNvPr id="8" name="Freeform 6"/>
+          <p:cNvSpPr>
+            <a:spLocks noChangeAspect="1"/>
+          </p:cNvSpPr>
+          <p:nvPr/>
+        </p:nvSpPr>
+        <p:spPr bwMode="auto">
+          <a:xfrm>
+            <a:off x="631697" y="1081456"/>
+            <a:ext cx="6332416" cy="3239188"/>
+          </a:xfrm>
+          <a:custGeom>
+            <a:avLst/>
+            <a:gdLst/>
+            <a:ahLst/>
+            <a:cxnLst/>
+            <a:rect l="0" t="0" r="r" b="b"/>
+            <a:pathLst>
+              <a:path w="3384" h="2308">
+                <a:moveTo>
+                  <a:pt x="3340" y="0"/>
+                </a:moveTo>
+                <a:lnTo>
+                  <a:pt x="44" y="0"/>
+                </a:lnTo>
+                <a:lnTo>
+                  <a:pt x="44" y="0"/>
+                </a:lnTo>
+                <a:lnTo>
+                  <a:pt x="34" y="0"/>
+                </a:lnTo>
+                <a:lnTo>
+                  <a:pt x="26" y="4"/>
+                </a:lnTo>
+                <a:lnTo>
+                  <a:pt x="20" y="8"/>
+                </a:lnTo>
+                <a:lnTo>
+                  <a:pt x="12" y="12"/>
+                </a:lnTo>
+                <a:lnTo>
+                  <a:pt x="8" y="20"/>
+                </a:lnTo>
+                <a:lnTo>
+                  <a:pt x="4" y="26"/>
+                </a:lnTo>
+                <a:lnTo>
+                  <a:pt x="0" y="34"/>
+                </a:lnTo>
+                <a:lnTo>
+                  <a:pt x="0" y="44"/>
+                </a:lnTo>
+                <a:lnTo>
+                  <a:pt x="0" y="2076"/>
+                </a:lnTo>
+                <a:lnTo>
+                  <a:pt x="0" y="2076"/>
+                </a:lnTo>
+                <a:lnTo>
+                  <a:pt x="0" y="2086"/>
+                </a:lnTo>
+                <a:lnTo>
+                  <a:pt x="4" y="2094"/>
+                </a:lnTo>
+                <a:lnTo>
+                  <a:pt x="8" y="2100"/>
+                </a:lnTo>
+                <a:lnTo>
+                  <a:pt x="12" y="2108"/>
+                </a:lnTo>
+                <a:lnTo>
+                  <a:pt x="20" y="2112"/>
+                </a:lnTo>
+                <a:lnTo>
+                  <a:pt x="26" y="2116"/>
+                </a:lnTo>
+                <a:lnTo>
+                  <a:pt x="34" y="2120"/>
+                </a:lnTo>
+                <a:lnTo>
+                  <a:pt x="44" y="2120"/>
+                </a:lnTo>
+                <a:lnTo>
+                  <a:pt x="474" y="2120"/>
+                </a:lnTo>
+                <a:lnTo>
+                  <a:pt x="650" y="2296"/>
+                </a:lnTo>
+                <a:lnTo>
+                  <a:pt x="650" y="2296"/>
+                </a:lnTo>
+                <a:lnTo>
+                  <a:pt x="656" y="2300"/>
+                </a:lnTo>
+                <a:lnTo>
+                  <a:pt x="664" y="2304"/>
+                </a:lnTo>
+                <a:lnTo>
+                  <a:pt x="672" y="2308"/>
+                </a:lnTo>
+                <a:lnTo>
+                  <a:pt x="680" y="2308"/>
+                </a:lnTo>
+                <a:lnTo>
+                  <a:pt x="688" y="2308"/>
+                </a:lnTo>
+                <a:lnTo>
+                  <a:pt x="696" y="2304"/>
+                </a:lnTo>
+                <a:lnTo>
+                  <a:pt x="704" y="2300"/>
+                </a:lnTo>
+                <a:lnTo>
+                  <a:pt x="710" y="2296"/>
+                </a:lnTo>
+                <a:lnTo>
+                  <a:pt x="886" y="2120"/>
+                </a:lnTo>
+                <a:lnTo>
+                  <a:pt x="3340" y="2120"/>
+                </a:lnTo>
+                <a:lnTo>
+                  <a:pt x="3340" y="2120"/>
+                </a:lnTo>
+                <a:lnTo>
+                  <a:pt x="3350" y="2120"/>
+                </a:lnTo>
+                <a:lnTo>
+                  <a:pt x="3358" y="2116"/>
+                </a:lnTo>
+                <a:lnTo>
+                  <a:pt x="3364" y="2112"/>
+                </a:lnTo>
+                <a:lnTo>
+                  <a:pt x="3372" y="2108"/>
+                </a:lnTo>
+                <a:lnTo>
+                  <a:pt x="3376" y="2100"/>
+                </a:lnTo>
+                <a:lnTo>
+                  <a:pt x="3380" y="2094"/>
+                </a:lnTo>
+                <a:lnTo>
+                  <a:pt x="3384" y="2086"/>
+                </a:lnTo>
+                <a:lnTo>
+                  <a:pt x="3384" y="2076"/>
+                </a:lnTo>
+                <a:lnTo>
+                  <a:pt x="3384" y="44"/>
+                </a:lnTo>
+                <a:lnTo>
+                  <a:pt x="3384" y="44"/>
+                </a:lnTo>
+                <a:lnTo>
+                  <a:pt x="3384" y="34"/>
+                </a:lnTo>
+                <a:lnTo>
+                  <a:pt x="3380" y="26"/>
+                </a:lnTo>
+                <a:lnTo>
+                  <a:pt x="3376" y="20"/>
+                </a:lnTo>
+                <a:lnTo>
+                  <a:pt x="3372" y="12"/>
+                </a:lnTo>
+                <a:lnTo>
+                  <a:pt x="3364" y="8"/>
+                </a:lnTo>
+                <a:lnTo>
+                  <a:pt x="3358" y="4"/>
+                </a:lnTo>
+                <a:lnTo>
+                  <a:pt x="3350" y="0"/>
+                </a:lnTo>
+                <a:lnTo>
+                  <a:pt x="3340" y="0"/>
+                </a:lnTo>
+                <a:lnTo>
+                  <a:pt x="3340" y="0"/>
+                </a:lnTo>
+                <a:close/>
+              </a:path>
+            </a:pathLst>
+          </a:custGeom>
+          <a:ln>
+            <a:solidFill>
+              <a:schemeClr val="accent1"/>
+            </a:solidFill>
+          </a:ln>
+        </p:spPr>
+        <p:style>
+          <a:lnRef idx="1">
+            <a:schemeClr val="accent1"/>
+          </a:lnRef>
+          <a:fillRef idx="3">
+            <a:schemeClr val="accent1"/>
+          </a:fillRef>
+          <a:effectRef idx="2">
+            <a:schemeClr val="accent1"/>
+          </a:effectRef>
+          <a:fontRef idx="minor">
+            <a:schemeClr val="lt1"/>
+          </a:fontRef>
+        </p:style>
+      </p:sp>
+      <p:sp>
+        <p:nvSpPr>
           <p:cNvPr id="2" name="Title 1"/>
           <p:cNvSpPr>
             <a:spLocks noGrp="1"/>
@@ -6497,17 +6705,15 @@
         </p:nvSpPr>
         <p:spPr>
           <a:xfrm>
-            <a:off x="684213" y="685800"/>
-            <a:ext cx="10058400" cy="2743200"/>
+            <a:off x="850985" y="1238502"/>
+            <a:ext cx="5893840" cy="2645912"/>
           </a:xfrm>
         </p:spPr>
         <p:txBody>
-          <a:bodyPr anchor="ctr">
-            <a:normAutofit/>
-          </a:bodyPr>
+          <a:bodyPr anchor="b"/>
           <a:lstStyle>
             <a:lvl1pPr algn="l">
-              <a:defRPr sz="3200" b="0" cap="all"/>
+              <a:defRPr sz="4200" b="1" cap="none"/>
             </a:lvl1pPr>
           </a:lstStyle>
           <a:p>
@@ -6531,22 +6737,20 @@
         </p:nvSpPr>
         <p:spPr>
           <a:xfrm>
-            <a:off x="684212" y="4114800"/>
-            <a:ext cx="8535988" cy="1879600"/>
+            <a:off x="853190" y="4443680"/>
+            <a:ext cx="5891636" cy="713241"/>
           </a:xfrm>
         </p:spPr>
         <p:txBody>
-          <a:bodyPr anchor="ctr">
-            <a:normAutofit/>
+          <a:bodyPr anchor="t">
+            <a:noAutofit/>
           </a:bodyPr>
           <a:lstStyle>
             <a:lvl1pPr marL="0" indent="0" algn="l">
               <a:buNone/>
-              <a:defRPr sz="2000">
+              <a:defRPr sz="1800">
                 <a:solidFill>
-                  <a:schemeClr val="bg2">
-                    <a:lumMod val="75000"/>
-                  </a:schemeClr>
+                  <a:schemeClr val="tx1"/>
                 </a:solidFill>
               </a:defRPr>
             </a:lvl1pPr>
@@ -6642,6 +6846,40 @@
       </p:sp>
       <p:sp>
         <p:nvSpPr>
+          <p:cNvPr id="9" name="Text Placeholder 5"/>
+          <p:cNvSpPr>
+            <a:spLocks noGrp="1"/>
+          </p:cNvSpPr>
+          <p:nvPr>
+            <p:ph type="body" sz="quarter" idx="16"/>
+          </p:nvPr>
+        </p:nvSpPr>
+        <p:spPr>
+          <a:xfrm>
+            <a:off x="7574642" y="1081456"/>
+            <a:ext cx="3810001" cy="4075465"/>
+          </a:xfrm>
+        </p:spPr>
+        <p:txBody>
+          <a:bodyPr anchor="t"/>
+          <a:lstStyle>
+            <a:lvl1pPr marL="0" indent="0">
+              <a:buFontTx/>
+              <a:buNone/>
+              <a:defRPr/>
+            </a:lvl1pPr>
+          </a:lstStyle>
+          <a:p>
+            <a:pPr lvl="0"/>
+            <a:r>
+              <a:rPr lang="de-DE" smtClean="0"/>
+              <a:t>Formatvorlagen des Textmasters bearbeiten</a:t>
+            </a:r>
+          </a:p>
+        </p:txBody>
+      </p:sp>
+      <p:sp>
+        <p:nvSpPr>
           <p:cNvPr id="4" name="Date Placeholder 3"/>
           <p:cNvSpPr>
             <a:spLocks noGrp="1"/>
@@ -6656,7 +6894,7 @@
           <a:lstStyle/>
           <a:p>
             <a:fld id="{B61BEF0D-F0BB-DE4B-95CE-6DB70DBA9567}" type="datetimeFigureOut">
-              <a:rPr lang="en-US" dirty="0"/>
+              <a:rPr lang="en-US" smtClean="0"/>
               <a:pPr/>
               <a:t>8/25/2018</a:t>
             </a:fld>
@@ -6699,7 +6937,7 @@
           <a:lstStyle/>
           <a:p>
             <a:fld id="{D57F1E4F-1CFF-5643-939E-217C01CDF565}" type="slidenum">
-              <a:rPr lang="en-US" dirty="0"/>
+              <a:rPr lang="en-US" smtClean="0"/>
               <a:pPr/>
               <a:t>‹Nr.›</a:t>
             </a:fld>
@@ -6708,6 +6946,11 @@
         </p:txBody>
       </p:sp>
     </p:spTree>
+    <p:extLst>
+      <p:ext uri="{BB962C8B-B14F-4D97-AF65-F5344CB8AC3E}">
+        <p14:creationId xmlns:p14="http://schemas.microsoft.com/office/powerpoint/2010/main" val="256283462"/>
+      </p:ext>
+    </p:extLst>
   </p:cSld>
   <p:clrMapOvr>
     <a:masterClrMapping/>
@@ -6717,7 +6960,7 @@
 
 <file path=ppt/slideLayouts/slideLayout12.xml><?xml version="1.0" encoding="utf-8"?>
 <p:sldLayout xmlns:a="http://schemas.openxmlformats.org/drawingml/2006/main" xmlns:r="http://schemas.openxmlformats.org/officeDocument/2006/relationships" xmlns:p="http://schemas.openxmlformats.org/presentationml/2006/main" preserve="1">
-  <p:cSld name="Zitat mit Beschriftung">
+  <p:cSld name="Namenskarte">
     <p:spTree>
       <p:nvGrpSpPr>
         <p:cNvPr id="1" name=""/>
@@ -6734,6 +6977,1042 @@
       </p:grpSpPr>
       <p:sp>
         <p:nvSpPr>
+          <p:cNvPr id="9" name="Freeform 6"/>
+          <p:cNvSpPr>
+            <a:spLocks noChangeAspect="1"/>
+          </p:cNvSpPr>
+          <p:nvPr/>
+        </p:nvSpPr>
+        <p:spPr bwMode="auto">
+          <a:xfrm>
+            <a:off x="1140884" y="2286585"/>
+            <a:ext cx="4895115" cy="2503972"/>
+          </a:xfrm>
+          <a:custGeom>
+            <a:avLst/>
+            <a:gdLst/>
+            <a:ahLst/>
+            <a:cxnLst/>
+            <a:rect l="0" t="0" r="r" b="b"/>
+            <a:pathLst>
+              <a:path w="3384" h="2308">
+                <a:moveTo>
+                  <a:pt x="3340" y="0"/>
+                </a:moveTo>
+                <a:lnTo>
+                  <a:pt x="44" y="0"/>
+                </a:lnTo>
+                <a:lnTo>
+                  <a:pt x="44" y="0"/>
+                </a:lnTo>
+                <a:lnTo>
+                  <a:pt x="34" y="0"/>
+                </a:lnTo>
+                <a:lnTo>
+                  <a:pt x="26" y="4"/>
+                </a:lnTo>
+                <a:lnTo>
+                  <a:pt x="20" y="8"/>
+                </a:lnTo>
+                <a:lnTo>
+                  <a:pt x="12" y="12"/>
+                </a:lnTo>
+                <a:lnTo>
+                  <a:pt x="8" y="20"/>
+                </a:lnTo>
+                <a:lnTo>
+                  <a:pt x="4" y="26"/>
+                </a:lnTo>
+                <a:lnTo>
+                  <a:pt x="0" y="34"/>
+                </a:lnTo>
+                <a:lnTo>
+                  <a:pt x="0" y="44"/>
+                </a:lnTo>
+                <a:lnTo>
+                  <a:pt x="0" y="2076"/>
+                </a:lnTo>
+                <a:lnTo>
+                  <a:pt x="0" y="2076"/>
+                </a:lnTo>
+                <a:lnTo>
+                  <a:pt x="0" y="2086"/>
+                </a:lnTo>
+                <a:lnTo>
+                  <a:pt x="4" y="2094"/>
+                </a:lnTo>
+                <a:lnTo>
+                  <a:pt x="8" y="2100"/>
+                </a:lnTo>
+                <a:lnTo>
+                  <a:pt x="12" y="2108"/>
+                </a:lnTo>
+                <a:lnTo>
+                  <a:pt x="20" y="2112"/>
+                </a:lnTo>
+                <a:lnTo>
+                  <a:pt x="26" y="2116"/>
+                </a:lnTo>
+                <a:lnTo>
+                  <a:pt x="34" y="2120"/>
+                </a:lnTo>
+                <a:lnTo>
+                  <a:pt x="44" y="2120"/>
+                </a:lnTo>
+                <a:lnTo>
+                  <a:pt x="474" y="2120"/>
+                </a:lnTo>
+                <a:lnTo>
+                  <a:pt x="650" y="2296"/>
+                </a:lnTo>
+                <a:lnTo>
+                  <a:pt x="650" y="2296"/>
+                </a:lnTo>
+                <a:lnTo>
+                  <a:pt x="656" y="2300"/>
+                </a:lnTo>
+                <a:lnTo>
+                  <a:pt x="664" y="2304"/>
+                </a:lnTo>
+                <a:lnTo>
+                  <a:pt x="672" y="2308"/>
+                </a:lnTo>
+                <a:lnTo>
+                  <a:pt x="680" y="2308"/>
+                </a:lnTo>
+                <a:lnTo>
+                  <a:pt x="688" y="2308"/>
+                </a:lnTo>
+                <a:lnTo>
+                  <a:pt x="696" y="2304"/>
+                </a:lnTo>
+                <a:lnTo>
+                  <a:pt x="704" y="2300"/>
+                </a:lnTo>
+                <a:lnTo>
+                  <a:pt x="710" y="2296"/>
+                </a:lnTo>
+                <a:lnTo>
+                  <a:pt x="886" y="2120"/>
+                </a:lnTo>
+                <a:lnTo>
+                  <a:pt x="3340" y="2120"/>
+                </a:lnTo>
+                <a:lnTo>
+                  <a:pt x="3340" y="2120"/>
+                </a:lnTo>
+                <a:lnTo>
+                  <a:pt x="3350" y="2120"/>
+                </a:lnTo>
+                <a:lnTo>
+                  <a:pt x="3358" y="2116"/>
+                </a:lnTo>
+                <a:lnTo>
+                  <a:pt x="3364" y="2112"/>
+                </a:lnTo>
+                <a:lnTo>
+                  <a:pt x="3372" y="2108"/>
+                </a:lnTo>
+                <a:lnTo>
+                  <a:pt x="3376" y="2100"/>
+                </a:lnTo>
+                <a:lnTo>
+                  <a:pt x="3380" y="2094"/>
+                </a:lnTo>
+                <a:lnTo>
+                  <a:pt x="3384" y="2086"/>
+                </a:lnTo>
+                <a:lnTo>
+                  <a:pt x="3384" y="2076"/>
+                </a:lnTo>
+                <a:lnTo>
+                  <a:pt x="3384" y="44"/>
+                </a:lnTo>
+                <a:lnTo>
+                  <a:pt x="3384" y="44"/>
+                </a:lnTo>
+                <a:lnTo>
+                  <a:pt x="3384" y="34"/>
+                </a:lnTo>
+                <a:lnTo>
+                  <a:pt x="3380" y="26"/>
+                </a:lnTo>
+                <a:lnTo>
+                  <a:pt x="3376" y="20"/>
+                </a:lnTo>
+                <a:lnTo>
+                  <a:pt x="3372" y="12"/>
+                </a:lnTo>
+                <a:lnTo>
+                  <a:pt x="3364" y="8"/>
+                </a:lnTo>
+                <a:lnTo>
+                  <a:pt x="3358" y="4"/>
+                </a:lnTo>
+                <a:lnTo>
+                  <a:pt x="3350" y="0"/>
+                </a:lnTo>
+                <a:lnTo>
+                  <a:pt x="3340" y="0"/>
+                </a:lnTo>
+                <a:lnTo>
+                  <a:pt x="3340" y="0"/>
+                </a:lnTo>
+                <a:close/>
+              </a:path>
+            </a:pathLst>
+          </a:custGeom>
+          <a:ln>
+            <a:solidFill>
+              <a:schemeClr val="accent1"/>
+            </a:solidFill>
+          </a:ln>
+        </p:spPr>
+        <p:style>
+          <a:lnRef idx="1">
+            <a:schemeClr val="accent1"/>
+          </a:lnRef>
+          <a:fillRef idx="3">
+            <a:schemeClr val="accent1"/>
+          </a:fillRef>
+          <a:effectRef idx="2">
+            <a:schemeClr val="accent1"/>
+          </a:effectRef>
+          <a:fontRef idx="minor">
+            <a:schemeClr val="lt1"/>
+          </a:fontRef>
+        </p:style>
+      </p:sp>
+      <p:sp>
+        <p:nvSpPr>
+          <p:cNvPr id="38" name="Title 1"/>
+          <p:cNvSpPr>
+            <a:spLocks noGrp="1"/>
+          </p:cNvSpPr>
+          <p:nvPr>
+            <p:ph type="title"/>
+          </p:nvPr>
+        </p:nvSpPr>
+        <p:spPr>
+          <a:xfrm>
+            <a:off x="1357089" y="2435957"/>
+            <a:ext cx="4382521" cy="2007789"/>
+          </a:xfrm>
+        </p:spPr>
+        <p:txBody>
+          <a:bodyPr/>
+          <a:lstStyle>
+            <a:lvl1pPr>
+              <a:defRPr sz="3200"/>
+            </a:lvl1pPr>
+          </a:lstStyle>
+          <a:p>
+            <a:r>
+              <a:rPr lang="de-DE" smtClean="0"/>
+              <a:t>Titelmasterformat durch Klicken bearbeiten</a:t>
+            </a:r>
+            <a:endParaRPr lang="en-US" dirty="0"/>
+          </a:p>
+        </p:txBody>
+      </p:sp>
+      <p:sp>
+        <p:nvSpPr>
+          <p:cNvPr id="6" name="Text Placeholder 5"/>
+          <p:cNvSpPr>
+            <a:spLocks noGrp="1"/>
+          </p:cNvSpPr>
+          <p:nvPr>
+            <p:ph type="body" sz="quarter" idx="16"/>
+          </p:nvPr>
+        </p:nvSpPr>
+        <p:spPr>
+          <a:xfrm>
+            <a:off x="6156000" y="2286000"/>
+            <a:ext cx="4880300" cy="2295525"/>
+          </a:xfrm>
+        </p:spPr>
+        <p:txBody>
+          <a:bodyPr anchor="t"/>
+          <a:lstStyle>
+            <a:lvl1pPr marL="0" indent="0">
+              <a:buFontTx/>
+              <a:buNone/>
+              <a:defRPr/>
+            </a:lvl1pPr>
+          </a:lstStyle>
+          <a:p>
+            <a:pPr lvl="0"/>
+            <a:r>
+              <a:rPr lang="de-DE" smtClean="0"/>
+              <a:t>Formatvorlagen des Textmasters bearbeiten</a:t>
+            </a:r>
+          </a:p>
+        </p:txBody>
+      </p:sp>
+      <p:sp>
+        <p:nvSpPr>
+          <p:cNvPr id="2" name="Date Placeholder 1"/>
+          <p:cNvSpPr>
+            <a:spLocks noGrp="1"/>
+          </p:cNvSpPr>
+          <p:nvPr>
+            <p:ph type="dt" sz="half" idx="10"/>
+          </p:nvPr>
+        </p:nvSpPr>
+        <p:spPr/>
+        <p:txBody>
+          <a:bodyPr/>
+          <a:lstStyle/>
+          <a:p>
+            <a:fld id="{B61BEF0D-F0BB-DE4B-95CE-6DB70DBA9567}" type="datetimeFigureOut">
+              <a:rPr lang="en-US" smtClean="0"/>
+              <a:pPr/>
+              <a:t>8/25/2018</a:t>
+            </a:fld>
+            <a:endParaRPr lang="en-US" dirty="0"/>
+          </a:p>
+        </p:txBody>
+      </p:sp>
+      <p:sp>
+        <p:nvSpPr>
+          <p:cNvPr id="3" name="Footer Placeholder 2"/>
+          <p:cNvSpPr>
+            <a:spLocks noGrp="1"/>
+          </p:cNvSpPr>
+          <p:nvPr>
+            <p:ph type="ftr" sz="quarter" idx="11"/>
+          </p:nvPr>
+        </p:nvSpPr>
+        <p:spPr/>
+        <p:txBody>
+          <a:bodyPr/>
+          <a:lstStyle/>
+          <a:p>
+            <a:endParaRPr lang="en-US" dirty="0"/>
+          </a:p>
+        </p:txBody>
+      </p:sp>
+      <p:sp>
+        <p:nvSpPr>
+          <p:cNvPr id="4" name="Slide Number Placeholder 3"/>
+          <p:cNvSpPr>
+            <a:spLocks noGrp="1"/>
+          </p:cNvSpPr>
+          <p:nvPr>
+            <p:ph type="sldNum" sz="quarter" idx="12"/>
+          </p:nvPr>
+        </p:nvSpPr>
+        <p:spPr/>
+        <p:txBody>
+          <a:bodyPr/>
+          <a:lstStyle/>
+          <a:p>
+            <a:fld id="{D57F1E4F-1CFF-5643-939E-217C01CDF565}" type="slidenum">
+              <a:rPr lang="en-US" smtClean="0"/>
+              <a:pPr/>
+              <a:t>‹Nr.›</a:t>
+            </a:fld>
+            <a:endParaRPr lang="en-US" dirty="0"/>
+          </a:p>
+        </p:txBody>
+      </p:sp>
+    </p:spTree>
+    <p:extLst>
+      <p:ext uri="{BB962C8B-B14F-4D97-AF65-F5344CB8AC3E}">
+        <p14:creationId xmlns:p14="http://schemas.microsoft.com/office/powerpoint/2010/main" val="557099224"/>
+      </p:ext>
+    </p:extLst>
+  </p:cSld>
+  <p:clrMapOvr>
+    <a:masterClrMapping/>
+  </p:clrMapOvr>
+</p:sldLayout>
+</file>
+
+<file path=ppt/slideLayouts/slideLayout13.xml><?xml version="1.0" encoding="utf-8"?>
+<p:sldLayout xmlns:a="http://schemas.openxmlformats.org/drawingml/2006/main" xmlns:r="http://schemas.openxmlformats.org/officeDocument/2006/relationships" xmlns:p="http://schemas.openxmlformats.org/presentationml/2006/main" type="vertTx" preserve="1">
+  <p:cSld name="Titel und vertikaler Text">
+    <p:spTree>
+      <p:nvGrpSpPr>
+        <p:cNvPr id="1" name=""/>
+        <p:cNvGrpSpPr/>
+        <p:nvPr/>
+      </p:nvGrpSpPr>
+      <p:grpSpPr>
+        <a:xfrm>
+          <a:off x="0" y="0"/>
+          <a:ext cx="0" cy="0"/>
+          <a:chOff x="0" y="0"/>
+          <a:chExt cx="0" cy="0"/>
+        </a:xfrm>
+      </p:grpSpPr>
+      <p:sp>
+        <p:nvSpPr>
+          <p:cNvPr id="7" name="Freeform 6"/>
+          <p:cNvSpPr/>
+          <p:nvPr/>
+        </p:nvSpPr>
+        <p:spPr bwMode="auto">
+          <a:xfrm>
+            <a:off x="0" y="0"/>
+            <a:ext cx="12192000" cy="2185988"/>
+          </a:xfrm>
+          <a:custGeom>
+            <a:avLst/>
+            <a:gdLst/>
+            <a:ahLst/>
+            <a:cxnLst/>
+            <a:rect l="0" t="0" r="r" b="b"/>
+            <a:pathLst>
+              <a:path w="5760" h="1377">
+                <a:moveTo>
+                  <a:pt x="5760" y="0"/>
+                </a:moveTo>
+                <a:lnTo>
+                  <a:pt x="0" y="0"/>
+                </a:lnTo>
+                <a:lnTo>
+                  <a:pt x="0" y="1189"/>
+                </a:lnTo>
+                <a:lnTo>
+                  <a:pt x="943" y="1189"/>
+                </a:lnTo>
+                <a:lnTo>
+                  <a:pt x="1123" y="1369"/>
+                </a:lnTo>
+                <a:lnTo>
+                  <a:pt x="1123" y="1369"/>
+                </a:lnTo>
+                <a:lnTo>
+                  <a:pt x="1127" y="1371"/>
+                </a:lnTo>
+                <a:lnTo>
+                  <a:pt x="1133" y="1374"/>
+                </a:lnTo>
+                <a:lnTo>
+                  <a:pt x="1139" y="1377"/>
+                </a:lnTo>
+                <a:lnTo>
+                  <a:pt x="1144" y="1377"/>
+                </a:lnTo>
+                <a:lnTo>
+                  <a:pt x="1150" y="1377"/>
+                </a:lnTo>
+                <a:lnTo>
+                  <a:pt x="1155" y="1374"/>
+                </a:lnTo>
+                <a:lnTo>
+                  <a:pt x="1161" y="1371"/>
+                </a:lnTo>
+                <a:lnTo>
+                  <a:pt x="1165" y="1369"/>
+                </a:lnTo>
+                <a:lnTo>
+                  <a:pt x="1345" y="1189"/>
+                </a:lnTo>
+                <a:lnTo>
+                  <a:pt x="5760" y="1189"/>
+                </a:lnTo>
+                <a:lnTo>
+                  <a:pt x="5760" y="0"/>
+                </a:lnTo>
+                <a:close/>
+              </a:path>
+            </a:pathLst>
+          </a:custGeom>
+          <a:ln/>
+          <a:extLst>
+            <a:ext uri="{91240B29-F687-4f45-9708-019B960494DF}">
+              <a14:hiddenLine xmlns:a14="http://schemas.microsoft.com/office/drawing/2010/main" xmlns="" w="9525">
+                <a:solidFill>
+                  <a:srgbClr val="000000"/>
+                </a:solidFill>
+                <a:round/>
+                <a:headEnd/>
+                <a:tailEnd/>
+              </a14:hiddenLine>
+            </a:ext>
+          </a:extLst>
+        </p:spPr>
+        <p:style>
+          <a:lnRef idx="1">
+            <a:schemeClr val="accent1"/>
+          </a:lnRef>
+          <a:fillRef idx="3">
+            <a:schemeClr val="accent1"/>
+          </a:fillRef>
+          <a:effectRef idx="2">
+            <a:schemeClr val="accent1"/>
+          </a:effectRef>
+          <a:fontRef idx="minor">
+            <a:schemeClr val="lt1"/>
+          </a:fontRef>
+        </p:style>
+      </p:sp>
+      <p:sp>
+        <p:nvSpPr>
+          <p:cNvPr id="2" name="Title 1"/>
+          <p:cNvSpPr>
+            <a:spLocks noGrp="1"/>
+          </p:cNvSpPr>
+          <p:nvPr>
+            <p:ph type="title"/>
+          </p:nvPr>
+        </p:nvSpPr>
+        <p:spPr/>
+        <p:txBody>
+          <a:bodyPr/>
+          <a:lstStyle/>
+          <a:p>
+            <a:r>
+              <a:rPr lang="de-DE" smtClean="0"/>
+              <a:t>Titelmasterformat durch Klicken bearbeiten</a:t>
+            </a:r>
+            <a:endParaRPr lang="en-US" dirty="0"/>
+          </a:p>
+        </p:txBody>
+      </p:sp>
+      <p:sp>
+        <p:nvSpPr>
+          <p:cNvPr id="3" name="Vertical Text Placeholder 2"/>
+          <p:cNvSpPr>
+            <a:spLocks noGrp="1"/>
+          </p:cNvSpPr>
+          <p:nvPr>
+            <p:ph type="body" orient="vert" idx="1"/>
+          </p:nvPr>
+        </p:nvSpPr>
+        <p:spPr/>
+        <p:txBody>
+          <a:bodyPr vert="eaVert" anchor="t"/>
+          <a:lstStyle/>
+          <a:p>
+            <a:pPr lvl="0"/>
+            <a:r>
+              <a:rPr lang="de-DE" smtClean="0"/>
+              <a:t>Formatvorlagen des Textmasters bearbeiten</a:t>
+            </a:r>
+          </a:p>
+          <a:p>
+            <a:pPr lvl="1"/>
+            <a:r>
+              <a:rPr lang="de-DE" smtClean="0"/>
+              <a:t>Zweite Ebene</a:t>
+            </a:r>
+          </a:p>
+          <a:p>
+            <a:pPr lvl="2"/>
+            <a:r>
+              <a:rPr lang="de-DE" smtClean="0"/>
+              <a:t>Dritte Ebene</a:t>
+            </a:r>
+          </a:p>
+          <a:p>
+            <a:pPr lvl="3"/>
+            <a:r>
+              <a:rPr lang="de-DE" smtClean="0"/>
+              <a:t>Vierte Ebene</a:t>
+            </a:r>
+          </a:p>
+          <a:p>
+            <a:pPr lvl="4"/>
+            <a:r>
+              <a:rPr lang="de-DE" smtClean="0"/>
+              <a:t>Fünfte Ebene</a:t>
+            </a:r>
+            <a:endParaRPr lang="en-US" dirty="0"/>
+          </a:p>
+        </p:txBody>
+      </p:sp>
+      <p:sp>
+        <p:nvSpPr>
+          <p:cNvPr id="4" name="Date Placeholder 3"/>
+          <p:cNvSpPr>
+            <a:spLocks noGrp="1"/>
+          </p:cNvSpPr>
+          <p:nvPr>
+            <p:ph type="dt" sz="half" idx="10"/>
+          </p:nvPr>
+        </p:nvSpPr>
+        <p:spPr/>
+        <p:txBody>
+          <a:bodyPr/>
+          <a:lstStyle/>
+          <a:p>
+            <a:fld id="{B61BEF0D-F0BB-DE4B-95CE-6DB70DBA9567}" type="datetimeFigureOut">
+              <a:rPr lang="en-US" smtClean="0"/>
+              <a:pPr/>
+              <a:t>8/25/2018</a:t>
+            </a:fld>
+            <a:endParaRPr lang="en-US" dirty="0"/>
+          </a:p>
+        </p:txBody>
+      </p:sp>
+      <p:sp>
+        <p:nvSpPr>
+          <p:cNvPr id="5" name="Footer Placeholder 4"/>
+          <p:cNvSpPr>
+            <a:spLocks noGrp="1"/>
+          </p:cNvSpPr>
+          <p:nvPr>
+            <p:ph type="ftr" sz="quarter" idx="11"/>
+          </p:nvPr>
+        </p:nvSpPr>
+        <p:spPr/>
+        <p:txBody>
+          <a:bodyPr/>
+          <a:lstStyle/>
+          <a:p>
+            <a:endParaRPr lang="en-US" dirty="0"/>
+          </a:p>
+        </p:txBody>
+      </p:sp>
+      <p:sp>
+        <p:nvSpPr>
+          <p:cNvPr id="6" name="Slide Number Placeholder 5"/>
+          <p:cNvSpPr>
+            <a:spLocks noGrp="1"/>
+          </p:cNvSpPr>
+          <p:nvPr>
+            <p:ph type="sldNum" sz="quarter" idx="12"/>
+          </p:nvPr>
+        </p:nvSpPr>
+        <p:spPr/>
+        <p:txBody>
+          <a:bodyPr/>
+          <a:lstStyle/>
+          <a:p>
+            <a:fld id="{D57F1E4F-1CFF-5643-939E-217C01CDF565}" type="slidenum">
+              <a:rPr lang="en-US" smtClean="0"/>
+              <a:pPr/>
+              <a:t>‹Nr.›</a:t>
+            </a:fld>
+            <a:endParaRPr lang="en-US" dirty="0"/>
+          </a:p>
+        </p:txBody>
+      </p:sp>
+    </p:spTree>
+    <p:extLst>
+      <p:ext uri="{BB962C8B-B14F-4D97-AF65-F5344CB8AC3E}">
+        <p14:creationId xmlns:p14="http://schemas.microsoft.com/office/powerpoint/2010/main" val="1612679873"/>
+      </p:ext>
+    </p:extLst>
+  </p:cSld>
+  <p:clrMapOvr>
+    <a:masterClrMapping/>
+  </p:clrMapOvr>
+</p:sldLayout>
+</file>
+
+<file path=ppt/slideLayouts/slideLayout14.xml><?xml version="1.0" encoding="utf-8"?>
+<p:sldLayout xmlns:a="http://schemas.openxmlformats.org/drawingml/2006/main" xmlns:r="http://schemas.openxmlformats.org/officeDocument/2006/relationships" xmlns:p="http://schemas.openxmlformats.org/presentationml/2006/main" type="vertTitleAndTx" preserve="1">
+  <p:cSld name="Vertikaler Titel und Text">
+    <p:spTree>
+      <p:nvGrpSpPr>
+        <p:cNvPr id="1" name=""/>
+        <p:cNvGrpSpPr/>
+        <p:nvPr/>
+      </p:nvGrpSpPr>
+      <p:grpSpPr>
+        <a:xfrm>
+          <a:off x="0" y="0"/>
+          <a:ext cx="0" cy="0"/>
+          <a:chOff x="0" y="0"/>
+          <a:chExt cx="0" cy="0"/>
+        </a:xfrm>
+      </p:grpSpPr>
+      <p:sp>
+        <p:nvSpPr>
+          <p:cNvPr id="12" name="Freeform 6"/>
+          <p:cNvSpPr>
+            <a:spLocks noChangeAspect="1"/>
+          </p:cNvSpPr>
+          <p:nvPr/>
+        </p:nvSpPr>
+        <p:spPr bwMode="auto">
+          <a:xfrm>
+            <a:off x="7669651" y="446089"/>
+            <a:ext cx="4522349" cy="5414962"/>
+          </a:xfrm>
+          <a:custGeom>
+            <a:avLst/>
+            <a:gdLst/>
+            <a:ahLst/>
+            <a:cxnLst/>
+            <a:rect l="0" t="0" r="r" b="b"/>
+            <a:pathLst>
+              <a:path w="2879" h="4320">
+                <a:moveTo>
+                  <a:pt x="183" y="0"/>
+                </a:moveTo>
+                <a:lnTo>
+                  <a:pt x="183" y="1197"/>
+                </a:lnTo>
+                <a:lnTo>
+                  <a:pt x="8" y="1372"/>
+                </a:lnTo>
+                <a:lnTo>
+                  <a:pt x="8" y="1372"/>
+                </a:lnTo>
+                <a:lnTo>
+                  <a:pt x="6" y="1376"/>
+                </a:lnTo>
+                <a:lnTo>
+                  <a:pt x="3" y="1382"/>
+                </a:lnTo>
+                <a:lnTo>
+                  <a:pt x="0" y="1387"/>
+                </a:lnTo>
+                <a:lnTo>
+                  <a:pt x="0" y="1393"/>
+                </a:lnTo>
+                <a:lnTo>
+                  <a:pt x="0" y="1399"/>
+                </a:lnTo>
+                <a:lnTo>
+                  <a:pt x="3" y="1404"/>
+                </a:lnTo>
+                <a:lnTo>
+                  <a:pt x="6" y="1410"/>
+                </a:lnTo>
+                <a:lnTo>
+                  <a:pt x="8" y="1414"/>
+                </a:lnTo>
+                <a:lnTo>
+                  <a:pt x="183" y="1589"/>
+                </a:lnTo>
+                <a:lnTo>
+                  <a:pt x="183" y="4320"/>
+                </a:lnTo>
+                <a:lnTo>
+                  <a:pt x="2879" y="4320"/>
+                </a:lnTo>
+                <a:lnTo>
+                  <a:pt x="2879" y="0"/>
+                </a:lnTo>
+                <a:lnTo>
+                  <a:pt x="183" y="0"/>
+                </a:lnTo>
+                <a:close/>
+              </a:path>
+            </a:pathLst>
+          </a:custGeom>
+          <a:ln/>
+          <a:extLst>
+            <a:ext uri="{91240B29-F687-4f45-9708-019B960494DF}">
+              <a14:hiddenLine xmlns:a14="http://schemas.microsoft.com/office/drawing/2010/main" xmlns="" w="9525">
+                <a:solidFill>
+                  <a:srgbClr val="000000"/>
+                </a:solidFill>
+                <a:round/>
+                <a:headEnd/>
+                <a:tailEnd/>
+              </a14:hiddenLine>
+            </a:ext>
+          </a:extLst>
+        </p:spPr>
+        <p:style>
+          <a:lnRef idx="1">
+            <a:schemeClr val="accent1"/>
+          </a:lnRef>
+          <a:fillRef idx="3">
+            <a:schemeClr val="accent1"/>
+          </a:fillRef>
+          <a:effectRef idx="2">
+            <a:schemeClr val="accent1"/>
+          </a:effectRef>
+          <a:fontRef idx="minor">
+            <a:schemeClr val="lt1"/>
+          </a:fontRef>
+        </p:style>
+      </p:sp>
+      <p:sp>
+        <p:nvSpPr>
+          <p:cNvPr id="2" name="Vertical Title 1"/>
+          <p:cNvSpPr>
+            <a:spLocks noGrp="1"/>
+          </p:cNvSpPr>
+          <p:nvPr>
+            <p:ph type="title" orient="vert"/>
+          </p:nvPr>
+        </p:nvSpPr>
+        <p:spPr>
+          <a:xfrm>
+            <a:off x="8183540" y="586171"/>
+            <a:ext cx="2494791" cy="5134798"/>
+          </a:xfrm>
+        </p:spPr>
+        <p:txBody>
+          <a:bodyPr vert="eaVert"/>
+          <a:lstStyle/>
+          <a:p>
+            <a:r>
+              <a:rPr lang="de-DE" smtClean="0"/>
+              <a:t>Titelmasterformat durch Klicken bearbeiten</a:t>
+            </a:r>
+            <a:endParaRPr lang="en-US" dirty="0"/>
+          </a:p>
+        </p:txBody>
+      </p:sp>
+      <p:sp>
+        <p:nvSpPr>
+          <p:cNvPr id="3" name="Vertical Text Placeholder 2"/>
+          <p:cNvSpPr>
+            <a:spLocks noGrp="1"/>
+          </p:cNvSpPr>
+          <p:nvPr>
+            <p:ph type="body" orient="vert" idx="1"/>
+          </p:nvPr>
+        </p:nvSpPr>
+        <p:spPr>
+          <a:xfrm>
+            <a:off x="810001" y="446089"/>
+            <a:ext cx="6611540" cy="5414962"/>
+          </a:xfrm>
+        </p:spPr>
+        <p:txBody>
+          <a:bodyPr vert="eaVert" anchor="t"/>
+          <a:lstStyle/>
+          <a:p>
+            <a:pPr lvl="0"/>
+            <a:r>
+              <a:rPr lang="de-DE" smtClean="0"/>
+              <a:t>Formatvorlagen des Textmasters bearbeiten</a:t>
+            </a:r>
+          </a:p>
+          <a:p>
+            <a:pPr lvl="1"/>
+            <a:r>
+              <a:rPr lang="de-DE" smtClean="0"/>
+              <a:t>Zweite Ebene</a:t>
+            </a:r>
+          </a:p>
+          <a:p>
+            <a:pPr lvl="2"/>
+            <a:r>
+              <a:rPr lang="de-DE" smtClean="0"/>
+              <a:t>Dritte Ebene</a:t>
+            </a:r>
+          </a:p>
+          <a:p>
+            <a:pPr lvl="3"/>
+            <a:r>
+              <a:rPr lang="de-DE" smtClean="0"/>
+              <a:t>Vierte Ebene</a:t>
+            </a:r>
+          </a:p>
+          <a:p>
+            <a:pPr lvl="4"/>
+            <a:r>
+              <a:rPr lang="de-DE" smtClean="0"/>
+              <a:t>Fünfte Ebene</a:t>
+            </a:r>
+            <a:endParaRPr lang="en-US" dirty="0"/>
+          </a:p>
+        </p:txBody>
+      </p:sp>
+      <p:sp>
+        <p:nvSpPr>
+          <p:cNvPr id="4" name="Date Placeholder 3"/>
+          <p:cNvSpPr>
+            <a:spLocks noGrp="1"/>
+          </p:cNvSpPr>
+          <p:nvPr>
+            <p:ph type="dt" sz="half" idx="10"/>
+          </p:nvPr>
+        </p:nvSpPr>
+        <p:spPr/>
+        <p:txBody>
+          <a:bodyPr/>
+          <a:lstStyle/>
+          <a:p>
+            <a:fld id="{B61BEF0D-F0BB-DE4B-95CE-6DB70DBA9567}" type="datetimeFigureOut">
+              <a:rPr lang="en-US" smtClean="0"/>
+              <a:pPr/>
+              <a:t>8/25/2018</a:t>
+            </a:fld>
+            <a:endParaRPr lang="en-US" dirty="0"/>
+          </a:p>
+        </p:txBody>
+      </p:sp>
+      <p:sp>
+        <p:nvSpPr>
+          <p:cNvPr id="5" name="Footer Placeholder 4"/>
+          <p:cNvSpPr>
+            <a:spLocks noGrp="1"/>
+          </p:cNvSpPr>
+          <p:nvPr>
+            <p:ph type="ftr" sz="quarter" idx="11"/>
+          </p:nvPr>
+        </p:nvSpPr>
+        <p:spPr/>
+        <p:txBody>
+          <a:bodyPr/>
+          <a:lstStyle/>
+          <a:p>
+            <a:endParaRPr lang="en-US" dirty="0"/>
+          </a:p>
+        </p:txBody>
+      </p:sp>
+      <p:sp>
+        <p:nvSpPr>
+          <p:cNvPr id="6" name="Slide Number Placeholder 5"/>
+          <p:cNvSpPr>
+            <a:spLocks noGrp="1"/>
+          </p:cNvSpPr>
+          <p:nvPr>
+            <p:ph type="sldNum" sz="quarter" idx="12"/>
+          </p:nvPr>
+        </p:nvSpPr>
+        <p:spPr/>
+        <p:txBody>
+          <a:bodyPr/>
+          <a:lstStyle/>
+          <a:p>
+            <a:fld id="{D57F1E4F-1CFF-5643-939E-217C01CDF565}" type="slidenum">
+              <a:rPr lang="en-US" smtClean="0"/>
+              <a:pPr/>
+              <a:t>‹Nr.›</a:t>
+            </a:fld>
+            <a:endParaRPr lang="en-US" dirty="0"/>
+          </a:p>
+        </p:txBody>
+      </p:sp>
+    </p:spTree>
+    <p:extLst>
+      <p:ext uri="{BB962C8B-B14F-4D97-AF65-F5344CB8AC3E}">
+        <p14:creationId xmlns:p14="http://schemas.microsoft.com/office/powerpoint/2010/main" val="2706110194"/>
+      </p:ext>
+    </p:extLst>
+  </p:cSld>
+  <p:clrMapOvr>
+    <a:masterClrMapping/>
+  </p:clrMapOvr>
+</p:sldLayout>
+</file>
+
+<file path=ppt/slideLayouts/slideLayout2.xml><?xml version="1.0" encoding="utf-8"?>
+<p:sldLayout xmlns:a="http://schemas.openxmlformats.org/drawingml/2006/main" xmlns:r="http://schemas.openxmlformats.org/officeDocument/2006/relationships" xmlns:p="http://schemas.openxmlformats.org/presentationml/2006/main" type="obj" preserve="1">
+  <p:cSld name="Titel und Inhalt">
+    <p:spTree>
+      <p:nvGrpSpPr>
+        <p:cNvPr id="1" name=""/>
+        <p:cNvGrpSpPr/>
+        <p:nvPr/>
+      </p:nvGrpSpPr>
+      <p:grpSpPr>
+        <a:xfrm>
+          <a:off x="0" y="0"/>
+          <a:ext cx="0" cy="0"/>
+          <a:chOff x="0" y="0"/>
+          <a:chExt cx="0" cy="0"/>
+        </a:xfrm>
+      </p:grpSpPr>
+      <p:sp>
+        <p:nvSpPr>
+          <p:cNvPr id="11" name="Freeform 6"/>
+          <p:cNvSpPr/>
+          <p:nvPr/>
+        </p:nvSpPr>
+        <p:spPr bwMode="auto">
+          <a:xfrm>
+            <a:off x="0" y="0"/>
+            <a:ext cx="12192000" cy="2185988"/>
+          </a:xfrm>
+          <a:custGeom>
+            <a:avLst/>
+            <a:gdLst/>
+            <a:ahLst/>
+            <a:cxnLst/>
+            <a:rect l="0" t="0" r="r" b="b"/>
+            <a:pathLst>
+              <a:path w="5760" h="1377">
+                <a:moveTo>
+                  <a:pt x="5760" y="0"/>
+                </a:moveTo>
+                <a:lnTo>
+                  <a:pt x="0" y="0"/>
+                </a:lnTo>
+                <a:lnTo>
+                  <a:pt x="0" y="1189"/>
+                </a:lnTo>
+                <a:lnTo>
+                  <a:pt x="943" y="1189"/>
+                </a:lnTo>
+                <a:lnTo>
+                  <a:pt x="1123" y="1369"/>
+                </a:lnTo>
+                <a:lnTo>
+                  <a:pt x="1123" y="1369"/>
+                </a:lnTo>
+                <a:lnTo>
+                  <a:pt x="1127" y="1371"/>
+                </a:lnTo>
+                <a:lnTo>
+                  <a:pt x="1133" y="1374"/>
+                </a:lnTo>
+                <a:lnTo>
+                  <a:pt x="1139" y="1377"/>
+                </a:lnTo>
+                <a:lnTo>
+                  <a:pt x="1144" y="1377"/>
+                </a:lnTo>
+                <a:lnTo>
+                  <a:pt x="1150" y="1377"/>
+                </a:lnTo>
+                <a:lnTo>
+                  <a:pt x="1155" y="1374"/>
+                </a:lnTo>
+                <a:lnTo>
+                  <a:pt x="1161" y="1371"/>
+                </a:lnTo>
+                <a:lnTo>
+                  <a:pt x="1165" y="1369"/>
+                </a:lnTo>
+                <a:lnTo>
+                  <a:pt x="1345" y="1189"/>
+                </a:lnTo>
+                <a:lnTo>
+                  <a:pt x="5760" y="1189"/>
+                </a:lnTo>
+                <a:lnTo>
+                  <a:pt x="5760" y="0"/>
+                </a:lnTo>
+                <a:close/>
+              </a:path>
+            </a:pathLst>
+          </a:custGeom>
+          <a:ln/>
+          <a:extLst>
+            <a:ext uri="{91240B29-F687-4f45-9708-019B960494DF}">
+              <a14:hiddenLine xmlns:a14="http://schemas.microsoft.com/office/drawing/2010/main" xmlns="" w="9525">
+                <a:solidFill>
+                  <a:srgbClr val="000000"/>
+                </a:solidFill>
+                <a:round/>
+                <a:headEnd/>
+                <a:tailEnd/>
+              </a14:hiddenLine>
+            </a:ext>
+          </a:extLst>
+        </p:spPr>
+        <p:style>
+          <a:lnRef idx="1">
+            <a:schemeClr val="accent1"/>
+          </a:lnRef>
+          <a:fillRef idx="3">
+            <a:schemeClr val="accent1"/>
+          </a:fillRef>
+          <a:effectRef idx="2">
+            <a:schemeClr val="accent1"/>
+          </a:effectRef>
+          <a:fontRef idx="minor">
+            <a:schemeClr val="lt1"/>
+          </a:fontRef>
+        </p:style>
+      </p:sp>
+      <p:sp>
+        <p:nvSpPr>
           <p:cNvPr id="2" name="Title 1"/>
           <p:cNvSpPr>
             <a:spLocks noGrp="1"/>
@@ -6744,23 +8023,13 @@
         </p:nvSpPr>
         <p:spPr>
           <a:xfrm>
-            <a:off x="1141411" y="685800"/>
-            <a:ext cx="9144001" cy="2743200"/>
+            <a:off x="810000" y="447188"/>
+            <a:ext cx="10571998" cy="970450"/>
           </a:xfrm>
         </p:spPr>
         <p:txBody>
-          <a:bodyPr anchor="ctr">
-            <a:normAutofit/>
-          </a:bodyPr>
-          <a:lstStyle>
-            <a:lvl1pPr algn="l">
-              <a:defRPr sz="3200" b="0" cap="all">
-                <a:solidFill>
-                  <a:schemeClr val="tx1"/>
-                </a:solidFill>
-              </a:defRPr>
-            </a:lvl1pPr>
-          </a:lstStyle>
+          <a:bodyPr/>
+          <a:lstStyle/>
           <a:p>
             <a:r>
               <a:rPr lang="de-DE" smtClean="0"/>
@@ -6772,55 +8041,284 @@
       </p:sp>
       <p:sp>
         <p:nvSpPr>
-          <p:cNvPr id="10" name="Text Placeholder 9"/>
+          <p:cNvPr id="3" name="Content Placeholder 2"/>
           <p:cNvSpPr>
             <a:spLocks noGrp="1"/>
           </p:cNvSpPr>
           <p:nvPr>
-            <p:ph type="body" sz="quarter" idx="13"/>
+            <p:ph idx="1"/>
           </p:nvPr>
         </p:nvSpPr>
         <p:spPr>
           <a:xfrm>
-            <a:off x="1446212" y="3429000"/>
-            <a:ext cx="8534400" cy="381000"/>
+            <a:off x="818712" y="2222287"/>
+            <a:ext cx="10554574" cy="3636511"/>
           </a:xfrm>
         </p:spPr>
         <p:txBody>
-          <a:bodyPr anchor="ctr"/>
-          <a:lstStyle>
-            <a:lvl1pPr marL="0" indent="0">
-              <a:buFontTx/>
-              <a:buNone/>
-              <a:defRPr/>
-            </a:lvl1pPr>
-            <a:lvl2pPr marL="457200" indent="0">
-              <a:buFontTx/>
-              <a:buNone/>
-              <a:defRPr/>
-            </a:lvl2pPr>
-            <a:lvl3pPr marL="914400" indent="0">
-              <a:buFontTx/>
-              <a:buNone/>
-              <a:defRPr/>
-            </a:lvl3pPr>
-            <a:lvl4pPr marL="1371600" indent="0">
-              <a:buFontTx/>
-              <a:buNone/>
-              <a:defRPr/>
-            </a:lvl4pPr>
-            <a:lvl5pPr marL="1828800" indent="0">
-              <a:buFontTx/>
-              <a:buNone/>
-              <a:defRPr/>
-            </a:lvl5pPr>
-          </a:lstStyle>
+          <a:bodyPr/>
+          <a:lstStyle/>
           <a:p>
             <a:pPr lvl="0"/>
             <a:r>
               <a:rPr lang="de-DE" smtClean="0"/>
               <a:t>Formatvorlagen des Textmasters bearbeiten</a:t>
             </a:r>
+          </a:p>
+          <a:p>
+            <a:pPr lvl="1"/>
+            <a:r>
+              <a:rPr lang="de-DE" smtClean="0"/>
+              <a:t>Zweite Ebene</a:t>
+            </a:r>
+          </a:p>
+          <a:p>
+            <a:pPr lvl="2"/>
+            <a:r>
+              <a:rPr lang="de-DE" smtClean="0"/>
+              <a:t>Dritte Ebene</a:t>
+            </a:r>
+          </a:p>
+          <a:p>
+            <a:pPr lvl="3"/>
+            <a:r>
+              <a:rPr lang="de-DE" smtClean="0"/>
+              <a:t>Vierte Ebene</a:t>
+            </a:r>
+          </a:p>
+          <a:p>
+            <a:pPr lvl="4"/>
+            <a:r>
+              <a:rPr lang="de-DE" smtClean="0"/>
+              <a:t>Fünfte Ebene</a:t>
+            </a:r>
+            <a:endParaRPr lang="en-US" dirty="0"/>
+          </a:p>
+        </p:txBody>
+      </p:sp>
+      <p:sp>
+        <p:nvSpPr>
+          <p:cNvPr id="4" name="Date Placeholder 3"/>
+          <p:cNvSpPr>
+            <a:spLocks noGrp="1"/>
+          </p:cNvSpPr>
+          <p:nvPr>
+            <p:ph type="dt" sz="half" idx="10"/>
+          </p:nvPr>
+        </p:nvSpPr>
+        <p:spPr/>
+        <p:txBody>
+          <a:bodyPr/>
+          <a:lstStyle/>
+          <a:p>
+            <a:fld id="{B61BEF0D-F0BB-DE4B-95CE-6DB70DBA9567}" type="datetimeFigureOut">
+              <a:rPr lang="en-US" smtClean="0"/>
+              <a:pPr/>
+              <a:t>8/25/2018</a:t>
+            </a:fld>
+            <a:endParaRPr lang="en-US" dirty="0"/>
+          </a:p>
+        </p:txBody>
+      </p:sp>
+      <p:sp>
+        <p:nvSpPr>
+          <p:cNvPr id="5" name="Footer Placeholder 4"/>
+          <p:cNvSpPr>
+            <a:spLocks noGrp="1"/>
+          </p:cNvSpPr>
+          <p:nvPr>
+            <p:ph type="ftr" sz="quarter" idx="11"/>
+          </p:nvPr>
+        </p:nvSpPr>
+        <p:spPr/>
+        <p:txBody>
+          <a:bodyPr/>
+          <a:lstStyle/>
+          <a:p>
+            <a:endParaRPr lang="en-US" dirty="0"/>
+          </a:p>
+        </p:txBody>
+      </p:sp>
+      <p:sp>
+        <p:nvSpPr>
+          <p:cNvPr id="6" name="Slide Number Placeholder 5"/>
+          <p:cNvSpPr>
+            <a:spLocks noGrp="1"/>
+          </p:cNvSpPr>
+          <p:nvPr>
+            <p:ph type="sldNum" sz="quarter" idx="12"/>
+          </p:nvPr>
+        </p:nvSpPr>
+        <p:spPr/>
+        <p:txBody>
+          <a:bodyPr/>
+          <a:lstStyle/>
+          <a:p>
+            <a:fld id="{D57F1E4F-1CFF-5643-939E-217C01CDF565}" type="slidenum">
+              <a:rPr lang="en-US" smtClean="0"/>
+              <a:pPr/>
+              <a:t>‹Nr.›</a:t>
+            </a:fld>
+            <a:endParaRPr lang="en-US" dirty="0"/>
+          </a:p>
+        </p:txBody>
+      </p:sp>
+    </p:spTree>
+    <p:extLst>
+      <p:ext uri="{BB962C8B-B14F-4D97-AF65-F5344CB8AC3E}">
+        <p14:creationId xmlns:p14="http://schemas.microsoft.com/office/powerpoint/2010/main" val="1888662307"/>
+      </p:ext>
+    </p:extLst>
+  </p:cSld>
+  <p:clrMapOvr>
+    <a:masterClrMapping/>
+  </p:clrMapOvr>
+</p:sldLayout>
+</file>
+
+<file path=ppt/slideLayouts/slideLayout3.xml><?xml version="1.0" encoding="utf-8"?>
+<p:sldLayout xmlns:a="http://schemas.openxmlformats.org/drawingml/2006/main" xmlns:r="http://schemas.openxmlformats.org/officeDocument/2006/relationships" xmlns:p="http://schemas.openxmlformats.org/presentationml/2006/main" type="secHead" preserve="1">
+  <p:cSld name="Abschnitts-&#10;überschrift">
+    <p:spTree>
+      <p:nvGrpSpPr>
+        <p:cNvPr id="1" name=""/>
+        <p:cNvGrpSpPr/>
+        <p:nvPr/>
+      </p:nvGrpSpPr>
+      <p:grpSpPr>
+        <a:xfrm>
+          <a:off x="0" y="0"/>
+          <a:ext cx="0" cy="0"/>
+          <a:chOff x="0" y="0"/>
+          <a:chExt cx="0" cy="0"/>
+        </a:xfrm>
+      </p:grpSpPr>
+      <p:sp>
+        <p:nvSpPr>
+          <p:cNvPr id="10" name="Freeform 7"/>
+          <p:cNvSpPr/>
+          <p:nvPr/>
+        </p:nvSpPr>
+        <p:spPr bwMode="auto">
+          <a:xfrm>
+            <a:off x="0" y="1"/>
+            <a:ext cx="12192000" cy="5203825"/>
+          </a:xfrm>
+          <a:custGeom>
+            <a:avLst/>
+            <a:gdLst/>
+            <a:ahLst/>
+            <a:cxnLst/>
+            <a:rect l="0" t="0" r="r" b="b"/>
+            <a:pathLst>
+              <a:path w="5760" h="3278">
+                <a:moveTo>
+                  <a:pt x="0" y="0"/>
+                </a:moveTo>
+                <a:lnTo>
+                  <a:pt x="5760" y="0"/>
+                </a:lnTo>
+                <a:lnTo>
+                  <a:pt x="5760" y="3090"/>
+                </a:lnTo>
+                <a:lnTo>
+                  <a:pt x="4817" y="3090"/>
+                </a:lnTo>
+                <a:lnTo>
+                  <a:pt x="4637" y="3270"/>
+                </a:lnTo>
+                <a:lnTo>
+                  <a:pt x="4637" y="3270"/>
+                </a:lnTo>
+                <a:lnTo>
+                  <a:pt x="4633" y="3272"/>
+                </a:lnTo>
+                <a:lnTo>
+                  <a:pt x="4627" y="3275"/>
+                </a:lnTo>
+                <a:lnTo>
+                  <a:pt x="4621" y="3278"/>
+                </a:lnTo>
+                <a:lnTo>
+                  <a:pt x="4616" y="3278"/>
+                </a:lnTo>
+                <a:lnTo>
+                  <a:pt x="4610" y="3278"/>
+                </a:lnTo>
+                <a:lnTo>
+                  <a:pt x="4605" y="3275"/>
+                </a:lnTo>
+                <a:lnTo>
+                  <a:pt x="4599" y="3272"/>
+                </a:lnTo>
+                <a:lnTo>
+                  <a:pt x="4595" y="3270"/>
+                </a:lnTo>
+                <a:lnTo>
+                  <a:pt x="4415" y="3090"/>
+                </a:lnTo>
+                <a:lnTo>
+                  <a:pt x="0" y="3090"/>
+                </a:lnTo>
+                <a:lnTo>
+                  <a:pt x="0" y="0"/>
+                </a:lnTo>
+                <a:lnTo>
+                  <a:pt x="0" y="0"/>
+                </a:lnTo>
+                <a:close/>
+              </a:path>
+            </a:pathLst>
+          </a:custGeom>
+          <a:ln>
+            <a:headEnd/>
+            <a:tailEnd/>
+          </a:ln>
+        </p:spPr>
+        <p:style>
+          <a:lnRef idx="1">
+            <a:schemeClr val="accent1"/>
+          </a:lnRef>
+          <a:fillRef idx="3">
+            <a:schemeClr val="accent1"/>
+          </a:fillRef>
+          <a:effectRef idx="2">
+            <a:schemeClr val="accent1"/>
+          </a:effectRef>
+          <a:fontRef idx="minor">
+            <a:schemeClr val="lt1"/>
+          </a:fontRef>
+        </p:style>
+      </p:sp>
+      <p:sp>
+        <p:nvSpPr>
+          <p:cNvPr id="2" name="Title 1"/>
+          <p:cNvSpPr>
+            <a:spLocks noGrp="1"/>
+          </p:cNvSpPr>
+          <p:nvPr>
+            <p:ph type="title"/>
+          </p:nvPr>
+        </p:nvSpPr>
+        <p:spPr>
+          <a:xfrm>
+            <a:off x="810000" y="2951396"/>
+            <a:ext cx="10561418" cy="1468800"/>
+          </a:xfrm>
+        </p:spPr>
+        <p:txBody>
+          <a:bodyPr anchor="b"/>
+          <a:lstStyle>
+            <a:lvl1pPr algn="r">
+              <a:defRPr sz="4800" b="1" cap="none"/>
+            </a:lvl1pPr>
+          </a:lstStyle>
+          <a:p>
+            <a:r>
+              <a:rPr lang="de-DE" smtClean="0"/>
+              <a:t>Titelmasterformat durch Klicken bearbeiten</a:t>
+            </a:r>
+            <a:endParaRPr lang="en-US" dirty="0"/>
           </a:p>
         </p:txBody>
       </p:sp>
@@ -6836,22 +8334,20 @@
         </p:nvSpPr>
         <p:spPr>
           <a:xfrm>
-            <a:off x="684213" y="4301067"/>
-            <a:ext cx="8534400" cy="1684865"/>
+            <a:off x="810000" y="5281201"/>
+            <a:ext cx="10561418" cy="433955"/>
           </a:xfrm>
         </p:spPr>
         <p:txBody>
-          <a:bodyPr anchor="ctr">
-            <a:normAutofit/>
+          <a:bodyPr anchor="t">
+            <a:noAutofit/>
           </a:bodyPr>
           <a:lstStyle>
-            <a:lvl1pPr marL="0" indent="0" algn="l">
+            <a:lvl1pPr marL="0" indent="0" algn="r">
               <a:buNone/>
-              <a:defRPr sz="2000">
+              <a:defRPr sz="1800">
                 <a:solidFill>
-                  <a:schemeClr val="bg2">
-                    <a:lumMod val="75000"/>
-                  </a:schemeClr>
+                  <a:schemeClr val="tx1"/>
                 </a:solidFill>
               </a:defRPr>
             </a:lvl1pPr>
@@ -6961,7 +8457,7 @@
           <a:lstStyle/>
           <a:p>
             <a:fld id="{B61BEF0D-F0BB-DE4B-95CE-6DB70DBA9567}" type="datetimeFigureOut">
-              <a:rPr lang="en-US" dirty="0"/>
+              <a:rPr lang="en-US" smtClean="0"/>
               <a:pPr/>
               <a:t>8/25/2018</a:t>
             </a:fld>
@@ -7004,7 +8500,7 @@
           <a:lstStyle/>
           <a:p>
             <a:fld id="{D57F1E4F-1CFF-5643-939E-217C01CDF565}" type="slidenum">
-              <a:rPr lang="en-US" dirty="0"/>
+              <a:rPr lang="en-US" smtClean="0"/>
               <a:pPr/>
               <a:t>‹Nr.›</a:t>
             </a:fld>
@@ -7012,1747 +8508,12 @@
           </a:p>
         </p:txBody>
       </p:sp>
-      <p:sp>
-        <p:nvSpPr>
-          <p:cNvPr id="14" name="TextBox 13"/>
-          <p:cNvSpPr txBox="1"/>
-          <p:nvPr/>
-        </p:nvSpPr>
-        <p:spPr>
-          <a:xfrm>
-            <a:off x="531812" y="812222"/>
-            <a:ext cx="609600" cy="584776"/>
-          </a:xfrm>
-          <a:prstGeom prst="rect">
-            <a:avLst/>
-          </a:prstGeom>
-        </p:spPr>
-        <p:txBody>
-          <a:bodyPr vert="horz" lIns="91440" tIns="45720" rIns="91440" bIns="45720" rtlCol="0" anchor="ctr">
-            <a:noAutofit/>
-          </a:bodyPr>
-          <a:lstStyle/>
-          <a:p>
-            <a:pPr lvl="0"/>
-            <a:r>
-              <a:rPr lang="en-US" sz="8000" dirty="0">
-                <a:solidFill>
-                  <a:schemeClr val="tx1"/>
-                </a:solidFill>
-                <a:effectLst/>
-              </a:rPr>
-              <a:t>“</a:t>
-            </a:r>
-          </a:p>
-        </p:txBody>
-      </p:sp>
-      <p:sp>
-        <p:nvSpPr>
-          <p:cNvPr id="15" name="TextBox 14"/>
-          <p:cNvSpPr txBox="1"/>
-          <p:nvPr/>
-        </p:nvSpPr>
-        <p:spPr>
-          <a:xfrm>
-            <a:off x="10285412" y="2768601"/>
-            <a:ext cx="609600" cy="584776"/>
-          </a:xfrm>
-          <a:prstGeom prst="rect">
-            <a:avLst/>
-          </a:prstGeom>
-        </p:spPr>
-        <p:txBody>
-          <a:bodyPr vert="horz" lIns="91440" tIns="45720" rIns="91440" bIns="45720" rtlCol="0" anchor="ctr">
-            <a:noAutofit/>
-          </a:bodyPr>
-          <a:lstStyle/>
-          <a:p>
-            <a:pPr lvl="0" algn="r"/>
-            <a:r>
-              <a:rPr lang="en-US" sz="8000" dirty="0">
-                <a:solidFill>
-                  <a:schemeClr val="tx1"/>
-                </a:solidFill>
-                <a:effectLst/>
-              </a:rPr>
-              <a:t>”</a:t>
-            </a:r>
-          </a:p>
-        </p:txBody>
-      </p:sp>
     </p:spTree>
-  </p:cSld>
-  <p:clrMapOvr>
-    <a:masterClrMapping/>
-  </p:clrMapOvr>
-</p:sldLayout>
-</file>
-
-<file path=ppt/slideLayouts/slideLayout13.xml><?xml version="1.0" encoding="utf-8"?>
-<p:sldLayout xmlns:a="http://schemas.openxmlformats.org/drawingml/2006/main" xmlns:r="http://schemas.openxmlformats.org/officeDocument/2006/relationships" xmlns:p="http://schemas.openxmlformats.org/presentationml/2006/main" preserve="1">
-  <p:cSld name="Namenskarte">
-    <p:spTree>
-      <p:nvGrpSpPr>
-        <p:cNvPr id="1" name=""/>
-        <p:cNvGrpSpPr/>
-        <p:nvPr/>
-      </p:nvGrpSpPr>
-      <p:grpSpPr>
-        <a:xfrm>
-          <a:off x="0" y="0"/>
-          <a:ext cx="0" cy="0"/>
-          <a:chOff x="0" y="0"/>
-          <a:chExt cx="0" cy="0"/>
-        </a:xfrm>
-      </p:grpSpPr>
-      <p:sp>
-        <p:nvSpPr>
-          <p:cNvPr id="2" name="Title 1"/>
-          <p:cNvSpPr>
-            <a:spLocks noGrp="1"/>
-          </p:cNvSpPr>
-          <p:nvPr>
-            <p:ph type="title"/>
-          </p:nvPr>
-        </p:nvSpPr>
-        <p:spPr>
-          <a:xfrm>
-            <a:off x="684212" y="3429000"/>
-            <a:ext cx="8534400" cy="1697400"/>
-          </a:xfrm>
-        </p:spPr>
-        <p:txBody>
-          <a:bodyPr anchor="b">
-            <a:normAutofit/>
-          </a:bodyPr>
-          <a:lstStyle>
-            <a:lvl1pPr algn="l">
-              <a:defRPr sz="3200" b="0" cap="all"/>
-            </a:lvl1pPr>
-          </a:lstStyle>
-          <a:p>
-            <a:r>
-              <a:rPr lang="de-DE" smtClean="0"/>
-              <a:t>Titelmasterformat durch Klicken bearbeiten</a:t>
-            </a:r>
-            <a:endParaRPr lang="en-US" dirty="0"/>
-          </a:p>
-        </p:txBody>
-      </p:sp>
-      <p:sp>
-        <p:nvSpPr>
-          <p:cNvPr id="3" name="Text Placeholder 2"/>
-          <p:cNvSpPr>
-            <a:spLocks noGrp="1"/>
-          </p:cNvSpPr>
-          <p:nvPr>
-            <p:ph type="body" idx="1"/>
-          </p:nvPr>
-        </p:nvSpPr>
-        <p:spPr>
-          <a:xfrm>
-            <a:off x="684211" y="5132981"/>
-            <a:ext cx="8535990" cy="860400"/>
-          </a:xfrm>
-        </p:spPr>
-        <p:txBody>
-          <a:bodyPr anchor="t">
-            <a:normAutofit/>
-          </a:bodyPr>
-          <a:lstStyle>
-            <a:lvl1pPr marL="0" indent="0" algn="l">
-              <a:buNone/>
-              <a:defRPr sz="2000">
-                <a:solidFill>
-                  <a:schemeClr val="bg2">
-                    <a:lumMod val="75000"/>
-                  </a:schemeClr>
-                </a:solidFill>
-              </a:defRPr>
-            </a:lvl1pPr>
-            <a:lvl2pPr marL="457200" indent="0">
-              <a:buNone/>
-              <a:defRPr sz="1800">
-                <a:solidFill>
-                  <a:schemeClr val="tx1">
-                    <a:tint val="75000"/>
-                  </a:schemeClr>
-                </a:solidFill>
-              </a:defRPr>
-            </a:lvl2pPr>
-            <a:lvl3pPr marL="914400" indent="0">
-              <a:buNone/>
-              <a:defRPr sz="1600">
-                <a:solidFill>
-                  <a:schemeClr val="tx1">
-                    <a:tint val="75000"/>
-                  </a:schemeClr>
-                </a:solidFill>
-              </a:defRPr>
-            </a:lvl3pPr>
-            <a:lvl4pPr marL="1371600" indent="0">
-              <a:buNone/>
-              <a:defRPr sz="1400">
-                <a:solidFill>
-                  <a:schemeClr val="tx1">
-                    <a:tint val="75000"/>
-                  </a:schemeClr>
-                </a:solidFill>
-              </a:defRPr>
-            </a:lvl4pPr>
-            <a:lvl5pPr marL="1828800" indent="0">
-              <a:buNone/>
-              <a:defRPr sz="1400">
-                <a:solidFill>
-                  <a:schemeClr val="tx1">
-                    <a:tint val="75000"/>
-                  </a:schemeClr>
-                </a:solidFill>
-              </a:defRPr>
-            </a:lvl5pPr>
-            <a:lvl6pPr marL="2286000" indent="0">
-              <a:buNone/>
-              <a:defRPr sz="1400">
-                <a:solidFill>
-                  <a:schemeClr val="tx1">
-                    <a:tint val="75000"/>
-                  </a:schemeClr>
-                </a:solidFill>
-              </a:defRPr>
-            </a:lvl6pPr>
-            <a:lvl7pPr marL="2743200" indent="0">
-              <a:buNone/>
-              <a:defRPr sz="1400">
-                <a:solidFill>
-                  <a:schemeClr val="tx1">
-                    <a:tint val="75000"/>
-                  </a:schemeClr>
-                </a:solidFill>
-              </a:defRPr>
-            </a:lvl7pPr>
-            <a:lvl8pPr marL="3200400" indent="0">
-              <a:buNone/>
-              <a:defRPr sz="1400">
-                <a:solidFill>
-                  <a:schemeClr val="tx1">
-                    <a:tint val="75000"/>
-                  </a:schemeClr>
-                </a:solidFill>
-              </a:defRPr>
-            </a:lvl8pPr>
-            <a:lvl9pPr marL="3657600" indent="0">
-              <a:buNone/>
-              <a:defRPr sz="1400">
-                <a:solidFill>
-                  <a:schemeClr val="tx1">
-                    <a:tint val="75000"/>
-                  </a:schemeClr>
-                </a:solidFill>
-              </a:defRPr>
-            </a:lvl9pPr>
-          </a:lstStyle>
-          <a:p>
-            <a:pPr lvl="0"/>
-            <a:r>
-              <a:rPr lang="de-DE" smtClean="0"/>
-              <a:t>Formatvorlagen des Textmasters bearbeiten</a:t>
-            </a:r>
-          </a:p>
-        </p:txBody>
-      </p:sp>
-      <p:sp>
-        <p:nvSpPr>
-          <p:cNvPr id="4" name="Date Placeholder 3"/>
-          <p:cNvSpPr>
-            <a:spLocks noGrp="1"/>
-          </p:cNvSpPr>
-          <p:nvPr>
-            <p:ph type="dt" sz="half" idx="10"/>
-          </p:nvPr>
-        </p:nvSpPr>
-        <p:spPr/>
-        <p:txBody>
-          <a:bodyPr/>
-          <a:lstStyle/>
-          <a:p>
-            <a:fld id="{B61BEF0D-F0BB-DE4B-95CE-6DB70DBA9567}" type="datetimeFigureOut">
-              <a:rPr lang="en-US" dirty="0"/>
-              <a:pPr/>
-              <a:t>8/25/2018</a:t>
-            </a:fld>
-            <a:endParaRPr lang="en-US" dirty="0"/>
-          </a:p>
-        </p:txBody>
-      </p:sp>
-      <p:sp>
-        <p:nvSpPr>
-          <p:cNvPr id="5" name="Footer Placeholder 4"/>
-          <p:cNvSpPr>
-            <a:spLocks noGrp="1"/>
-          </p:cNvSpPr>
-          <p:nvPr>
-            <p:ph type="ftr" sz="quarter" idx="11"/>
-          </p:nvPr>
-        </p:nvSpPr>
-        <p:spPr/>
-        <p:txBody>
-          <a:bodyPr/>
-          <a:lstStyle/>
-          <a:p>
-            <a:endParaRPr lang="en-US" dirty="0"/>
-          </a:p>
-        </p:txBody>
-      </p:sp>
-      <p:sp>
-        <p:nvSpPr>
-          <p:cNvPr id="6" name="Slide Number Placeholder 5"/>
-          <p:cNvSpPr>
-            <a:spLocks noGrp="1"/>
-          </p:cNvSpPr>
-          <p:nvPr>
-            <p:ph type="sldNum" sz="quarter" idx="12"/>
-          </p:nvPr>
-        </p:nvSpPr>
-        <p:spPr/>
-        <p:txBody>
-          <a:bodyPr/>
-          <a:lstStyle/>
-          <a:p>
-            <a:fld id="{D57F1E4F-1CFF-5643-939E-217C01CDF565}" type="slidenum">
-              <a:rPr lang="en-US" dirty="0"/>
-              <a:pPr/>
-              <a:t>‹Nr.›</a:t>
-            </a:fld>
-            <a:endParaRPr lang="en-US" dirty="0"/>
-          </a:p>
-        </p:txBody>
-      </p:sp>
-    </p:spTree>
-  </p:cSld>
-  <p:clrMapOvr>
-    <a:masterClrMapping/>
-  </p:clrMapOvr>
-</p:sldLayout>
-</file>
-
-<file path=ppt/slideLayouts/slideLayout14.xml><?xml version="1.0" encoding="utf-8"?>
-<p:sldLayout xmlns:a="http://schemas.openxmlformats.org/drawingml/2006/main" xmlns:r="http://schemas.openxmlformats.org/officeDocument/2006/relationships" xmlns:p="http://schemas.openxmlformats.org/presentationml/2006/main" preserve="1">
-  <p:cSld name="Namenskarte für Zitat">
-    <p:spTree>
-      <p:nvGrpSpPr>
-        <p:cNvPr id="1" name=""/>
-        <p:cNvGrpSpPr/>
-        <p:nvPr/>
-      </p:nvGrpSpPr>
-      <p:grpSpPr>
-        <a:xfrm>
-          <a:off x="0" y="0"/>
-          <a:ext cx="0" cy="0"/>
-          <a:chOff x="0" y="0"/>
-          <a:chExt cx="0" cy="0"/>
-        </a:xfrm>
-      </p:grpSpPr>
-      <p:sp>
-        <p:nvSpPr>
-          <p:cNvPr id="2" name="Title 1"/>
-          <p:cNvSpPr>
-            <a:spLocks noGrp="1"/>
-          </p:cNvSpPr>
-          <p:nvPr>
-            <p:ph type="title"/>
-          </p:nvPr>
-        </p:nvSpPr>
-        <p:spPr>
-          <a:xfrm>
-            <a:off x="1141413" y="685800"/>
-            <a:ext cx="9144000" cy="2743200"/>
-          </a:xfrm>
-        </p:spPr>
-        <p:txBody>
-          <a:bodyPr anchor="ctr">
-            <a:normAutofit/>
-          </a:bodyPr>
-          <a:lstStyle>
-            <a:lvl1pPr algn="l">
-              <a:defRPr sz="3200" b="0" cap="all">
-                <a:solidFill>
-                  <a:schemeClr val="tx1"/>
-                </a:solidFill>
-              </a:defRPr>
-            </a:lvl1pPr>
-          </a:lstStyle>
-          <a:p>
-            <a:r>
-              <a:rPr lang="de-DE" smtClean="0"/>
-              <a:t>Titelmasterformat durch Klicken bearbeiten</a:t>
-            </a:r>
-            <a:endParaRPr lang="en-US" dirty="0"/>
-          </a:p>
-        </p:txBody>
-      </p:sp>
-      <p:sp>
-        <p:nvSpPr>
-          <p:cNvPr id="10" name="Text Placeholder 9"/>
-          <p:cNvSpPr>
-            <a:spLocks noGrp="1"/>
-          </p:cNvSpPr>
-          <p:nvPr>
-            <p:ph type="body" sz="quarter" idx="13"/>
-          </p:nvPr>
-        </p:nvSpPr>
-        <p:spPr>
-          <a:xfrm>
-            <a:off x="684212" y="3928534"/>
-            <a:ext cx="8534401" cy="1049866"/>
-          </a:xfrm>
-        </p:spPr>
-        <p:txBody>
-          <a:bodyPr vert="horz" lIns="91440" tIns="45720" rIns="91440" bIns="45720" rtlCol="0" anchor="b">
-            <a:normAutofit/>
-          </a:bodyPr>
-          <a:lstStyle>
-            <a:lvl1pPr>
-              <a:buNone/>
-              <a:defRPr lang="en-US" sz="2400" b="0" cap="all" dirty="0">
-                <a:ln w="3175" cmpd="sng">
-                  <a:noFill/>
-                </a:ln>
-                <a:solidFill>
-                  <a:schemeClr val="tx1"/>
-                </a:solidFill>
-                <a:effectLst/>
-              </a:defRPr>
-            </a:lvl1pPr>
-          </a:lstStyle>
-          <a:p>
-            <a:pPr marL="0" lvl="0">
-              <a:spcBef>
-                <a:spcPct val="0"/>
-              </a:spcBef>
-              <a:buNone/>
-            </a:pPr>
-            <a:r>
-              <a:rPr lang="de-DE" smtClean="0"/>
-              <a:t>Formatvorlagen des Textmasters bearbeiten</a:t>
-            </a:r>
-          </a:p>
-        </p:txBody>
-      </p:sp>
-      <p:sp>
-        <p:nvSpPr>
-          <p:cNvPr id="3" name="Text Placeholder 2"/>
-          <p:cNvSpPr>
-            <a:spLocks noGrp="1"/>
-          </p:cNvSpPr>
-          <p:nvPr>
-            <p:ph type="body" idx="1"/>
-          </p:nvPr>
-        </p:nvSpPr>
-        <p:spPr>
-          <a:xfrm>
-            <a:off x="684211" y="4978400"/>
-            <a:ext cx="8534401" cy="1016000"/>
-          </a:xfrm>
-        </p:spPr>
-        <p:txBody>
-          <a:bodyPr anchor="t">
-            <a:normAutofit/>
-          </a:bodyPr>
-          <a:lstStyle>
-            <a:lvl1pPr marL="0" indent="0" algn="l">
-              <a:buNone/>
-              <a:defRPr sz="1800">
-                <a:solidFill>
-                  <a:schemeClr val="bg2">
-                    <a:lumMod val="75000"/>
-                  </a:schemeClr>
-                </a:solidFill>
-              </a:defRPr>
-            </a:lvl1pPr>
-            <a:lvl2pPr marL="457200" indent="0">
-              <a:buNone/>
-              <a:defRPr sz="1800">
-                <a:solidFill>
-                  <a:schemeClr val="tx1">
-                    <a:tint val="75000"/>
-                  </a:schemeClr>
-                </a:solidFill>
-              </a:defRPr>
-            </a:lvl2pPr>
-            <a:lvl3pPr marL="914400" indent="0">
-              <a:buNone/>
-              <a:defRPr sz="1600">
-                <a:solidFill>
-                  <a:schemeClr val="tx1">
-                    <a:tint val="75000"/>
-                  </a:schemeClr>
-                </a:solidFill>
-              </a:defRPr>
-            </a:lvl3pPr>
-            <a:lvl4pPr marL="1371600" indent="0">
-              <a:buNone/>
-              <a:defRPr sz="1400">
-                <a:solidFill>
-                  <a:schemeClr val="tx1">
-                    <a:tint val="75000"/>
-                  </a:schemeClr>
-                </a:solidFill>
-              </a:defRPr>
-            </a:lvl4pPr>
-            <a:lvl5pPr marL="1828800" indent="0">
-              <a:buNone/>
-              <a:defRPr sz="1400">
-                <a:solidFill>
-                  <a:schemeClr val="tx1">
-                    <a:tint val="75000"/>
-                  </a:schemeClr>
-                </a:solidFill>
-              </a:defRPr>
-            </a:lvl5pPr>
-            <a:lvl6pPr marL="2286000" indent="0">
-              <a:buNone/>
-              <a:defRPr sz="1400">
-                <a:solidFill>
-                  <a:schemeClr val="tx1">
-                    <a:tint val="75000"/>
-                  </a:schemeClr>
-                </a:solidFill>
-              </a:defRPr>
-            </a:lvl6pPr>
-            <a:lvl7pPr marL="2743200" indent="0">
-              <a:buNone/>
-              <a:defRPr sz="1400">
-                <a:solidFill>
-                  <a:schemeClr val="tx1">
-                    <a:tint val="75000"/>
-                  </a:schemeClr>
-                </a:solidFill>
-              </a:defRPr>
-            </a:lvl7pPr>
-            <a:lvl8pPr marL="3200400" indent="0">
-              <a:buNone/>
-              <a:defRPr sz="1400">
-                <a:solidFill>
-                  <a:schemeClr val="tx1">
-                    <a:tint val="75000"/>
-                  </a:schemeClr>
-                </a:solidFill>
-              </a:defRPr>
-            </a:lvl8pPr>
-            <a:lvl9pPr marL="3657600" indent="0">
-              <a:buNone/>
-              <a:defRPr sz="1400">
-                <a:solidFill>
-                  <a:schemeClr val="tx1">
-                    <a:tint val="75000"/>
-                  </a:schemeClr>
-                </a:solidFill>
-              </a:defRPr>
-            </a:lvl9pPr>
-          </a:lstStyle>
-          <a:p>
-            <a:pPr lvl="0"/>
-            <a:r>
-              <a:rPr lang="de-DE" smtClean="0"/>
-              <a:t>Formatvorlagen des Textmasters bearbeiten</a:t>
-            </a:r>
-          </a:p>
-        </p:txBody>
-      </p:sp>
-      <p:sp>
-        <p:nvSpPr>
-          <p:cNvPr id="4" name="Date Placeholder 3"/>
-          <p:cNvSpPr>
-            <a:spLocks noGrp="1"/>
-          </p:cNvSpPr>
-          <p:nvPr>
-            <p:ph type="dt" sz="half" idx="10"/>
-          </p:nvPr>
-        </p:nvSpPr>
-        <p:spPr/>
-        <p:txBody>
-          <a:bodyPr/>
-          <a:lstStyle/>
-          <a:p>
-            <a:fld id="{B61BEF0D-F0BB-DE4B-95CE-6DB70DBA9567}" type="datetimeFigureOut">
-              <a:rPr lang="en-US" dirty="0"/>
-              <a:pPr/>
-              <a:t>8/25/2018</a:t>
-            </a:fld>
-            <a:endParaRPr lang="en-US" dirty="0"/>
-          </a:p>
-        </p:txBody>
-      </p:sp>
-      <p:sp>
-        <p:nvSpPr>
-          <p:cNvPr id="5" name="Footer Placeholder 4"/>
-          <p:cNvSpPr>
-            <a:spLocks noGrp="1"/>
-          </p:cNvSpPr>
-          <p:nvPr>
-            <p:ph type="ftr" sz="quarter" idx="11"/>
-          </p:nvPr>
-        </p:nvSpPr>
-        <p:spPr/>
-        <p:txBody>
-          <a:bodyPr/>
-          <a:lstStyle/>
-          <a:p>
-            <a:endParaRPr lang="en-US" dirty="0"/>
-          </a:p>
-        </p:txBody>
-      </p:sp>
-      <p:sp>
-        <p:nvSpPr>
-          <p:cNvPr id="6" name="Slide Number Placeholder 5"/>
-          <p:cNvSpPr>
-            <a:spLocks noGrp="1"/>
-          </p:cNvSpPr>
-          <p:nvPr>
-            <p:ph type="sldNum" sz="quarter" idx="12"/>
-          </p:nvPr>
-        </p:nvSpPr>
-        <p:spPr/>
-        <p:txBody>
-          <a:bodyPr/>
-          <a:lstStyle/>
-          <a:p>
-            <a:fld id="{D57F1E4F-1CFF-5643-939E-217C01CDF565}" type="slidenum">
-              <a:rPr lang="en-US" dirty="0"/>
-              <a:pPr/>
-              <a:t>‹Nr.›</a:t>
-            </a:fld>
-            <a:endParaRPr lang="en-US" dirty="0"/>
-          </a:p>
-        </p:txBody>
-      </p:sp>
-      <p:sp>
-        <p:nvSpPr>
-          <p:cNvPr id="11" name="TextBox 10"/>
-          <p:cNvSpPr txBox="1"/>
-          <p:nvPr/>
-        </p:nvSpPr>
-        <p:spPr>
-          <a:xfrm>
-            <a:off x="531812" y="812222"/>
-            <a:ext cx="609600" cy="584776"/>
-          </a:xfrm>
-          <a:prstGeom prst="rect">
-            <a:avLst/>
-          </a:prstGeom>
-        </p:spPr>
-        <p:txBody>
-          <a:bodyPr vert="horz" lIns="91440" tIns="45720" rIns="91440" bIns="45720" rtlCol="0" anchor="ctr">
-            <a:noAutofit/>
-          </a:bodyPr>
-          <a:lstStyle/>
-          <a:p>
-            <a:pPr lvl="0"/>
-            <a:r>
-              <a:rPr lang="en-US" sz="8000" dirty="0">
-                <a:solidFill>
-                  <a:schemeClr val="tx1"/>
-                </a:solidFill>
-                <a:effectLst/>
-              </a:rPr>
-              <a:t>“</a:t>
-            </a:r>
-          </a:p>
-        </p:txBody>
-      </p:sp>
-      <p:sp>
-        <p:nvSpPr>
-          <p:cNvPr id="12" name="TextBox 11"/>
-          <p:cNvSpPr txBox="1"/>
-          <p:nvPr/>
-        </p:nvSpPr>
-        <p:spPr>
-          <a:xfrm>
-            <a:off x="10285412" y="2768601"/>
-            <a:ext cx="609600" cy="584776"/>
-          </a:xfrm>
-          <a:prstGeom prst="rect">
-            <a:avLst/>
-          </a:prstGeom>
-        </p:spPr>
-        <p:txBody>
-          <a:bodyPr vert="horz" lIns="91440" tIns="45720" rIns="91440" bIns="45720" rtlCol="0" anchor="ctr">
-            <a:noAutofit/>
-          </a:bodyPr>
-          <a:lstStyle/>
-          <a:p>
-            <a:pPr lvl="0" algn="r"/>
-            <a:r>
-              <a:rPr lang="en-US" sz="8000" dirty="0">
-                <a:solidFill>
-                  <a:schemeClr val="tx1"/>
-                </a:solidFill>
-                <a:effectLst/>
-              </a:rPr>
-              <a:t>”</a:t>
-            </a:r>
-          </a:p>
-        </p:txBody>
-      </p:sp>
-    </p:spTree>
-  </p:cSld>
-  <p:clrMapOvr>
-    <a:masterClrMapping/>
-  </p:clrMapOvr>
-</p:sldLayout>
-</file>
-
-<file path=ppt/slideLayouts/slideLayout15.xml><?xml version="1.0" encoding="utf-8"?>
-<p:sldLayout xmlns:a="http://schemas.openxmlformats.org/drawingml/2006/main" xmlns:r="http://schemas.openxmlformats.org/officeDocument/2006/relationships" xmlns:p="http://schemas.openxmlformats.org/presentationml/2006/main" preserve="1">
-  <p:cSld name="Wahr oder Falsch">
-    <p:spTree>
-      <p:nvGrpSpPr>
-        <p:cNvPr id="1" name=""/>
-        <p:cNvGrpSpPr/>
-        <p:nvPr/>
-      </p:nvGrpSpPr>
-      <p:grpSpPr>
-        <a:xfrm>
-          <a:off x="0" y="0"/>
-          <a:ext cx="0" cy="0"/>
-          <a:chOff x="0" y="0"/>
-          <a:chExt cx="0" cy="0"/>
-        </a:xfrm>
-      </p:grpSpPr>
-      <p:sp>
-        <p:nvSpPr>
-          <p:cNvPr id="2" name="Title 1"/>
-          <p:cNvSpPr>
-            <a:spLocks noGrp="1"/>
-          </p:cNvSpPr>
-          <p:nvPr>
-            <p:ph type="title"/>
-          </p:nvPr>
-        </p:nvSpPr>
-        <p:spPr>
-          <a:xfrm>
-            <a:off x="684213" y="685800"/>
-            <a:ext cx="10058400" cy="2743200"/>
-          </a:xfrm>
-        </p:spPr>
-        <p:txBody>
-          <a:bodyPr vert="horz" lIns="91440" tIns="45720" rIns="91440" bIns="45720" rtlCol="0" anchor="ctr">
-            <a:normAutofit/>
-          </a:bodyPr>
-          <a:lstStyle>
-            <a:lvl1pPr>
-              <a:defRPr lang="en-US" b="0" dirty="0"/>
-            </a:lvl1pPr>
-          </a:lstStyle>
-          <a:p>
-            <a:pPr marL="0" lvl="0"/>
-            <a:r>
-              <a:rPr lang="de-DE" smtClean="0"/>
-              <a:t>Titelmasterformat durch Klicken bearbeiten</a:t>
-            </a:r>
-            <a:endParaRPr lang="en-US" dirty="0"/>
-          </a:p>
-        </p:txBody>
-      </p:sp>
-      <p:sp>
-        <p:nvSpPr>
-          <p:cNvPr id="10" name="Text Placeholder 9"/>
-          <p:cNvSpPr>
-            <a:spLocks noGrp="1"/>
-          </p:cNvSpPr>
-          <p:nvPr>
-            <p:ph type="body" sz="quarter" idx="13"/>
-          </p:nvPr>
-        </p:nvSpPr>
-        <p:spPr>
-          <a:xfrm>
-            <a:off x="684212" y="3928534"/>
-            <a:ext cx="8534400" cy="838200"/>
-          </a:xfrm>
-        </p:spPr>
-        <p:txBody>
-          <a:bodyPr vert="horz" lIns="91440" tIns="45720" rIns="91440" bIns="45720" rtlCol="0" anchor="b">
-            <a:normAutofit/>
-          </a:bodyPr>
-          <a:lstStyle>
-            <a:lvl1pPr>
-              <a:buNone/>
-              <a:defRPr lang="en-US" sz="2400" b="0" cap="all" dirty="0">
-                <a:ln w="3175" cmpd="sng">
-                  <a:noFill/>
-                </a:ln>
-                <a:solidFill>
-                  <a:schemeClr val="tx1"/>
-                </a:solidFill>
-                <a:effectLst/>
-              </a:defRPr>
-            </a:lvl1pPr>
-          </a:lstStyle>
-          <a:p>
-            <a:pPr marL="0" lvl="0">
-              <a:spcBef>
-                <a:spcPct val="0"/>
-              </a:spcBef>
-              <a:buNone/>
-            </a:pPr>
-            <a:r>
-              <a:rPr lang="de-DE" smtClean="0"/>
-              <a:t>Formatvorlagen des Textmasters bearbeiten</a:t>
-            </a:r>
-          </a:p>
-        </p:txBody>
-      </p:sp>
-      <p:sp>
-        <p:nvSpPr>
-          <p:cNvPr id="3" name="Text Placeholder 2"/>
-          <p:cNvSpPr>
-            <a:spLocks noGrp="1"/>
-          </p:cNvSpPr>
-          <p:nvPr>
-            <p:ph type="body" idx="1"/>
-          </p:nvPr>
-        </p:nvSpPr>
-        <p:spPr>
-          <a:xfrm>
-            <a:off x="684211" y="4766732"/>
-            <a:ext cx="8534401" cy="1227667"/>
-          </a:xfrm>
-        </p:spPr>
-        <p:txBody>
-          <a:bodyPr anchor="t">
-            <a:normAutofit/>
-          </a:bodyPr>
-          <a:lstStyle>
-            <a:lvl1pPr marL="0" indent="0" algn="l">
-              <a:buNone/>
-              <a:defRPr sz="1800">
-                <a:solidFill>
-                  <a:schemeClr val="bg2">
-                    <a:lumMod val="75000"/>
-                  </a:schemeClr>
-                </a:solidFill>
-              </a:defRPr>
-            </a:lvl1pPr>
-            <a:lvl2pPr marL="457200" indent="0">
-              <a:buNone/>
-              <a:defRPr sz="1800">
-                <a:solidFill>
-                  <a:schemeClr val="tx1">
-                    <a:tint val="75000"/>
-                  </a:schemeClr>
-                </a:solidFill>
-              </a:defRPr>
-            </a:lvl2pPr>
-            <a:lvl3pPr marL="914400" indent="0">
-              <a:buNone/>
-              <a:defRPr sz="1600">
-                <a:solidFill>
-                  <a:schemeClr val="tx1">
-                    <a:tint val="75000"/>
-                  </a:schemeClr>
-                </a:solidFill>
-              </a:defRPr>
-            </a:lvl3pPr>
-            <a:lvl4pPr marL="1371600" indent="0">
-              <a:buNone/>
-              <a:defRPr sz="1400">
-                <a:solidFill>
-                  <a:schemeClr val="tx1">
-                    <a:tint val="75000"/>
-                  </a:schemeClr>
-                </a:solidFill>
-              </a:defRPr>
-            </a:lvl4pPr>
-            <a:lvl5pPr marL="1828800" indent="0">
-              <a:buNone/>
-              <a:defRPr sz="1400">
-                <a:solidFill>
-                  <a:schemeClr val="tx1">
-                    <a:tint val="75000"/>
-                  </a:schemeClr>
-                </a:solidFill>
-              </a:defRPr>
-            </a:lvl5pPr>
-            <a:lvl6pPr marL="2286000" indent="0">
-              <a:buNone/>
-              <a:defRPr sz="1400">
-                <a:solidFill>
-                  <a:schemeClr val="tx1">
-                    <a:tint val="75000"/>
-                  </a:schemeClr>
-                </a:solidFill>
-              </a:defRPr>
-            </a:lvl6pPr>
-            <a:lvl7pPr marL="2743200" indent="0">
-              <a:buNone/>
-              <a:defRPr sz="1400">
-                <a:solidFill>
-                  <a:schemeClr val="tx1">
-                    <a:tint val="75000"/>
-                  </a:schemeClr>
-                </a:solidFill>
-              </a:defRPr>
-            </a:lvl7pPr>
-            <a:lvl8pPr marL="3200400" indent="0">
-              <a:buNone/>
-              <a:defRPr sz="1400">
-                <a:solidFill>
-                  <a:schemeClr val="tx1">
-                    <a:tint val="75000"/>
-                  </a:schemeClr>
-                </a:solidFill>
-              </a:defRPr>
-            </a:lvl8pPr>
-            <a:lvl9pPr marL="3657600" indent="0">
-              <a:buNone/>
-              <a:defRPr sz="1400">
-                <a:solidFill>
-                  <a:schemeClr val="tx1">
-                    <a:tint val="75000"/>
-                  </a:schemeClr>
-                </a:solidFill>
-              </a:defRPr>
-            </a:lvl9pPr>
-          </a:lstStyle>
-          <a:p>
-            <a:pPr lvl="0"/>
-            <a:r>
-              <a:rPr lang="de-DE" smtClean="0"/>
-              <a:t>Formatvorlagen des Textmasters bearbeiten</a:t>
-            </a:r>
-          </a:p>
-        </p:txBody>
-      </p:sp>
-      <p:sp>
-        <p:nvSpPr>
-          <p:cNvPr id="4" name="Date Placeholder 3"/>
-          <p:cNvSpPr>
-            <a:spLocks noGrp="1"/>
-          </p:cNvSpPr>
-          <p:nvPr>
-            <p:ph type="dt" sz="half" idx="10"/>
-          </p:nvPr>
-        </p:nvSpPr>
-        <p:spPr/>
-        <p:txBody>
-          <a:bodyPr/>
-          <a:lstStyle/>
-          <a:p>
-            <a:fld id="{B61BEF0D-F0BB-DE4B-95CE-6DB70DBA9567}" type="datetimeFigureOut">
-              <a:rPr lang="en-US" dirty="0"/>
-              <a:pPr/>
-              <a:t>8/25/2018</a:t>
-            </a:fld>
-            <a:endParaRPr lang="en-US" dirty="0"/>
-          </a:p>
-        </p:txBody>
-      </p:sp>
-      <p:sp>
-        <p:nvSpPr>
-          <p:cNvPr id="5" name="Footer Placeholder 4"/>
-          <p:cNvSpPr>
-            <a:spLocks noGrp="1"/>
-          </p:cNvSpPr>
-          <p:nvPr>
-            <p:ph type="ftr" sz="quarter" idx="11"/>
-          </p:nvPr>
-        </p:nvSpPr>
-        <p:spPr/>
-        <p:txBody>
-          <a:bodyPr/>
-          <a:lstStyle/>
-          <a:p>
-            <a:endParaRPr lang="en-US" dirty="0"/>
-          </a:p>
-        </p:txBody>
-      </p:sp>
-      <p:sp>
-        <p:nvSpPr>
-          <p:cNvPr id="6" name="Slide Number Placeholder 5"/>
-          <p:cNvSpPr>
-            <a:spLocks noGrp="1"/>
-          </p:cNvSpPr>
-          <p:nvPr>
-            <p:ph type="sldNum" sz="quarter" idx="12"/>
-          </p:nvPr>
-        </p:nvSpPr>
-        <p:spPr/>
-        <p:txBody>
-          <a:bodyPr/>
-          <a:lstStyle/>
-          <a:p>
-            <a:fld id="{D57F1E4F-1CFF-5643-939E-217C01CDF565}" type="slidenum">
-              <a:rPr lang="en-US" dirty="0"/>
-              <a:pPr/>
-              <a:t>‹Nr.›</a:t>
-            </a:fld>
-            <a:endParaRPr lang="en-US" dirty="0"/>
-          </a:p>
-        </p:txBody>
-      </p:sp>
-    </p:spTree>
-  </p:cSld>
-  <p:clrMapOvr>
-    <a:masterClrMapping/>
-  </p:clrMapOvr>
-</p:sldLayout>
-</file>
-
-<file path=ppt/slideLayouts/slideLayout16.xml><?xml version="1.0" encoding="utf-8"?>
-<p:sldLayout xmlns:a="http://schemas.openxmlformats.org/drawingml/2006/main" xmlns:r="http://schemas.openxmlformats.org/officeDocument/2006/relationships" xmlns:p="http://schemas.openxmlformats.org/presentationml/2006/main" type="vertTx" preserve="1">
-  <p:cSld name="Titel und vertikaler Text">
-    <p:spTree>
-      <p:nvGrpSpPr>
-        <p:cNvPr id="1" name=""/>
-        <p:cNvGrpSpPr/>
-        <p:nvPr/>
-      </p:nvGrpSpPr>
-      <p:grpSpPr>
-        <a:xfrm>
-          <a:off x="0" y="0"/>
-          <a:ext cx="0" cy="0"/>
-          <a:chOff x="0" y="0"/>
-          <a:chExt cx="0" cy="0"/>
-        </a:xfrm>
-      </p:grpSpPr>
-      <p:sp>
-        <p:nvSpPr>
-          <p:cNvPr id="2" name="Title 1"/>
-          <p:cNvSpPr>
-            <a:spLocks noGrp="1"/>
-          </p:cNvSpPr>
-          <p:nvPr>
-            <p:ph type="title"/>
-          </p:nvPr>
-        </p:nvSpPr>
-        <p:spPr/>
-        <p:txBody>
-          <a:bodyPr/>
-          <a:lstStyle>
-            <a:lvl1pPr algn="l">
-              <a:defRPr/>
-            </a:lvl1pPr>
-          </a:lstStyle>
-          <a:p>
-            <a:r>
-              <a:rPr lang="de-DE" smtClean="0"/>
-              <a:t>Titelmasterformat durch Klicken bearbeiten</a:t>
-            </a:r>
-            <a:endParaRPr lang="en-US" dirty="0"/>
-          </a:p>
-        </p:txBody>
-      </p:sp>
-      <p:sp>
-        <p:nvSpPr>
-          <p:cNvPr id="3" name="Vertical Text Placeholder 2"/>
-          <p:cNvSpPr>
-            <a:spLocks noGrp="1"/>
-          </p:cNvSpPr>
-          <p:nvPr>
-            <p:ph type="body" orient="vert" idx="1"/>
-          </p:nvPr>
-        </p:nvSpPr>
-        <p:spPr/>
-        <p:txBody>
-          <a:bodyPr vert="eaVert" anchor="t"/>
-          <a:lstStyle/>
-          <a:p>
-            <a:pPr lvl="0"/>
-            <a:r>
-              <a:rPr lang="de-DE" smtClean="0"/>
-              <a:t>Formatvorlagen des Textmasters bearbeiten</a:t>
-            </a:r>
-          </a:p>
-          <a:p>
-            <a:pPr lvl="1"/>
-            <a:r>
-              <a:rPr lang="de-DE" smtClean="0"/>
-              <a:t>Zweite Ebene</a:t>
-            </a:r>
-          </a:p>
-          <a:p>
-            <a:pPr lvl="2"/>
-            <a:r>
-              <a:rPr lang="de-DE" smtClean="0"/>
-              <a:t>Dritte Ebene</a:t>
-            </a:r>
-          </a:p>
-          <a:p>
-            <a:pPr lvl="3"/>
-            <a:r>
-              <a:rPr lang="de-DE" smtClean="0"/>
-              <a:t>Vierte Ebene</a:t>
-            </a:r>
-          </a:p>
-          <a:p>
-            <a:pPr lvl="4"/>
-            <a:r>
-              <a:rPr lang="de-DE" smtClean="0"/>
-              <a:t>Fünfte Ebene</a:t>
-            </a:r>
-            <a:endParaRPr lang="en-US" dirty="0"/>
-          </a:p>
-        </p:txBody>
-      </p:sp>
-      <p:sp>
-        <p:nvSpPr>
-          <p:cNvPr id="4" name="Date Placeholder 3"/>
-          <p:cNvSpPr>
-            <a:spLocks noGrp="1"/>
-          </p:cNvSpPr>
-          <p:nvPr>
-            <p:ph type="dt" sz="half" idx="10"/>
-          </p:nvPr>
-        </p:nvSpPr>
-        <p:spPr/>
-        <p:txBody>
-          <a:bodyPr/>
-          <a:lstStyle/>
-          <a:p>
-            <a:fld id="{B61BEF0D-F0BB-DE4B-95CE-6DB70DBA9567}" type="datetimeFigureOut">
-              <a:rPr lang="en-US" dirty="0"/>
-              <a:pPr/>
-              <a:t>8/25/2018</a:t>
-            </a:fld>
-            <a:endParaRPr lang="en-US" dirty="0"/>
-          </a:p>
-        </p:txBody>
-      </p:sp>
-      <p:sp>
-        <p:nvSpPr>
-          <p:cNvPr id="5" name="Footer Placeholder 4"/>
-          <p:cNvSpPr>
-            <a:spLocks noGrp="1"/>
-          </p:cNvSpPr>
-          <p:nvPr>
-            <p:ph type="ftr" sz="quarter" idx="11"/>
-          </p:nvPr>
-        </p:nvSpPr>
-        <p:spPr/>
-        <p:txBody>
-          <a:bodyPr/>
-          <a:lstStyle/>
-          <a:p>
-            <a:endParaRPr lang="en-US" dirty="0"/>
-          </a:p>
-        </p:txBody>
-      </p:sp>
-      <p:sp>
-        <p:nvSpPr>
-          <p:cNvPr id="6" name="Slide Number Placeholder 5"/>
-          <p:cNvSpPr>
-            <a:spLocks noGrp="1"/>
-          </p:cNvSpPr>
-          <p:nvPr>
-            <p:ph type="sldNum" sz="quarter" idx="12"/>
-          </p:nvPr>
-        </p:nvSpPr>
-        <p:spPr/>
-        <p:txBody>
-          <a:bodyPr/>
-          <a:lstStyle/>
-          <a:p>
-            <a:fld id="{D57F1E4F-1CFF-5643-939E-217C01CDF565}" type="slidenum">
-              <a:rPr lang="en-US" dirty="0"/>
-              <a:pPr/>
-              <a:t>‹Nr.›</a:t>
-            </a:fld>
-            <a:endParaRPr lang="en-US" dirty="0"/>
-          </a:p>
-        </p:txBody>
-      </p:sp>
-    </p:spTree>
-  </p:cSld>
-  <p:clrMapOvr>
-    <a:masterClrMapping/>
-  </p:clrMapOvr>
-</p:sldLayout>
-</file>
-
-<file path=ppt/slideLayouts/slideLayout17.xml><?xml version="1.0" encoding="utf-8"?>
-<p:sldLayout xmlns:a="http://schemas.openxmlformats.org/drawingml/2006/main" xmlns:r="http://schemas.openxmlformats.org/officeDocument/2006/relationships" xmlns:p="http://schemas.openxmlformats.org/presentationml/2006/main" type="vertTitleAndTx" preserve="1">
-  <p:cSld name="Vertikaler Titel und Text">
-    <p:spTree>
-      <p:nvGrpSpPr>
-        <p:cNvPr id="1" name=""/>
-        <p:cNvGrpSpPr/>
-        <p:nvPr/>
-      </p:nvGrpSpPr>
-      <p:grpSpPr>
-        <a:xfrm>
-          <a:off x="0" y="0"/>
-          <a:ext cx="0" cy="0"/>
-          <a:chOff x="0" y="0"/>
-          <a:chExt cx="0" cy="0"/>
-        </a:xfrm>
-      </p:grpSpPr>
-      <p:sp>
-        <p:nvSpPr>
-          <p:cNvPr id="2" name="Vertical Title 1"/>
-          <p:cNvSpPr>
-            <a:spLocks noGrp="1"/>
-          </p:cNvSpPr>
-          <p:nvPr>
-            <p:ph type="title" orient="vert"/>
-          </p:nvPr>
-        </p:nvSpPr>
-        <p:spPr>
-          <a:xfrm>
-            <a:off x="8685212" y="685800"/>
-            <a:ext cx="2057400" cy="4572000"/>
-          </a:xfrm>
-        </p:spPr>
-        <p:txBody>
-          <a:bodyPr vert="eaVert"/>
-          <a:lstStyle/>
-          <a:p>
-            <a:r>
-              <a:rPr lang="de-DE" smtClean="0"/>
-              <a:t>Titelmasterformat durch Klicken bearbeiten</a:t>
-            </a:r>
-            <a:endParaRPr lang="en-US" dirty="0"/>
-          </a:p>
-        </p:txBody>
-      </p:sp>
-      <p:sp>
-        <p:nvSpPr>
-          <p:cNvPr id="3" name="Vertical Text Placeholder 2"/>
-          <p:cNvSpPr>
-            <a:spLocks noGrp="1"/>
-          </p:cNvSpPr>
-          <p:nvPr>
-            <p:ph type="body" orient="vert" idx="1"/>
-          </p:nvPr>
-        </p:nvSpPr>
-        <p:spPr>
-          <a:xfrm>
-            <a:off x="685800" y="685800"/>
-            <a:ext cx="7823200" cy="5308600"/>
-          </a:xfrm>
-        </p:spPr>
-        <p:txBody>
-          <a:bodyPr vert="eaVert" anchor="t"/>
-          <a:lstStyle/>
-          <a:p>
-            <a:pPr lvl="0"/>
-            <a:r>
-              <a:rPr lang="de-DE" smtClean="0"/>
-              <a:t>Formatvorlagen des Textmasters bearbeiten</a:t>
-            </a:r>
-          </a:p>
-          <a:p>
-            <a:pPr lvl="1"/>
-            <a:r>
-              <a:rPr lang="de-DE" smtClean="0"/>
-              <a:t>Zweite Ebene</a:t>
-            </a:r>
-          </a:p>
-          <a:p>
-            <a:pPr lvl="2"/>
-            <a:r>
-              <a:rPr lang="de-DE" smtClean="0"/>
-              <a:t>Dritte Ebene</a:t>
-            </a:r>
-          </a:p>
-          <a:p>
-            <a:pPr lvl="3"/>
-            <a:r>
-              <a:rPr lang="de-DE" smtClean="0"/>
-              <a:t>Vierte Ebene</a:t>
-            </a:r>
-          </a:p>
-          <a:p>
-            <a:pPr lvl="4"/>
-            <a:r>
-              <a:rPr lang="de-DE" smtClean="0"/>
-              <a:t>Fünfte Ebene</a:t>
-            </a:r>
-            <a:endParaRPr lang="en-US" dirty="0"/>
-          </a:p>
-        </p:txBody>
-      </p:sp>
-      <p:sp>
-        <p:nvSpPr>
-          <p:cNvPr id="4" name="Date Placeholder 3"/>
-          <p:cNvSpPr>
-            <a:spLocks noGrp="1"/>
-          </p:cNvSpPr>
-          <p:nvPr>
-            <p:ph type="dt" sz="half" idx="10"/>
-          </p:nvPr>
-        </p:nvSpPr>
-        <p:spPr/>
-        <p:txBody>
-          <a:bodyPr/>
-          <a:lstStyle/>
-          <a:p>
-            <a:fld id="{B61BEF0D-F0BB-DE4B-95CE-6DB70DBA9567}" type="datetimeFigureOut">
-              <a:rPr lang="en-US" dirty="0"/>
-              <a:pPr/>
-              <a:t>8/25/2018</a:t>
-            </a:fld>
-            <a:endParaRPr lang="en-US" dirty="0"/>
-          </a:p>
-        </p:txBody>
-      </p:sp>
-      <p:sp>
-        <p:nvSpPr>
-          <p:cNvPr id="5" name="Footer Placeholder 4"/>
-          <p:cNvSpPr>
-            <a:spLocks noGrp="1"/>
-          </p:cNvSpPr>
-          <p:nvPr>
-            <p:ph type="ftr" sz="quarter" idx="11"/>
-          </p:nvPr>
-        </p:nvSpPr>
-        <p:spPr/>
-        <p:txBody>
-          <a:bodyPr/>
-          <a:lstStyle/>
-          <a:p>
-            <a:endParaRPr lang="en-US" dirty="0"/>
-          </a:p>
-        </p:txBody>
-      </p:sp>
-      <p:sp>
-        <p:nvSpPr>
-          <p:cNvPr id="6" name="Slide Number Placeholder 5"/>
-          <p:cNvSpPr>
-            <a:spLocks noGrp="1"/>
-          </p:cNvSpPr>
-          <p:nvPr>
-            <p:ph type="sldNum" sz="quarter" idx="12"/>
-          </p:nvPr>
-        </p:nvSpPr>
-        <p:spPr/>
-        <p:txBody>
-          <a:bodyPr/>
-          <a:lstStyle/>
-          <a:p>
-            <a:fld id="{D57F1E4F-1CFF-5643-939E-217C01CDF565}" type="slidenum">
-              <a:rPr lang="en-US" dirty="0"/>
-              <a:pPr/>
-              <a:t>‹Nr.›</a:t>
-            </a:fld>
-            <a:endParaRPr lang="en-US" dirty="0"/>
-          </a:p>
-        </p:txBody>
-      </p:sp>
-    </p:spTree>
-  </p:cSld>
-  <p:clrMapOvr>
-    <a:masterClrMapping/>
-  </p:clrMapOvr>
-</p:sldLayout>
-</file>
-
-<file path=ppt/slideLayouts/slideLayout2.xml><?xml version="1.0" encoding="utf-8"?>
-<p:sldLayout xmlns:a="http://schemas.openxmlformats.org/drawingml/2006/main" xmlns:r="http://schemas.openxmlformats.org/officeDocument/2006/relationships" xmlns:p="http://schemas.openxmlformats.org/presentationml/2006/main" type="obj" preserve="1">
-  <p:cSld name="Titel und Inhalt">
-    <p:spTree>
-      <p:nvGrpSpPr>
-        <p:cNvPr id="1" name=""/>
-        <p:cNvGrpSpPr/>
-        <p:nvPr/>
-      </p:nvGrpSpPr>
-      <p:grpSpPr>
-        <a:xfrm>
-          <a:off x="0" y="0"/>
-          <a:ext cx="0" cy="0"/>
-          <a:chOff x="0" y="0"/>
-          <a:chExt cx="0" cy="0"/>
-        </a:xfrm>
-      </p:grpSpPr>
-      <p:sp>
-        <p:nvSpPr>
-          <p:cNvPr id="2" name="Title 1"/>
-          <p:cNvSpPr>
-            <a:spLocks noGrp="1"/>
-          </p:cNvSpPr>
-          <p:nvPr>
-            <p:ph type="title"/>
-          </p:nvPr>
-        </p:nvSpPr>
-        <p:spPr/>
-        <p:txBody>
-          <a:bodyPr/>
-          <a:lstStyle/>
-          <a:p>
-            <a:r>
-              <a:rPr lang="de-DE" smtClean="0"/>
-              <a:t>Titelmasterformat durch Klicken bearbeiten</a:t>
-            </a:r>
-            <a:endParaRPr lang="en-US" dirty="0"/>
-          </a:p>
-        </p:txBody>
-      </p:sp>
-      <p:sp>
-        <p:nvSpPr>
-          <p:cNvPr id="3" name="Content Placeholder 2"/>
-          <p:cNvSpPr>
-            <a:spLocks noGrp="1"/>
-          </p:cNvSpPr>
-          <p:nvPr>
-            <p:ph idx="1"/>
-          </p:nvPr>
-        </p:nvSpPr>
-        <p:spPr/>
-        <p:txBody>
-          <a:bodyPr anchor="ctr"/>
-          <a:lstStyle/>
-          <a:p>
-            <a:pPr lvl="0"/>
-            <a:r>
-              <a:rPr lang="de-DE" smtClean="0"/>
-              <a:t>Formatvorlagen des Textmasters bearbeiten</a:t>
-            </a:r>
-          </a:p>
-          <a:p>
-            <a:pPr lvl="1"/>
-            <a:r>
-              <a:rPr lang="de-DE" smtClean="0"/>
-              <a:t>Zweite Ebene</a:t>
-            </a:r>
-          </a:p>
-          <a:p>
-            <a:pPr lvl="2"/>
-            <a:r>
-              <a:rPr lang="de-DE" smtClean="0"/>
-              <a:t>Dritte Ebene</a:t>
-            </a:r>
-          </a:p>
-          <a:p>
-            <a:pPr lvl="3"/>
-            <a:r>
-              <a:rPr lang="de-DE" smtClean="0"/>
-              <a:t>Vierte Ebene</a:t>
-            </a:r>
-          </a:p>
-          <a:p>
-            <a:pPr lvl="4"/>
-            <a:r>
-              <a:rPr lang="de-DE" smtClean="0"/>
-              <a:t>Fünfte Ebene</a:t>
-            </a:r>
-            <a:endParaRPr lang="en-US" dirty="0"/>
-          </a:p>
-        </p:txBody>
-      </p:sp>
-      <p:sp>
-        <p:nvSpPr>
-          <p:cNvPr id="4" name="Date Placeholder 3"/>
-          <p:cNvSpPr>
-            <a:spLocks noGrp="1"/>
-          </p:cNvSpPr>
-          <p:nvPr>
-            <p:ph type="dt" sz="half" idx="10"/>
-          </p:nvPr>
-        </p:nvSpPr>
-        <p:spPr/>
-        <p:txBody>
-          <a:bodyPr/>
-          <a:lstStyle/>
-          <a:p>
-            <a:fld id="{B61BEF0D-F0BB-DE4B-95CE-6DB70DBA9567}" type="datetimeFigureOut">
-              <a:rPr lang="en-US" dirty="0"/>
-              <a:pPr/>
-              <a:t>8/25/2018</a:t>
-            </a:fld>
-            <a:endParaRPr lang="en-US" dirty="0"/>
-          </a:p>
-        </p:txBody>
-      </p:sp>
-      <p:sp>
-        <p:nvSpPr>
-          <p:cNvPr id="5" name="Footer Placeholder 4"/>
-          <p:cNvSpPr>
-            <a:spLocks noGrp="1"/>
-          </p:cNvSpPr>
-          <p:nvPr>
-            <p:ph type="ftr" sz="quarter" idx="11"/>
-          </p:nvPr>
-        </p:nvSpPr>
-        <p:spPr/>
-        <p:txBody>
-          <a:bodyPr/>
-          <a:lstStyle/>
-          <a:p>
-            <a:endParaRPr lang="en-US" dirty="0"/>
-          </a:p>
-        </p:txBody>
-      </p:sp>
-      <p:sp>
-        <p:nvSpPr>
-          <p:cNvPr id="6" name="Slide Number Placeholder 5"/>
-          <p:cNvSpPr>
-            <a:spLocks noGrp="1"/>
-          </p:cNvSpPr>
-          <p:nvPr>
-            <p:ph type="sldNum" sz="quarter" idx="12"/>
-          </p:nvPr>
-        </p:nvSpPr>
-        <p:spPr/>
-        <p:txBody>
-          <a:bodyPr/>
-          <a:lstStyle/>
-          <a:p>
-            <a:fld id="{D57F1E4F-1CFF-5643-939E-217C01CDF565}" type="slidenum">
-              <a:rPr lang="en-US" dirty="0"/>
-              <a:pPr/>
-              <a:t>‹Nr.›</a:t>
-            </a:fld>
-            <a:endParaRPr lang="en-US" dirty="0"/>
-          </a:p>
-        </p:txBody>
-      </p:sp>
-    </p:spTree>
-  </p:cSld>
-  <p:clrMapOvr>
-    <a:masterClrMapping/>
-  </p:clrMapOvr>
-</p:sldLayout>
-</file>
-
-<file path=ppt/slideLayouts/slideLayout3.xml><?xml version="1.0" encoding="utf-8"?>
-<p:sldLayout xmlns:a="http://schemas.openxmlformats.org/drawingml/2006/main" xmlns:r="http://schemas.openxmlformats.org/officeDocument/2006/relationships" xmlns:p="http://schemas.openxmlformats.org/presentationml/2006/main" type="secHead" preserve="1">
-  <p:cSld name="Abschnitts-&#10;überschrift">
-    <p:spTree>
-      <p:nvGrpSpPr>
-        <p:cNvPr id="1" name=""/>
-        <p:cNvGrpSpPr/>
-        <p:nvPr/>
-      </p:nvGrpSpPr>
-      <p:grpSpPr>
-        <a:xfrm>
-          <a:off x="0" y="0"/>
-          <a:ext cx="0" cy="0"/>
-          <a:chOff x="0" y="0"/>
-          <a:chExt cx="0" cy="0"/>
-        </a:xfrm>
-      </p:grpSpPr>
-      <p:sp>
-        <p:nvSpPr>
-          <p:cNvPr id="2" name="Title 1"/>
-          <p:cNvSpPr>
-            <a:spLocks noGrp="1"/>
-          </p:cNvSpPr>
-          <p:nvPr>
-            <p:ph type="title"/>
-          </p:nvPr>
-        </p:nvSpPr>
-        <p:spPr>
-          <a:xfrm>
-            <a:off x="684211" y="2006600"/>
-            <a:ext cx="8534401" cy="2281600"/>
-          </a:xfrm>
-        </p:spPr>
-        <p:txBody>
-          <a:bodyPr anchor="b">
-            <a:normAutofit/>
-          </a:bodyPr>
-          <a:lstStyle>
-            <a:lvl1pPr algn="l">
-              <a:defRPr sz="3600" b="0" cap="all"/>
-            </a:lvl1pPr>
-          </a:lstStyle>
-          <a:p>
-            <a:r>
-              <a:rPr lang="de-DE" smtClean="0"/>
-              <a:t>Titelmasterformat durch Klicken bearbeiten</a:t>
-            </a:r>
-            <a:endParaRPr lang="en-US" dirty="0"/>
-          </a:p>
-        </p:txBody>
-      </p:sp>
-      <p:sp>
-        <p:nvSpPr>
-          <p:cNvPr id="3" name="Text Placeholder 2"/>
-          <p:cNvSpPr>
-            <a:spLocks noGrp="1"/>
-          </p:cNvSpPr>
-          <p:nvPr>
-            <p:ph type="body" idx="1"/>
-          </p:nvPr>
-        </p:nvSpPr>
-        <p:spPr>
-          <a:xfrm>
-            <a:off x="684213" y="4495800"/>
-            <a:ext cx="8534400" cy="1498600"/>
-          </a:xfrm>
-        </p:spPr>
-        <p:txBody>
-          <a:bodyPr anchor="t">
-            <a:normAutofit/>
-          </a:bodyPr>
-          <a:lstStyle>
-            <a:lvl1pPr marL="0" indent="0" algn="l">
-              <a:buNone/>
-              <a:defRPr sz="1800">
-                <a:solidFill>
-                  <a:schemeClr val="bg2">
-                    <a:lumMod val="75000"/>
-                  </a:schemeClr>
-                </a:solidFill>
-              </a:defRPr>
-            </a:lvl1pPr>
-            <a:lvl2pPr marL="457200" indent="0">
-              <a:buNone/>
-              <a:defRPr sz="1800">
-                <a:solidFill>
-                  <a:schemeClr val="tx1">
-                    <a:tint val="75000"/>
-                  </a:schemeClr>
-                </a:solidFill>
-              </a:defRPr>
-            </a:lvl2pPr>
-            <a:lvl3pPr marL="914400" indent="0">
-              <a:buNone/>
-              <a:defRPr sz="1600">
-                <a:solidFill>
-                  <a:schemeClr val="tx1">
-                    <a:tint val="75000"/>
-                  </a:schemeClr>
-                </a:solidFill>
-              </a:defRPr>
-            </a:lvl3pPr>
-            <a:lvl4pPr marL="1371600" indent="0">
-              <a:buNone/>
-              <a:defRPr sz="1400">
-                <a:solidFill>
-                  <a:schemeClr val="tx1">
-                    <a:tint val="75000"/>
-                  </a:schemeClr>
-                </a:solidFill>
-              </a:defRPr>
-            </a:lvl4pPr>
-            <a:lvl5pPr marL="1828800" indent="0">
-              <a:buNone/>
-              <a:defRPr sz="1400">
-                <a:solidFill>
-                  <a:schemeClr val="tx1">
-                    <a:tint val="75000"/>
-                  </a:schemeClr>
-                </a:solidFill>
-              </a:defRPr>
-            </a:lvl5pPr>
-            <a:lvl6pPr marL="2286000" indent="0">
-              <a:buNone/>
-              <a:defRPr sz="1400">
-                <a:solidFill>
-                  <a:schemeClr val="tx1">
-                    <a:tint val="75000"/>
-                  </a:schemeClr>
-                </a:solidFill>
-              </a:defRPr>
-            </a:lvl6pPr>
-            <a:lvl7pPr marL="2743200" indent="0">
-              <a:buNone/>
-              <a:defRPr sz="1400">
-                <a:solidFill>
-                  <a:schemeClr val="tx1">
-                    <a:tint val="75000"/>
-                  </a:schemeClr>
-                </a:solidFill>
-              </a:defRPr>
-            </a:lvl7pPr>
-            <a:lvl8pPr marL="3200400" indent="0">
-              <a:buNone/>
-              <a:defRPr sz="1400">
-                <a:solidFill>
-                  <a:schemeClr val="tx1">
-                    <a:tint val="75000"/>
-                  </a:schemeClr>
-                </a:solidFill>
-              </a:defRPr>
-            </a:lvl8pPr>
-            <a:lvl9pPr marL="3657600" indent="0">
-              <a:buNone/>
-              <a:defRPr sz="1400">
-                <a:solidFill>
-                  <a:schemeClr val="tx1">
-                    <a:tint val="75000"/>
-                  </a:schemeClr>
-                </a:solidFill>
-              </a:defRPr>
-            </a:lvl9pPr>
-          </a:lstStyle>
-          <a:p>
-            <a:pPr lvl="0"/>
-            <a:r>
-              <a:rPr lang="de-DE" smtClean="0"/>
-              <a:t>Formatvorlagen des Textmasters bearbeiten</a:t>
-            </a:r>
-          </a:p>
-        </p:txBody>
-      </p:sp>
-      <p:sp>
-        <p:nvSpPr>
-          <p:cNvPr id="4" name="Date Placeholder 3"/>
-          <p:cNvSpPr>
-            <a:spLocks noGrp="1"/>
-          </p:cNvSpPr>
-          <p:nvPr>
-            <p:ph type="dt" sz="half" idx="10"/>
-          </p:nvPr>
-        </p:nvSpPr>
-        <p:spPr/>
-        <p:txBody>
-          <a:bodyPr/>
-          <a:lstStyle/>
-          <a:p>
-            <a:fld id="{B61BEF0D-F0BB-DE4B-95CE-6DB70DBA9567}" type="datetimeFigureOut">
-              <a:rPr lang="en-US" dirty="0"/>
-              <a:pPr/>
-              <a:t>8/25/2018</a:t>
-            </a:fld>
-            <a:endParaRPr lang="en-US" dirty="0"/>
-          </a:p>
-        </p:txBody>
-      </p:sp>
-      <p:sp>
-        <p:nvSpPr>
-          <p:cNvPr id="5" name="Footer Placeholder 4"/>
-          <p:cNvSpPr>
-            <a:spLocks noGrp="1"/>
-          </p:cNvSpPr>
-          <p:nvPr>
-            <p:ph type="ftr" sz="quarter" idx="11"/>
-          </p:nvPr>
-        </p:nvSpPr>
-        <p:spPr/>
-        <p:txBody>
-          <a:bodyPr/>
-          <a:lstStyle/>
-          <a:p>
-            <a:endParaRPr lang="en-US" dirty="0"/>
-          </a:p>
-        </p:txBody>
-      </p:sp>
-      <p:sp>
-        <p:nvSpPr>
-          <p:cNvPr id="6" name="Slide Number Placeholder 5"/>
-          <p:cNvSpPr>
-            <a:spLocks noGrp="1"/>
-          </p:cNvSpPr>
-          <p:nvPr>
-            <p:ph type="sldNum" sz="quarter" idx="12"/>
-          </p:nvPr>
-        </p:nvSpPr>
-        <p:spPr/>
-        <p:txBody>
-          <a:bodyPr/>
-          <a:lstStyle/>
-          <a:p>
-            <a:fld id="{D57F1E4F-1CFF-5643-939E-217C01CDF565}" type="slidenum">
-              <a:rPr lang="en-US" dirty="0"/>
-              <a:pPr/>
-              <a:t>‹Nr.›</a:t>
-            </a:fld>
-            <a:endParaRPr lang="en-US" dirty="0"/>
-          </a:p>
-        </p:txBody>
-      </p:sp>
-    </p:spTree>
+    <p:extLst>
+      <p:ext uri="{BB962C8B-B14F-4D97-AF65-F5344CB8AC3E}">
+        <p14:creationId xmlns:p14="http://schemas.microsoft.com/office/powerpoint/2010/main" val="2305232469"/>
+      </p:ext>
+    </p:extLst>
   </p:cSld>
   <p:clrMapOvr>
     <a:masterClrMapping/>
@@ -8779,6 +8540,109 @@
       </p:grpSpPr>
       <p:sp>
         <p:nvSpPr>
+          <p:cNvPr id="8" name="Freeform 6"/>
+          <p:cNvSpPr/>
+          <p:nvPr/>
+        </p:nvSpPr>
+        <p:spPr bwMode="auto">
+          <a:xfrm>
+            <a:off x="0" y="0"/>
+            <a:ext cx="12192000" cy="2185988"/>
+          </a:xfrm>
+          <a:custGeom>
+            <a:avLst/>
+            <a:gdLst/>
+            <a:ahLst/>
+            <a:cxnLst/>
+            <a:rect l="0" t="0" r="r" b="b"/>
+            <a:pathLst>
+              <a:path w="5760" h="1377">
+                <a:moveTo>
+                  <a:pt x="5760" y="0"/>
+                </a:moveTo>
+                <a:lnTo>
+                  <a:pt x="0" y="0"/>
+                </a:lnTo>
+                <a:lnTo>
+                  <a:pt x="0" y="1189"/>
+                </a:lnTo>
+                <a:lnTo>
+                  <a:pt x="943" y="1189"/>
+                </a:lnTo>
+                <a:lnTo>
+                  <a:pt x="1123" y="1369"/>
+                </a:lnTo>
+                <a:lnTo>
+                  <a:pt x="1123" y="1369"/>
+                </a:lnTo>
+                <a:lnTo>
+                  <a:pt x="1127" y="1371"/>
+                </a:lnTo>
+                <a:lnTo>
+                  <a:pt x="1133" y="1374"/>
+                </a:lnTo>
+                <a:lnTo>
+                  <a:pt x="1139" y="1377"/>
+                </a:lnTo>
+                <a:lnTo>
+                  <a:pt x="1144" y="1377"/>
+                </a:lnTo>
+                <a:lnTo>
+                  <a:pt x="1150" y="1377"/>
+                </a:lnTo>
+                <a:lnTo>
+                  <a:pt x="1155" y="1374"/>
+                </a:lnTo>
+                <a:lnTo>
+                  <a:pt x="1161" y="1371"/>
+                </a:lnTo>
+                <a:lnTo>
+                  <a:pt x="1165" y="1369"/>
+                </a:lnTo>
+                <a:lnTo>
+                  <a:pt x="1345" y="1189"/>
+                </a:lnTo>
+                <a:lnTo>
+                  <a:pt x="5760" y="1189"/>
+                </a:lnTo>
+                <a:lnTo>
+                  <a:pt x="5760" y="0"/>
+                </a:lnTo>
+                <a:close/>
+              </a:path>
+            </a:pathLst>
+          </a:custGeom>
+          <a:ln/>
+          <a:extLst>
+            <a:ext uri="{91240B29-F687-4f45-9708-019B960494DF}">
+              <a14:hiddenLine xmlns:a14="http://schemas.microsoft.com/office/drawing/2010/main" xmlns="" w="9525">
+                <a:solidFill>
+                  <a:srgbClr val="000000"/>
+                </a:solidFill>
+                <a:round/>
+                <a:headEnd/>
+                <a:tailEnd/>
+              </a14:hiddenLine>
+            </a:ext>
+          </a:extLst>
+        </p:spPr>
+        <p:style>
+          <a:lnRef idx="1">
+            <a:schemeClr val="accent1"/>
+          </a:lnRef>
+          <a:fillRef idx="3">
+            <a:schemeClr val="accent1"/>
+          </a:fillRef>
+          <a:effectRef idx="2">
+            <a:schemeClr val="accent1"/>
+          </a:effectRef>
+          <a:fontRef idx="minor">
+            <a:schemeClr val="lt1"/>
+          </a:fontRef>
+        </p:style>
+      </p:sp>
+      <p:sp>
+        <p:nvSpPr>
           <p:cNvPr id="2" name="Title 1"/>
           <p:cNvSpPr>
             <a:spLocks noGrp="1"/>
@@ -8812,8 +8676,8 @@
         </p:nvSpPr>
         <p:spPr>
           <a:xfrm>
-            <a:off x="684211" y="685800"/>
-            <a:ext cx="4937655" cy="3615267"/>
+            <a:off x="818712" y="2222287"/>
+            <a:ext cx="5185873" cy="3638763"/>
           </a:xfrm>
         </p:spPr>
         <p:txBody>
@@ -8871,8 +8735,8 @@
         </p:nvSpPr>
         <p:spPr>
           <a:xfrm>
-            <a:off x="5808133" y="685801"/>
-            <a:ext cx="4934479" cy="3615266"/>
+            <a:off x="6187415" y="2222287"/>
+            <a:ext cx="5194583" cy="3638764"/>
           </a:xfrm>
         </p:spPr>
         <p:txBody>
@@ -8934,7 +8798,7 @@
           <a:lstStyle/>
           <a:p>
             <a:fld id="{B61BEF0D-F0BB-DE4B-95CE-6DB70DBA9567}" type="datetimeFigureOut">
-              <a:rPr lang="en-US" dirty="0"/>
+              <a:rPr lang="en-US" smtClean="0"/>
               <a:pPr/>
               <a:t>8/25/2018</a:t>
             </a:fld>
@@ -8977,7 +8841,7 @@
           <a:lstStyle/>
           <a:p>
             <a:fld id="{D57F1E4F-1CFF-5643-939E-217C01CDF565}" type="slidenum">
-              <a:rPr lang="en-US" dirty="0"/>
+              <a:rPr lang="en-US" smtClean="0"/>
               <a:pPr/>
               <a:t>‹Nr.›</a:t>
             </a:fld>
@@ -8986,6 +8850,11 @@
         </p:txBody>
       </p:sp>
     </p:spTree>
+    <p:extLst>
+      <p:ext uri="{BB962C8B-B14F-4D97-AF65-F5344CB8AC3E}">
+        <p14:creationId xmlns:p14="http://schemas.microsoft.com/office/powerpoint/2010/main" val="1725363063"/>
+      </p:ext>
+    </p:extLst>
   </p:cSld>
   <p:clrMapOvr>
     <a:masterClrMapping/>
@@ -9012,6 +8881,109 @@
       </p:grpSpPr>
       <p:sp>
         <p:nvSpPr>
+          <p:cNvPr id="10" name="Freeform 6"/>
+          <p:cNvSpPr/>
+          <p:nvPr/>
+        </p:nvSpPr>
+        <p:spPr bwMode="auto">
+          <a:xfrm>
+            <a:off x="0" y="0"/>
+            <a:ext cx="12192000" cy="2185988"/>
+          </a:xfrm>
+          <a:custGeom>
+            <a:avLst/>
+            <a:gdLst/>
+            <a:ahLst/>
+            <a:cxnLst/>
+            <a:rect l="0" t="0" r="r" b="b"/>
+            <a:pathLst>
+              <a:path w="5760" h="1377">
+                <a:moveTo>
+                  <a:pt x="5760" y="0"/>
+                </a:moveTo>
+                <a:lnTo>
+                  <a:pt x="0" y="0"/>
+                </a:lnTo>
+                <a:lnTo>
+                  <a:pt x="0" y="1189"/>
+                </a:lnTo>
+                <a:lnTo>
+                  <a:pt x="943" y="1189"/>
+                </a:lnTo>
+                <a:lnTo>
+                  <a:pt x="1123" y="1369"/>
+                </a:lnTo>
+                <a:lnTo>
+                  <a:pt x="1123" y="1369"/>
+                </a:lnTo>
+                <a:lnTo>
+                  <a:pt x="1127" y="1371"/>
+                </a:lnTo>
+                <a:lnTo>
+                  <a:pt x="1133" y="1374"/>
+                </a:lnTo>
+                <a:lnTo>
+                  <a:pt x="1139" y="1377"/>
+                </a:lnTo>
+                <a:lnTo>
+                  <a:pt x="1144" y="1377"/>
+                </a:lnTo>
+                <a:lnTo>
+                  <a:pt x="1150" y="1377"/>
+                </a:lnTo>
+                <a:lnTo>
+                  <a:pt x="1155" y="1374"/>
+                </a:lnTo>
+                <a:lnTo>
+                  <a:pt x="1161" y="1371"/>
+                </a:lnTo>
+                <a:lnTo>
+                  <a:pt x="1165" y="1369"/>
+                </a:lnTo>
+                <a:lnTo>
+                  <a:pt x="1345" y="1189"/>
+                </a:lnTo>
+                <a:lnTo>
+                  <a:pt x="5760" y="1189"/>
+                </a:lnTo>
+                <a:lnTo>
+                  <a:pt x="5760" y="0"/>
+                </a:lnTo>
+                <a:close/>
+              </a:path>
+            </a:pathLst>
+          </a:custGeom>
+          <a:ln/>
+          <a:extLst>
+            <a:ext uri="{91240B29-F687-4f45-9708-019B960494DF}">
+              <a14:hiddenLine xmlns:a14="http://schemas.microsoft.com/office/drawing/2010/main" xmlns="" w="9525">
+                <a:solidFill>
+                  <a:srgbClr val="000000"/>
+                </a:solidFill>
+                <a:round/>
+                <a:headEnd/>
+                <a:tailEnd/>
+              </a14:hiddenLine>
+            </a:ext>
+          </a:extLst>
+        </p:spPr>
+        <p:style>
+          <a:lnRef idx="1">
+            <a:schemeClr val="accent1"/>
+          </a:lnRef>
+          <a:fillRef idx="3">
+            <a:schemeClr val="accent1"/>
+          </a:fillRef>
+          <a:effectRef idx="2">
+            <a:schemeClr val="accent1"/>
+          </a:effectRef>
+          <a:fontRef idx="minor">
+            <a:schemeClr val="lt1"/>
+          </a:fontRef>
+        </p:style>
+      </p:sp>
+      <p:sp>
+        <p:nvSpPr>
           <p:cNvPr id="2" name="Title 1"/>
           <p:cNvSpPr>
             <a:spLocks noGrp="1"/>
@@ -9049,8 +9021,8 @@
         </p:nvSpPr>
         <p:spPr>
           <a:xfrm>
-            <a:off x="972080" y="685800"/>
-            <a:ext cx="4649787" cy="576262"/>
+            <a:off x="814728" y="2174875"/>
+            <a:ext cx="5189857" cy="576262"/>
           </a:xfrm>
         </p:spPr>
         <p:txBody>
@@ -9058,13 +9030,9 @@
             <a:noAutofit/>
           </a:bodyPr>
           <a:lstStyle>
-            <a:lvl1pPr marL="0" indent="0">
+            <a:lvl1pPr marL="0" indent="0" algn="ctr">
               <a:buNone/>
-              <a:defRPr sz="2800" b="0">
-                <a:solidFill>
-                  <a:schemeClr val="tx1"/>
-                </a:solidFill>
-              </a:defRPr>
+              <a:defRPr sz="2000" b="0"/>
             </a:lvl1pPr>
             <a:lvl2pPr marL="457200" indent="0">
               <a:buNone/>
@@ -9120,8 +9088,8 @@
         </p:nvSpPr>
         <p:spPr>
           <a:xfrm>
-            <a:off x="684211" y="1270529"/>
-            <a:ext cx="4937655" cy="3030538"/>
+            <a:off x="814729" y="2751138"/>
+            <a:ext cx="5189856" cy="3109913"/>
           </a:xfrm>
         </p:spPr>
         <p:txBody>
@@ -9179,8 +9147,8 @@
         </p:nvSpPr>
         <p:spPr>
           <a:xfrm>
-            <a:off x="6079066" y="685800"/>
-            <a:ext cx="4665134" cy="576262"/>
+            <a:off x="6187415" y="2174875"/>
+            <a:ext cx="5194583" cy="576262"/>
           </a:xfrm>
         </p:spPr>
         <p:txBody>
@@ -9188,13 +9156,9 @@
             <a:noAutofit/>
           </a:bodyPr>
           <a:lstStyle>
-            <a:lvl1pPr marL="0" indent="0">
+            <a:lvl1pPr marL="0" indent="0" algn="ctr">
               <a:buNone/>
-              <a:defRPr sz="2800" b="0">
-                <a:solidFill>
-                  <a:schemeClr val="tx1"/>
-                </a:solidFill>
-              </a:defRPr>
+              <a:defRPr sz="2000" b="0"/>
             </a:lvl1pPr>
             <a:lvl2pPr marL="457200" indent="0">
               <a:buNone/>
@@ -9250,8 +9214,8 @@
         </p:nvSpPr>
         <p:spPr>
           <a:xfrm>
-            <a:off x="5806545" y="1262062"/>
-            <a:ext cx="4929188" cy="3030538"/>
+            <a:off x="6187415" y="2751138"/>
+            <a:ext cx="5194583" cy="3109913"/>
           </a:xfrm>
         </p:spPr>
         <p:txBody>
@@ -9313,7 +9277,7 @@
           <a:lstStyle/>
           <a:p>
             <a:fld id="{B61BEF0D-F0BB-DE4B-95CE-6DB70DBA9567}" type="datetimeFigureOut">
-              <a:rPr lang="en-US" dirty="0"/>
+              <a:rPr lang="en-US" smtClean="0"/>
               <a:pPr/>
               <a:t>8/25/2018</a:t>
             </a:fld>
@@ -9356,7 +9320,7 @@
           <a:lstStyle/>
           <a:p>
             <a:fld id="{D57F1E4F-1CFF-5643-939E-217C01CDF565}" type="slidenum">
-              <a:rPr lang="en-US" dirty="0"/>
+              <a:rPr lang="en-US" smtClean="0"/>
               <a:pPr/>
               <a:t>‹Nr.›</a:t>
             </a:fld>
@@ -9365,6 +9329,11 @@
         </p:txBody>
       </p:sp>
     </p:spTree>
+    <p:extLst>
+      <p:ext uri="{BB962C8B-B14F-4D97-AF65-F5344CB8AC3E}">
+        <p14:creationId xmlns:p14="http://schemas.microsoft.com/office/powerpoint/2010/main" val="1729096109"/>
+      </p:ext>
+    </p:extLst>
   </p:cSld>
   <p:clrMapOvr>
     <a:masterClrMapping/>
@@ -9391,6 +9360,109 @@
       </p:grpSpPr>
       <p:sp>
         <p:nvSpPr>
+          <p:cNvPr id="6" name="Freeform 6"/>
+          <p:cNvSpPr/>
+          <p:nvPr/>
+        </p:nvSpPr>
+        <p:spPr bwMode="auto">
+          <a:xfrm>
+            <a:off x="0" y="0"/>
+            <a:ext cx="12192000" cy="2185988"/>
+          </a:xfrm>
+          <a:custGeom>
+            <a:avLst/>
+            <a:gdLst/>
+            <a:ahLst/>
+            <a:cxnLst/>
+            <a:rect l="0" t="0" r="r" b="b"/>
+            <a:pathLst>
+              <a:path w="5760" h="1377">
+                <a:moveTo>
+                  <a:pt x="5760" y="0"/>
+                </a:moveTo>
+                <a:lnTo>
+                  <a:pt x="0" y="0"/>
+                </a:lnTo>
+                <a:lnTo>
+                  <a:pt x="0" y="1189"/>
+                </a:lnTo>
+                <a:lnTo>
+                  <a:pt x="943" y="1189"/>
+                </a:lnTo>
+                <a:lnTo>
+                  <a:pt x="1123" y="1369"/>
+                </a:lnTo>
+                <a:lnTo>
+                  <a:pt x="1123" y="1369"/>
+                </a:lnTo>
+                <a:lnTo>
+                  <a:pt x="1127" y="1371"/>
+                </a:lnTo>
+                <a:lnTo>
+                  <a:pt x="1133" y="1374"/>
+                </a:lnTo>
+                <a:lnTo>
+                  <a:pt x="1139" y="1377"/>
+                </a:lnTo>
+                <a:lnTo>
+                  <a:pt x="1144" y="1377"/>
+                </a:lnTo>
+                <a:lnTo>
+                  <a:pt x="1150" y="1377"/>
+                </a:lnTo>
+                <a:lnTo>
+                  <a:pt x="1155" y="1374"/>
+                </a:lnTo>
+                <a:lnTo>
+                  <a:pt x="1161" y="1371"/>
+                </a:lnTo>
+                <a:lnTo>
+                  <a:pt x="1165" y="1369"/>
+                </a:lnTo>
+                <a:lnTo>
+                  <a:pt x="1345" y="1189"/>
+                </a:lnTo>
+                <a:lnTo>
+                  <a:pt x="5760" y="1189"/>
+                </a:lnTo>
+                <a:lnTo>
+                  <a:pt x="5760" y="0"/>
+                </a:lnTo>
+                <a:close/>
+              </a:path>
+            </a:pathLst>
+          </a:custGeom>
+          <a:ln/>
+          <a:extLst>
+            <a:ext uri="{91240B29-F687-4f45-9708-019B960494DF}">
+              <a14:hiddenLine xmlns:a14="http://schemas.microsoft.com/office/drawing/2010/main" xmlns="" w="9525">
+                <a:solidFill>
+                  <a:srgbClr val="000000"/>
+                </a:solidFill>
+                <a:round/>
+                <a:headEnd/>
+                <a:tailEnd/>
+              </a14:hiddenLine>
+            </a:ext>
+          </a:extLst>
+        </p:spPr>
+        <p:style>
+          <a:lnRef idx="1">
+            <a:schemeClr val="accent1"/>
+          </a:lnRef>
+          <a:fillRef idx="3">
+            <a:schemeClr val="accent1"/>
+          </a:fillRef>
+          <a:effectRef idx="2">
+            <a:schemeClr val="accent1"/>
+          </a:effectRef>
+          <a:fontRef idx="minor">
+            <a:schemeClr val="lt1"/>
+          </a:fontRef>
+        </p:style>
+      </p:sp>
+      <p:sp>
+        <p:nvSpPr>
           <p:cNvPr id="2" name="Title 1"/>
           <p:cNvSpPr>
             <a:spLocks noGrp="1"/>
@@ -9428,7 +9500,7 @@
           <a:lstStyle/>
           <a:p>
             <a:fld id="{B61BEF0D-F0BB-DE4B-95CE-6DB70DBA9567}" type="datetimeFigureOut">
-              <a:rPr lang="en-US" dirty="0"/>
+              <a:rPr lang="en-US" smtClean="0"/>
               <a:pPr/>
               <a:t>8/25/2018</a:t>
             </a:fld>
@@ -9471,7 +9543,7 @@
           <a:lstStyle/>
           <a:p>
             <a:fld id="{D57F1E4F-1CFF-5643-939E-217C01CDF565}" type="slidenum">
-              <a:rPr lang="en-US" dirty="0"/>
+              <a:rPr lang="en-US" smtClean="0"/>
               <a:pPr/>
               <a:t>‹Nr.›</a:t>
             </a:fld>
@@ -9480,6 +9552,11 @@
         </p:txBody>
       </p:sp>
     </p:spTree>
+    <p:extLst>
+      <p:ext uri="{BB962C8B-B14F-4D97-AF65-F5344CB8AC3E}">
+        <p14:creationId xmlns:p14="http://schemas.microsoft.com/office/powerpoint/2010/main" val="1489982191"/>
+      </p:ext>
+    </p:extLst>
   </p:cSld>
   <p:clrMapOvr>
     <a:masterClrMapping/>
@@ -9520,7 +9597,7 @@
           <a:lstStyle/>
           <a:p>
             <a:fld id="{B61BEF0D-F0BB-DE4B-95CE-6DB70DBA9567}" type="datetimeFigureOut">
-              <a:rPr lang="en-US" dirty="0"/>
+              <a:rPr lang="en-US" smtClean="0"/>
               <a:pPr/>
               <a:t>8/25/2018</a:t>
             </a:fld>
@@ -9563,7 +9640,7 @@
           <a:lstStyle/>
           <a:p>
             <a:fld id="{D57F1E4F-1CFF-5643-939E-217C01CDF565}" type="slidenum">
-              <a:rPr lang="en-US" dirty="0"/>
+              <a:rPr lang="en-US" smtClean="0"/>
               <a:pPr/>
               <a:t>‹Nr.›</a:t>
             </a:fld>
@@ -9572,6 +9649,11 @@
         </p:txBody>
       </p:sp>
     </p:spTree>
+    <p:extLst>
+      <p:ext uri="{BB962C8B-B14F-4D97-AF65-F5344CB8AC3E}">
+        <p14:creationId xmlns:p14="http://schemas.microsoft.com/office/powerpoint/2010/main" val="2155771449"/>
+      </p:ext>
+    </p:extLst>
   </p:cSld>
   <p:clrMapOvr>
     <a:masterClrMapping/>
@@ -9598,6 +9680,222 @@
       </p:grpSpPr>
       <p:sp>
         <p:nvSpPr>
+          <p:cNvPr id="12" name="Freeform 6"/>
+          <p:cNvSpPr>
+            <a:spLocks noChangeAspect="1"/>
+          </p:cNvSpPr>
+          <p:nvPr/>
+        </p:nvSpPr>
+        <p:spPr bwMode="auto">
+          <a:xfrm>
+            <a:off x="1073151" y="446087"/>
+            <a:ext cx="3547533" cy="1814651"/>
+          </a:xfrm>
+          <a:custGeom>
+            <a:avLst/>
+            <a:gdLst/>
+            <a:ahLst/>
+            <a:cxnLst/>
+            <a:rect l="0" t="0" r="r" b="b"/>
+            <a:pathLst>
+              <a:path w="3384" h="2308">
+                <a:moveTo>
+                  <a:pt x="3340" y="0"/>
+                </a:moveTo>
+                <a:lnTo>
+                  <a:pt x="44" y="0"/>
+                </a:lnTo>
+                <a:lnTo>
+                  <a:pt x="44" y="0"/>
+                </a:lnTo>
+                <a:lnTo>
+                  <a:pt x="34" y="0"/>
+                </a:lnTo>
+                <a:lnTo>
+                  <a:pt x="26" y="4"/>
+                </a:lnTo>
+                <a:lnTo>
+                  <a:pt x="20" y="8"/>
+                </a:lnTo>
+                <a:lnTo>
+                  <a:pt x="12" y="12"/>
+                </a:lnTo>
+                <a:lnTo>
+                  <a:pt x="8" y="20"/>
+                </a:lnTo>
+                <a:lnTo>
+                  <a:pt x="4" y="26"/>
+                </a:lnTo>
+                <a:lnTo>
+                  <a:pt x="0" y="34"/>
+                </a:lnTo>
+                <a:lnTo>
+                  <a:pt x="0" y="44"/>
+                </a:lnTo>
+                <a:lnTo>
+                  <a:pt x="0" y="2076"/>
+                </a:lnTo>
+                <a:lnTo>
+                  <a:pt x="0" y="2076"/>
+                </a:lnTo>
+                <a:lnTo>
+                  <a:pt x="0" y="2086"/>
+                </a:lnTo>
+                <a:lnTo>
+                  <a:pt x="4" y="2094"/>
+                </a:lnTo>
+                <a:lnTo>
+                  <a:pt x="8" y="2100"/>
+                </a:lnTo>
+                <a:lnTo>
+                  <a:pt x="12" y="2108"/>
+                </a:lnTo>
+                <a:lnTo>
+                  <a:pt x="20" y="2112"/>
+                </a:lnTo>
+                <a:lnTo>
+                  <a:pt x="26" y="2116"/>
+                </a:lnTo>
+                <a:lnTo>
+                  <a:pt x="34" y="2120"/>
+                </a:lnTo>
+                <a:lnTo>
+                  <a:pt x="44" y="2120"/>
+                </a:lnTo>
+                <a:lnTo>
+                  <a:pt x="474" y="2120"/>
+                </a:lnTo>
+                <a:lnTo>
+                  <a:pt x="650" y="2296"/>
+                </a:lnTo>
+                <a:lnTo>
+                  <a:pt x="650" y="2296"/>
+                </a:lnTo>
+                <a:lnTo>
+                  <a:pt x="656" y="2300"/>
+                </a:lnTo>
+                <a:lnTo>
+                  <a:pt x="664" y="2304"/>
+                </a:lnTo>
+                <a:lnTo>
+                  <a:pt x="672" y="2308"/>
+                </a:lnTo>
+                <a:lnTo>
+                  <a:pt x="680" y="2308"/>
+                </a:lnTo>
+                <a:lnTo>
+                  <a:pt x="688" y="2308"/>
+                </a:lnTo>
+                <a:lnTo>
+                  <a:pt x="696" y="2304"/>
+                </a:lnTo>
+                <a:lnTo>
+                  <a:pt x="704" y="2300"/>
+                </a:lnTo>
+                <a:lnTo>
+                  <a:pt x="710" y="2296"/>
+                </a:lnTo>
+                <a:lnTo>
+                  <a:pt x="886" y="2120"/>
+                </a:lnTo>
+                <a:lnTo>
+                  <a:pt x="3340" y="2120"/>
+                </a:lnTo>
+                <a:lnTo>
+                  <a:pt x="3340" y="2120"/>
+                </a:lnTo>
+                <a:lnTo>
+                  <a:pt x="3350" y="2120"/>
+                </a:lnTo>
+                <a:lnTo>
+                  <a:pt x="3358" y="2116"/>
+                </a:lnTo>
+                <a:lnTo>
+                  <a:pt x="3364" y="2112"/>
+                </a:lnTo>
+                <a:lnTo>
+                  <a:pt x="3372" y="2108"/>
+                </a:lnTo>
+                <a:lnTo>
+                  <a:pt x="3376" y="2100"/>
+                </a:lnTo>
+                <a:lnTo>
+                  <a:pt x="3380" y="2094"/>
+                </a:lnTo>
+                <a:lnTo>
+                  <a:pt x="3384" y="2086"/>
+                </a:lnTo>
+                <a:lnTo>
+                  <a:pt x="3384" y="2076"/>
+                </a:lnTo>
+                <a:lnTo>
+                  <a:pt x="3384" y="44"/>
+                </a:lnTo>
+                <a:lnTo>
+                  <a:pt x="3384" y="44"/>
+                </a:lnTo>
+                <a:lnTo>
+                  <a:pt x="3384" y="34"/>
+                </a:lnTo>
+                <a:lnTo>
+                  <a:pt x="3380" y="26"/>
+                </a:lnTo>
+                <a:lnTo>
+                  <a:pt x="3376" y="20"/>
+                </a:lnTo>
+                <a:lnTo>
+                  <a:pt x="3372" y="12"/>
+                </a:lnTo>
+                <a:lnTo>
+                  <a:pt x="3364" y="8"/>
+                </a:lnTo>
+                <a:lnTo>
+                  <a:pt x="3358" y="4"/>
+                </a:lnTo>
+                <a:lnTo>
+                  <a:pt x="3350" y="0"/>
+                </a:lnTo>
+                <a:lnTo>
+                  <a:pt x="3340" y="0"/>
+                </a:lnTo>
+                <a:lnTo>
+                  <a:pt x="3340" y="0"/>
+                </a:lnTo>
+                <a:close/>
+              </a:path>
+            </a:pathLst>
+          </a:custGeom>
+          <a:ln/>
+          <a:extLst>
+            <a:ext uri="{91240B29-F687-4f45-9708-019B960494DF}">
+              <a14:hiddenLine xmlns:a14="http://schemas.microsoft.com/office/drawing/2010/main" xmlns="" w="9525">
+                <a:solidFill>
+                  <a:srgbClr val="000000"/>
+                </a:solidFill>
+                <a:round/>
+                <a:headEnd/>
+                <a:tailEnd/>
+              </a14:hiddenLine>
+            </a:ext>
+          </a:extLst>
+        </p:spPr>
+        <p:style>
+          <a:lnRef idx="1">
+            <a:schemeClr val="accent1"/>
+          </a:lnRef>
+          <a:fillRef idx="3">
+            <a:schemeClr val="accent1"/>
+          </a:fillRef>
+          <a:effectRef idx="2">
+            <a:schemeClr val="accent1"/>
+          </a:effectRef>
+          <a:fontRef idx="minor">
+            <a:schemeClr val="lt1"/>
+          </a:fontRef>
+        </p:style>
+      </p:sp>
+      <p:sp>
+        <p:nvSpPr>
           <p:cNvPr id="2" name="Title 1"/>
           <p:cNvSpPr>
             <a:spLocks noGrp="1"/>
@@ -9608,17 +9906,15 @@
         </p:nvSpPr>
         <p:spPr>
           <a:xfrm>
-            <a:off x="7085012" y="685800"/>
-            <a:ext cx="3657600" cy="1371600"/>
+            <a:off x="1073151" y="446088"/>
+            <a:ext cx="3547533" cy="1618396"/>
           </a:xfrm>
         </p:spPr>
         <p:txBody>
-          <a:bodyPr anchor="b">
-            <a:normAutofit/>
-          </a:bodyPr>
+          <a:bodyPr anchor="b"/>
           <a:lstStyle>
             <a:lvl1pPr algn="l">
-              <a:defRPr sz="2400" b="0"/>
+              <a:defRPr sz="2000" b="1"/>
             </a:lvl1pPr>
           </a:lstStyle>
           <a:p>
@@ -9642,12 +9938,12 @@
         </p:nvSpPr>
         <p:spPr>
           <a:xfrm>
-            <a:off x="684212" y="685800"/>
-            <a:ext cx="5943601" cy="5308600"/>
+            <a:off x="4855633" y="446088"/>
+            <a:ext cx="6252633" cy="5414963"/>
           </a:xfrm>
         </p:spPr>
         <p:txBody>
-          <a:bodyPr anchor="ctr">
+          <a:bodyPr>
             <a:normAutofit/>
           </a:bodyPr>
           <a:lstStyle/>
@@ -9701,18 +9997,16 @@
         </p:nvSpPr>
         <p:spPr>
           <a:xfrm>
-            <a:off x="7085012" y="2209799"/>
-            <a:ext cx="3657600" cy="2091267"/>
+            <a:off x="1073151" y="2260738"/>
+            <a:ext cx="3547533" cy="3600311"/>
           </a:xfrm>
         </p:spPr>
         <p:txBody>
-          <a:bodyPr anchor="t">
-            <a:normAutofit/>
-          </a:bodyPr>
+          <a:bodyPr/>
           <a:lstStyle>
             <a:lvl1pPr marL="0" indent="0">
               <a:buNone/>
-              <a:defRPr sz="1600"/>
+              <a:defRPr sz="1400"/>
             </a:lvl1pPr>
             <a:lvl2pPr marL="457200" indent="0">
               <a:buNone/>
@@ -9772,7 +10066,7 @@
           <a:lstStyle/>
           <a:p>
             <a:fld id="{B61BEF0D-F0BB-DE4B-95CE-6DB70DBA9567}" type="datetimeFigureOut">
-              <a:rPr lang="en-US" dirty="0"/>
+              <a:rPr lang="en-US" smtClean="0"/>
               <a:pPr/>
               <a:t>8/25/2018</a:t>
             </a:fld>
@@ -9815,7 +10109,7 @@
           <a:lstStyle/>
           <a:p>
             <a:fld id="{D57F1E4F-1CFF-5643-939E-217C01CDF565}" type="slidenum">
-              <a:rPr lang="en-US" dirty="0"/>
+              <a:rPr lang="en-US" smtClean="0"/>
               <a:pPr/>
               <a:t>‹Nr.›</a:t>
             </a:fld>
@@ -9824,6 +10118,11 @@
         </p:txBody>
       </p:sp>
     </p:spTree>
+    <p:extLst>
+      <p:ext uri="{BB962C8B-B14F-4D97-AF65-F5344CB8AC3E}">
+        <p14:creationId xmlns:p14="http://schemas.microsoft.com/office/powerpoint/2010/main" val="4091486638"/>
+      </p:ext>
+    </p:extLst>
   </p:cSld>
   <p:clrMapOvr>
     <a:masterClrMapping/>
@@ -9860,8 +10159,8 @@
         </p:nvSpPr>
         <p:spPr>
           <a:xfrm>
-            <a:off x="4722812" y="1447800"/>
-            <a:ext cx="6019800" cy="1143000"/>
+            <a:off x="814728" y="727522"/>
+            <a:ext cx="4852988" cy="1617163"/>
           </a:xfrm>
         </p:spPr>
         <p:txBody>
@@ -9870,7 +10169,7 @@
           </a:bodyPr>
           <a:lstStyle>
             <a:lvl1pPr algn="l">
-              <a:defRPr sz="2800" b="0"/>
+              <a:defRPr sz="2400" b="0"/>
             </a:lvl1pPr>
           </a:lstStyle>
           <a:p>
@@ -9884,81 +10183,106 @@
       </p:sp>
       <p:sp>
         <p:nvSpPr>
-          <p:cNvPr id="14" name="Picture Placeholder 2"/>
+          <p:cNvPr id="9" name="Picture Placeholder 11"/>
           <p:cNvSpPr>
             <a:spLocks noGrp="1" noChangeAspect="1"/>
           </p:cNvSpPr>
           <p:nvPr>
-            <p:ph type="pic" idx="1"/>
+            <p:ph type="pic" sz="quarter" idx="13"/>
           </p:nvPr>
         </p:nvSpPr>
-        <p:spPr>
+        <p:spPr bwMode="auto">
           <a:xfrm>
-            <a:off x="989012" y="914400"/>
-            <a:ext cx="3280974" cy="4572000"/>
+            <a:off x="6098117" y="0"/>
+            <a:ext cx="6093883" cy="6858000"/>
           </a:xfrm>
-          <a:prstGeom prst="snip2DiagRect">
-            <a:avLst>
-              <a:gd name="adj1" fmla="val 10815"/>
-              <a:gd name="adj2" fmla="val 0"/>
-            </a:avLst>
-          </a:prstGeom>
-          <a:ln w="15875">
+          <a:custGeom>
+            <a:avLst/>
+            <a:gdLst/>
+            <a:ahLst/>
+            <a:cxnLst/>
+            <a:rect l="0" t="0" r="r" b="b"/>
+            <a:pathLst>
+              <a:path w="2879" h="4320">
+                <a:moveTo>
+                  <a:pt x="183" y="0"/>
+                </a:moveTo>
+                <a:lnTo>
+                  <a:pt x="183" y="1197"/>
+                </a:lnTo>
+                <a:lnTo>
+                  <a:pt x="8" y="1372"/>
+                </a:lnTo>
+                <a:lnTo>
+                  <a:pt x="8" y="1372"/>
+                </a:lnTo>
+                <a:lnTo>
+                  <a:pt x="6" y="1376"/>
+                </a:lnTo>
+                <a:lnTo>
+                  <a:pt x="3" y="1382"/>
+                </a:lnTo>
+                <a:lnTo>
+                  <a:pt x="0" y="1387"/>
+                </a:lnTo>
+                <a:lnTo>
+                  <a:pt x="0" y="1393"/>
+                </a:lnTo>
+                <a:lnTo>
+                  <a:pt x="0" y="1399"/>
+                </a:lnTo>
+                <a:lnTo>
+                  <a:pt x="3" y="1404"/>
+                </a:lnTo>
+                <a:lnTo>
+                  <a:pt x="6" y="1410"/>
+                </a:lnTo>
+                <a:lnTo>
+                  <a:pt x="8" y="1414"/>
+                </a:lnTo>
+                <a:lnTo>
+                  <a:pt x="183" y="1589"/>
+                </a:lnTo>
+                <a:lnTo>
+                  <a:pt x="183" y="4320"/>
+                </a:lnTo>
+                <a:lnTo>
+                  <a:pt x="2879" y="4320"/>
+                </a:lnTo>
+                <a:lnTo>
+                  <a:pt x="2879" y="0"/>
+                </a:lnTo>
+                <a:lnTo>
+                  <a:pt x="183" y="0"/>
+                </a:lnTo>
+                <a:close/>
+              </a:path>
+            </a:pathLst>
+          </a:custGeom>
+          <a:noFill/>
+          <a:ln w="9525">
             <a:solidFill>
-              <a:schemeClr val="tx1">
-                <a:alpha val="40000"/>
-              </a:schemeClr>
+              <a:schemeClr val="tx2"/>
             </a:solidFill>
+            <a:round/>
+            <a:headEnd/>
+            <a:tailEnd/>
           </a:ln>
-          <a:effectLst>
-            <a:innerShdw blurRad="57150" dist="38100" dir="14460000">
-              <a:srgbClr val="000000">
-                <a:alpha val="70000"/>
-              </a:srgbClr>
-            </a:innerShdw>
-          </a:effectLst>
+          <a:effectLst/>
         </p:spPr>
         <p:txBody>
-          <a:bodyPr anchor="t">
+          <a:bodyPr wrap="square" numCol="1" anchor="t" anchorCtr="0" compatLnSpc="1">
+            <a:prstTxWarp prst="textNoShape">
+              <a:avLst/>
+            </a:prstTxWarp>
             <a:normAutofit/>
           </a:bodyPr>
           <a:lstStyle>
-            <a:lvl1pPr marL="0" indent="0" algn="ctr">
+            <a:lvl1pPr algn="ctr">
+              <a:buFontTx/>
               <a:buNone/>
-              <a:defRPr sz="1600"/>
+              <a:defRPr sz="1400"/>
             </a:lvl1pPr>
-            <a:lvl2pPr marL="457200" indent="0">
-              <a:buNone/>
-              <a:defRPr sz="1600"/>
-            </a:lvl2pPr>
-            <a:lvl3pPr marL="914400" indent="0">
-              <a:buNone/>
-              <a:defRPr sz="1600"/>
-            </a:lvl3pPr>
-            <a:lvl4pPr marL="1371600" indent="0">
-              <a:buNone/>
-              <a:defRPr sz="1600"/>
-            </a:lvl4pPr>
-            <a:lvl5pPr marL="1828800" indent="0">
-              <a:buNone/>
-              <a:defRPr sz="1600"/>
-            </a:lvl5pPr>
-            <a:lvl6pPr marL="2286000" indent="0">
-              <a:buNone/>
-              <a:defRPr sz="1600"/>
-            </a:lvl6pPr>
-            <a:lvl7pPr marL="2743200" indent="0">
-              <a:buNone/>
-              <a:defRPr sz="1600"/>
-            </a:lvl7pPr>
-            <a:lvl8pPr marL="3200400" indent="0">
-              <a:buNone/>
-              <a:defRPr sz="1600"/>
-            </a:lvl8pPr>
-            <a:lvl9pPr marL="3657600" indent="0">
-              <a:buNone/>
-              <a:defRPr sz="1600"/>
-            </a:lvl9pPr>
           </a:lstStyle>
           <a:p>
             <a:r>
@@ -9981,8 +10305,8 @@
         </p:nvSpPr>
         <p:spPr>
           <a:xfrm>
-            <a:off x="4722812" y="2777066"/>
-            <a:ext cx="6021388" cy="2048933"/>
+            <a:off x="814728" y="2344684"/>
+            <a:ext cx="4852988" cy="3516365"/>
           </a:xfrm>
         </p:spPr>
         <p:txBody>
@@ -9992,7 +10316,7 @@
           <a:lstStyle>
             <a:lvl1pPr marL="0" indent="0">
               <a:buNone/>
-              <a:defRPr sz="1800"/>
+              <a:defRPr sz="1200"/>
             </a:lvl1pPr>
             <a:lvl2pPr marL="457200" indent="0">
               <a:buNone/>
@@ -10046,13 +10370,18 @@
             <p:ph type="dt" sz="half" idx="10"/>
           </p:nvPr>
         </p:nvSpPr>
-        <p:spPr/>
+        <p:spPr>
+          <a:xfrm>
+            <a:off x="3885810" y="6041362"/>
+            <a:ext cx="976879" cy="365125"/>
+          </a:xfrm>
+        </p:spPr>
         <p:txBody>
           <a:bodyPr/>
           <a:lstStyle/>
           <a:p>
             <a:fld id="{B61BEF0D-F0BB-DE4B-95CE-6DB70DBA9567}" type="datetimeFigureOut">
-              <a:rPr lang="en-US" dirty="0"/>
+              <a:rPr lang="en-US" smtClean="0"/>
               <a:pPr/>
               <a:t>8/25/2018</a:t>
             </a:fld>
@@ -10070,7 +10399,12 @@
             <p:ph type="ftr" sz="quarter" idx="11"/>
           </p:nvPr>
         </p:nvSpPr>
-        <p:spPr/>
+        <p:spPr>
+          <a:xfrm>
+            <a:off x="590396" y="6041362"/>
+            <a:ext cx="3295413" cy="365125"/>
+          </a:xfrm>
+        </p:spPr>
         <p:txBody>
           <a:bodyPr/>
           <a:lstStyle/>
@@ -10089,13 +10423,18 @@
             <p:ph type="sldNum" sz="quarter" idx="12"/>
           </p:nvPr>
         </p:nvSpPr>
-        <p:spPr/>
+        <p:spPr>
+          <a:xfrm>
+            <a:off x="4862689" y="5915888"/>
+            <a:ext cx="1062155" cy="490599"/>
+          </a:xfrm>
+        </p:spPr>
         <p:txBody>
           <a:bodyPr/>
           <a:lstStyle/>
           <a:p>
             <a:fld id="{D57F1E4F-1CFF-5643-939E-217C01CDF565}" type="slidenum">
-              <a:rPr lang="en-US" dirty="0"/>
+              <a:rPr lang="en-US" smtClean="0"/>
               <a:pPr/>
               <a:t>‹Nr.›</a:t>
             </a:fld>
@@ -10104,6 +10443,11 @@
         </p:txBody>
       </p:sp>
     </p:spTree>
+    <p:extLst>
+      <p:ext uri="{BB962C8B-B14F-4D97-AF65-F5344CB8AC3E}">
+        <p14:creationId xmlns:p14="http://schemas.microsoft.com/office/powerpoint/2010/main" val="2234040103"/>
+      </p:ext>
+    </p:extLst>
   </p:cSld>
   <p:clrMapOvr>
     <a:masterClrMapping/>
@@ -10115,7 +10459,7 @@
 <p:sldMaster xmlns:a="http://schemas.openxmlformats.org/drawingml/2006/main" xmlns:r="http://schemas.openxmlformats.org/officeDocument/2006/relationships" xmlns:p="http://schemas.openxmlformats.org/presentationml/2006/main">
   <p:cSld>
     <p:bg>
-      <p:bgRef idx="1002">
+      <p:bgRef idx="1001">
         <a:schemeClr val="bg2"/>
       </p:bgRef>
     </p:bg>
@@ -10133,196 +10477,6 @@
           <a:chExt cx="0" cy="0"/>
         </a:xfrm>
       </p:grpSpPr>
-      <p:grpSp>
-        <p:nvGrpSpPr>
-          <p:cNvPr id="7" name="Group 6"/>
-          <p:cNvGrpSpPr/>
-          <p:nvPr/>
-        </p:nvGrpSpPr>
-        <p:grpSpPr>
-          <a:xfrm>
-            <a:off x="9206969" y="2963333"/>
-            <a:ext cx="2981858" cy="3208867"/>
-            <a:chOff x="9206969" y="2963333"/>
-            <a:chExt cx="2981858" cy="3208867"/>
-          </a:xfrm>
-        </p:grpSpPr>
-        <p:cxnSp>
-          <p:nvCxnSpPr>
-            <p:cNvPr id="8" name="Straight Connector 7"/>
-            <p:cNvCxnSpPr/>
-            <p:nvPr/>
-          </p:nvCxnSpPr>
-          <p:spPr>
-            <a:xfrm flipH="1">
-              <a:off x="11276012" y="2963333"/>
-              <a:ext cx="912814" cy="912812"/>
-            </a:xfrm>
-            <a:prstGeom prst="line">
-              <a:avLst/>
-            </a:prstGeom>
-            <a:ln w="9525">
-              <a:solidFill>
-                <a:schemeClr val="tx1"/>
-              </a:solidFill>
-            </a:ln>
-          </p:spPr>
-          <p:style>
-            <a:lnRef idx="2">
-              <a:schemeClr val="accent1"/>
-            </a:lnRef>
-            <a:fillRef idx="0">
-              <a:schemeClr val="accent1"/>
-            </a:fillRef>
-            <a:effectRef idx="1">
-              <a:schemeClr val="accent1"/>
-            </a:effectRef>
-            <a:fontRef idx="minor">
-              <a:schemeClr val="tx1"/>
-            </a:fontRef>
-          </p:style>
-        </p:cxnSp>
-        <p:cxnSp>
-          <p:nvCxnSpPr>
-            <p:cNvPr id="9" name="Straight Connector 8"/>
-            <p:cNvCxnSpPr/>
-            <p:nvPr/>
-          </p:nvCxnSpPr>
-          <p:spPr>
-            <a:xfrm flipH="1">
-              <a:off x="9206969" y="3190344"/>
-              <a:ext cx="2981857" cy="2981856"/>
-            </a:xfrm>
-            <a:prstGeom prst="line">
-              <a:avLst/>
-            </a:prstGeom>
-            <a:ln w="9525">
-              <a:solidFill>
-                <a:schemeClr val="tx1"/>
-              </a:solidFill>
-            </a:ln>
-          </p:spPr>
-          <p:style>
-            <a:lnRef idx="2">
-              <a:schemeClr val="accent1"/>
-            </a:lnRef>
-            <a:fillRef idx="0">
-              <a:schemeClr val="accent1"/>
-            </a:fillRef>
-            <a:effectRef idx="1">
-              <a:schemeClr val="accent1"/>
-            </a:effectRef>
-            <a:fontRef idx="minor">
-              <a:schemeClr val="tx1"/>
-            </a:fontRef>
-          </p:style>
-        </p:cxnSp>
-        <p:cxnSp>
-          <p:nvCxnSpPr>
-            <p:cNvPr id="10" name="Straight Connector 9"/>
-            <p:cNvCxnSpPr/>
-            <p:nvPr/>
-          </p:nvCxnSpPr>
-          <p:spPr>
-            <a:xfrm flipH="1">
-              <a:off x="10292292" y="3285067"/>
-              <a:ext cx="1896534" cy="1896533"/>
-            </a:xfrm>
-            <a:prstGeom prst="line">
-              <a:avLst/>
-            </a:prstGeom>
-            <a:ln w="9525">
-              <a:solidFill>
-                <a:schemeClr val="tx1"/>
-              </a:solidFill>
-            </a:ln>
-          </p:spPr>
-          <p:style>
-            <a:lnRef idx="2">
-              <a:schemeClr val="accent1"/>
-            </a:lnRef>
-            <a:fillRef idx="0">
-              <a:schemeClr val="accent1"/>
-            </a:fillRef>
-            <a:effectRef idx="1">
-              <a:schemeClr val="accent1"/>
-            </a:effectRef>
-            <a:fontRef idx="minor">
-              <a:schemeClr val="tx1"/>
-            </a:fontRef>
-          </p:style>
-        </p:cxnSp>
-        <p:cxnSp>
-          <p:nvCxnSpPr>
-            <p:cNvPr id="11" name="Straight Connector 10"/>
-            <p:cNvCxnSpPr/>
-            <p:nvPr/>
-          </p:nvCxnSpPr>
-          <p:spPr>
-            <a:xfrm flipH="1">
-              <a:off x="10443103" y="3131080"/>
-              <a:ext cx="1745722" cy="1745720"/>
-            </a:xfrm>
-            <a:prstGeom prst="line">
-              <a:avLst/>
-            </a:prstGeom>
-            <a:ln w="28575">
-              <a:solidFill>
-                <a:schemeClr val="tx1"/>
-              </a:solidFill>
-            </a:ln>
-          </p:spPr>
-          <p:style>
-            <a:lnRef idx="2">
-              <a:schemeClr val="accent1"/>
-            </a:lnRef>
-            <a:fillRef idx="0">
-              <a:schemeClr val="accent1"/>
-            </a:fillRef>
-            <a:effectRef idx="1">
-              <a:schemeClr val="accent1"/>
-            </a:effectRef>
-            <a:fontRef idx="minor">
-              <a:schemeClr val="tx1"/>
-            </a:fontRef>
-          </p:style>
-        </p:cxnSp>
-        <p:cxnSp>
-          <p:nvCxnSpPr>
-            <p:cNvPr id="12" name="Straight Connector 11"/>
-            <p:cNvCxnSpPr/>
-            <p:nvPr/>
-          </p:nvCxnSpPr>
-          <p:spPr>
-            <a:xfrm flipH="1">
-              <a:off x="10918826" y="3683001"/>
-              <a:ext cx="1270001" cy="1269999"/>
-            </a:xfrm>
-            <a:prstGeom prst="line">
-              <a:avLst/>
-            </a:prstGeom>
-            <a:ln w="28575">
-              <a:solidFill>
-                <a:schemeClr val="tx1"/>
-              </a:solidFill>
-            </a:ln>
-          </p:spPr>
-          <p:style>
-            <a:lnRef idx="2">
-              <a:schemeClr val="accent1"/>
-            </a:lnRef>
-            <a:fillRef idx="0">
-              <a:schemeClr val="accent1"/>
-            </a:fillRef>
-            <a:effectRef idx="1">
-              <a:schemeClr val="accent1"/>
-            </a:effectRef>
-            <a:fontRef idx="minor">
-              <a:schemeClr val="tx1"/>
-            </a:fontRef>
-          </p:style>
-        </p:cxnSp>
-      </p:grpSp>
       <p:sp>
         <p:nvSpPr>
           <p:cNvPr id="2" name="Title Placeholder 1"/>
@@ -10335,17 +10489,23 @@
         </p:nvSpPr>
         <p:spPr>
           <a:xfrm>
-            <a:off x="684212" y="4487332"/>
-            <a:ext cx="8534400" cy="1507067"/>
+            <a:off x="810000" y="447188"/>
+            <a:ext cx="10571998" cy="970450"/>
           </a:xfrm>
           <a:prstGeom prst="rect">
             <a:avLst/>
           </a:prstGeom>
-          <a:effectLst/>
+          <a:effectLst>
+            <a:outerShdw blurRad="50800" dir="14400000">
+              <a:srgbClr val="000000">
+                <a:alpha val="60000"/>
+              </a:srgbClr>
+            </a:outerShdw>
+          </a:effectLst>
         </p:spPr>
         <p:txBody>
-          <a:bodyPr vert="horz" lIns="91440" tIns="45720" rIns="91440" bIns="45720" rtlCol="0" anchor="ctr">
-            <a:normAutofit/>
+          <a:bodyPr vert="horz" lIns="91440" tIns="45720" rIns="91440" bIns="45720" rtlCol="0" anchor="b">
+            <a:noAutofit/>
           </a:bodyPr>
           <a:lstStyle/>
           <a:p>
@@ -10369,52 +10529,94 @@
         </p:nvSpPr>
         <p:spPr>
           <a:xfrm>
-            <a:off x="684212" y="685800"/>
-            <a:ext cx="8534400" cy="3615267"/>
+            <a:off x="810000" y="2184401"/>
+            <a:ext cx="10563285" cy="3674397"/>
+          </a:xfrm>
+          <a:prstGeom prst="rect">
+            <a:avLst/>
+          </a:prstGeom>
+          <a:effectLst>
+            <a:outerShdw blurRad="50800" dir="14400000">
+              <a:srgbClr val="000000">
+                <a:alpha val="40000"/>
+              </a:srgbClr>
+            </a:outerShdw>
+          </a:effectLst>
+        </p:spPr>
+        <p:txBody>
+          <a:bodyPr vert="horz" lIns="91440" tIns="45720" rIns="91440" bIns="45720" rtlCol="0" anchor="ctr">
+            <a:normAutofit/>
+          </a:bodyPr>
+          <a:lstStyle/>
+          <a:p>
+            <a:pPr lvl="0"/>
+            <a:r>
+              <a:rPr lang="de-DE" smtClean="0"/>
+              <a:t>Formatvorlagen des Textmasters bearbeiten</a:t>
+            </a:r>
+          </a:p>
+          <a:p>
+            <a:pPr lvl="1"/>
+            <a:r>
+              <a:rPr lang="de-DE" smtClean="0"/>
+              <a:t>Zweite Ebene</a:t>
+            </a:r>
+          </a:p>
+          <a:p>
+            <a:pPr lvl="2"/>
+            <a:r>
+              <a:rPr lang="de-DE" smtClean="0"/>
+              <a:t>Dritte Ebene</a:t>
+            </a:r>
+          </a:p>
+          <a:p>
+            <a:pPr lvl="3"/>
+            <a:r>
+              <a:rPr lang="de-DE" smtClean="0"/>
+              <a:t>Vierte Ebene</a:t>
+            </a:r>
+          </a:p>
+          <a:p>
+            <a:pPr lvl="4"/>
+            <a:r>
+              <a:rPr lang="de-DE" smtClean="0"/>
+              <a:t>Fünfte Ebene</a:t>
+            </a:r>
+            <a:endParaRPr lang="en-US" dirty="0"/>
+          </a:p>
+        </p:txBody>
+      </p:sp>
+      <p:sp>
+        <p:nvSpPr>
+          <p:cNvPr id="5" name="Footer Placeholder 4"/>
+          <p:cNvSpPr>
+            <a:spLocks noGrp="1"/>
+          </p:cNvSpPr>
+          <p:nvPr>
+            <p:ph type="ftr" sz="quarter" idx="3"/>
+          </p:nvPr>
+        </p:nvSpPr>
+        <p:spPr>
+          <a:xfrm>
+            <a:off x="451514" y="6041362"/>
+            <a:ext cx="8644320" cy="365125"/>
           </a:xfrm>
           <a:prstGeom prst="rect">
             <a:avLst/>
           </a:prstGeom>
         </p:spPr>
         <p:txBody>
-          <a:bodyPr vert="horz" lIns="91440" tIns="45720" rIns="91440" bIns="45720" rtlCol="0" anchor="ctr">
-            <a:normAutofit/>
-          </a:bodyPr>
-          <a:lstStyle/>
-          <a:p>
-            <a:pPr lvl="0"/>
-            <a:r>
-              <a:rPr lang="de-DE" smtClean="0"/>
-              <a:t>Formatvorlagen des Textmasters bearbeiten</a:t>
-            </a:r>
-          </a:p>
-          <a:p>
-            <a:pPr lvl="1"/>
-            <a:r>
-              <a:rPr lang="de-DE" smtClean="0"/>
-              <a:t>Zweite Ebene</a:t>
-            </a:r>
-          </a:p>
-          <a:p>
-            <a:pPr lvl="2"/>
-            <a:r>
-              <a:rPr lang="de-DE" smtClean="0"/>
-              <a:t>Dritte Ebene</a:t>
-            </a:r>
-          </a:p>
-          <a:p>
-            <a:pPr lvl="3"/>
-            <a:r>
-              <a:rPr lang="de-DE" smtClean="0"/>
-              <a:t>Vierte Ebene</a:t>
-            </a:r>
-          </a:p>
-          <a:p>
-            <a:pPr lvl="4"/>
-            <a:r>
-              <a:rPr lang="de-DE" smtClean="0"/>
-              <a:t>Fünfte Ebene</a:t>
-            </a:r>
+          <a:bodyPr vert="horz" lIns="91440" tIns="45720" rIns="91440" bIns="45720" rtlCol="0" anchor="b"/>
+          <a:lstStyle>
+            <a:lvl1pPr algn="l">
+              <a:defRPr sz="900">
+                <a:solidFill>
+                  <a:schemeClr val="tx1"/>
+                </a:solidFill>
+              </a:defRPr>
+            </a:lvl1pPr>
+          </a:lstStyle>
+          <a:p>
             <a:endParaRPr lang="en-US" dirty="0"/>
           </a:p>
         </p:txBody>
@@ -10431,73 +10633,30 @@
         </p:nvSpPr>
         <p:spPr>
           <a:xfrm>
-            <a:off x="9904412" y="6172200"/>
-            <a:ext cx="1600200" cy="365125"/>
+            <a:off x="9334626" y="6041362"/>
+            <a:ext cx="1343706" cy="365125"/>
           </a:xfrm>
           <a:prstGeom prst="rect">
             <a:avLst/>
           </a:prstGeom>
         </p:spPr>
         <p:txBody>
-          <a:bodyPr vert="horz" lIns="91440" tIns="45720" rIns="91440" bIns="45720" rtlCol="0" anchor="t"/>
+          <a:bodyPr vert="horz" lIns="91440" tIns="45720" rIns="91440" bIns="45720" rtlCol="0" anchor="b"/>
           <a:lstStyle>
             <a:lvl1pPr algn="r">
-              <a:defRPr sz="1000" b="0" i="0">
+              <a:defRPr sz="900">
                 <a:solidFill>
-                  <a:schemeClr val="bg2">
-                    <a:lumMod val="50000"/>
-                  </a:schemeClr>
+                  <a:schemeClr val="tx1"/>
                 </a:solidFill>
-                <a:effectLst/>
-                <a:latin typeface="+mn-lt"/>
               </a:defRPr>
             </a:lvl1pPr>
           </a:lstStyle>
           <a:p>
             <a:fld id="{B61BEF0D-F0BB-DE4B-95CE-6DB70DBA9567}" type="datetimeFigureOut">
-              <a:rPr lang="en-US" dirty="0"/>
+              <a:rPr lang="en-US" smtClean="0"/>
               <a:pPr/>
               <a:t>8/25/2018</a:t>
             </a:fld>
-            <a:endParaRPr lang="en-US" dirty="0"/>
-          </a:p>
-        </p:txBody>
-      </p:sp>
-      <p:sp>
-        <p:nvSpPr>
-          <p:cNvPr id="5" name="Footer Placeholder 4"/>
-          <p:cNvSpPr>
-            <a:spLocks noGrp="1"/>
-          </p:cNvSpPr>
-          <p:nvPr>
-            <p:ph type="ftr" sz="quarter" idx="3"/>
-          </p:nvPr>
-        </p:nvSpPr>
-        <p:spPr>
-          <a:xfrm>
-            <a:off x="684212" y="6172200"/>
-            <a:ext cx="7543800" cy="365125"/>
-          </a:xfrm>
-          <a:prstGeom prst="rect">
-            <a:avLst/>
-          </a:prstGeom>
-        </p:spPr>
-        <p:txBody>
-          <a:bodyPr vert="horz" lIns="91440" tIns="45720" rIns="91440" bIns="45720" rtlCol="0" anchor="t"/>
-          <a:lstStyle>
-            <a:lvl1pPr algn="l">
-              <a:defRPr sz="1000" b="0" i="0">
-                <a:solidFill>
-                  <a:schemeClr val="bg2">
-                    <a:lumMod val="50000"/>
-                  </a:schemeClr>
-                </a:solidFill>
-                <a:effectLst/>
-                <a:latin typeface="+mn-lt"/>
-              </a:defRPr>
-            </a:lvl1pPr>
-          </a:lstStyle>
-          <a:p>
             <a:endParaRPr lang="en-US" dirty="0"/>
           </a:p>
         </p:txBody>
@@ -10514,31 +10673,27 @@
         </p:nvSpPr>
         <p:spPr>
           <a:xfrm>
-            <a:off x="10363200" y="5578475"/>
-            <a:ext cx="1142245" cy="669925"/>
+            <a:off x="10678331" y="5915888"/>
+            <a:ext cx="1062155" cy="490599"/>
           </a:xfrm>
           <a:prstGeom prst="rect">
             <a:avLst/>
           </a:prstGeom>
         </p:spPr>
         <p:txBody>
-          <a:bodyPr vert="horz" lIns="91440" tIns="45720" rIns="91440" bIns="45720" rtlCol="0" anchor="b"/>
+          <a:bodyPr vert="horz" lIns="91440" tIns="45720" rIns="91440" bIns="10800" rtlCol="0" anchor="b"/>
           <a:lstStyle>
             <a:lvl1pPr algn="r">
-              <a:defRPr sz="3200" b="0" i="0">
+              <a:defRPr sz="2000">
                 <a:solidFill>
-                  <a:schemeClr val="bg2">
-                    <a:lumMod val="50000"/>
-                  </a:schemeClr>
+                  <a:schemeClr val="accent1"/>
                 </a:solidFill>
-                <a:effectLst/>
-                <a:latin typeface="+mn-lt"/>
               </a:defRPr>
             </a:lvl1pPr>
           </a:lstStyle>
           <a:p>
             <a:fld id="{D57F1E4F-1CFF-5643-939E-217C01CDF565}" type="slidenum">
-              <a:rPr lang="en-US" dirty="0"/>
+              <a:rPr lang="en-US" smtClean="0"/>
               <a:pPr/>
               <a:t>‹Nr.›</a:t>
             </a:fld>
@@ -10547,26 +10702,28 @@
         </p:txBody>
       </p:sp>
     </p:spTree>
+    <p:extLst>
+      <p:ext uri="{BB962C8B-B14F-4D97-AF65-F5344CB8AC3E}">
+        <p14:creationId xmlns:p14="http://schemas.microsoft.com/office/powerpoint/2010/main" val="1209197047"/>
+      </p:ext>
+    </p:extLst>
   </p:cSld>
   <p:clrMap bg1="dk1" tx1="lt1" bg2="dk2" tx2="lt2" accent1="accent1" accent2="accent2" accent3="accent3" accent4="accent4" accent5="accent5" accent6="accent6" hlink="hlink" folHlink="folHlink"/>
   <p:sldLayoutIdLst>
-    <p:sldLayoutId id="2147483649" r:id="rId1"/>
-    <p:sldLayoutId id="2147483650" r:id="rId2"/>
-    <p:sldLayoutId id="2147483651" r:id="rId3"/>
-    <p:sldLayoutId id="2147483652" r:id="rId4"/>
-    <p:sldLayoutId id="2147483653" r:id="rId5"/>
-    <p:sldLayoutId id="2147483654" r:id="rId6"/>
-    <p:sldLayoutId id="2147483655" r:id="rId7"/>
-    <p:sldLayoutId id="2147483656" r:id="rId8"/>
-    <p:sldLayoutId id="2147483660" r:id="rId9"/>
-    <p:sldLayoutId id="2147483668" r:id="rId10"/>
-    <p:sldLayoutId id="2147483663" r:id="rId11"/>
-    <p:sldLayoutId id="2147483664" r:id="rId12"/>
-    <p:sldLayoutId id="2147483665" r:id="rId13"/>
-    <p:sldLayoutId id="2147483666" r:id="rId14"/>
-    <p:sldLayoutId id="2147483667" r:id="rId15"/>
-    <p:sldLayoutId id="2147483658" r:id="rId16"/>
-    <p:sldLayoutId id="2147483659" r:id="rId17"/>
+    <p:sldLayoutId id="2147483700" r:id="rId1"/>
+    <p:sldLayoutId id="2147483701" r:id="rId2"/>
+    <p:sldLayoutId id="2147483702" r:id="rId3"/>
+    <p:sldLayoutId id="2147483703" r:id="rId4"/>
+    <p:sldLayoutId id="2147483704" r:id="rId5"/>
+    <p:sldLayoutId id="2147483705" r:id="rId6"/>
+    <p:sldLayoutId id="2147483706" r:id="rId7"/>
+    <p:sldLayoutId id="2147483707" r:id="rId8"/>
+    <p:sldLayoutId id="2147483708" r:id="rId9"/>
+    <p:sldLayoutId id="2147483709" r:id="rId10"/>
+    <p:sldLayoutId id="2147483710" r:id="rId11"/>
+    <p:sldLayoutId id="2147483711" r:id="rId12"/>
+    <p:sldLayoutId id="2147483712" r:id="rId13"/>
+    <p:sldLayoutId id="2147483713" r:id="rId14"/>
   </p:sldLayoutIdLst>
   <p:txStyles>
     <p:titleStyle>
@@ -10575,14 +10732,10 @@
           <a:spcPct val="0"/>
         </a:spcBef>
         <a:buNone/>
-        <a:defRPr sz="3600" kern="1200" cap="all">
-          <a:ln w="3175" cmpd="sng">
-            <a:noFill/>
-          </a:ln>
+        <a:defRPr sz="4000" b="1" kern="1200">
           <a:solidFill>
-            <a:schemeClr val="tx1"/>
+            <a:srgbClr val="FEFEFE"/>
           </a:solidFill>
-          <a:effectLst/>
           <a:latin typeface="+mj-lt"/>
           <a:ea typeface="+mj-ea"/>
           <a:cs typeface="+mj-cs"/>
@@ -10646,7 +10799,7 @@
       </a:lvl9pPr>
     </p:titleStyle>
     <p:bodyStyle>
-      <a:lvl1pPr marL="285750" indent="-285750" algn="l" defTabSz="457200" rtl="0" eaLnBrk="1" latinLnBrk="0" hangingPunct="1">
+      <a:lvl1pPr marL="342900" indent="-342900" algn="l" defTabSz="457200" rtl="0" eaLnBrk="1" latinLnBrk="0" hangingPunct="1">
         <a:spcBef>
           <a:spcPct val="20000"/>
         </a:spcBef>
@@ -10654,18 +10807,14 @@
           <a:spcPts val="600"/>
         </a:spcAft>
         <a:buClr>
-          <a:schemeClr val="tx1"/>
+          <a:schemeClr val="accent1"/>
         </a:buClr>
-        <a:buSzPct val="80000"/>
-        <a:buFont typeface="Wingdings 3" panose="05040102010807070707" pitchFamily="18" charset="2"/>
-        <a:buChar char=""/>
-        <a:defRPr sz="2000" kern="1200" cap="none">
+        <a:buFont typeface="Wingdings 2" charset="2"/>
+        <a:buChar char=""/>
+        <a:defRPr sz="1800" kern="1200">
           <a:solidFill>
-            <a:schemeClr val="bg2">
-              <a:lumMod val="75000"/>
-            </a:schemeClr>
+            <a:schemeClr val="tx1"/>
           </a:solidFill>
-          <a:effectLst/>
           <a:latin typeface="+mn-lt"/>
           <a:ea typeface="+mn-ea"/>
           <a:cs typeface="+mn-cs"/>
@@ -10679,24 +10828,20 @@
           <a:spcPts val="600"/>
         </a:spcAft>
         <a:buClr>
-          <a:schemeClr val="tx1"/>
+          <a:schemeClr val="accent1"/>
         </a:buClr>
-        <a:buSzPct val="80000"/>
-        <a:buFont typeface="Wingdings 3" panose="05040102010807070707" pitchFamily="18" charset="2"/>
-        <a:buChar char=""/>
-        <a:defRPr sz="1800" kern="1200" cap="none">
+        <a:buFont typeface="Wingdings 2" charset="2"/>
+        <a:buChar char=""/>
+        <a:defRPr sz="1600" kern="1200">
           <a:solidFill>
-            <a:schemeClr val="bg2">
-              <a:lumMod val="75000"/>
-            </a:schemeClr>
+            <a:schemeClr val="tx1"/>
           </a:solidFill>
-          <a:effectLst/>
           <a:latin typeface="+mn-lt"/>
           <a:ea typeface="+mn-ea"/>
           <a:cs typeface="+mn-cs"/>
         </a:defRPr>
       </a:lvl2pPr>
-      <a:lvl3pPr marL="1200150" indent="-285750" algn="l" defTabSz="457200" rtl="0" eaLnBrk="1" latinLnBrk="0" hangingPunct="1">
+      <a:lvl3pPr marL="1143000" indent="-228600" algn="l" defTabSz="457200" rtl="0" eaLnBrk="1" latinLnBrk="0" hangingPunct="1">
         <a:spcBef>
           <a:spcPct val="20000"/>
         </a:spcBef>
@@ -10704,24 +10849,20 @@
           <a:spcPts val="600"/>
         </a:spcAft>
         <a:buClr>
-          <a:schemeClr val="tx1"/>
+          <a:schemeClr val="accent1"/>
         </a:buClr>
-        <a:buSzPct val="80000"/>
-        <a:buFont typeface="Wingdings 3" panose="05040102010807070707" pitchFamily="18" charset="2"/>
-        <a:buChar char=""/>
-        <a:defRPr sz="1600" kern="1200" cap="none">
+        <a:buFont typeface="Wingdings 2" charset="2"/>
+        <a:buChar char=""/>
+        <a:defRPr sz="1400" kern="1200">
           <a:solidFill>
-            <a:schemeClr val="bg2">
-              <a:lumMod val="75000"/>
-            </a:schemeClr>
+            <a:schemeClr val="tx1"/>
           </a:solidFill>
-          <a:effectLst/>
           <a:latin typeface="+mn-lt"/>
           <a:ea typeface="+mn-ea"/>
           <a:cs typeface="+mn-cs"/>
         </a:defRPr>
       </a:lvl3pPr>
-      <a:lvl4pPr marL="1543050" indent="-171450" algn="l" defTabSz="457200" rtl="0" eaLnBrk="1" latinLnBrk="0" hangingPunct="1">
+      <a:lvl4pPr marL="1600200" indent="-228600" algn="l" defTabSz="457200" rtl="0" eaLnBrk="1" latinLnBrk="0" hangingPunct="1">
         <a:spcBef>
           <a:spcPct val="20000"/>
         </a:spcBef>
@@ -10729,24 +10870,20 @@
           <a:spcPts val="600"/>
         </a:spcAft>
         <a:buClr>
-          <a:schemeClr val="tx1"/>
+          <a:schemeClr val="accent1"/>
         </a:buClr>
-        <a:buSzPct val="80000"/>
-        <a:buFont typeface="Wingdings 3" panose="05040102010807070707" pitchFamily="18" charset="2"/>
-        <a:buChar char=""/>
-        <a:defRPr sz="1400" kern="1200" cap="none">
+        <a:buFont typeface="Wingdings 2" charset="2"/>
+        <a:buChar char=""/>
+        <a:defRPr sz="1200" kern="1200">
           <a:solidFill>
-            <a:schemeClr val="bg2">
-              <a:lumMod val="75000"/>
-            </a:schemeClr>
+            <a:schemeClr val="tx1"/>
           </a:solidFill>
-          <a:effectLst/>
           <a:latin typeface="+mn-lt"/>
           <a:ea typeface="+mn-ea"/>
           <a:cs typeface="+mn-cs"/>
         </a:defRPr>
       </a:lvl4pPr>
-      <a:lvl5pPr marL="2000250" indent="-171450" algn="l" defTabSz="457200" rtl="0" eaLnBrk="1" latinLnBrk="0" hangingPunct="1">
+      <a:lvl5pPr marL="2057400" indent="-228600" algn="l" defTabSz="457200" rtl="0" eaLnBrk="1" latinLnBrk="0" hangingPunct="1">
         <a:spcBef>
           <a:spcPct val="20000"/>
         </a:spcBef>
@@ -10754,24 +10891,20 @@
           <a:spcPts val="600"/>
         </a:spcAft>
         <a:buClr>
-          <a:schemeClr val="tx1"/>
+          <a:schemeClr val="accent1"/>
         </a:buClr>
-        <a:buSzPct val="80000"/>
-        <a:buFont typeface="Wingdings 3" panose="05040102010807070707" pitchFamily="18" charset="2"/>
-        <a:buChar char=""/>
-        <a:defRPr sz="1400" kern="1200" cap="none">
+        <a:buFont typeface="Wingdings 2" charset="2"/>
+        <a:buChar char=""/>
+        <a:defRPr sz="1200" kern="1200">
           <a:solidFill>
-            <a:schemeClr val="bg2">
-              <a:lumMod val="75000"/>
-            </a:schemeClr>
+            <a:schemeClr val="tx1"/>
           </a:solidFill>
-          <a:effectLst/>
           <a:latin typeface="+mn-lt"/>
           <a:ea typeface="+mn-ea"/>
           <a:cs typeface="+mn-cs"/>
         </a:defRPr>
       </a:lvl5pPr>
-      <a:lvl6pPr marL="2514600" indent="-228600" algn="l" defTabSz="457200" rtl="0" eaLnBrk="1" latinLnBrk="0" hangingPunct="1">
+      <a:lvl6pPr marL="2400000" indent="-228600" algn="l" defTabSz="457200" rtl="0" eaLnBrk="1" latinLnBrk="0" hangingPunct="1">
         <a:spcBef>
           <a:spcPct val="20000"/>
         </a:spcBef>
@@ -10779,24 +10912,20 @@
           <a:spcPts val="600"/>
         </a:spcAft>
         <a:buClr>
-          <a:schemeClr val="tx1"/>
+          <a:schemeClr val="accent1"/>
         </a:buClr>
-        <a:buSzPct val="80000"/>
-        <a:buFont typeface="Wingdings 3" panose="05040102010807070707" pitchFamily="18" charset="2"/>
-        <a:buChar char=""/>
-        <a:defRPr sz="1400" kern="1200" cap="none">
+        <a:buFont typeface="Wingdings 2" charset="2"/>
+        <a:buChar char=""/>
+        <a:defRPr sz="1200" kern="1200">
           <a:solidFill>
-            <a:schemeClr val="bg2">
-              <a:lumMod val="75000"/>
-            </a:schemeClr>
+            <a:schemeClr val="tx1"/>
           </a:solidFill>
-          <a:effectLst/>
           <a:latin typeface="+mn-lt"/>
           <a:ea typeface="+mn-ea"/>
           <a:cs typeface="+mn-cs"/>
         </a:defRPr>
       </a:lvl6pPr>
-      <a:lvl7pPr marL="2971800" indent="-228600" algn="l" defTabSz="457200" rtl="0" eaLnBrk="1" latinLnBrk="0" hangingPunct="1">
+      <a:lvl7pPr marL="2800000" indent="-228600" algn="l" defTabSz="457200" rtl="0" eaLnBrk="1" latinLnBrk="0" hangingPunct="1">
         <a:spcBef>
           <a:spcPct val="20000"/>
         </a:spcBef>
@@ -10804,24 +10933,20 @@
           <a:spcPts val="600"/>
         </a:spcAft>
         <a:buClr>
-          <a:schemeClr val="tx1"/>
+          <a:schemeClr val="accent1"/>
         </a:buClr>
-        <a:buSzPct val="80000"/>
-        <a:buFont typeface="Wingdings 3" panose="05040102010807070707" pitchFamily="18" charset="2"/>
-        <a:buChar char=""/>
-        <a:defRPr sz="1400" kern="1200" cap="none">
+        <a:buFont typeface="Wingdings 2" charset="2"/>
+        <a:buChar char=""/>
+        <a:defRPr sz="1200" kern="1200">
           <a:solidFill>
-            <a:schemeClr val="bg2">
-              <a:lumMod val="75000"/>
-            </a:schemeClr>
+            <a:schemeClr val="tx1"/>
           </a:solidFill>
-          <a:effectLst/>
           <a:latin typeface="+mn-lt"/>
           <a:ea typeface="+mn-ea"/>
           <a:cs typeface="+mn-cs"/>
         </a:defRPr>
       </a:lvl7pPr>
-      <a:lvl8pPr marL="3429000" indent="-228600" algn="l" defTabSz="457200" rtl="0" eaLnBrk="1" latinLnBrk="0" hangingPunct="1">
+      <a:lvl8pPr marL="3200000" indent="-228600" algn="l" defTabSz="457200" rtl="0" eaLnBrk="1" latinLnBrk="0" hangingPunct="1">
         <a:spcBef>
           <a:spcPct val="20000"/>
         </a:spcBef>
@@ -10829,24 +10954,20 @@
           <a:spcPts val="600"/>
         </a:spcAft>
         <a:buClr>
-          <a:schemeClr val="tx1"/>
+          <a:schemeClr val="accent1"/>
         </a:buClr>
-        <a:buSzPct val="80000"/>
-        <a:buFont typeface="Wingdings 3" panose="05040102010807070707" pitchFamily="18" charset="2"/>
-        <a:buChar char=""/>
-        <a:defRPr sz="1400" kern="1200" cap="none">
+        <a:buFont typeface="Wingdings 2" charset="2"/>
+        <a:buChar char=""/>
+        <a:defRPr sz="1200" kern="1200">
           <a:solidFill>
-            <a:schemeClr val="bg2">
-              <a:lumMod val="75000"/>
-            </a:schemeClr>
+            <a:schemeClr val="tx1"/>
           </a:solidFill>
-          <a:effectLst/>
           <a:latin typeface="+mn-lt"/>
           <a:ea typeface="+mn-ea"/>
           <a:cs typeface="+mn-cs"/>
         </a:defRPr>
       </a:lvl8pPr>
-      <a:lvl9pPr marL="3886200" indent="-228600" algn="l" defTabSz="457200" rtl="0" eaLnBrk="1" latinLnBrk="0" hangingPunct="1">
+      <a:lvl9pPr marL="3600000" indent="-228600" algn="l" defTabSz="457200" rtl="0" eaLnBrk="1" latinLnBrk="0" hangingPunct="1">
         <a:spcBef>
           <a:spcPct val="20000"/>
         </a:spcBef>
@@ -10854,18 +10975,14 @@
           <a:spcPts val="600"/>
         </a:spcAft>
         <a:buClr>
-          <a:schemeClr val="tx1"/>
+          <a:schemeClr val="accent1"/>
         </a:buClr>
-        <a:buSzPct val="80000"/>
-        <a:buFont typeface="Wingdings 3" panose="05040102010807070707" pitchFamily="18" charset="2"/>
-        <a:buChar char=""/>
-        <a:defRPr sz="1400" kern="1200" cap="none">
+        <a:buFont typeface="Wingdings 2" charset="2"/>
+        <a:buChar char=""/>
+        <a:defRPr sz="1200" kern="1200">
           <a:solidFill>
-            <a:schemeClr val="bg2">
-              <a:lumMod val="75000"/>
-            </a:schemeClr>
+            <a:schemeClr val="tx1"/>
           </a:solidFill>
-          <a:effectLst/>
           <a:latin typeface="+mn-lt"/>
           <a:ea typeface="+mn-ea"/>
           <a:cs typeface="+mn-cs"/>
@@ -11029,10 +11146,15 @@
             <p:ph type="subTitle" idx="1"/>
           </p:nvPr>
         </p:nvSpPr>
-        <p:spPr/>
+        <p:spPr>
+          <a:xfrm>
+            <a:off x="810001" y="5504589"/>
+            <a:ext cx="10572000" cy="434974"/>
+          </a:xfrm>
+        </p:spPr>
         <p:txBody>
           <a:bodyPr>
-            <a:normAutofit/>
+            <a:normAutofit fontScale="92500" lnSpcReduction="20000"/>
           </a:bodyPr>
           <a:lstStyle/>
           <a:p>
@@ -11054,6 +11176,13 @@
   <p:clrMapOvr>
     <a:masterClrMapping/>
   </p:clrMapOvr>
+  <p:timing>
+    <p:tnLst>
+      <p:par>
+        <p:cTn id="1" dur="indefinite" restart="never" nodeType="tmRoot"/>
+      </p:par>
+    </p:tnLst>
+  </p:timing>
 </p:sld>
 </file>
 
@@ -11112,13 +11241,13 @@
           <p:nvPr>
             <p:extLst>
               <p:ext uri="{D42A27DB-BD31-4B8C-83A1-F6EECF244321}">
-                <p14:modId xmlns:p14="http://schemas.microsoft.com/office/powerpoint/2010/main" val="3509073608"/>
+                <p14:modId xmlns:p14="http://schemas.microsoft.com/office/powerpoint/2010/main" val="873259378"/>
               </p:ext>
             </p:extLst>
           </p:nvPr>
         </p:nvGraphicFramePr>
         <p:xfrm>
-          <a:off x="5109183" y="486204"/>
+          <a:off x="5313463" y="1099047"/>
           <a:ext cx="7462196" cy="4640274"/>
         </p:xfrm>
         <a:graphic>
@@ -11137,155 +11266,17 @@
   <p:clrMapOvr>
     <a:masterClrMapping/>
   </p:clrMapOvr>
+  <p:timing>
+    <p:tnLst>
+      <p:par>
+        <p:cTn id="1" dur="indefinite" restart="never" nodeType="tmRoot"/>
+      </p:par>
+    </p:tnLst>
+  </p:timing>
 </p:sld>
 </file>
 
 <file path=ppt/slides/slide3.xml><?xml version="1.0" encoding="utf-8"?>
-<p:sld xmlns:a="http://schemas.openxmlformats.org/drawingml/2006/main" xmlns:r="http://schemas.openxmlformats.org/officeDocument/2006/relationships" xmlns:p="http://schemas.openxmlformats.org/presentationml/2006/main">
-  <p:cSld>
-    <p:spTree>
-      <p:nvGrpSpPr>
-        <p:cNvPr id="1" name=""/>
-        <p:cNvGrpSpPr/>
-        <p:nvPr/>
-      </p:nvGrpSpPr>
-      <p:grpSpPr>
-        <a:xfrm>
-          <a:off x="0" y="0"/>
-          <a:ext cx="0" cy="0"/>
-          <a:chOff x="0" y="0"/>
-          <a:chExt cx="0" cy="0"/>
-        </a:xfrm>
-      </p:grpSpPr>
-      <p:sp>
-        <p:nvSpPr>
-          <p:cNvPr id="3" name="Inhaltsplatzhalter 2"/>
-          <p:cNvSpPr>
-            <a:spLocks noGrp="1"/>
-          </p:cNvSpPr>
-          <p:nvPr>
-            <p:ph idx="1"/>
-          </p:nvPr>
-        </p:nvSpPr>
-        <p:spPr/>
-        <p:txBody>
-          <a:bodyPr>
-            <a:noAutofit/>
-          </a:bodyPr>
-          <a:lstStyle/>
-          <a:p>
-            <a:endParaRPr lang="de-CH" sz="2800" dirty="0" smtClean="0"/>
-          </a:p>
-          <a:p>
-            <a:endParaRPr lang="de-CH" sz="2800" dirty="0"/>
-          </a:p>
-          <a:p>
-            <a:r>
-              <a:rPr lang="de-CH" sz="2800" dirty="0" smtClean="0"/>
-              <a:t>Web Crawler</a:t>
-            </a:r>
-            <a:endParaRPr lang="de-CH" sz="2800" dirty="0"/>
-          </a:p>
-          <a:p>
-            <a:r>
-              <a:rPr lang="de-CH" sz="2800" dirty="0" smtClean="0"/>
-              <a:t>Jahresberichtsparser</a:t>
-            </a:r>
-            <a:endParaRPr lang="de-CH" sz="2800" dirty="0"/>
-          </a:p>
-          <a:p>
-            <a:r>
-              <a:rPr lang="de-CH" sz="2800" dirty="0" smtClean="0"/>
-              <a:t>ZEFIX- </a:t>
-            </a:r>
-            <a:r>
-              <a:rPr lang="de-CH" sz="2800" smtClean="0"/>
-              <a:t>und Handelsregister</a:t>
-            </a:r>
-          </a:p>
-          <a:p>
-            <a:r>
-              <a:rPr lang="de-CH" sz="2800" smtClean="0"/>
-              <a:t>Tagging</a:t>
-            </a:r>
-            <a:r>
-              <a:rPr lang="de-CH" sz="2800" dirty="0" smtClean="0"/>
-              <a:t> des Stiftungszwecks</a:t>
-            </a:r>
-          </a:p>
-          <a:p>
-            <a:r>
-              <a:rPr lang="de-CH" sz="2800" dirty="0" smtClean="0"/>
-              <a:t>Visualisierung</a:t>
-            </a:r>
-            <a:endParaRPr lang="de-CH" sz="2800" dirty="0"/>
-          </a:p>
-        </p:txBody>
-      </p:sp>
-      <p:sp>
-        <p:nvSpPr>
-          <p:cNvPr id="6" name="Titel 1"/>
-          <p:cNvSpPr>
-            <a:spLocks noGrp="1"/>
-          </p:cNvSpPr>
-          <p:nvPr>
-            <p:ph type="title"/>
-          </p:nvPr>
-        </p:nvSpPr>
-        <p:spPr>
-          <a:xfrm>
-            <a:off x="684212" y="207162"/>
-            <a:ext cx="8534400" cy="1507067"/>
-          </a:xfrm>
-        </p:spPr>
-        <p:txBody>
-          <a:bodyPr/>
-          <a:lstStyle/>
-          <a:p>
-            <a:r>
-              <a:rPr lang="de-CH" dirty="0" smtClean="0"/>
-              <a:t>Umsetzung</a:t>
-            </a:r>
-            <a:endParaRPr lang="de-CH" dirty="0"/>
-          </a:p>
-        </p:txBody>
-      </p:sp>
-      <p:graphicFrame>
-        <p:nvGraphicFramePr>
-          <p:cNvPr id="8" name="Diagramm 7"/>
-          <p:cNvGraphicFramePr/>
-          <p:nvPr>
-            <p:extLst>
-              <p:ext uri="{D42A27DB-BD31-4B8C-83A1-F6EECF244321}">
-                <p14:modId xmlns:p14="http://schemas.microsoft.com/office/powerpoint/2010/main" val="2435069722"/>
-              </p:ext>
-            </p:extLst>
-          </p:nvPr>
-        </p:nvGraphicFramePr>
-        <p:xfrm>
-          <a:off x="5417225" y="661481"/>
-          <a:ext cx="8128000" cy="5418667"/>
-        </p:xfrm>
-        <a:graphic>
-          <a:graphicData uri="http://schemas.openxmlformats.org/drawingml/2006/diagram">
-            <dgm:relIds xmlns:dgm="http://schemas.openxmlformats.org/drawingml/2006/diagram" xmlns:r="http://schemas.openxmlformats.org/officeDocument/2006/relationships" r:dm="rId2" r:lo="rId3" r:qs="rId4" r:cs="rId5"/>
-          </a:graphicData>
-        </a:graphic>
-      </p:graphicFrame>
-    </p:spTree>
-    <p:extLst>
-      <p:ext uri="{BB962C8B-B14F-4D97-AF65-F5344CB8AC3E}">
-        <p14:creationId xmlns:p14="http://schemas.microsoft.com/office/powerpoint/2010/main" val="1163194488"/>
-      </p:ext>
-    </p:extLst>
-  </p:cSld>
-  <p:clrMapOvr>
-    <a:masterClrMapping/>
-  </p:clrMapOvr>
-</p:sld>
-</file>
-
-<file path=ppt/slides/slide4.xml><?xml version="1.0" encoding="utf-8"?>
 <p:sld xmlns:a="http://schemas.openxmlformats.org/drawingml/2006/main" xmlns:r="http://schemas.openxmlformats.org/officeDocument/2006/relationships" xmlns:p="http://schemas.openxmlformats.org/presentationml/2006/main">
   <p:cSld>
     <p:spTree>
@@ -11312,7 +11303,7 @@
         </p:nvCxnSpPr>
         <p:spPr>
           <a:xfrm flipV="1">
-            <a:off x="2607013" y="2310779"/>
+            <a:off x="2694562" y="2933349"/>
             <a:ext cx="972766" cy="202581"/>
           </a:xfrm>
           <a:prstGeom prst="line">
@@ -11345,7 +11336,7 @@
         </p:nvCxnSpPr>
         <p:spPr>
           <a:xfrm>
-            <a:off x="2641673" y="3130697"/>
+            <a:off x="2729222" y="3753267"/>
             <a:ext cx="938106" cy="131180"/>
           </a:xfrm>
           <a:prstGeom prst="line">
@@ -11379,7 +11370,7 @@
         </p:nvCxnSpPr>
         <p:spPr>
           <a:xfrm>
-            <a:off x="2363875" y="3669926"/>
+            <a:off x="2451424" y="4292496"/>
             <a:ext cx="1215904" cy="509463"/>
           </a:xfrm>
           <a:prstGeom prst="line">
@@ -11409,9 +11400,9 @@
           <p:nvPr/>
         </p:nvCxnSpPr>
         <p:spPr>
-          <a:xfrm>
-            <a:off x="4824919" y="2276865"/>
-            <a:ext cx="1215904" cy="509463"/>
+          <a:xfrm flipV="1">
+            <a:off x="4912468" y="2885852"/>
+            <a:ext cx="1183531" cy="13583"/>
           </a:xfrm>
           <a:prstGeom prst="line">
             <a:avLst/>
@@ -11443,7 +11434,7 @@
         </p:nvCxnSpPr>
         <p:spPr>
           <a:xfrm>
-            <a:off x="4824919" y="4179389"/>
+            <a:off x="4912468" y="4801959"/>
             <a:ext cx="1396884" cy="582913"/>
           </a:xfrm>
           <a:prstGeom prst="line">
@@ -11474,13 +11465,15 @@
         </p:nvSpPr>
         <p:spPr>
           <a:xfrm>
-            <a:off x="3463047" y="1107645"/>
+            <a:off x="3510678" y="6191663"/>
             <a:ext cx="1558440" cy="369332"/>
           </a:xfrm>
           <a:prstGeom prst="rect">
             <a:avLst/>
           </a:prstGeom>
-          <a:noFill/>
+          <a:solidFill>
+            <a:schemeClr val="accent1"/>
+          </a:solidFill>
         </p:spPr>
         <p:txBody>
           <a:bodyPr wrap="none" rtlCol="0">
@@ -11499,15 +11492,13 @@
       <p:cxnSp>
         <p:nvCxnSpPr>
           <p:cNvPr id="22" name="Gerader Verbinder 21"/>
-          <p:cNvCxnSpPr>
-            <a:endCxn id="24" idx="1"/>
-          </p:cNvCxnSpPr>
+          <p:cNvCxnSpPr/>
           <p:nvPr/>
         </p:nvCxnSpPr>
         <p:spPr>
-          <a:xfrm>
-            <a:off x="7081792" y="2857533"/>
-            <a:ext cx="1449365" cy="20562"/>
+          <a:xfrm flipV="1">
+            <a:off x="7278246" y="2885852"/>
+            <a:ext cx="1612835" cy="13583"/>
           </a:xfrm>
           <a:prstGeom prst="line">
             <a:avLst/>
@@ -11539,7 +11530,7 @@
         </p:nvCxnSpPr>
         <p:spPr>
           <a:xfrm>
-            <a:off x="6900810" y="4762302"/>
+            <a:off x="6988359" y="5384872"/>
             <a:ext cx="1630347" cy="0"/>
           </a:xfrm>
           <a:prstGeom prst="line">
@@ -11570,13 +11561,15 @@
         </p:nvSpPr>
         <p:spPr>
           <a:xfrm>
-            <a:off x="8374507" y="1125633"/>
+            <a:off x="8374507" y="6191663"/>
             <a:ext cx="1558440" cy="369332"/>
           </a:xfrm>
           <a:prstGeom prst="rect">
             <a:avLst/>
           </a:prstGeom>
-          <a:noFill/>
+          <a:solidFill>
+            <a:schemeClr val="accent1"/>
+          </a:solidFill>
         </p:spPr>
         <p:txBody>
           <a:bodyPr wrap="none" rtlCol="0">
@@ -11600,7 +11593,7 @@
         </p:nvSpPr>
         <p:spPr>
           <a:xfrm>
-            <a:off x="6221803" y="4434120"/>
+            <a:off x="6309352" y="5056690"/>
             <a:ext cx="679007" cy="656364"/>
           </a:xfrm>
           <a:prstGeom prst="ellipse">
@@ -11652,22 +11645,18 @@
           </a:p>
           <a:p>
             <a:pPr algn="ctr"/>
-            <a:endParaRPr lang="de-CH" dirty="0" smtClean="0"/>
-          </a:p>
-          <a:p>
-            <a:pPr algn="ctr"/>
             <a:r>
-              <a:rPr lang="de-CH" dirty="0" smtClean="0"/>
+              <a:rPr lang="de-CH" b="1" dirty="0" smtClean="0"/>
               <a:t>Samariterbund</a:t>
             </a:r>
             <a:br>
-              <a:rPr lang="de-CH" dirty="0" smtClean="0"/>
+              <a:rPr lang="de-CH" b="1" dirty="0" smtClean="0"/>
             </a:br>
             <a:r>
-              <a:rPr lang="de-CH" dirty="0" smtClean="0"/>
-              <a:t>9 MIO</a:t>
+              <a:rPr lang="de-CH" b="1" dirty="0" smtClean="0"/>
+              <a:t>Bilanz: 9 MIO</a:t>
             </a:r>
-            <a:endParaRPr lang="de-CH" dirty="0"/>
+            <a:endParaRPr lang="de-CH" b="1" dirty="0"/>
           </a:p>
         </p:txBody>
       </p:sp>
@@ -11679,7 +11668,7 @@
         </p:nvSpPr>
         <p:spPr>
           <a:xfrm>
-            <a:off x="5945530" y="2310779"/>
+            <a:off x="6046691" y="2238748"/>
             <a:ext cx="1231555" cy="1221260"/>
           </a:xfrm>
           <a:prstGeom prst="ellipse">
@@ -11736,25 +11725,25 @@
           <a:p>
             <a:pPr algn="ctr"/>
             <a:r>
-              <a:rPr lang="de-CH" dirty="0" smtClean="0"/>
+              <a:rPr lang="de-CH" b="1" dirty="0" smtClean="0"/>
               <a:t>Pro </a:t>
             </a:r>
             <a:r>
-              <a:rPr lang="de-CH" dirty="0" err="1" smtClean="0"/>
+              <a:rPr lang="de-CH" b="1" dirty="0" err="1" smtClean="0"/>
               <a:t>Juventute</a:t>
             </a:r>
             <a:r>
-              <a:rPr lang="de-CH" dirty="0" smtClean="0"/>
+              <a:rPr lang="de-CH" b="1" dirty="0" smtClean="0"/>
               <a:t/>
             </a:r>
             <a:br>
-              <a:rPr lang="de-CH" dirty="0" smtClean="0"/>
+              <a:rPr lang="de-CH" b="1" dirty="0" smtClean="0"/>
             </a:br>
             <a:r>
-              <a:rPr lang="de-CH" dirty="0" smtClean="0"/>
-              <a:t>39 MIO</a:t>
+              <a:rPr lang="de-CH" b="1" dirty="0" smtClean="0"/>
+              <a:t>Bilanz: 39 MIO</a:t>
             </a:r>
-            <a:endParaRPr lang="de-CH" dirty="0"/>
+            <a:endParaRPr lang="de-CH" b="1" dirty="0"/>
           </a:p>
         </p:txBody>
       </p:sp>
@@ -11766,7 +11755,7 @@
         </p:nvSpPr>
         <p:spPr>
           <a:xfrm>
-            <a:off x="542734" y="1862846"/>
+            <a:off x="630283" y="2485416"/>
             <a:ext cx="2133599" cy="2117126"/>
           </a:xfrm>
           <a:prstGeom prst="ellipse">
@@ -11795,17 +11784,24 @@
           <a:p>
             <a:pPr algn="ctr"/>
             <a:r>
-              <a:rPr lang="de-CH" dirty="0" smtClean="0"/>
+              <a:rPr lang="de-CH" b="1" dirty="0" smtClean="0"/>
               <a:t>REGA</a:t>
             </a:r>
             <a:br>
-              <a:rPr lang="de-CH" dirty="0" smtClean="0"/>
+              <a:rPr lang="de-CH" b="1" dirty="0" smtClean="0"/>
             </a:br>
             <a:r>
-              <a:rPr lang="de-CH" dirty="0" smtClean="0"/>
+              <a:rPr lang="de-CH" b="1" dirty="0" smtClean="0"/>
+              <a:t>Bilanz:</a:t>
+            </a:r>
+            <a:br>
+              <a:rPr lang="de-CH" b="1" dirty="0" smtClean="0"/>
+            </a:br>
+            <a:r>
+              <a:rPr lang="de-CH" b="1" dirty="0" smtClean="0"/>
               <a:t>500 MIO</a:t>
             </a:r>
-            <a:endParaRPr lang="de-CH" dirty="0"/>
+            <a:endParaRPr lang="de-CH" b="1" dirty="0"/>
           </a:p>
         </p:txBody>
       </p:sp>
@@ -11817,7 +11813,7 @@
         </p:nvSpPr>
         <p:spPr>
           <a:xfrm>
-            <a:off x="3579779" y="1970311"/>
+            <a:off x="3667328" y="2592881"/>
             <a:ext cx="1245140" cy="680936"/>
           </a:xfrm>
           <a:prstGeom prst="roundRect">
@@ -11861,7 +11857,7 @@
         </p:nvSpPr>
         <p:spPr>
           <a:xfrm>
-            <a:off x="3579779" y="2921409"/>
+            <a:off x="3667328" y="3543979"/>
             <a:ext cx="1245140" cy="680936"/>
           </a:xfrm>
           <a:prstGeom prst="roundRect">
@@ -11905,7 +11901,7 @@
         </p:nvSpPr>
         <p:spPr>
           <a:xfrm>
-            <a:off x="3579779" y="3838921"/>
+            <a:off x="3667328" y="4461491"/>
             <a:ext cx="1245140" cy="680936"/>
           </a:xfrm>
           <a:prstGeom prst="roundRect">
@@ -11943,13 +11939,13 @@
       </p:sp>
       <p:sp>
         <p:nvSpPr>
-          <p:cNvPr id="24" name="Abgerundetes Rechteck 23"/>
+          <p:cNvPr id="27" name="Abgerundetes Rechteck 26"/>
           <p:cNvSpPr/>
           <p:nvPr/>
         </p:nvSpPr>
         <p:spPr>
           <a:xfrm>
-            <a:off x="8531157" y="2537627"/>
+            <a:off x="8618706" y="5032118"/>
             <a:ext cx="1245140" cy="680936"/>
           </a:xfrm>
           <a:prstGeom prst="roundRect">
@@ -11979,21 +11975,48 @@
             <a:pPr algn="ctr"/>
             <a:r>
               <a:rPr lang="de-CH" dirty="0" smtClean="0"/>
-              <a:t>P4</a:t>
+              <a:t>P5</a:t>
             </a:r>
-            <a:endParaRPr lang="de-CH" dirty="0"/>
           </a:p>
         </p:txBody>
       </p:sp>
       <p:sp>
         <p:nvSpPr>
-          <p:cNvPr id="27" name="Abgerundetes Rechteck 26"/>
+          <p:cNvPr id="35" name="Titel 1"/>
+          <p:cNvSpPr>
+            <a:spLocks noGrp="1"/>
+          </p:cNvSpPr>
+          <p:nvPr>
+            <p:ph type="title"/>
+          </p:nvPr>
+        </p:nvSpPr>
+        <p:spPr>
+          <a:xfrm>
+            <a:off x="810000" y="447188"/>
+            <a:ext cx="10571998" cy="970450"/>
+          </a:xfrm>
+        </p:spPr>
+        <p:txBody>
+          <a:bodyPr/>
+          <a:lstStyle/>
+          <a:p>
+            <a:r>
+              <a:rPr lang="de-CH" dirty="0" smtClean="0"/>
+              <a:t>Ziel</a:t>
+            </a:r>
+            <a:endParaRPr lang="de-CH" dirty="0"/>
+          </a:p>
+        </p:txBody>
+      </p:sp>
+      <p:sp>
+        <p:nvSpPr>
+          <p:cNvPr id="24" name="Abgerundetes Rechteck 23"/>
           <p:cNvSpPr/>
           <p:nvPr/>
         </p:nvSpPr>
         <p:spPr>
           <a:xfrm>
-            <a:off x="8531157" y="4409548"/>
+            <a:off x="8618706" y="2543942"/>
             <a:ext cx="1245140" cy="680936"/>
           </a:xfrm>
           <a:prstGeom prst="roundRect">
@@ -12023,8 +12046,9 @@
             <a:pPr algn="ctr"/>
             <a:r>
               <a:rPr lang="de-CH" dirty="0" smtClean="0"/>
-              <a:t>P5</a:t>
+              <a:t>P4</a:t>
             </a:r>
+            <a:endParaRPr lang="de-CH" dirty="0"/>
           </a:p>
         </p:txBody>
       </p:sp>
@@ -12032,6 +12056,144 @@
     <p:extLst>
       <p:ext uri="{BB962C8B-B14F-4D97-AF65-F5344CB8AC3E}">
         <p14:creationId xmlns:p14="http://schemas.microsoft.com/office/powerpoint/2010/main" val="1699908967"/>
+      </p:ext>
+    </p:extLst>
+  </p:cSld>
+  <p:clrMapOvr>
+    <a:masterClrMapping/>
+  </p:clrMapOvr>
+</p:sld>
+</file>
+
+<file path=ppt/slides/slide4.xml><?xml version="1.0" encoding="utf-8"?>
+<p:sld xmlns:a="http://schemas.openxmlformats.org/drawingml/2006/main" xmlns:r="http://schemas.openxmlformats.org/officeDocument/2006/relationships" xmlns:p="http://schemas.openxmlformats.org/presentationml/2006/main">
+  <p:cSld>
+    <p:spTree>
+      <p:nvGrpSpPr>
+        <p:cNvPr id="1" name=""/>
+        <p:cNvGrpSpPr/>
+        <p:nvPr/>
+      </p:nvGrpSpPr>
+      <p:grpSpPr>
+        <a:xfrm>
+          <a:off x="0" y="0"/>
+          <a:ext cx="0" cy="0"/>
+          <a:chOff x="0" y="0"/>
+          <a:chExt cx="0" cy="0"/>
+        </a:xfrm>
+      </p:grpSpPr>
+      <p:sp>
+        <p:nvSpPr>
+          <p:cNvPr id="6" name="Titel 1"/>
+          <p:cNvSpPr>
+            <a:spLocks noGrp="1"/>
+          </p:cNvSpPr>
+          <p:nvPr>
+            <p:ph type="title"/>
+          </p:nvPr>
+        </p:nvSpPr>
+        <p:spPr>
+          <a:xfrm>
+            <a:off x="684212" y="207162"/>
+            <a:ext cx="8534400" cy="1507067"/>
+          </a:xfrm>
+        </p:spPr>
+        <p:txBody>
+          <a:bodyPr/>
+          <a:lstStyle/>
+          <a:p>
+            <a:r>
+              <a:rPr lang="de-CH" dirty="0" smtClean="0"/>
+              <a:t>Umsetzung</a:t>
+            </a:r>
+            <a:endParaRPr lang="de-CH" dirty="0"/>
+          </a:p>
+        </p:txBody>
+      </p:sp>
+      <p:sp>
+        <p:nvSpPr>
+          <p:cNvPr id="3" name="Inhaltsplatzhalter 2"/>
+          <p:cNvSpPr>
+            <a:spLocks noGrp="1"/>
+          </p:cNvSpPr>
+          <p:nvPr>
+            <p:ph idx="1"/>
+          </p:nvPr>
+        </p:nvSpPr>
+        <p:spPr/>
+        <p:txBody>
+          <a:bodyPr>
+            <a:noAutofit/>
+          </a:bodyPr>
+          <a:lstStyle/>
+          <a:p>
+            <a:endParaRPr lang="de-CH" sz="2000" dirty="0" smtClean="0"/>
+          </a:p>
+          <a:p>
+            <a:r>
+              <a:rPr lang="de-CH" sz="2400" dirty="0" smtClean="0"/>
+              <a:t>Web Crawler</a:t>
+            </a:r>
+            <a:endParaRPr lang="de-CH" sz="2400" dirty="0"/>
+          </a:p>
+          <a:p>
+            <a:r>
+              <a:rPr lang="de-CH" sz="2400" dirty="0" smtClean="0"/>
+              <a:t>Jahresberichtsparser</a:t>
+            </a:r>
+            <a:endParaRPr lang="de-CH" sz="2400" dirty="0"/>
+          </a:p>
+          <a:p>
+            <a:r>
+              <a:rPr lang="de-CH" sz="2400" dirty="0" smtClean="0"/>
+              <a:t>ZEFIX- und Handelsregister</a:t>
+            </a:r>
+          </a:p>
+          <a:p>
+            <a:r>
+              <a:rPr lang="de-CH" sz="2400" dirty="0" err="1" smtClean="0"/>
+              <a:t>Tagging</a:t>
+            </a:r>
+            <a:r>
+              <a:rPr lang="de-CH" sz="2400" dirty="0" smtClean="0"/>
+              <a:t> des Stiftungszwecks</a:t>
+            </a:r>
+          </a:p>
+          <a:p>
+            <a:r>
+              <a:rPr lang="de-CH" sz="2400" dirty="0" smtClean="0"/>
+              <a:t>Visualisierung</a:t>
+            </a:r>
+            <a:endParaRPr lang="de-CH" sz="2400" dirty="0"/>
+          </a:p>
+        </p:txBody>
+      </p:sp>
+      <p:graphicFrame>
+        <p:nvGraphicFramePr>
+          <p:cNvPr id="8" name="Diagramm 7"/>
+          <p:cNvGraphicFramePr/>
+          <p:nvPr>
+            <p:extLst>
+              <p:ext uri="{D42A27DB-BD31-4B8C-83A1-F6EECF244321}">
+                <p14:modId xmlns:p14="http://schemas.microsoft.com/office/powerpoint/2010/main" val="493028157"/>
+              </p:ext>
+            </p:extLst>
+          </p:nvPr>
+        </p:nvGraphicFramePr>
+        <p:xfrm>
+          <a:off x="5358859" y="593387"/>
+          <a:ext cx="8128000" cy="5418667"/>
+        </p:xfrm>
+        <a:graphic>
+          <a:graphicData uri="http://schemas.openxmlformats.org/drawingml/2006/diagram">
+            <dgm:relIds xmlns:dgm="http://schemas.openxmlformats.org/drawingml/2006/diagram" xmlns:r="http://schemas.openxmlformats.org/officeDocument/2006/relationships" r:dm="rId2" r:lo="rId3" r:qs="rId4" r:cs="rId5"/>
+          </a:graphicData>
+        </a:graphic>
+      </p:graphicFrame>
+    </p:spTree>
+    <p:extLst>
+      <p:ext uri="{BB962C8B-B14F-4D97-AF65-F5344CB8AC3E}">
+        <p14:creationId xmlns:p14="http://schemas.microsoft.com/office/powerpoint/2010/main" val="1163194488"/>
       </p:ext>
     </p:extLst>
   </p:cSld>
@@ -12068,19 +12230,18 @@
             <p:ph type="title"/>
           </p:nvPr>
         </p:nvSpPr>
-        <p:spPr>
-          <a:xfrm>
-            <a:off x="684212" y="207162"/>
-            <a:ext cx="8534400" cy="1507067"/>
-          </a:xfrm>
-        </p:spPr>
+        <p:spPr/>
         <p:txBody>
           <a:bodyPr/>
           <a:lstStyle/>
           <a:p>
             <a:r>
               <a:rPr lang="de-CH" dirty="0" smtClean="0"/>
-              <a:t>Ausblick</a:t>
+              <a:t>Google-</a:t>
+            </a:r>
+            <a:r>
+              <a:rPr lang="de-CH" dirty="0" err="1" smtClean="0"/>
+              <a:t>fu</a:t>
             </a:r>
             <a:endParaRPr lang="de-CH" dirty="0"/>
           </a:p>
@@ -12096,7 +12257,12 @@
             <p:ph idx="1"/>
           </p:nvPr>
         </p:nvSpPr>
-        <p:spPr/>
+        <p:spPr>
+          <a:xfrm>
+            <a:off x="252919" y="2684834"/>
+            <a:ext cx="4739022" cy="3835445"/>
+          </a:xfrm>
+        </p:spPr>
         <p:txBody>
           <a:bodyPr>
             <a:noAutofit/>
@@ -12104,29 +12270,392 @@
           <a:lstStyle/>
           <a:p>
             <a:r>
-              <a:rPr lang="de-CH" sz="2800" dirty="0" smtClean="0"/>
-              <a:t>Verdächtige Änderungen an Bilanzen</a:t>
+              <a:rPr lang="de-CH" sz="2000" dirty="0" smtClean="0"/>
+              <a:t>Site: rega.ch</a:t>
             </a:r>
           </a:p>
           <a:p>
-            <a:endParaRPr lang="de-CH" sz="2800" dirty="0"/>
+            <a:r>
+              <a:rPr lang="de-CH" sz="2000" dirty="0" smtClean="0"/>
+              <a:t>Jahresrechnung 2017</a:t>
+            </a:r>
+          </a:p>
+          <a:p>
+            <a:r>
+              <a:rPr lang="de-CH" sz="2000" dirty="0" err="1" smtClean="0"/>
+              <a:t>Pdf</a:t>
+            </a:r>
+            <a:endParaRPr lang="de-CH" sz="2000" dirty="0" smtClean="0"/>
+          </a:p>
+          <a:p>
+            <a:endParaRPr lang="de-CH" sz="2000" dirty="0"/>
+          </a:p>
+          <a:p>
+            <a:endParaRPr lang="de-CH" sz="2000" dirty="0" smtClean="0"/>
+          </a:p>
+          <a:p>
+            <a:endParaRPr lang="de-CH" sz="2000" dirty="0"/>
+          </a:p>
+          <a:p>
+            <a:pPr marL="0" indent="0">
+              <a:buNone/>
+            </a:pPr>
+            <a:r>
+              <a:rPr lang="de-CH" sz="2000" dirty="0" smtClean="0"/>
+              <a:t>*</a:t>
+            </a:r>
+            <a:r>
+              <a:rPr lang="en-US" sz="2000" b="1" dirty="0"/>
+              <a:t>Google</a:t>
+            </a:r>
+            <a:r>
+              <a:rPr lang="en-US" sz="2000" dirty="0"/>
+              <a:t>-</a:t>
+            </a:r>
+            <a:r>
+              <a:rPr lang="en-US" sz="2000" b="1" dirty="0" err="1"/>
+              <a:t>fu</a:t>
+            </a:r>
+            <a:r>
+              <a:rPr lang="en-US" sz="2000" dirty="0"/>
+              <a:t> is defined as "skill in using search engines (especially </a:t>
+            </a:r>
+            <a:r>
+              <a:rPr lang="en-US" sz="2000" b="1" dirty="0"/>
+              <a:t>Google</a:t>
+            </a:r>
+            <a:r>
+              <a:rPr lang="en-US" sz="2000" dirty="0"/>
+              <a:t>) to quickly find useful information on the Internet." </a:t>
+            </a:r>
+            <a:endParaRPr lang="de-CH" sz="2000" dirty="0"/>
+          </a:p>
+        </p:txBody>
+      </p:sp>
+      <p:pic>
+        <p:nvPicPr>
+          <p:cNvPr id="5" name="Grafik 4"/>
+          <p:cNvPicPr>
+            <a:picLocks noChangeAspect="1"/>
+          </p:cNvPicPr>
+          <p:nvPr/>
+        </p:nvPicPr>
+        <p:blipFill>
+          <a:blip r:embed="rId2"/>
+          <a:stretch>
+            <a:fillRect/>
+          </a:stretch>
+        </p:blipFill>
+        <p:spPr>
+          <a:xfrm>
+            <a:off x="5221105" y="673843"/>
+            <a:ext cx="6700547" cy="5583789"/>
+          </a:xfrm>
+          <a:prstGeom prst="rect">
+            <a:avLst/>
+          </a:prstGeom>
+        </p:spPr>
+      </p:pic>
+    </p:spTree>
+    <p:extLst>
+      <p:ext uri="{BB962C8B-B14F-4D97-AF65-F5344CB8AC3E}">
+        <p14:creationId xmlns:p14="http://schemas.microsoft.com/office/powerpoint/2010/main" val="705373380"/>
+      </p:ext>
+    </p:extLst>
+  </p:cSld>
+  <p:clrMapOvr>
+    <a:masterClrMapping/>
+  </p:clrMapOvr>
+</p:sld>
+</file>
+
+<file path=ppt/slides/slide6.xml><?xml version="1.0" encoding="utf-8"?>
+<p:sld xmlns:a="http://schemas.openxmlformats.org/drawingml/2006/main" xmlns:r="http://schemas.openxmlformats.org/officeDocument/2006/relationships" xmlns:p="http://schemas.openxmlformats.org/presentationml/2006/main">
+  <p:cSld>
+    <p:spTree>
+      <p:nvGrpSpPr>
+        <p:cNvPr id="1" name=""/>
+        <p:cNvGrpSpPr/>
+        <p:nvPr/>
+      </p:nvGrpSpPr>
+      <p:grpSpPr>
+        <a:xfrm>
+          <a:off x="0" y="0"/>
+          <a:ext cx="0" cy="0"/>
+          <a:chOff x="0" y="0"/>
+          <a:chExt cx="0" cy="0"/>
+        </a:xfrm>
+      </p:grpSpPr>
+      <p:pic>
+        <p:nvPicPr>
+          <p:cNvPr id="4" name="Grafik 3"/>
+          <p:cNvPicPr>
+            <a:picLocks noChangeAspect="1"/>
+          </p:cNvPicPr>
+          <p:nvPr/>
+        </p:nvPicPr>
+        <p:blipFill>
+          <a:blip r:embed="rId2"/>
+          <a:stretch>
+            <a:fillRect/>
+          </a:stretch>
+        </p:blipFill>
+        <p:spPr>
+          <a:xfrm>
+            <a:off x="286626" y="946724"/>
+            <a:ext cx="3526580" cy="4657416"/>
+          </a:xfrm>
+          <a:prstGeom prst="rect">
+            <a:avLst/>
+          </a:prstGeom>
+          <a:solidFill>
+            <a:srgbClr val="FFFFFF">
+              <a:shade val="85000"/>
+            </a:srgbClr>
+          </a:solidFill>
+          <a:ln w="88900" cap="sq">
+            <a:solidFill>
+              <a:srgbClr val="FFFFFF"/>
+            </a:solidFill>
+            <a:miter lim="800000"/>
+          </a:ln>
+          <a:effectLst>
+            <a:outerShdw blurRad="55000" dist="18000" dir="5400000" algn="tl" rotWithShape="0">
+              <a:srgbClr val="000000">
+                <a:alpha val="40000"/>
+              </a:srgbClr>
+            </a:outerShdw>
+          </a:effectLst>
+          <a:scene3d>
+            <a:camera prst="orthographicFront"/>
+            <a:lightRig rig="twoPt" dir="t">
+              <a:rot lat="0" lon="0" rev="7200000"/>
+            </a:lightRig>
+          </a:scene3d>
+          <a:sp3d>
+            <a:bevelT w="25400" h="19050"/>
+            <a:contourClr>
+              <a:srgbClr val="FFFFFF"/>
+            </a:contourClr>
+          </a:sp3d>
+        </p:spPr>
+      </p:pic>
+      <p:sp>
+        <p:nvSpPr>
+          <p:cNvPr id="5" name="Textfeld 4"/>
+          <p:cNvSpPr txBox="1"/>
+          <p:nvPr/>
+        </p:nvSpPr>
+        <p:spPr>
+          <a:xfrm>
+            <a:off x="686979" y="217948"/>
+            <a:ext cx="2395207" cy="461665"/>
+          </a:xfrm>
+          <a:prstGeom prst="rect">
+            <a:avLst/>
+          </a:prstGeom>
+          <a:noFill/>
+        </p:spPr>
+        <p:txBody>
+          <a:bodyPr wrap="none" rtlCol="0">
+            <a:spAutoFit/>
+          </a:bodyPr>
+          <a:lstStyle/>
+          <a:p>
+            <a:r>
+              <a:rPr lang="de-CH" sz="2400" dirty="0" smtClean="0"/>
+              <a:t>Samariterbund</a:t>
+            </a:r>
+            <a:endParaRPr lang="de-CH" sz="2400" dirty="0"/>
+          </a:p>
+        </p:txBody>
+      </p:sp>
+      <p:pic>
+        <p:nvPicPr>
+          <p:cNvPr id="7" name="Grafik 6"/>
+          <p:cNvPicPr>
+            <a:picLocks noChangeAspect="1"/>
+          </p:cNvPicPr>
+          <p:nvPr/>
+        </p:nvPicPr>
+        <p:blipFill>
+          <a:blip r:embed="rId3"/>
+          <a:stretch>
+            <a:fillRect/>
+          </a:stretch>
+        </p:blipFill>
+        <p:spPr>
+          <a:xfrm>
+            <a:off x="4123187" y="1174425"/>
+            <a:ext cx="3824010" cy="4642223"/>
+          </a:xfrm>
+          <a:prstGeom prst="rect">
+            <a:avLst/>
+          </a:prstGeom>
+          <a:solidFill>
+            <a:srgbClr val="FFFFFF">
+              <a:shade val="85000"/>
+            </a:srgbClr>
+          </a:solidFill>
+          <a:ln w="190500" cap="rnd">
+            <a:solidFill>
+              <a:srgbClr val="FFFFFF"/>
+            </a:solidFill>
+          </a:ln>
+          <a:effectLst>
+            <a:outerShdw blurRad="50000" algn="tl" rotWithShape="0">
+              <a:srgbClr val="000000">
+                <a:alpha val="41000"/>
+              </a:srgbClr>
+            </a:outerShdw>
+          </a:effectLst>
+          <a:scene3d>
+            <a:camera prst="orthographicFront"/>
+            <a:lightRig rig="twoPt" dir="t">
+              <a:rot lat="0" lon="0" rev="7800000"/>
+            </a:lightRig>
+          </a:scene3d>
+          <a:sp3d contourW="6350">
+            <a:bevelT w="50800" h="16510"/>
+            <a:contourClr>
+              <a:srgbClr val="C0C0C0"/>
+            </a:contourClr>
+          </a:sp3d>
+        </p:spPr>
+      </p:pic>
+      <p:pic>
+        <p:nvPicPr>
+          <p:cNvPr id="8" name="Grafik 7"/>
+          <p:cNvPicPr>
+            <a:picLocks noChangeAspect="1"/>
+          </p:cNvPicPr>
+          <p:nvPr/>
+        </p:nvPicPr>
+        <p:blipFill>
+          <a:blip r:embed="rId4"/>
+          <a:stretch>
+            <a:fillRect/>
+          </a:stretch>
+        </p:blipFill>
+        <p:spPr>
+          <a:xfrm>
+            <a:off x="8336604" y="1293378"/>
+            <a:ext cx="3399412" cy="4608599"/>
+          </a:xfrm>
+          <a:prstGeom prst="rect">
+            <a:avLst/>
+          </a:prstGeom>
+          <a:solidFill>
+            <a:srgbClr val="FFFFFF">
+              <a:shade val="85000"/>
+            </a:srgbClr>
+          </a:solidFill>
+          <a:ln w="190500" cap="rnd">
+            <a:solidFill>
+              <a:srgbClr val="FFFFFF"/>
+            </a:solidFill>
+          </a:ln>
+          <a:effectLst>
+            <a:outerShdw blurRad="50000" algn="tl" rotWithShape="0">
+              <a:srgbClr val="000000">
+                <a:alpha val="41000"/>
+              </a:srgbClr>
+            </a:outerShdw>
+          </a:effectLst>
+          <a:scene3d>
+            <a:camera prst="orthographicFront"/>
+            <a:lightRig rig="twoPt" dir="t">
+              <a:rot lat="0" lon="0" rev="7800000"/>
+            </a:lightRig>
+          </a:scene3d>
+          <a:sp3d contourW="6350">
+            <a:bevelT w="50800" h="16510"/>
+            <a:contourClr>
+              <a:srgbClr val="C0C0C0"/>
+            </a:contourClr>
+          </a:sp3d>
+        </p:spPr>
+      </p:pic>
+      <p:sp>
+        <p:nvSpPr>
+          <p:cNvPr id="9" name="Textfeld 8"/>
+          <p:cNvSpPr txBox="1"/>
+          <p:nvPr/>
+        </p:nvSpPr>
+        <p:spPr>
+          <a:xfrm>
+            <a:off x="5450510" y="485059"/>
+            <a:ext cx="1032655" cy="461665"/>
+          </a:xfrm>
+          <a:prstGeom prst="rect">
+            <a:avLst/>
+          </a:prstGeom>
+          <a:noFill/>
+        </p:spPr>
+        <p:txBody>
+          <a:bodyPr wrap="none" rtlCol="0">
+            <a:spAutoFit/>
+          </a:bodyPr>
+          <a:lstStyle/>
+          <a:p>
+            <a:r>
+              <a:rPr lang="de-CH" sz="2400" dirty="0" smtClean="0"/>
+              <a:t>REGA</a:t>
+            </a:r>
+            <a:endParaRPr lang="de-CH" sz="2400" dirty="0"/>
           </a:p>
         </p:txBody>
       </p:sp>
       <p:sp>
         <p:nvSpPr>
-          <p:cNvPr id="4" name="Pfeil nach rechts 3"/>
+          <p:cNvPr id="10" name="Textfeld 9"/>
+          <p:cNvSpPr txBox="1"/>
+          <p:nvPr/>
+        </p:nvSpPr>
+        <p:spPr>
+          <a:xfrm>
+            <a:off x="8958130" y="586801"/>
+            <a:ext cx="2156360" cy="461665"/>
+          </a:xfrm>
+          <a:prstGeom prst="rect">
+            <a:avLst/>
+          </a:prstGeom>
+          <a:noFill/>
+        </p:spPr>
+        <p:txBody>
+          <a:bodyPr wrap="none" rtlCol="0">
+            <a:spAutoFit/>
+          </a:bodyPr>
+          <a:lstStyle/>
+          <a:p>
+            <a:r>
+              <a:rPr lang="de-CH" sz="2400" dirty="0" smtClean="0"/>
+              <a:t>Pfarrer Sieber</a:t>
+            </a:r>
+            <a:endParaRPr lang="de-CH" sz="2400" dirty="0"/>
+          </a:p>
+        </p:txBody>
+      </p:sp>
+      <p:sp>
+        <p:nvSpPr>
+          <p:cNvPr id="12" name="Rechteck 11"/>
           <p:cNvSpPr/>
           <p:nvPr/>
         </p:nvSpPr>
         <p:spPr>
           <a:xfrm>
-            <a:off x="5749047" y="4002700"/>
-            <a:ext cx="978408" cy="484632"/>
+            <a:off x="2270990" y="2762655"/>
+            <a:ext cx="1152809" cy="181584"/>
           </a:xfrm>
-          <a:prstGeom prst="rightArrow">
+          <a:prstGeom prst="rect">
             <a:avLst/>
           </a:prstGeom>
+          <a:noFill/>
+          <a:ln w="57150">
+            <a:solidFill>
+              <a:srgbClr val="FF0000"/>
+            </a:solidFill>
+          </a:ln>
         </p:spPr>
         <p:style>
           <a:lnRef idx="2">
@@ -12153,6 +12682,404 @@
           </a:p>
         </p:txBody>
       </p:sp>
+      <p:sp>
+        <p:nvSpPr>
+          <p:cNvPr id="13" name="Rechteck 12"/>
+          <p:cNvSpPr/>
+          <p:nvPr/>
+        </p:nvSpPr>
+        <p:spPr>
+          <a:xfrm>
+            <a:off x="4197407" y="3111294"/>
+            <a:ext cx="2506207" cy="204281"/>
+          </a:xfrm>
+          <a:prstGeom prst="rect">
+            <a:avLst/>
+          </a:prstGeom>
+          <a:noFill/>
+          <a:ln w="57150">
+            <a:solidFill>
+              <a:srgbClr val="FF0000"/>
+            </a:solidFill>
+          </a:ln>
+        </p:spPr>
+        <p:style>
+          <a:lnRef idx="2">
+            <a:schemeClr val="accent1">
+              <a:shade val="50000"/>
+            </a:schemeClr>
+          </a:lnRef>
+          <a:fillRef idx="1">
+            <a:schemeClr val="accent1"/>
+          </a:fillRef>
+          <a:effectRef idx="0">
+            <a:schemeClr val="accent1"/>
+          </a:effectRef>
+          <a:fontRef idx="minor">
+            <a:schemeClr val="lt1"/>
+          </a:fontRef>
+        </p:style>
+        <p:txBody>
+          <a:bodyPr rtlCol="0" anchor="ctr"/>
+          <a:lstStyle/>
+          <a:p>
+            <a:pPr algn="ctr"/>
+            <a:endParaRPr lang="de-CH"/>
+          </a:p>
+        </p:txBody>
+      </p:sp>
+      <p:sp>
+        <p:nvSpPr>
+          <p:cNvPr id="14" name="Rechteck 13"/>
+          <p:cNvSpPr/>
+          <p:nvPr/>
+        </p:nvSpPr>
+        <p:spPr>
+          <a:xfrm>
+            <a:off x="8506347" y="4318768"/>
+            <a:ext cx="2392794" cy="204281"/>
+          </a:xfrm>
+          <a:prstGeom prst="rect">
+            <a:avLst/>
+          </a:prstGeom>
+          <a:noFill/>
+          <a:ln w="57150">
+            <a:solidFill>
+              <a:srgbClr val="FF0000"/>
+            </a:solidFill>
+          </a:ln>
+        </p:spPr>
+        <p:style>
+          <a:lnRef idx="2">
+            <a:schemeClr val="accent1">
+              <a:shade val="50000"/>
+            </a:schemeClr>
+          </a:lnRef>
+          <a:fillRef idx="1">
+            <a:schemeClr val="accent1"/>
+          </a:fillRef>
+          <a:effectRef idx="0">
+            <a:schemeClr val="accent1"/>
+          </a:effectRef>
+          <a:fontRef idx="minor">
+            <a:schemeClr val="lt1"/>
+          </a:fontRef>
+        </p:style>
+        <p:txBody>
+          <a:bodyPr rtlCol="0" anchor="ctr"/>
+          <a:lstStyle/>
+          <a:p>
+            <a:pPr algn="ctr"/>
+            <a:endParaRPr lang="de-CH"/>
+          </a:p>
+        </p:txBody>
+      </p:sp>
+      <p:sp>
+        <p:nvSpPr>
+          <p:cNvPr id="15" name="Textfeld 14"/>
+          <p:cNvSpPr txBox="1"/>
+          <p:nvPr/>
+        </p:nvSpPr>
+        <p:spPr>
+          <a:xfrm>
+            <a:off x="799189" y="5773624"/>
+            <a:ext cx="2282997" cy="461665"/>
+          </a:xfrm>
+          <a:prstGeom prst="rect">
+            <a:avLst/>
+          </a:prstGeom>
+          <a:noFill/>
+        </p:spPr>
+        <p:txBody>
+          <a:bodyPr wrap="none" rtlCol="0">
+            <a:spAutoFit/>
+          </a:bodyPr>
+          <a:lstStyle/>
+          <a:p>
+            <a:r>
+              <a:rPr lang="de-CH" sz="2400" dirty="0" smtClean="0"/>
+              <a:t>9’217’000 CHF</a:t>
+            </a:r>
+            <a:endParaRPr lang="de-CH" sz="2400" dirty="0"/>
+          </a:p>
+        </p:txBody>
+      </p:sp>
+      <p:sp>
+        <p:nvSpPr>
+          <p:cNvPr id="16" name="Textfeld 15"/>
+          <p:cNvSpPr txBox="1"/>
+          <p:nvPr/>
+        </p:nvSpPr>
+        <p:spPr>
+          <a:xfrm>
+            <a:off x="4738234" y="6024753"/>
+            <a:ext cx="2622834" cy="461665"/>
+          </a:xfrm>
+          <a:prstGeom prst="rect">
+            <a:avLst/>
+          </a:prstGeom>
+          <a:noFill/>
+        </p:spPr>
+        <p:txBody>
+          <a:bodyPr wrap="none" rtlCol="0">
+            <a:spAutoFit/>
+          </a:bodyPr>
+          <a:lstStyle/>
+          <a:p>
+            <a:r>
+              <a:rPr lang="de-CH" sz="2400" dirty="0" smtClean="0"/>
+              <a:t>564’392’000 CHF</a:t>
+            </a:r>
+            <a:endParaRPr lang="de-CH" sz="2400" dirty="0"/>
+          </a:p>
+        </p:txBody>
+      </p:sp>
+      <p:sp>
+        <p:nvSpPr>
+          <p:cNvPr id="17" name="Textfeld 16"/>
+          <p:cNvSpPr txBox="1"/>
+          <p:nvPr/>
+        </p:nvSpPr>
+        <p:spPr>
+          <a:xfrm>
+            <a:off x="8809852" y="6125503"/>
+            <a:ext cx="2452916" cy="461665"/>
+          </a:xfrm>
+          <a:prstGeom prst="rect">
+            <a:avLst/>
+          </a:prstGeom>
+          <a:noFill/>
+        </p:spPr>
+        <p:txBody>
+          <a:bodyPr wrap="none" rtlCol="0">
+            <a:spAutoFit/>
+          </a:bodyPr>
+          <a:lstStyle/>
+          <a:p>
+            <a:r>
+              <a:rPr lang="de-CH" sz="2400" dirty="0" smtClean="0"/>
+              <a:t>24’884’183 CHF</a:t>
+            </a:r>
+            <a:endParaRPr lang="de-CH" sz="2400" dirty="0"/>
+          </a:p>
+        </p:txBody>
+      </p:sp>
+    </p:spTree>
+    <p:extLst>
+      <p:ext uri="{BB962C8B-B14F-4D97-AF65-F5344CB8AC3E}">
+        <p14:creationId xmlns:p14="http://schemas.microsoft.com/office/powerpoint/2010/main" val="2951588540"/>
+      </p:ext>
+    </p:extLst>
+  </p:cSld>
+  <p:clrMapOvr>
+    <a:masterClrMapping/>
+  </p:clrMapOvr>
+</p:sld>
+</file>
+
+<file path=ppt/slides/slide7.xml><?xml version="1.0" encoding="utf-8"?>
+<p:sld xmlns:a="http://schemas.openxmlformats.org/drawingml/2006/main" xmlns:r="http://schemas.openxmlformats.org/officeDocument/2006/relationships" xmlns:p="http://schemas.openxmlformats.org/presentationml/2006/main">
+  <p:cSld>
+    <p:spTree>
+      <p:nvGrpSpPr>
+        <p:cNvPr id="1" name=""/>
+        <p:cNvGrpSpPr/>
+        <p:nvPr/>
+      </p:nvGrpSpPr>
+      <p:grpSpPr>
+        <a:xfrm>
+          <a:off x="0" y="0"/>
+          <a:ext cx="0" cy="0"/>
+          <a:chOff x="0" y="0"/>
+          <a:chExt cx="0" cy="0"/>
+        </a:xfrm>
+      </p:grpSpPr>
+      <p:sp>
+        <p:nvSpPr>
+          <p:cNvPr id="2" name="Titel 1"/>
+          <p:cNvSpPr>
+            <a:spLocks noGrp="1"/>
+          </p:cNvSpPr>
+          <p:nvPr>
+            <p:ph type="title"/>
+          </p:nvPr>
+        </p:nvSpPr>
+        <p:spPr/>
+        <p:txBody>
+          <a:bodyPr/>
+          <a:lstStyle/>
+          <a:p>
+            <a:r>
+              <a:rPr lang="de-CH" dirty="0" smtClean="0"/>
+              <a:t>Demo</a:t>
+            </a:r>
+            <a:endParaRPr lang="de-CH" dirty="0"/>
+          </a:p>
+        </p:txBody>
+      </p:sp>
+      <p:sp>
+        <p:nvSpPr>
+          <p:cNvPr id="3" name="Inhaltsplatzhalter 2"/>
+          <p:cNvSpPr>
+            <a:spLocks noGrp="1"/>
+          </p:cNvSpPr>
+          <p:nvPr>
+            <p:ph idx="1"/>
+          </p:nvPr>
+        </p:nvSpPr>
+        <p:spPr/>
+        <p:txBody>
+          <a:bodyPr/>
+          <a:lstStyle/>
+          <a:p>
+            <a:endParaRPr lang="de-CH" dirty="0"/>
+          </a:p>
+        </p:txBody>
+      </p:sp>
+      <p:sp>
+        <p:nvSpPr>
+          <p:cNvPr id="4" name="Stern mit 12 Zacken 3"/>
+          <p:cNvSpPr/>
+          <p:nvPr/>
+        </p:nvSpPr>
+        <p:spPr>
+          <a:xfrm>
+            <a:off x="8599251" y="767184"/>
+            <a:ext cx="2587557" cy="2480553"/>
+          </a:xfrm>
+          <a:prstGeom prst="star12">
+            <a:avLst/>
+          </a:prstGeom>
+        </p:spPr>
+        <p:style>
+          <a:lnRef idx="2">
+            <a:schemeClr val="accent4">
+              <a:shade val="50000"/>
+            </a:schemeClr>
+          </a:lnRef>
+          <a:fillRef idx="1">
+            <a:schemeClr val="accent4"/>
+          </a:fillRef>
+          <a:effectRef idx="0">
+            <a:schemeClr val="accent4"/>
+          </a:effectRef>
+          <a:fontRef idx="minor">
+            <a:schemeClr val="lt1"/>
+          </a:fontRef>
+        </p:style>
+        <p:txBody>
+          <a:bodyPr rtlCol="0" anchor="ctr"/>
+          <a:lstStyle/>
+          <a:p>
+            <a:pPr algn="ctr"/>
+            <a:r>
+              <a:rPr lang="de-CH" b="1" dirty="0" smtClean="0"/>
+              <a:t>FREE DEMO!</a:t>
+            </a:r>
+            <a:endParaRPr lang="de-CH" b="1" dirty="0"/>
+          </a:p>
+        </p:txBody>
+      </p:sp>
+    </p:spTree>
+    <p:extLst>
+      <p:ext uri="{BB962C8B-B14F-4D97-AF65-F5344CB8AC3E}">
+        <p14:creationId xmlns:p14="http://schemas.microsoft.com/office/powerpoint/2010/main" val="2506756208"/>
+      </p:ext>
+    </p:extLst>
+  </p:cSld>
+  <p:clrMapOvr>
+    <a:masterClrMapping/>
+  </p:clrMapOvr>
+</p:sld>
+</file>
+
+<file path=ppt/slides/slide8.xml><?xml version="1.0" encoding="utf-8"?>
+<p:sld xmlns:a="http://schemas.openxmlformats.org/drawingml/2006/main" xmlns:r="http://schemas.openxmlformats.org/officeDocument/2006/relationships" xmlns:p="http://schemas.openxmlformats.org/presentationml/2006/main">
+  <p:cSld>
+    <p:spTree>
+      <p:nvGrpSpPr>
+        <p:cNvPr id="1" name=""/>
+        <p:cNvGrpSpPr/>
+        <p:nvPr/>
+      </p:nvGrpSpPr>
+      <p:grpSpPr>
+        <a:xfrm>
+          <a:off x="0" y="0"/>
+          <a:ext cx="0" cy="0"/>
+          <a:chOff x="0" y="0"/>
+          <a:chExt cx="0" cy="0"/>
+        </a:xfrm>
+      </p:grpSpPr>
+      <p:sp>
+        <p:nvSpPr>
+          <p:cNvPr id="2" name="Titel 1"/>
+          <p:cNvSpPr>
+            <a:spLocks noGrp="1"/>
+          </p:cNvSpPr>
+          <p:nvPr>
+            <p:ph type="title"/>
+          </p:nvPr>
+        </p:nvSpPr>
+        <p:spPr>
+          <a:xfrm>
+            <a:off x="684212" y="207162"/>
+            <a:ext cx="8534400" cy="1507067"/>
+          </a:xfrm>
+        </p:spPr>
+        <p:txBody>
+          <a:bodyPr/>
+          <a:lstStyle/>
+          <a:p>
+            <a:r>
+              <a:rPr lang="de-CH" dirty="0" smtClean="0"/>
+              <a:t>Ausblick</a:t>
+            </a:r>
+            <a:endParaRPr lang="de-CH" dirty="0"/>
+          </a:p>
+        </p:txBody>
+      </p:sp>
+      <p:sp>
+        <p:nvSpPr>
+          <p:cNvPr id="3" name="Inhaltsplatzhalter 2"/>
+          <p:cNvSpPr>
+            <a:spLocks noGrp="1"/>
+          </p:cNvSpPr>
+          <p:nvPr>
+            <p:ph idx="1"/>
+          </p:nvPr>
+        </p:nvSpPr>
+        <p:spPr/>
+        <p:txBody>
+          <a:bodyPr>
+            <a:noAutofit/>
+          </a:bodyPr>
+          <a:lstStyle/>
+          <a:p>
+            <a:endParaRPr lang="de-CH" sz="2800" dirty="0" smtClean="0"/>
+          </a:p>
+          <a:p>
+            <a:r>
+              <a:rPr lang="de-CH" sz="2800" dirty="0" smtClean="0"/>
+              <a:t>Verbesserte Erkennung von Bilanz- und Erfolgsrechnungsdaten</a:t>
+            </a:r>
+          </a:p>
+          <a:p>
+            <a:r>
+              <a:rPr lang="de-CH" sz="2800" dirty="0" smtClean="0"/>
+              <a:t>Oder Standardisierung Jahresrechnungsdaten</a:t>
+            </a:r>
+          </a:p>
+          <a:p>
+            <a:r>
+              <a:rPr lang="de-CH" sz="2800" dirty="0" smtClean="0"/>
+              <a:t>Vergleiche zwischen Geschäftsjahren</a:t>
+            </a:r>
+          </a:p>
+          <a:p>
+            <a:endParaRPr lang="de-CH" sz="2800" dirty="0"/>
+          </a:p>
+        </p:txBody>
+      </p:sp>
     </p:spTree>
     <p:extLst>
       <p:ext uri="{BB962C8B-B14F-4D97-AF65-F5344CB8AC3E}">
@@ -12167,9 +13094,9 @@
 </file>
 
 <file path=ppt/theme/theme1.xml><?xml version="1.0" encoding="utf-8"?>
-<a:theme xmlns:a="http://schemas.openxmlformats.org/drawingml/2006/main" name="Segment">
+<a:theme xmlns:a="http://schemas.openxmlformats.org/drawingml/2006/main" name="Zitierfähig">
   <a:themeElements>
-    <a:clrScheme name="Slice">
+    <a:clrScheme name="Zitierfähig">
       <a:dk1>
         <a:sysClr val="windowText" lastClr="000000"/>
       </a:dk1>
@@ -12177,45 +13104,45 @@
         <a:sysClr val="window" lastClr="FFFFFF"/>
       </a:lt1>
       <a:dk2>
-        <a:srgbClr val="146194"/>
+        <a:srgbClr val="212121"/>
       </a:dk2>
       <a:lt2>
-        <a:srgbClr val="76DBF4"/>
+        <a:srgbClr val="636363"/>
       </a:lt2>
       <a:accent1>
-        <a:srgbClr val="052F61"/>
+        <a:srgbClr val="00C6BB"/>
       </a:accent1>
       <a:accent2>
-        <a:srgbClr val="A50E82"/>
+        <a:srgbClr val="6FEBA0"/>
       </a:accent2>
       <a:accent3>
-        <a:srgbClr val="14967C"/>
+        <a:srgbClr val="B6DF5E"/>
       </a:accent3>
       <a:accent4>
-        <a:srgbClr val="6A9E1F"/>
+        <a:srgbClr val="EFB251"/>
       </a:accent4>
       <a:accent5>
-        <a:srgbClr val="E87D37"/>
+        <a:srgbClr val="EF755F"/>
       </a:accent5>
       <a:accent6>
-        <a:srgbClr val="C62324"/>
+        <a:srgbClr val="ED515C"/>
       </a:accent6>
       <a:hlink>
-        <a:srgbClr val="0D2E46"/>
+        <a:srgbClr val="8F8F8F"/>
       </a:hlink>
       <a:folHlink>
-        <a:srgbClr val="356A95"/>
+        <a:srgbClr val="A5A5A5"/>
       </a:folHlink>
     </a:clrScheme>
-    <a:fontScheme name="Slice">
+    <a:fontScheme name="Zitierfähig">
       <a:majorFont>
         <a:latin typeface="Century Gothic" panose="020B0502020202020204"/>
         <a:ea typeface=""/>
         <a:cs typeface=""/>
-        <a:font script="Jpan" typeface="メイリオ"/>
-        <a:font script="Hang" typeface="HY중고딕"/>
-        <a:font script="Hans" typeface="幼圆"/>
-        <a:font script="Hant" typeface="微軟正黑體"/>
+        <a:font script="Jpan" typeface="ＭＳ ゴシック"/>
+        <a:font script="Hang" typeface="맑은 고딕"/>
+        <a:font script="Hans" typeface="宋体"/>
+        <a:font script="Hant" typeface="新細明體"/>
         <a:font script="Arab" typeface="Tahoma"/>
         <a:font script="Hebr" typeface="Gisha"/>
         <a:font script="Thai" typeface="DilleniaUPC"/>
@@ -12247,10 +13174,10 @@
         <a:latin typeface="Century Gothic" panose="020B0502020202020204"/>
         <a:ea typeface=""/>
         <a:cs typeface=""/>
-        <a:font script="Jpan" typeface="メイリオ"/>
-        <a:font script="Hang" typeface="HY중고딕"/>
-        <a:font script="Hans" typeface="幼圆"/>
-        <a:font script="Hant" typeface="微軟正黑體"/>
+        <a:font script="Jpan" typeface="ＭＳ ゴシック"/>
+        <a:font script="Hang" typeface="맑은 고딕"/>
+        <a:font script="Hans" typeface="宋体"/>
+        <a:font script="Hant" typeface="新細明體"/>
         <a:font script="Arab" typeface="Tahoma"/>
         <a:font script="Hebr" typeface="Gisha"/>
         <a:font script="Thai" typeface="DilleniaUPC"/>
@@ -12274,12 +13201,12 @@
         <a:font script="Laoo" typeface="DokChampa"/>
         <a:font script="Sinh" typeface="Iskoola Pota"/>
         <a:font script="Mong" typeface="Mongolian Baiti"/>
-        <a:font script="Viet" typeface="Tahoma"/>
+        <a:font script="Viet" typeface="Verdana"/>
         <a:font script="Uigh" typeface="Microsoft Uighur"/>
         <a:font script="Geor" typeface="Sylfaen"/>
       </a:minorFont>
     </a:fontScheme>
-    <a:fmtScheme name="Slice">
+    <a:fmtScheme name="Office">
       <a:fillStyleLst>
         <a:solidFill>
           <a:schemeClr val="phClr"/>
@@ -12288,16 +13215,23 @@
           <a:gsLst>
             <a:gs pos="0">
               <a:schemeClr val="phClr">
-                <a:tint val="62000"/>
-                <a:hueMod val="94000"/>
-                <a:satMod val="140000"/>
                 <a:lumMod val="110000"/>
+                <a:satMod val="105000"/>
+                <a:tint val="67000"/>
+              </a:schemeClr>
+            </a:gs>
+            <a:gs pos="50000">
+              <a:schemeClr val="phClr">
+                <a:lumMod val="105000"/>
+                <a:satMod val="103000"/>
+                <a:tint val="73000"/>
               </a:schemeClr>
             </a:gs>
             <a:gs pos="100000">
               <a:schemeClr val="phClr">
-                <a:tint val="84000"/>
-                <a:satMod val="160000"/>
+                <a:lumMod val="105000"/>
+                <a:satMod val="109000"/>
+                <a:tint val="81000"/>
               </a:schemeClr>
             </a:gs>
           </a:gsLst>
@@ -12307,16 +13241,23 @@
           <a:gsLst>
             <a:gs pos="0">
               <a:schemeClr val="phClr">
-                <a:tint val="98000"/>
-                <a:hueMod val="94000"/>
-                <a:satMod val="130000"/>
-                <a:lumMod val="128000"/>
+                <a:satMod val="103000"/>
+                <a:lumMod val="102000"/>
+                <a:tint val="94000"/>
+              </a:schemeClr>
+            </a:gs>
+            <a:gs pos="50000">
+              <a:schemeClr val="phClr">
+                <a:satMod val="110000"/>
+                <a:lumMod val="100000"/>
+                <a:shade val="100000"/>
               </a:schemeClr>
             </a:gs>
             <a:gs pos="100000">
               <a:schemeClr val="phClr">
-                <a:shade val="94000"/>
-                <a:lumMod val="88000"/>
+                <a:lumMod val="99000"/>
+                <a:satMod val="120000"/>
+                <a:shade val="78000"/>
               </a:schemeClr>
             </a:gs>
           </a:gsLst>
@@ -12324,29 +13265,26 @@
         </a:gradFill>
       </a:fillStyleLst>
       <a:lnStyleLst>
-        <a:ln w="9525" cap="rnd" cmpd="sng" algn="ctr">
-          <a:solidFill>
-            <a:schemeClr val="phClr">
-              <a:tint val="76000"/>
-              <a:alpha val="60000"/>
-              <a:hueMod val="94000"/>
-            </a:schemeClr>
-          </a:solidFill>
-          <a:prstDash val="solid"/>
-        </a:ln>
-        <a:ln w="15875" cap="rnd" cmpd="sng" algn="ctr">
-          <a:solidFill>
-            <a:schemeClr val="phClr">
-              <a:hueMod val="94000"/>
-            </a:schemeClr>
-          </a:solidFill>
-          <a:prstDash val="solid"/>
-        </a:ln>
-        <a:ln w="28575" cap="rnd" cmpd="sng" algn="ctr">
+        <a:ln w="6350" cap="flat" cmpd="sng" algn="ctr">
           <a:solidFill>
             <a:schemeClr val="phClr"/>
           </a:solidFill>
           <a:prstDash val="solid"/>
+          <a:miter lim="800000"/>
+        </a:ln>
+        <a:ln w="12700" cap="flat" cmpd="sng" algn="ctr">
+          <a:solidFill>
+            <a:schemeClr val="phClr"/>
+          </a:solidFill>
+          <a:prstDash val="solid"/>
+          <a:miter lim="800000"/>
+        </a:ln>
+        <a:ln w="19050" cap="flat" cmpd="sng" algn="ctr">
+          <a:solidFill>
+            <a:schemeClr val="phClr"/>
+          </a:solidFill>
+          <a:prstDash val="solid"/>
+          <a:miter lim="800000"/>
         </a:ln>
       </a:lnStyleLst>
       <a:effectStyleLst>
@@ -12354,31 +13292,16 @@
           <a:effectLst/>
         </a:effectStyle>
         <a:effectStyle>
-          <a:effectLst>
-            <a:innerShdw blurRad="25400" dist="12700" dir="13500000">
-              <a:srgbClr val="000000">
-                <a:alpha val="45000"/>
-              </a:srgbClr>
-            </a:innerShdw>
-          </a:effectLst>
+          <a:effectLst/>
         </a:effectStyle>
         <a:effectStyle>
           <a:effectLst>
-            <a:outerShdw blurRad="50800" dist="38100" dir="5400000" rotWithShape="0">
+            <a:outerShdw blurRad="57150" dist="19050" dir="5400000" algn="ctr" rotWithShape="0">
               <a:srgbClr val="000000">
-                <a:alpha val="46000"/>
+                <a:alpha val="63000"/>
               </a:srgbClr>
             </a:outerShdw>
           </a:effectLst>
-          <a:scene3d>
-            <a:camera prst="orthographicFront">
-              <a:rot lat="0" lon="0" rev="0"/>
-            </a:camera>
-            <a:lightRig rig="threePt" dir="t"/>
-          </a:scene3d>
-          <a:sp3d prstMaterial="plastic">
-            <a:bevelT w="25400" h="25400"/>
-          </a:sp3d>
         </a:effectStyle>
       </a:effectStyleLst>
       <a:bgFillStyleLst>
@@ -12387,45 +13310,36 @@
         </a:solidFill>
         <a:gradFill rotWithShape="1">
           <a:gsLst>
-            <a:gs pos="10000">
+            <a:gs pos="0">
               <a:schemeClr val="phClr">
-                <a:tint val="97000"/>
-                <a:hueMod val="92000"/>
-                <a:satMod val="169000"/>
-                <a:lumMod val="164000"/>
+                <a:tint val="100000"/>
               </a:schemeClr>
             </a:gs>
             <a:gs pos="100000">
               <a:schemeClr val="phClr">
-                <a:shade val="96000"/>
-                <a:satMod val="120000"/>
+                <a:tint val="84000"/>
+                <a:shade val="84000"/>
                 <a:lumMod val="90000"/>
               </a:schemeClr>
             </a:gs>
           </a:gsLst>
-          <a:lin ang="6120000" scaled="1"/>
+          <a:lin ang="5400000" scaled="0"/>
         </a:gradFill>
         <a:gradFill rotWithShape="1">
           <a:gsLst>
             <a:gs pos="0">
               <a:schemeClr val="phClr">
-                <a:tint val="97000"/>
-                <a:hueMod val="92000"/>
-                <a:satMod val="169000"/>
-                <a:lumMod val="164000"/>
-              </a:schemeClr>
-            </a:gs>
-            <a:gs pos="100000">
-              <a:schemeClr val="phClr">
-                <a:shade val="96000"/>
+                <a:tint val="84000"/>
+                <a:shade val="90000"/>
                 <a:satMod val="120000"/>
                 <a:lumMod val="90000"/>
               </a:schemeClr>
             </a:gs>
+            <a:gs pos="100000">
+              <a:schemeClr val="phClr"/>
+            </a:gs>
           </a:gsLst>
-          <a:path path="circle">
-            <a:fillToRect b="100000"/>
-          </a:path>
+          <a:lin ang="5400000" scaled="0"/>
         </a:gradFill>
       </a:bgFillStyleLst>
     </a:fmtScheme>
@@ -12434,7 +13348,7 @@
   <a:extraClrSchemeLst/>
   <a:extLst>
     <a:ext uri="{05A4C25C-085E-4340-85A3-A5531E510DB2}">
-      <thm15:themeFamily xmlns:thm15="http://schemas.microsoft.com/office/thememl/2012/main" name="Slice" id="{0507925B-6AC9-4358-8E18-C330545D08F8}" vid="{13FEC7C6-62A9-40C4-99D2-581AACACAA2F}"/>
+      <thm15:themeFamily xmlns:thm15="http://schemas.microsoft.com/office/thememl/2012/main" name="Quotable" id="{39EC5628-30ED-4578-ACD8-9820EDB8E15A}" vid="{6F3559E9-1A4C-49D8-94D4-F41003531C49}"/>
     </a:ext>
   </a:extLst>
 </a:theme>

--- a/Foundation Tracker.pptx
+++ b/Foundation Tracker.pptx
@@ -11427,15 +11427,13 @@
       <p:cxnSp>
         <p:nvCxnSpPr>
           <p:cNvPr id="19" name="Gerader Verbinder 18"/>
-          <p:cNvCxnSpPr>
-            <a:endCxn id="21" idx="2"/>
-          </p:cNvCxnSpPr>
+          <p:cNvCxnSpPr/>
           <p:nvPr/>
         </p:nvCxnSpPr>
         <p:spPr>
           <a:xfrm>
             <a:off x="4912468" y="4801959"/>
-            <a:ext cx="1396884" cy="582913"/>
+            <a:ext cx="1511481" cy="582913"/>
           </a:xfrm>
           <a:prstGeom prst="line">
             <a:avLst/>
@@ -11496,9 +11494,9 @@
           <p:nvPr/>
         </p:nvCxnSpPr>
         <p:spPr>
-          <a:xfrm flipV="1">
-            <a:off x="7278246" y="2885852"/>
-            <a:ext cx="1612835" cy="13583"/>
+          <a:xfrm>
+            <a:off x="7278246" y="2899436"/>
+            <a:ext cx="1587962" cy="653624"/>
           </a:xfrm>
           <a:prstGeom prst="line">
             <a:avLst/>
@@ -11531,7 +11529,7 @@
         <p:spPr>
           <a:xfrm>
             <a:off x="6988359" y="5384872"/>
-            <a:ext cx="1630347" cy="0"/>
+            <a:ext cx="1670009" cy="610814"/>
           </a:xfrm>
           <a:prstGeom prst="line">
             <a:avLst/>
@@ -11561,7 +11559,7 @@
         </p:nvSpPr>
         <p:spPr>
           <a:xfrm>
-            <a:off x="8374507" y="6191663"/>
+            <a:off x="8462056" y="4247679"/>
             <a:ext cx="1558440" cy="369332"/>
           </a:xfrm>
           <a:prstGeom prst="rect">
@@ -11641,10 +11639,6 @@
           </a:p>
           <a:p>
             <a:pPr algn="ctr"/>
-            <a:endParaRPr lang="de-CH" dirty="0"/>
-          </a:p>
-          <a:p>
-            <a:pPr algn="ctr"/>
             <a:r>
               <a:rPr lang="de-CH" b="1" dirty="0" smtClean="0"/>
               <a:t>Samariterbund</a:t>
@@ -11720,10 +11714,6 @@
           </a:p>
           <a:p>
             <a:pPr algn="ctr"/>
-            <a:endParaRPr lang="de-CH" dirty="0" smtClean="0"/>
-          </a:p>
-          <a:p>
-            <a:pPr algn="ctr"/>
             <a:r>
               <a:rPr lang="de-CH" b="1" dirty="0" smtClean="0"/>
               <a:t>Pro </a:t>
@@ -11731,17 +11721,6 @@
             <a:r>
               <a:rPr lang="de-CH" b="1" dirty="0" err="1" smtClean="0"/>
               <a:t>Juventute</a:t>
-            </a:r>
-            <a:r>
-              <a:rPr lang="de-CH" b="1" dirty="0" smtClean="0"/>
-              <a:t/>
-            </a:r>
-            <a:br>
-              <a:rPr lang="de-CH" b="1" dirty="0" smtClean="0"/>
-            </a:br>
-            <a:r>
-              <a:rPr lang="de-CH" b="1" dirty="0" smtClean="0"/>
-              <a:t>Bilanz: 39 MIO</a:t>
             </a:r>
             <a:endParaRPr lang="de-CH" b="1" dirty="0"/>
           </a:p>
@@ -11945,7 +11924,7 @@
         </p:nvSpPr>
         <p:spPr>
           <a:xfrm>
-            <a:off x="8618706" y="5032118"/>
+            <a:off x="8618706" y="5641485"/>
             <a:ext cx="1245140" cy="680936"/>
           </a:xfrm>
           <a:prstGeom prst="roundRect">
@@ -12016,7 +11995,7 @@
         </p:nvSpPr>
         <p:spPr>
           <a:xfrm>
-            <a:off x="8618706" y="2543942"/>
+            <a:off x="8623746" y="3135930"/>
             <a:ext cx="1245140" cy="680936"/>
           </a:xfrm>
           <a:prstGeom prst="roundRect">
@@ -12049,6 +12028,156 @@
               <a:t>P4</a:t>
             </a:r>
             <a:endParaRPr lang="de-CH" dirty="0"/>
+          </a:p>
+        </p:txBody>
+      </p:sp>
+      <p:sp>
+        <p:nvSpPr>
+          <p:cNvPr id="42" name="Textfeld 41"/>
+          <p:cNvSpPr txBox="1"/>
+          <p:nvPr/>
+        </p:nvSpPr>
+        <p:spPr>
+          <a:xfrm>
+            <a:off x="338948" y="4738541"/>
+            <a:ext cx="1104790" cy="646331"/>
+          </a:xfrm>
+          <a:prstGeom prst="rect">
+            <a:avLst/>
+          </a:prstGeom>
+        </p:spPr>
+        <p:style>
+          <a:lnRef idx="2">
+            <a:schemeClr val="accent4"/>
+          </a:lnRef>
+          <a:fillRef idx="1">
+            <a:schemeClr val="lt1"/>
+          </a:fillRef>
+          <a:effectRef idx="0">
+            <a:schemeClr val="accent4"/>
+          </a:effectRef>
+          <a:fontRef idx="minor">
+            <a:schemeClr val="dk1"/>
+          </a:fontRef>
+        </p:style>
+        <p:txBody>
+          <a:bodyPr wrap="none" rtlCol="0">
+            <a:spAutoFit/>
+          </a:bodyPr>
+          <a:lstStyle/>
+          <a:p>
+            <a:r>
+              <a:rPr lang="de-CH" b="1" dirty="0" smtClean="0"/>
+              <a:t>500 MIO</a:t>
+            </a:r>
+            <a:br>
+              <a:rPr lang="de-CH" b="1" dirty="0" smtClean="0"/>
+            </a:br>
+            <a:r>
+              <a:rPr lang="de-CH" b="1" dirty="0" smtClean="0"/>
+              <a:t>gross</a:t>
+            </a:r>
+            <a:endParaRPr lang="de-CH" b="1" dirty="0"/>
+          </a:p>
+        </p:txBody>
+      </p:sp>
+      <p:sp>
+        <p:nvSpPr>
+          <p:cNvPr id="43" name="Textfeld 42"/>
+          <p:cNvSpPr txBox="1"/>
+          <p:nvPr/>
+        </p:nvSpPr>
+        <p:spPr>
+          <a:xfrm>
+            <a:off x="7437522" y="2031245"/>
+            <a:ext cx="974947" cy="646331"/>
+          </a:xfrm>
+          <a:prstGeom prst="rect">
+            <a:avLst/>
+          </a:prstGeom>
+        </p:spPr>
+        <p:style>
+          <a:lnRef idx="2">
+            <a:schemeClr val="accent4"/>
+          </a:lnRef>
+          <a:fillRef idx="1">
+            <a:schemeClr val="lt1"/>
+          </a:fillRef>
+          <a:effectRef idx="0">
+            <a:schemeClr val="accent4"/>
+          </a:effectRef>
+          <a:fontRef idx="minor">
+            <a:schemeClr val="dk1"/>
+          </a:fontRef>
+        </p:style>
+        <p:txBody>
+          <a:bodyPr wrap="none" rtlCol="0">
+            <a:spAutoFit/>
+          </a:bodyPr>
+          <a:lstStyle/>
+          <a:p>
+            <a:r>
+              <a:rPr lang="de-CH" b="1" dirty="0" smtClean="0"/>
+              <a:t>39 MIO</a:t>
+            </a:r>
+            <a:br>
+              <a:rPr lang="de-CH" b="1" dirty="0" smtClean="0"/>
+            </a:br>
+            <a:r>
+              <a:rPr lang="de-CH" b="1" dirty="0" smtClean="0"/>
+              <a:t>mittel</a:t>
+            </a:r>
+            <a:endParaRPr lang="de-CH" b="1" dirty="0"/>
+          </a:p>
+        </p:txBody>
+      </p:sp>
+      <p:sp>
+        <p:nvSpPr>
+          <p:cNvPr id="45" name="Textfeld 44"/>
+          <p:cNvSpPr txBox="1"/>
+          <p:nvPr/>
+        </p:nvSpPr>
+        <p:spPr>
+          <a:xfrm>
+            <a:off x="7136058" y="4447084"/>
+            <a:ext cx="845103" cy="646331"/>
+          </a:xfrm>
+          <a:prstGeom prst="rect">
+            <a:avLst/>
+          </a:prstGeom>
+        </p:spPr>
+        <p:style>
+          <a:lnRef idx="2">
+            <a:schemeClr val="accent4"/>
+          </a:lnRef>
+          <a:fillRef idx="1">
+            <a:schemeClr val="lt1"/>
+          </a:fillRef>
+          <a:effectRef idx="0">
+            <a:schemeClr val="accent4"/>
+          </a:effectRef>
+          <a:fontRef idx="minor">
+            <a:schemeClr val="dk1"/>
+          </a:fontRef>
+        </p:style>
+        <p:txBody>
+          <a:bodyPr wrap="none" rtlCol="0">
+            <a:spAutoFit/>
+          </a:bodyPr>
+          <a:lstStyle/>
+          <a:p>
+            <a:r>
+              <a:rPr lang="de-CH" b="1" dirty="0" smtClean="0"/>
+              <a:t>9 MIO</a:t>
+            </a:r>
+            <a:br>
+              <a:rPr lang="de-CH" b="1" dirty="0" smtClean="0"/>
+            </a:br>
+            <a:r>
+              <a:rPr lang="de-CH" b="1" dirty="0" smtClean="0"/>
+              <a:t>klein</a:t>
+            </a:r>
+            <a:endParaRPr lang="de-CH" b="1" dirty="0"/>
           </a:p>
         </p:txBody>
       </p:sp>
@@ -12084,34 +12213,6 @@
       </p:grpSpPr>
       <p:sp>
         <p:nvSpPr>
-          <p:cNvPr id="6" name="Titel 1"/>
-          <p:cNvSpPr>
-            <a:spLocks noGrp="1"/>
-          </p:cNvSpPr>
-          <p:nvPr>
-            <p:ph type="title"/>
-          </p:nvPr>
-        </p:nvSpPr>
-        <p:spPr>
-          <a:xfrm>
-            <a:off x="684212" y="207162"/>
-            <a:ext cx="8534400" cy="1507067"/>
-          </a:xfrm>
-        </p:spPr>
-        <p:txBody>
-          <a:bodyPr/>
-          <a:lstStyle/>
-          <a:p>
-            <a:r>
-              <a:rPr lang="de-CH" dirty="0" smtClean="0"/>
-              <a:t>Umsetzung</a:t>
-            </a:r>
-            <a:endParaRPr lang="de-CH" dirty="0"/>
-          </a:p>
-        </p:txBody>
-      </p:sp>
-      <p:sp>
-        <p:nvSpPr>
           <p:cNvPr id="3" name="Inhaltsplatzhalter 2"/>
           <p:cNvSpPr>
             <a:spLocks noGrp="1"/>
@@ -12190,6 +12291,29 @@
           </a:graphicData>
         </a:graphic>
       </p:graphicFrame>
+      <p:sp>
+        <p:nvSpPr>
+          <p:cNvPr id="9" name="Titel 8"/>
+          <p:cNvSpPr>
+            <a:spLocks noGrp="1"/>
+          </p:cNvSpPr>
+          <p:nvPr>
+            <p:ph type="title"/>
+          </p:nvPr>
+        </p:nvSpPr>
+        <p:spPr/>
+        <p:txBody>
+          <a:bodyPr/>
+          <a:lstStyle/>
+          <a:p>
+            <a:r>
+              <a:rPr lang="de-CH" dirty="0" smtClean="0"/>
+              <a:t>Umsetzung</a:t>
+            </a:r>
+            <a:endParaRPr lang="de-CH" dirty="0"/>
+          </a:p>
+        </p:txBody>
+      </p:sp>
     </p:spTree>
     <p:extLst>
       <p:ext uri="{BB962C8B-B14F-4D97-AF65-F5344CB8AC3E}">
@@ -13012,34 +13136,6 @@
       </p:grpSpPr>
       <p:sp>
         <p:nvSpPr>
-          <p:cNvPr id="2" name="Titel 1"/>
-          <p:cNvSpPr>
-            <a:spLocks noGrp="1"/>
-          </p:cNvSpPr>
-          <p:nvPr>
-            <p:ph type="title"/>
-          </p:nvPr>
-        </p:nvSpPr>
-        <p:spPr>
-          <a:xfrm>
-            <a:off x="684212" y="207162"/>
-            <a:ext cx="8534400" cy="1507067"/>
-          </a:xfrm>
-        </p:spPr>
-        <p:txBody>
-          <a:bodyPr/>
-          <a:lstStyle/>
-          <a:p>
-            <a:r>
-              <a:rPr lang="de-CH" dirty="0" smtClean="0"/>
-              <a:t>Ausblick</a:t>
-            </a:r>
-            <a:endParaRPr lang="de-CH" dirty="0"/>
-          </a:p>
-        </p:txBody>
-      </p:sp>
-      <p:sp>
-        <p:nvSpPr>
           <p:cNvPr id="3" name="Inhaltsplatzhalter 2"/>
           <p:cNvSpPr>
             <a:spLocks noGrp="1"/>
@@ -13077,6 +13173,29 @@
           </a:p>
           <a:p>
             <a:endParaRPr lang="de-CH" sz="2800" dirty="0"/>
+          </a:p>
+        </p:txBody>
+      </p:sp>
+      <p:sp>
+        <p:nvSpPr>
+          <p:cNvPr id="5" name="Titel 4"/>
+          <p:cNvSpPr>
+            <a:spLocks noGrp="1"/>
+          </p:cNvSpPr>
+          <p:nvPr>
+            <p:ph type="title"/>
+          </p:nvPr>
+        </p:nvSpPr>
+        <p:spPr/>
+        <p:txBody>
+          <a:bodyPr/>
+          <a:lstStyle/>
+          <a:p>
+            <a:r>
+              <a:rPr lang="de-CH" dirty="0" smtClean="0"/>
+              <a:t>Ausblick</a:t>
+            </a:r>
+            <a:endParaRPr lang="de-CH" dirty="0"/>
           </a:p>
         </p:txBody>
       </p:sp>

--- a/Foundation Tracker.pptx
+++ b/Foundation Tracker.pptx
@@ -111,6 +111,11 @@
       </a:defRPr>
     </a:lvl9pPr>
   </p:defaultTextStyle>
+  <p:extLst>
+    <p:ext uri="{EFAFB233-063F-42B5-8137-9DF3F51BA10A}">
+      <p15:sldGuideLst xmlns:p15="http://schemas.microsoft.com/office/powerpoint/2012/main"/>
+    </p:ext>
+  </p:extLst>
 </p:presentation>
 </file>
 
@@ -1784,6 +1789,13 @@
         </dgm:presLayoutVars>
       </dgm:prSet>
       <dgm:spPr/>
+      <dgm:t>
+        <a:bodyPr/>
+        <a:lstStyle/>
+        <a:p>
+          <a:endParaRPr lang="de-DE"/>
+        </a:p>
+      </dgm:t>
     </dgm:pt>
     <dgm:pt modelId="{F2BD4A83-034E-4F54-B8E7-297994D8C0F0}" type="pres">
       <dgm:prSet presAssocID="{85DF22F0-EC09-4555-9A1F-0EB5BE318F18}" presName="ellipse" presStyleLbl="trBgShp" presStyleIdx="0" presStyleCnt="1"/>
@@ -1830,6 +1842,13 @@
         </dgm:presLayoutVars>
       </dgm:prSet>
       <dgm:spPr/>
+      <dgm:t>
+        <a:bodyPr/>
+        <a:lstStyle/>
+        <a:p>
+          <a:endParaRPr lang="de-DE"/>
+        </a:p>
+      </dgm:t>
     </dgm:pt>
     <dgm:pt modelId="{D20578B8-2610-4497-881C-DDA53023D9A5}" type="pres">
       <dgm:prSet presAssocID="{76B97F15-983C-4F75-8504-B18B9104CED3}" presName="item3" presStyleLbl="node1" presStyleIdx="2" presStyleCnt="3">
@@ -1854,8 +1873,8 @@
   <dgm:cxnLst>
     <dgm:cxn modelId="{B424AE54-4F2B-4F4A-B81E-57ED451C65CF}" srcId="{85DF22F0-EC09-4555-9A1F-0EB5BE318F18}" destId="{5E3E39E3-ABDC-4864-9C7C-DBFD850055F4}" srcOrd="2" destOrd="0" parTransId="{D4643F34-1178-42DD-A608-0D360BABF08E}" sibTransId="{0445F530-5AE2-4090-83BC-FC587C77E252}"/>
     <dgm:cxn modelId="{D4902B3E-92C2-41D8-8A14-AF62687CCD3C}" srcId="{85DF22F0-EC09-4555-9A1F-0EB5BE318F18}" destId="{D82801AB-5AA2-4A92-B519-C0D5BA7BB857}" srcOrd="0" destOrd="0" parTransId="{DBDBE2A7-7667-48C5-9519-A25A8AE78CA8}" sibTransId="{E2F35904-704A-4BA4-A9AB-FEB3A3C6C36A}"/>
+    <dgm:cxn modelId="{F0865242-A669-4C4F-9354-ADAE4EC4B9B5}" type="presOf" srcId="{D82801AB-5AA2-4A92-B519-C0D5BA7BB857}" destId="{D20578B8-2610-4497-881C-DDA53023D9A5}" srcOrd="0" destOrd="0" presId="urn:microsoft.com/office/officeart/2005/8/layout/funnel1"/>
     <dgm:cxn modelId="{E22C06BA-2926-417B-B06F-4807431878E1}" srcId="{85DF22F0-EC09-4555-9A1F-0EB5BE318F18}" destId="{B4021F1E-4A8B-46B4-9646-A3629E083AC6}" srcOrd="1" destOrd="0" parTransId="{6D6F7AA7-FDDE-4CB9-8991-824D9DF11D32}" sibTransId="{D9A80CB0-7FA5-436A-8436-30AB9C1A0564}"/>
-    <dgm:cxn modelId="{F0865242-A669-4C4F-9354-ADAE4EC4B9B5}" type="presOf" srcId="{D82801AB-5AA2-4A92-B519-C0D5BA7BB857}" destId="{D20578B8-2610-4497-881C-DDA53023D9A5}" srcOrd="0" destOrd="0" presId="urn:microsoft.com/office/officeart/2005/8/layout/funnel1"/>
     <dgm:cxn modelId="{1D193558-890D-47C4-B61D-FD20B5B1C9DA}" type="presOf" srcId="{5E3E39E3-ABDC-4864-9C7C-DBFD850055F4}" destId="{A7568783-E2DA-4605-95C5-8412FFAA7879}" srcOrd="0" destOrd="0" presId="urn:microsoft.com/office/officeart/2005/8/layout/funnel1"/>
     <dgm:cxn modelId="{90C0BEBB-20E1-4C89-B72F-66CBBDC19B6F}" type="presOf" srcId="{B4021F1E-4A8B-46B4-9646-A3629E083AC6}" destId="{91D39E5B-56DD-409A-BE3B-A7E7E2255C58}" srcOrd="0" destOrd="0" presId="urn:microsoft.com/office/officeart/2005/8/layout/funnel1"/>
     <dgm:cxn modelId="{DFCE992F-EA8D-49E1-9C2D-AB25C925603F}" type="presOf" srcId="{76B97F15-983C-4F75-8504-B18B9104CED3}" destId="{64D67E4F-F28D-48F3-B83C-D6D6BE1FB8B2}" srcOrd="0" destOrd="0" presId="urn:microsoft.com/office/officeart/2005/8/layout/funnel1"/>
@@ -2062,6 +2081,13 @@
         </dgm:presLayoutVars>
       </dgm:prSet>
       <dgm:spPr/>
+      <dgm:t>
+        <a:bodyPr/>
+        <a:lstStyle/>
+        <a:p>
+          <a:endParaRPr lang="de-DE"/>
+        </a:p>
+      </dgm:t>
     </dgm:pt>
     <dgm:pt modelId="{FCE11F5A-47E2-412D-B77B-4F5524C1E1AA}" type="pres">
       <dgm:prSet presAssocID="{8BDE40F1-F0C9-4B05-BB87-269DCEB5384D}" presName="spacerT" presStyleCnt="0"/>
@@ -2070,6 +2096,13 @@
     <dgm:pt modelId="{89633249-19D8-4696-9B29-F6CE9C119363}" type="pres">
       <dgm:prSet presAssocID="{8BDE40F1-F0C9-4B05-BB87-269DCEB5384D}" presName="sibTrans" presStyleLbl="sibTrans2D1" presStyleIdx="0" presStyleCnt="3"/>
       <dgm:spPr/>
+      <dgm:t>
+        <a:bodyPr/>
+        <a:lstStyle/>
+        <a:p>
+          <a:endParaRPr lang="de-DE"/>
+        </a:p>
+      </dgm:t>
     </dgm:pt>
     <dgm:pt modelId="{315193D6-FCAB-44D1-B325-F2B54CF740B4}" type="pres">
       <dgm:prSet presAssocID="{8BDE40F1-F0C9-4B05-BB87-269DCEB5384D}" presName="spacerB" presStyleCnt="0"/>
@@ -2097,6 +2130,13 @@
     <dgm:pt modelId="{954BD248-E896-484C-A6AF-965507F5A13F}" type="pres">
       <dgm:prSet presAssocID="{D8FBA516-1FBC-46BB-9AAF-26411E12A573}" presName="sibTrans" presStyleLbl="sibTrans2D1" presStyleIdx="1" presStyleCnt="3"/>
       <dgm:spPr/>
+      <dgm:t>
+        <a:bodyPr/>
+        <a:lstStyle/>
+        <a:p>
+          <a:endParaRPr lang="de-DE"/>
+        </a:p>
+      </dgm:t>
     </dgm:pt>
     <dgm:pt modelId="{8CAA4D9C-170A-4D2D-96FF-CD618FD7702E}" type="pres">
       <dgm:prSet presAssocID="{D8FBA516-1FBC-46BB-9AAF-26411E12A573}" presName="spacerB" presStyleCnt="0"/>
@@ -2109,14 +2149,35 @@
         </dgm:presLayoutVars>
       </dgm:prSet>
       <dgm:spPr/>
+      <dgm:t>
+        <a:bodyPr/>
+        <a:lstStyle/>
+        <a:p>
+          <a:endParaRPr lang="de-DE"/>
+        </a:p>
+      </dgm:t>
     </dgm:pt>
     <dgm:pt modelId="{58D486D1-B656-4EFA-A6E8-1EC09B3875B7}" type="pres">
       <dgm:prSet presAssocID="{4E615719-B08B-444E-A67B-5F5F60E5BF62}" presName="sibTransLast" presStyleLbl="sibTrans2D1" presStyleIdx="2" presStyleCnt="3"/>
       <dgm:spPr/>
+      <dgm:t>
+        <a:bodyPr/>
+        <a:lstStyle/>
+        <a:p>
+          <a:endParaRPr lang="de-DE"/>
+        </a:p>
+      </dgm:t>
     </dgm:pt>
     <dgm:pt modelId="{572CA54F-C9A5-4B51-A23A-E1F6A425E1AF}" type="pres">
       <dgm:prSet presAssocID="{4E615719-B08B-444E-A67B-5F5F60E5BF62}" presName="connectorText" presStyleLbl="sibTrans2D1" presStyleIdx="2" presStyleCnt="3"/>
       <dgm:spPr/>
+      <dgm:t>
+        <a:bodyPr/>
+        <a:lstStyle/>
+        <a:p>
+          <a:endParaRPr lang="de-DE"/>
+        </a:p>
+      </dgm:t>
     </dgm:pt>
     <dgm:pt modelId="{56AC5A64-7370-488C-B4D0-64525473786F}" type="pres">
       <dgm:prSet presAssocID="{4E615719-B08B-444E-A67B-5F5F60E5BF62}" presName="lastNode" presStyleLbl="node1" presStyleIdx="3" presStyleCnt="4">
@@ -2136,17 +2197,17 @@
   </dgm:ptLst>
   <dgm:cxnLst>
     <dgm:cxn modelId="{674AF16B-D27B-4DAF-8790-0A83108FBF04}" type="presOf" srcId="{4E615719-B08B-444E-A67B-5F5F60E5BF62}" destId="{CB46AFBD-11CD-4D0C-A234-9A5376726801}" srcOrd="0" destOrd="0" presId="urn:microsoft.com/office/officeart/2005/8/layout/equation2"/>
-    <dgm:cxn modelId="{C18B92D6-7A8F-4FEE-922A-7A0C1A4036E0}" srcId="{4E615719-B08B-444E-A67B-5F5F60E5BF62}" destId="{C5D1B24C-1933-4908-BA96-B513C3900A77}" srcOrd="3" destOrd="0" parTransId="{8DC17CFA-DF50-479E-ABD1-A98EF83B98F8}" sibTransId="{12168318-2724-485B-A300-5BBDCC98AADA}"/>
-    <dgm:cxn modelId="{E2F69641-5014-43EA-8783-E4DFDF7C9F18}" srcId="{4E615719-B08B-444E-A67B-5F5F60E5BF62}" destId="{8A6B29C8-0842-4493-990D-F3BDF0B5088A}" srcOrd="0" destOrd="0" parTransId="{CFE3ECF6-320D-4B9D-AD05-9CACE74892AC}" sibTransId="{8BDE40F1-F0C9-4B05-BB87-269DCEB5384D}"/>
+    <dgm:cxn modelId="{36513EC0-0C1D-49BE-BB1C-BEBABB2BE184}" type="presOf" srcId="{55EB9CCC-5842-40E1-A8E5-0A322DAB9ACD}" destId="{58D486D1-B656-4EFA-A6E8-1EC09B3875B7}" srcOrd="0" destOrd="0" presId="urn:microsoft.com/office/officeart/2005/8/layout/equation2"/>
+    <dgm:cxn modelId="{07BE3283-5DD3-4731-854E-F595ED5DF067}" type="presOf" srcId="{6B0840DF-1B90-42A5-A60E-01C4091F8ED4}" destId="{580E8BBE-987F-4B38-9E91-7BDBF765B568}" srcOrd="0" destOrd="0" presId="urn:microsoft.com/office/officeart/2005/8/layout/equation2"/>
+    <dgm:cxn modelId="{F56D0FE2-E5F2-479A-9AF6-FCF84883D2C4}" type="presOf" srcId="{8A6B29C8-0842-4493-990D-F3BDF0B5088A}" destId="{FBA09653-9D1E-4AC4-994E-BED51CF2B52D}" srcOrd="0" destOrd="0" presId="urn:microsoft.com/office/officeart/2005/8/layout/equation2"/>
+    <dgm:cxn modelId="{539A3C83-56E3-4157-BFCF-2946B7F4AC61}" srcId="{4E615719-B08B-444E-A67B-5F5F60E5BF62}" destId="{6B0840DF-1B90-42A5-A60E-01C4091F8ED4}" srcOrd="1" destOrd="0" parTransId="{0D2EC75A-E310-4AC1-8A96-0E466F3C8AE6}" sibTransId="{D8FBA516-1FBC-46BB-9AAF-26411E12A573}"/>
     <dgm:cxn modelId="{5E807E9B-5C7D-4450-9DE8-913D925D4E8B}" type="presOf" srcId="{8BDE40F1-F0C9-4B05-BB87-269DCEB5384D}" destId="{89633249-19D8-4696-9B29-F6CE9C119363}" srcOrd="0" destOrd="0" presId="urn:microsoft.com/office/officeart/2005/8/layout/equation2"/>
     <dgm:cxn modelId="{64779FDC-00E5-472F-833C-F01312813485}" type="presOf" srcId="{D8FBA516-1FBC-46BB-9AAF-26411E12A573}" destId="{954BD248-E896-484C-A6AF-965507F5A13F}" srcOrd="0" destOrd="0" presId="urn:microsoft.com/office/officeart/2005/8/layout/equation2"/>
-    <dgm:cxn modelId="{36513EC0-0C1D-49BE-BB1C-BEBABB2BE184}" type="presOf" srcId="{55EB9CCC-5842-40E1-A8E5-0A322DAB9ACD}" destId="{58D486D1-B656-4EFA-A6E8-1EC09B3875B7}" srcOrd="0" destOrd="0" presId="urn:microsoft.com/office/officeart/2005/8/layout/equation2"/>
-    <dgm:cxn modelId="{07BE3283-5DD3-4731-854E-F595ED5DF067}" type="presOf" srcId="{6B0840DF-1B90-42A5-A60E-01C4091F8ED4}" destId="{580E8BBE-987F-4B38-9E91-7BDBF765B568}" srcOrd="0" destOrd="0" presId="urn:microsoft.com/office/officeart/2005/8/layout/equation2"/>
+    <dgm:cxn modelId="{C18B92D6-7A8F-4FEE-922A-7A0C1A4036E0}" srcId="{4E615719-B08B-444E-A67B-5F5F60E5BF62}" destId="{C5D1B24C-1933-4908-BA96-B513C3900A77}" srcOrd="3" destOrd="0" parTransId="{8DC17CFA-DF50-479E-ABD1-A98EF83B98F8}" sibTransId="{12168318-2724-485B-A300-5BBDCC98AADA}"/>
+    <dgm:cxn modelId="{2FD0E1AF-3345-489C-8918-51BE4F9B1EA1}" type="presOf" srcId="{C5D1B24C-1933-4908-BA96-B513C3900A77}" destId="{56AC5A64-7370-488C-B4D0-64525473786F}" srcOrd="0" destOrd="0" presId="urn:microsoft.com/office/officeart/2005/8/layout/equation2"/>
+    <dgm:cxn modelId="{E2F69641-5014-43EA-8783-E4DFDF7C9F18}" srcId="{4E615719-B08B-444E-A67B-5F5F60E5BF62}" destId="{8A6B29C8-0842-4493-990D-F3BDF0B5088A}" srcOrd="0" destOrd="0" parTransId="{CFE3ECF6-320D-4B9D-AD05-9CACE74892AC}" sibTransId="{8BDE40F1-F0C9-4B05-BB87-269DCEB5384D}"/>
+    <dgm:cxn modelId="{BC1F67EA-F935-483E-8588-B8141A0787D5}" srcId="{4E615719-B08B-444E-A67B-5F5F60E5BF62}" destId="{15DB5494-BB71-47EF-B624-095F4686D45D}" srcOrd="2" destOrd="0" parTransId="{A2205D8B-A96D-4583-A743-5F218CD3C91D}" sibTransId="{55EB9CCC-5842-40E1-A8E5-0A322DAB9ACD}"/>
     <dgm:cxn modelId="{E64D099D-4A9B-4F57-BB27-D752370E30FE}" type="presOf" srcId="{15DB5494-BB71-47EF-B624-095F4686D45D}" destId="{901290F2-6437-420A-AF95-A40075641B9D}" srcOrd="0" destOrd="0" presId="urn:microsoft.com/office/officeart/2005/8/layout/equation2"/>
-    <dgm:cxn modelId="{F56D0FE2-E5F2-479A-9AF6-FCF84883D2C4}" type="presOf" srcId="{8A6B29C8-0842-4493-990D-F3BDF0B5088A}" destId="{FBA09653-9D1E-4AC4-994E-BED51CF2B52D}" srcOrd="0" destOrd="0" presId="urn:microsoft.com/office/officeart/2005/8/layout/equation2"/>
-    <dgm:cxn modelId="{BC1F67EA-F935-483E-8588-B8141A0787D5}" srcId="{4E615719-B08B-444E-A67B-5F5F60E5BF62}" destId="{15DB5494-BB71-47EF-B624-095F4686D45D}" srcOrd="2" destOrd="0" parTransId="{A2205D8B-A96D-4583-A743-5F218CD3C91D}" sibTransId="{55EB9CCC-5842-40E1-A8E5-0A322DAB9ACD}"/>
-    <dgm:cxn modelId="{2FD0E1AF-3345-489C-8918-51BE4F9B1EA1}" type="presOf" srcId="{C5D1B24C-1933-4908-BA96-B513C3900A77}" destId="{56AC5A64-7370-488C-B4D0-64525473786F}" srcOrd="0" destOrd="0" presId="urn:microsoft.com/office/officeart/2005/8/layout/equation2"/>
-    <dgm:cxn modelId="{539A3C83-56E3-4157-BFCF-2946B7F4AC61}" srcId="{4E615719-B08B-444E-A67B-5F5F60E5BF62}" destId="{6B0840DF-1B90-42A5-A60E-01C4091F8ED4}" srcOrd="1" destOrd="0" parTransId="{0D2EC75A-E310-4AC1-8A96-0E466F3C8AE6}" sibTransId="{D8FBA516-1FBC-46BB-9AAF-26411E12A573}"/>
     <dgm:cxn modelId="{6149E9FC-17E1-41BC-93C3-5F9169E4A39C}" type="presOf" srcId="{55EB9CCC-5842-40E1-A8E5-0A322DAB9ACD}" destId="{572CA54F-C9A5-4B51-A23A-E1F6A425E1AF}" srcOrd="1" destOrd="0" presId="urn:microsoft.com/office/officeart/2005/8/layout/equation2"/>
     <dgm:cxn modelId="{CCDE29E8-C051-485B-B62D-D84D337A7AA4}" type="presParOf" srcId="{CB46AFBD-11CD-4D0C-A234-9A5376726801}" destId="{5893371B-EB1E-4D2E-BD0A-02DE639F4B07}" srcOrd="0" destOrd="0" presId="urn:microsoft.com/office/officeart/2005/8/layout/equation2"/>
     <dgm:cxn modelId="{B6610DAD-A241-4C2B-992F-F9BBE60B997A}" type="presParOf" srcId="{5893371B-EB1E-4D2E-BD0A-02DE639F4B07}" destId="{FBA09653-9D1E-4AC4-994E-BED51CF2B52D}" srcOrd="0" destOrd="0" presId="urn:microsoft.com/office/officeart/2005/8/layout/equation2"/>
@@ -5893,7 +5954,7 @@
           <a:effectLst/>
           <a:extLst>
             <a:ext uri="{91240B29-F687-4f45-9708-019B960494DF}">
-              <a14:hiddenLine xmlns:a14="http://schemas.microsoft.com/office/drawing/2010/main" xmlns="" w="9525">
+              <a14:hiddenLine xmlns="" xmlns:a14="http://schemas.microsoft.com/office/drawing/2010/main" w="9525">
                 <a:solidFill>
                   <a:srgbClr val="000000"/>
                 </a:solidFill>
@@ -6086,7 +6147,7 @@
             <a:fld id="{B61BEF0D-F0BB-DE4B-95CE-6DB70DBA9567}" type="datetimeFigureOut">
               <a:rPr lang="en-US" smtClean="0"/>
               <a:pPr/>
-              <a:t>8/25/2018</a:t>
+              <a:t>8/26/2018</a:t>
             </a:fld>
             <a:endParaRPr lang="en-US" dirty="0"/>
           </a:p>
@@ -6406,7 +6467,7 @@
             <a:fld id="{B61BEF0D-F0BB-DE4B-95CE-6DB70DBA9567}" type="datetimeFigureOut">
               <a:rPr lang="en-US" smtClean="0"/>
               <a:pPr/>
-              <a:t>8/25/2018</a:t>
+              <a:t>8/26/2018</a:t>
             </a:fld>
             <a:endParaRPr lang="en-US" dirty="0"/>
           </a:p>
@@ -6896,7 +6957,7 @@
             <a:fld id="{B61BEF0D-F0BB-DE4B-95CE-6DB70DBA9567}" type="datetimeFigureOut">
               <a:rPr lang="en-US" smtClean="0"/>
               <a:pPr/>
-              <a:t>8/25/2018</a:t>
+              <a:t>8/26/2018</a:t>
             </a:fld>
             <a:endParaRPr lang="en-US" dirty="0"/>
           </a:p>
@@ -7267,7 +7328,7 @@
             <a:fld id="{B61BEF0D-F0BB-DE4B-95CE-6DB70DBA9567}" type="datetimeFigureOut">
               <a:rPr lang="en-US" smtClean="0"/>
               <a:pPr/>
-              <a:t>8/25/2018</a:t>
+              <a:t>8/26/2018</a:t>
             </a:fld>
             <a:endParaRPr lang="en-US" dirty="0"/>
           </a:p>
@@ -7423,7 +7484,7 @@
           <a:ln/>
           <a:extLst>
             <a:ext uri="{91240B29-F687-4f45-9708-019B960494DF}">
-              <a14:hiddenLine xmlns:a14="http://schemas.microsoft.com/office/drawing/2010/main" xmlns="" w="9525">
+              <a14:hiddenLine xmlns="" xmlns:a14="http://schemas.microsoft.com/office/drawing/2010/main" w="9525">
                 <a:solidFill>
                   <a:srgbClr val="000000"/>
                 </a:solidFill>
@@ -7542,7 +7603,7 @@
             <a:fld id="{B61BEF0D-F0BB-DE4B-95CE-6DB70DBA9567}" type="datetimeFigureOut">
               <a:rPr lang="en-US" smtClean="0"/>
               <a:pPr/>
-              <a:t>8/25/2018</a:t>
+              <a:t>8/26/2018</a:t>
             </a:fld>
             <a:endParaRPr lang="en-US" dirty="0"/>
           </a:p>
@@ -7700,7 +7761,7 @@
           <a:ln/>
           <a:extLst>
             <a:ext uri="{91240B29-F687-4f45-9708-019B960494DF}">
-              <a14:hiddenLine xmlns:a14="http://schemas.microsoft.com/office/drawing/2010/main" xmlns="" w="9525">
+              <a14:hiddenLine xmlns="" xmlns:a14="http://schemas.microsoft.com/office/drawing/2010/main" w="9525">
                 <a:solidFill>
                   <a:srgbClr val="000000"/>
                 </a:solidFill>
@@ -7829,7 +7890,7 @@
             <a:fld id="{B61BEF0D-F0BB-DE4B-95CE-6DB70DBA9567}" type="datetimeFigureOut">
               <a:rPr lang="en-US" smtClean="0"/>
               <a:pPr/>
-              <a:t>8/25/2018</a:t>
+              <a:t>8/26/2018</a:t>
             </a:fld>
             <a:endParaRPr lang="en-US" dirty="0"/>
           </a:p>
@@ -7985,7 +8046,7 @@
           <a:ln/>
           <a:extLst>
             <a:ext uri="{91240B29-F687-4f45-9708-019B960494DF}">
-              <a14:hiddenLine xmlns:a14="http://schemas.microsoft.com/office/drawing/2010/main" xmlns="" w="9525">
+              <a14:hiddenLine xmlns="" xmlns:a14="http://schemas.microsoft.com/office/drawing/2010/main" w="9525">
                 <a:solidFill>
                   <a:srgbClr val="000000"/>
                 </a:solidFill>
@@ -8114,7 +8175,7 @@
             <a:fld id="{B61BEF0D-F0BB-DE4B-95CE-6DB70DBA9567}" type="datetimeFigureOut">
               <a:rPr lang="en-US" smtClean="0"/>
               <a:pPr/>
-              <a:t>8/25/2018</a:t>
+              <a:t>8/26/2018</a:t>
             </a:fld>
             <a:endParaRPr lang="en-US" dirty="0"/>
           </a:p>
@@ -8459,7 +8520,7 @@
             <a:fld id="{B61BEF0D-F0BB-DE4B-95CE-6DB70DBA9567}" type="datetimeFigureOut">
               <a:rPr lang="en-US" smtClean="0"/>
               <a:pPr/>
-              <a:t>8/25/2018</a:t>
+              <a:t>8/26/2018</a:t>
             </a:fld>
             <a:endParaRPr lang="en-US" dirty="0"/>
           </a:p>
@@ -8615,7 +8676,7 @@
           <a:ln/>
           <a:extLst>
             <a:ext uri="{91240B29-F687-4f45-9708-019B960494DF}">
-              <a14:hiddenLine xmlns:a14="http://schemas.microsoft.com/office/drawing/2010/main" xmlns="" w="9525">
+              <a14:hiddenLine xmlns="" xmlns:a14="http://schemas.microsoft.com/office/drawing/2010/main" w="9525">
                 <a:solidFill>
                   <a:srgbClr val="000000"/>
                 </a:solidFill>
@@ -8800,7 +8861,7 @@
             <a:fld id="{B61BEF0D-F0BB-DE4B-95CE-6DB70DBA9567}" type="datetimeFigureOut">
               <a:rPr lang="en-US" smtClean="0"/>
               <a:pPr/>
-              <a:t>8/25/2018</a:t>
+              <a:t>8/26/2018</a:t>
             </a:fld>
             <a:endParaRPr lang="en-US" dirty="0"/>
           </a:p>
@@ -8956,7 +9017,7 @@
           <a:ln/>
           <a:extLst>
             <a:ext uri="{91240B29-F687-4f45-9708-019B960494DF}">
-              <a14:hiddenLine xmlns:a14="http://schemas.microsoft.com/office/drawing/2010/main" xmlns="" w="9525">
+              <a14:hiddenLine xmlns="" xmlns:a14="http://schemas.microsoft.com/office/drawing/2010/main" w="9525">
                 <a:solidFill>
                   <a:srgbClr val="000000"/>
                 </a:solidFill>
@@ -9279,7 +9340,7 @@
             <a:fld id="{B61BEF0D-F0BB-DE4B-95CE-6DB70DBA9567}" type="datetimeFigureOut">
               <a:rPr lang="en-US" smtClean="0"/>
               <a:pPr/>
-              <a:t>8/25/2018</a:t>
+              <a:t>8/26/2018</a:t>
             </a:fld>
             <a:endParaRPr lang="en-US" dirty="0"/>
           </a:p>
@@ -9435,7 +9496,7 @@
           <a:ln/>
           <a:extLst>
             <a:ext uri="{91240B29-F687-4f45-9708-019B960494DF}">
-              <a14:hiddenLine xmlns:a14="http://schemas.microsoft.com/office/drawing/2010/main" xmlns="" w="9525">
+              <a14:hiddenLine xmlns="" xmlns:a14="http://schemas.microsoft.com/office/drawing/2010/main" w="9525">
                 <a:solidFill>
                   <a:srgbClr val="000000"/>
                 </a:solidFill>
@@ -9502,7 +9563,7 @@
             <a:fld id="{B61BEF0D-F0BB-DE4B-95CE-6DB70DBA9567}" type="datetimeFigureOut">
               <a:rPr lang="en-US" smtClean="0"/>
               <a:pPr/>
-              <a:t>8/25/2018</a:t>
+              <a:t>8/26/2018</a:t>
             </a:fld>
             <a:endParaRPr lang="en-US" dirty="0"/>
           </a:p>
@@ -9599,7 +9660,7 @@
             <a:fld id="{B61BEF0D-F0BB-DE4B-95CE-6DB70DBA9567}" type="datetimeFigureOut">
               <a:rPr lang="en-US" smtClean="0"/>
               <a:pPr/>
-              <a:t>8/25/2018</a:t>
+              <a:t>8/26/2018</a:t>
             </a:fld>
             <a:endParaRPr lang="en-US" dirty="0"/>
           </a:p>
@@ -9868,7 +9929,7 @@
           <a:ln/>
           <a:extLst>
             <a:ext uri="{91240B29-F687-4f45-9708-019B960494DF}">
-              <a14:hiddenLine xmlns:a14="http://schemas.microsoft.com/office/drawing/2010/main" xmlns="" w="9525">
+              <a14:hiddenLine xmlns="" xmlns:a14="http://schemas.microsoft.com/office/drawing/2010/main" w="9525">
                 <a:solidFill>
                   <a:srgbClr val="000000"/>
                 </a:solidFill>
@@ -10068,7 +10129,7 @@
             <a:fld id="{B61BEF0D-F0BB-DE4B-95CE-6DB70DBA9567}" type="datetimeFigureOut">
               <a:rPr lang="en-US" smtClean="0"/>
               <a:pPr/>
-              <a:t>8/25/2018</a:t>
+              <a:t>8/26/2018</a:t>
             </a:fld>
             <a:endParaRPr lang="en-US" dirty="0"/>
           </a:p>
@@ -10383,7 +10444,7 @@
             <a:fld id="{B61BEF0D-F0BB-DE4B-95CE-6DB70DBA9567}" type="datetimeFigureOut">
               <a:rPr lang="en-US" smtClean="0"/>
               <a:pPr/>
-              <a:t>8/25/2018</a:t>
+              <a:t>8/26/2018</a:t>
             </a:fld>
             <a:endParaRPr lang="en-US" dirty="0"/>
           </a:p>
@@ -10655,7 +10716,7 @@
             <a:fld id="{B61BEF0D-F0BB-DE4B-95CE-6DB70DBA9567}" type="datetimeFigureOut">
               <a:rPr lang="en-US" smtClean="0"/>
               <a:pPr/>
-              <a:t>8/25/2018</a:t>
+              <a:t>8/26/2018</a:t>
             </a:fld>
             <a:endParaRPr lang="en-US" dirty="0"/>
           </a:p>
@@ -11303,7 +11364,7 @@
         </p:nvCxnSpPr>
         <p:spPr>
           <a:xfrm flipV="1">
-            <a:off x="2694562" y="2933349"/>
+            <a:off x="3287686" y="2991014"/>
             <a:ext cx="972766" cy="202581"/>
           </a:xfrm>
           <a:prstGeom prst="line">
@@ -11336,7 +11397,7 @@
         </p:nvCxnSpPr>
         <p:spPr>
           <a:xfrm>
-            <a:off x="2729222" y="3753267"/>
+            <a:off x="3322346" y="3810932"/>
             <a:ext cx="938106" cy="131180"/>
           </a:xfrm>
           <a:prstGeom prst="line">
@@ -11364,14 +11425,13 @@
           <p:cNvPr id="13" name="Gerader Verbinder 12"/>
           <p:cNvCxnSpPr>
             <a:stCxn id="4" idx="5"/>
-            <a:endCxn id="8" idx="1"/>
           </p:cNvCxnSpPr>
           <p:nvPr/>
         </p:nvCxnSpPr>
         <p:spPr>
           <a:xfrm>
-            <a:off x="2451424" y="4292496"/>
-            <a:ext cx="1215904" cy="509463"/>
+            <a:off x="3044548" y="4350161"/>
+            <a:ext cx="1368222" cy="509463"/>
           </a:xfrm>
           <a:prstGeom prst="line">
             <a:avLst/>
@@ -11401,7 +11461,7 @@
         </p:nvCxnSpPr>
         <p:spPr>
           <a:xfrm flipV="1">
-            <a:off x="4912468" y="2885852"/>
+            <a:off x="5505592" y="2943517"/>
             <a:ext cx="1183531" cy="13583"/>
           </a:xfrm>
           <a:prstGeom prst="line">
@@ -11432,7 +11492,7 @@
         </p:nvCxnSpPr>
         <p:spPr>
           <a:xfrm>
-            <a:off x="4912468" y="4801959"/>
+            <a:off x="5505592" y="4859624"/>
             <a:ext cx="1511481" cy="582913"/>
           </a:xfrm>
           <a:prstGeom prst="line">
@@ -11463,7 +11523,7 @@
         </p:nvSpPr>
         <p:spPr>
           <a:xfrm>
-            <a:off x="3510678" y="6191663"/>
+            <a:off x="4103802" y="6249328"/>
             <a:ext cx="1558440" cy="369332"/>
           </a:xfrm>
           <a:prstGeom prst="rect">
@@ -11495,7 +11555,7 @@
         </p:nvCxnSpPr>
         <p:spPr>
           <a:xfrm>
-            <a:off x="7278246" y="2899436"/>
+            <a:off x="7871370" y="2957101"/>
             <a:ext cx="1587962" cy="653624"/>
           </a:xfrm>
           <a:prstGeom prst="line">
@@ -11528,7 +11588,7 @@
         </p:nvCxnSpPr>
         <p:spPr>
           <a:xfrm>
-            <a:off x="6988359" y="5384872"/>
+            <a:off x="7581483" y="5442537"/>
             <a:ext cx="1670009" cy="610814"/>
           </a:xfrm>
           <a:prstGeom prst="line">
@@ -11559,7 +11619,7 @@
         </p:nvSpPr>
         <p:spPr>
           <a:xfrm>
-            <a:off x="8462056" y="4247679"/>
+            <a:off x="9055180" y="4305344"/>
             <a:ext cx="1558440" cy="369332"/>
           </a:xfrm>
           <a:prstGeom prst="rect">
@@ -11591,7 +11651,7 @@
         </p:nvSpPr>
         <p:spPr>
           <a:xfrm>
-            <a:off x="6309352" y="5056690"/>
+            <a:off x="6902476" y="5114355"/>
             <a:ext cx="679007" cy="656364"/>
           </a:xfrm>
           <a:prstGeom prst="ellipse">
@@ -11662,7 +11722,7 @@
         </p:nvSpPr>
         <p:spPr>
           <a:xfrm>
-            <a:off x="6046691" y="2238748"/>
+            <a:off x="6639815" y="2296413"/>
             <a:ext cx="1231555" cy="1221260"/>
           </a:xfrm>
           <a:prstGeom prst="ellipse">
@@ -11734,7 +11794,7 @@
         </p:nvSpPr>
         <p:spPr>
           <a:xfrm>
-            <a:off x="630283" y="2485416"/>
+            <a:off x="1223407" y="2543081"/>
             <a:ext cx="2133599" cy="2117126"/>
           </a:xfrm>
           <a:prstGeom prst="ellipse">
@@ -11792,7 +11852,7 @@
         </p:nvSpPr>
         <p:spPr>
           <a:xfrm>
-            <a:off x="3667328" y="2592881"/>
+            <a:off x="4260452" y="2650546"/>
             <a:ext cx="1245140" cy="680936"/>
           </a:xfrm>
           <a:prstGeom prst="roundRect">
@@ -11836,7 +11896,7 @@
         </p:nvSpPr>
         <p:spPr>
           <a:xfrm>
-            <a:off x="3667328" y="3543979"/>
+            <a:off x="4260452" y="3601644"/>
             <a:ext cx="1245140" cy="680936"/>
           </a:xfrm>
           <a:prstGeom prst="roundRect">
@@ -11880,7 +11940,7 @@
         </p:nvSpPr>
         <p:spPr>
           <a:xfrm>
-            <a:off x="3667328" y="4461491"/>
+            <a:off x="4260452" y="4519156"/>
             <a:ext cx="1245140" cy="680936"/>
           </a:xfrm>
           <a:prstGeom prst="roundRect">
@@ -11924,7 +11984,7 @@
         </p:nvSpPr>
         <p:spPr>
           <a:xfrm>
-            <a:off x="8618706" y="5641485"/>
+            <a:off x="9211830" y="5699150"/>
             <a:ext cx="1245140" cy="680936"/>
           </a:xfrm>
           <a:prstGeom prst="roundRect">
@@ -11995,7 +12055,7 @@
         </p:nvSpPr>
         <p:spPr>
           <a:xfrm>
-            <a:off x="8623746" y="3135930"/>
+            <a:off x="9216870" y="3193595"/>
             <a:ext cx="1245140" cy="680936"/>
           </a:xfrm>
           <a:prstGeom prst="roundRect">
@@ -12039,7 +12099,7 @@
         </p:nvSpPr>
         <p:spPr>
           <a:xfrm>
-            <a:off x="338948" y="4738541"/>
+            <a:off x="932072" y="4796206"/>
             <a:ext cx="1104790" cy="646331"/>
           </a:xfrm>
           <a:prstGeom prst="rect">
@@ -12089,7 +12149,7 @@
         </p:nvSpPr>
         <p:spPr>
           <a:xfrm>
-            <a:off x="7437522" y="2031245"/>
+            <a:off x="8030646" y="2088910"/>
             <a:ext cx="974947" cy="646331"/>
           </a:xfrm>
           <a:prstGeom prst="rect">
@@ -12139,7 +12199,7 @@
         </p:nvSpPr>
         <p:spPr>
           <a:xfrm>
-            <a:off x="7136058" y="4447084"/>
+            <a:off x="7729182" y="4504749"/>
             <a:ext cx="845103" cy="646331"/>
           </a:xfrm>
           <a:prstGeom prst="rect">
@@ -12221,51 +12281,50 @@
             <p:ph idx="1"/>
           </p:nvPr>
         </p:nvSpPr>
-        <p:spPr/>
+        <p:spPr>
+          <a:xfrm>
+            <a:off x="629242" y="2512541"/>
+            <a:ext cx="5716312" cy="3608056"/>
+          </a:xfrm>
+        </p:spPr>
         <p:txBody>
           <a:bodyPr>
             <a:noAutofit/>
           </a:bodyPr>
           <a:lstStyle/>
           <a:p>
-            <a:endParaRPr lang="de-CH" sz="2000" dirty="0" smtClean="0"/>
-          </a:p>
-          <a:p>
-            <a:r>
-              <a:rPr lang="de-CH" sz="2400" dirty="0" smtClean="0"/>
-              <a:t>Web Crawler</a:t>
-            </a:r>
-            <a:endParaRPr lang="de-CH" sz="2400" dirty="0"/>
-          </a:p>
-          <a:p>
-            <a:r>
-              <a:rPr lang="de-CH" sz="2400" dirty="0" smtClean="0"/>
-              <a:t>Jahresberichtsparser</a:t>
-            </a:r>
-            <a:endParaRPr lang="de-CH" sz="2400" dirty="0"/>
-          </a:p>
-          <a:p>
-            <a:r>
-              <a:rPr lang="de-CH" sz="2400" dirty="0" smtClean="0"/>
-              <a:t>ZEFIX- und Handelsregister</a:t>
-            </a:r>
-          </a:p>
-          <a:p>
-            <a:r>
-              <a:rPr lang="de-CH" sz="2400" dirty="0" err="1" smtClean="0"/>
-              <a:t>Tagging</a:t>
-            </a:r>
-            <a:r>
-              <a:rPr lang="de-CH" sz="2400" dirty="0" smtClean="0"/>
-              <a:t> des Stiftungszwecks</a:t>
-            </a:r>
-          </a:p>
-          <a:p>
-            <a:r>
-              <a:rPr lang="de-CH" sz="2400" dirty="0" smtClean="0"/>
-              <a:t>Visualisierung</a:t>
-            </a:r>
-            <a:endParaRPr lang="de-CH" sz="2400" dirty="0"/>
+            <a:r>
+              <a:rPr lang="de-CH" sz="2000" dirty="0" smtClean="0"/>
+              <a:t>Strukturierte Daten </a:t>
+            </a:r>
+            <a:br>
+              <a:rPr lang="de-CH" sz="2000" dirty="0" smtClean="0"/>
+            </a:br>
+            <a:r>
+              <a:rPr lang="de-CH" sz="2000" dirty="0" smtClean="0"/>
+              <a:t>(ZEFIX, Handelsregister)</a:t>
+            </a:r>
+          </a:p>
+          <a:p>
+            <a:r>
+              <a:rPr lang="de-CH" sz="2000" dirty="0" smtClean="0"/>
+              <a:t>Unstrukturierte Daten</a:t>
+            </a:r>
+            <a:br>
+              <a:rPr lang="de-CH" sz="2000" dirty="0" smtClean="0"/>
+            </a:br>
+            <a:r>
+              <a:rPr lang="de-CH" sz="2000" dirty="0" smtClean="0"/>
+              <a:t>(</a:t>
+            </a:r>
+            <a:r>
+              <a:rPr lang="de-CH" sz="2000" dirty="0" err="1" smtClean="0"/>
+              <a:t>Jahreberichte</a:t>
+            </a:r>
+            <a:r>
+              <a:rPr lang="de-CH" sz="2000" dirty="0" smtClean="0"/>
+              <a:t>)</a:t>
+            </a:r>
           </a:p>
         </p:txBody>
       </p:sp>
@@ -12276,13 +12335,13 @@
           <p:nvPr>
             <p:extLst>
               <p:ext uri="{D42A27DB-BD31-4B8C-83A1-F6EECF244321}">
-                <p14:modId xmlns:p14="http://schemas.microsoft.com/office/powerpoint/2010/main" val="493028157"/>
+                <p14:modId xmlns:p14="http://schemas.microsoft.com/office/powerpoint/2010/main" val="3659842085"/>
               </p:ext>
             </p:extLst>
           </p:nvPr>
         </p:nvGraphicFramePr>
         <p:xfrm>
-          <a:off x="5358859" y="593387"/>
+          <a:off x="2842162" y="574559"/>
           <a:ext cx="8128000" cy="5418667"/>
         </p:xfrm>
         <a:graphic>
@@ -12311,6 +12370,267 @@
               <a:t>Umsetzung</a:t>
             </a:r>
             <a:endParaRPr lang="de-CH" dirty="0"/>
+          </a:p>
+        </p:txBody>
+      </p:sp>
+      <p:sp>
+        <p:nvSpPr>
+          <p:cNvPr id="5" name="Inhaltsplatzhalter 2"/>
+          <p:cNvSpPr txBox="1">
+            <a:spLocks/>
+          </p:cNvSpPr>
+          <p:nvPr/>
+        </p:nvSpPr>
+        <p:spPr>
+          <a:xfrm>
+            <a:off x="6680879" y="4499969"/>
+            <a:ext cx="5716312" cy="1958495"/>
+          </a:xfrm>
+          <a:prstGeom prst="rect">
+            <a:avLst/>
+          </a:prstGeom>
+          <a:effectLst>
+            <a:outerShdw blurRad="50800" dir="14400000">
+              <a:srgbClr val="000000">
+                <a:alpha val="40000"/>
+              </a:srgbClr>
+            </a:outerShdw>
+          </a:effectLst>
+        </p:spPr>
+        <p:txBody>
+          <a:bodyPr vert="horz" lIns="91440" tIns="45720" rIns="91440" bIns="45720" rtlCol="0" anchor="ctr">
+            <a:noAutofit/>
+          </a:bodyPr>
+          <a:lstStyle>
+            <a:lvl1pPr marL="342900" indent="-342900" algn="l" defTabSz="457200" rtl="0" eaLnBrk="1" latinLnBrk="0" hangingPunct="1">
+              <a:spcBef>
+                <a:spcPct val="20000"/>
+              </a:spcBef>
+              <a:spcAft>
+                <a:spcPts val="600"/>
+              </a:spcAft>
+              <a:buClr>
+                <a:schemeClr val="accent1"/>
+              </a:buClr>
+              <a:buFont typeface="Wingdings 2" charset="2"/>
+              <a:buChar char=""/>
+              <a:defRPr sz="1800" kern="1200">
+                <a:solidFill>
+                  <a:schemeClr val="tx1"/>
+                </a:solidFill>
+                <a:latin typeface="+mn-lt"/>
+                <a:ea typeface="+mn-ea"/>
+                <a:cs typeface="+mn-cs"/>
+              </a:defRPr>
+            </a:lvl1pPr>
+            <a:lvl2pPr marL="742950" indent="-285750" algn="l" defTabSz="457200" rtl="0" eaLnBrk="1" latinLnBrk="0" hangingPunct="1">
+              <a:spcBef>
+                <a:spcPct val="20000"/>
+              </a:spcBef>
+              <a:spcAft>
+                <a:spcPts val="600"/>
+              </a:spcAft>
+              <a:buClr>
+                <a:schemeClr val="accent1"/>
+              </a:buClr>
+              <a:buFont typeface="Wingdings 2" charset="2"/>
+              <a:buChar char=""/>
+              <a:defRPr sz="1600" kern="1200">
+                <a:solidFill>
+                  <a:schemeClr val="tx1"/>
+                </a:solidFill>
+                <a:latin typeface="+mn-lt"/>
+                <a:ea typeface="+mn-ea"/>
+                <a:cs typeface="+mn-cs"/>
+              </a:defRPr>
+            </a:lvl2pPr>
+            <a:lvl3pPr marL="1143000" indent="-228600" algn="l" defTabSz="457200" rtl="0" eaLnBrk="1" latinLnBrk="0" hangingPunct="1">
+              <a:spcBef>
+                <a:spcPct val="20000"/>
+              </a:spcBef>
+              <a:spcAft>
+                <a:spcPts val="600"/>
+              </a:spcAft>
+              <a:buClr>
+                <a:schemeClr val="accent1"/>
+              </a:buClr>
+              <a:buFont typeface="Wingdings 2" charset="2"/>
+              <a:buChar char=""/>
+              <a:defRPr sz="1400" kern="1200">
+                <a:solidFill>
+                  <a:schemeClr val="tx1"/>
+                </a:solidFill>
+                <a:latin typeface="+mn-lt"/>
+                <a:ea typeface="+mn-ea"/>
+                <a:cs typeface="+mn-cs"/>
+              </a:defRPr>
+            </a:lvl3pPr>
+            <a:lvl4pPr marL="1600200" indent="-228600" algn="l" defTabSz="457200" rtl="0" eaLnBrk="1" latinLnBrk="0" hangingPunct="1">
+              <a:spcBef>
+                <a:spcPct val="20000"/>
+              </a:spcBef>
+              <a:spcAft>
+                <a:spcPts val="600"/>
+              </a:spcAft>
+              <a:buClr>
+                <a:schemeClr val="accent1"/>
+              </a:buClr>
+              <a:buFont typeface="Wingdings 2" charset="2"/>
+              <a:buChar char=""/>
+              <a:defRPr sz="1200" kern="1200">
+                <a:solidFill>
+                  <a:schemeClr val="tx1"/>
+                </a:solidFill>
+                <a:latin typeface="+mn-lt"/>
+                <a:ea typeface="+mn-ea"/>
+                <a:cs typeface="+mn-cs"/>
+              </a:defRPr>
+            </a:lvl4pPr>
+            <a:lvl5pPr marL="2057400" indent="-228600" algn="l" defTabSz="457200" rtl="0" eaLnBrk="1" latinLnBrk="0" hangingPunct="1">
+              <a:spcBef>
+                <a:spcPct val="20000"/>
+              </a:spcBef>
+              <a:spcAft>
+                <a:spcPts val="600"/>
+              </a:spcAft>
+              <a:buClr>
+                <a:schemeClr val="accent1"/>
+              </a:buClr>
+              <a:buFont typeface="Wingdings 2" charset="2"/>
+              <a:buChar char=""/>
+              <a:defRPr sz="1200" kern="1200">
+                <a:solidFill>
+                  <a:schemeClr val="tx1"/>
+                </a:solidFill>
+                <a:latin typeface="+mn-lt"/>
+                <a:ea typeface="+mn-ea"/>
+                <a:cs typeface="+mn-cs"/>
+              </a:defRPr>
+            </a:lvl5pPr>
+            <a:lvl6pPr marL="2400000" indent="-228600" algn="l" defTabSz="457200" rtl="0" eaLnBrk="1" latinLnBrk="0" hangingPunct="1">
+              <a:spcBef>
+                <a:spcPct val="20000"/>
+              </a:spcBef>
+              <a:spcAft>
+                <a:spcPts val="600"/>
+              </a:spcAft>
+              <a:buClr>
+                <a:schemeClr val="accent1"/>
+              </a:buClr>
+              <a:buFont typeface="Wingdings 2" charset="2"/>
+              <a:buChar char=""/>
+              <a:defRPr sz="1200" kern="1200">
+                <a:solidFill>
+                  <a:schemeClr val="tx1"/>
+                </a:solidFill>
+                <a:latin typeface="+mn-lt"/>
+                <a:ea typeface="+mn-ea"/>
+                <a:cs typeface="+mn-cs"/>
+              </a:defRPr>
+            </a:lvl6pPr>
+            <a:lvl7pPr marL="2800000" indent="-228600" algn="l" defTabSz="457200" rtl="0" eaLnBrk="1" latinLnBrk="0" hangingPunct="1">
+              <a:spcBef>
+                <a:spcPct val="20000"/>
+              </a:spcBef>
+              <a:spcAft>
+                <a:spcPts val="600"/>
+              </a:spcAft>
+              <a:buClr>
+                <a:schemeClr val="accent1"/>
+              </a:buClr>
+              <a:buFont typeface="Wingdings 2" charset="2"/>
+              <a:buChar char=""/>
+              <a:defRPr sz="1200" kern="1200">
+                <a:solidFill>
+                  <a:schemeClr val="tx1"/>
+                </a:solidFill>
+                <a:latin typeface="+mn-lt"/>
+                <a:ea typeface="+mn-ea"/>
+                <a:cs typeface="+mn-cs"/>
+              </a:defRPr>
+            </a:lvl7pPr>
+            <a:lvl8pPr marL="3200000" indent="-228600" algn="l" defTabSz="457200" rtl="0" eaLnBrk="1" latinLnBrk="0" hangingPunct="1">
+              <a:spcBef>
+                <a:spcPct val="20000"/>
+              </a:spcBef>
+              <a:spcAft>
+                <a:spcPts val="600"/>
+              </a:spcAft>
+              <a:buClr>
+                <a:schemeClr val="accent1"/>
+              </a:buClr>
+              <a:buFont typeface="Wingdings 2" charset="2"/>
+              <a:buChar char=""/>
+              <a:defRPr sz="1200" kern="1200">
+                <a:solidFill>
+                  <a:schemeClr val="tx1"/>
+                </a:solidFill>
+                <a:latin typeface="+mn-lt"/>
+                <a:ea typeface="+mn-ea"/>
+                <a:cs typeface="+mn-cs"/>
+              </a:defRPr>
+            </a:lvl8pPr>
+            <a:lvl9pPr marL="3600000" indent="-228600" algn="l" defTabSz="457200" rtl="0" eaLnBrk="1" latinLnBrk="0" hangingPunct="1">
+              <a:spcBef>
+                <a:spcPct val="20000"/>
+              </a:spcBef>
+              <a:spcAft>
+                <a:spcPts val="600"/>
+              </a:spcAft>
+              <a:buClr>
+                <a:schemeClr val="accent1"/>
+              </a:buClr>
+              <a:buFont typeface="Wingdings 2" charset="2"/>
+              <a:buChar char=""/>
+              <a:defRPr sz="1200" kern="1200">
+                <a:solidFill>
+                  <a:schemeClr val="tx1"/>
+                </a:solidFill>
+                <a:latin typeface="+mn-lt"/>
+                <a:ea typeface="+mn-ea"/>
+                <a:cs typeface="+mn-cs"/>
+              </a:defRPr>
+            </a:lvl9pPr>
+          </a:lstStyle>
+          <a:p>
+            <a:r>
+              <a:rPr lang="de-CH" sz="2000" dirty="0" smtClean="0"/>
+              <a:t>Stiftungszweck </a:t>
+            </a:r>
+            <a:r>
+              <a:rPr lang="de-CH" sz="2000" dirty="0"/>
+              <a:t>- </a:t>
+            </a:r>
+            <a:r>
+              <a:rPr lang="de-CH" sz="2000" dirty="0" err="1"/>
+              <a:t>Tagging</a:t>
+            </a:r>
+            <a:endParaRPr lang="de-CH" sz="2000" dirty="0"/>
+          </a:p>
+          <a:p>
+            <a:r>
+              <a:rPr lang="de-CH" sz="2000" dirty="0" err="1"/>
+              <a:t>Adhoc</a:t>
+            </a:r>
+            <a:r>
+              <a:rPr lang="de-CH" sz="2000" dirty="0"/>
+              <a:t> - </a:t>
+            </a:r>
+            <a:r>
+              <a:rPr lang="de-CH" sz="2000" dirty="0" smtClean="0"/>
+              <a:t>Abfragen</a:t>
+            </a:r>
+          </a:p>
+          <a:p>
+            <a:r>
+              <a:rPr lang="de-CH" sz="2000" dirty="0" smtClean="0"/>
+              <a:t>Visualisierung, z.B. </a:t>
+            </a:r>
+            <a:r>
+              <a:rPr lang="de-CH" sz="2000" dirty="0" err="1" smtClean="0"/>
+              <a:t>Kantonsheatmap</a:t>
+            </a:r>
+            <a:endParaRPr lang="de-CH" sz="2000" dirty="0"/>
           </a:p>
         </p:txBody>
       </p:sp>
@@ -12367,6 +12687,10 @@
               <a:rPr lang="de-CH" dirty="0" err="1" smtClean="0"/>
               <a:t>fu</a:t>
             </a:r>
+            <a:r>
+              <a:rPr lang="de-CH" dirty="0" smtClean="0"/>
+              <a:t>*</a:t>
+            </a:r>
             <a:endParaRPr lang="de-CH" dirty="0"/>
           </a:p>
         </p:txBody>
@@ -12383,8 +12707,8 @@
         </p:nvSpPr>
         <p:spPr>
           <a:xfrm>
-            <a:off x="252919" y="2684834"/>
-            <a:ext cx="4739022" cy="3835445"/>
+            <a:off x="675503" y="2684834"/>
+            <a:ext cx="4209535" cy="3835445"/>
           </a:xfrm>
         </p:spPr>
         <p:txBody>
@@ -12416,9 +12740,6 @@
           </a:p>
           <a:p>
             <a:endParaRPr lang="de-CH" sz="2000" dirty="0" smtClean="0"/>
-          </a:p>
-          <a:p>
-            <a:endParaRPr lang="de-CH" sz="2000" dirty="0"/>
           </a:p>
           <a:p>
             <a:pPr marL="0" indent="0">
@@ -13162,14 +13483,38 @@
           <a:p>
             <a:r>
               <a:rPr lang="de-CH" sz="2800" dirty="0" smtClean="0"/>
-              <a:t>Oder Standardisierung Jahresrechnungsdaten</a:t>
-            </a:r>
-          </a:p>
-          <a:p>
+              <a:t>Oder Standardisierung </a:t>
+            </a:r>
             <a:r>
               <a:rPr lang="de-CH" sz="2800" dirty="0" smtClean="0"/>
-              <a:t>Vergleiche zwischen Geschäftsjahren</a:t>
-            </a:r>
+              <a:t>Jahresrechnungsdatenlieferung</a:t>
+            </a:r>
+            <a:endParaRPr lang="de-CH" sz="2800" dirty="0" smtClean="0"/>
+          </a:p>
+          <a:p>
+            <a:r>
+              <a:rPr lang="de-CH" sz="2800" dirty="0" smtClean="0"/>
+              <a:t>Vergleiche zwischen </a:t>
+            </a:r>
+            <a:r>
+              <a:rPr lang="de-CH" sz="2800" dirty="0" smtClean="0"/>
+              <a:t>Geschäftsjahren</a:t>
+            </a:r>
+          </a:p>
+          <a:p>
+            <a:r>
+              <a:rPr lang="de-CH" sz="2800" dirty="0" err="1" smtClean="0"/>
+              <a:t>Keywordanalyse</a:t>
+            </a:r>
+            <a:r>
+              <a:rPr lang="de-CH" sz="2800" dirty="0" smtClean="0"/>
+              <a:t> </a:t>
+            </a:r>
+            <a:r>
+              <a:rPr lang="de-CH" sz="2800" smtClean="0"/>
+              <a:t>der Geschäftsberichte</a:t>
+            </a:r>
+            <a:endParaRPr lang="de-CH" sz="2800" dirty="0" smtClean="0"/>
           </a:p>
           <a:p>
             <a:endParaRPr lang="de-CH" sz="2800" dirty="0"/>

--- a/Foundation Tracker.pptx
+++ b/Foundation Tracker.pptx
@@ -9,10 +9,12 @@
     <p:sldId id="259" r:id="rId3"/>
     <p:sldId id="258" r:id="rId4"/>
     <p:sldId id="257" r:id="rId5"/>
-    <p:sldId id="262" r:id="rId6"/>
-    <p:sldId id="261" r:id="rId7"/>
-    <p:sldId id="263" r:id="rId8"/>
-    <p:sldId id="260" r:id="rId9"/>
+    <p:sldId id="264" r:id="rId6"/>
+    <p:sldId id="265" r:id="rId7"/>
+    <p:sldId id="262" r:id="rId8"/>
+    <p:sldId id="261" r:id="rId9"/>
+    <p:sldId id="263" r:id="rId10"/>
+    <p:sldId id="260" r:id="rId11"/>
   </p:sldIdLst>
   <p:sldSz cx="12192000" cy="6858000"/>
   <p:notesSz cx="6858000" cy="9144000"/>
@@ -1904,6 +1906,13 @@
     <dgm:pt modelId="{4E615719-B08B-444E-A67B-5F5F60E5BF62}" type="doc">
       <dgm:prSet loTypeId="urn:microsoft.com/office/officeart/2005/8/layout/equation2" loCatId="process" qsTypeId="urn:microsoft.com/office/officeart/2005/8/quickstyle/simple1" qsCatId="simple" csTypeId="urn:microsoft.com/office/officeart/2005/8/colors/accent5_2" csCatId="accent5" phldr="1"/>
       <dgm:spPr/>
+      <dgm:t>
+        <a:bodyPr/>
+        <a:lstStyle/>
+        <a:p>
+          <a:endParaRPr lang="de-DE"/>
+        </a:p>
+      </dgm:t>
     </dgm:pt>
     <dgm:pt modelId="{8A6B29C8-0842-4493-990D-F3BDF0B5088A}">
       <dgm:prSet phldrT="[Text]" custT="1"/>
@@ -2248,8 +2257,8 @@
       </dsp:nvSpPr>
       <dsp:spPr>
         <a:xfrm>
-          <a:off x="1854687" y="188511"/>
-          <a:ext cx="3741220" cy="1299276"/>
+          <a:off x="1790778" y="175885"/>
+          <a:ext cx="3490643" cy="1212254"/>
         </a:xfrm>
         <a:prstGeom prst="ellipse">
           <a:avLst/>
@@ -2289,8 +2298,8 @@
       </dsp:nvSpPr>
       <dsp:spPr>
         <a:xfrm>
-          <a:off x="3368576" y="3369998"/>
-          <a:ext cx="725042" cy="464027"/>
+          <a:off x="3203270" y="3144284"/>
+          <a:ext cx="676481" cy="432948"/>
         </a:xfrm>
         <a:prstGeom prst="downArrow">
           <a:avLst/>
@@ -2338,8 +2347,8 @@
       </dsp:nvSpPr>
       <dsp:spPr>
         <a:xfrm>
-          <a:off x="1990995" y="3741220"/>
-          <a:ext cx="3480205" cy="870051"/>
+          <a:off x="1917956" y="3490643"/>
+          <a:ext cx="3247110" cy="811777"/>
         </a:xfrm>
         <a:prstGeom prst="rect">
           <a:avLst/>
@@ -2363,12 +2372,12 @@
         <a:fontRef idx="minor"/>
       </dsp:style>
       <dsp:txBody>
-        <a:bodyPr spcFirstLastPara="0" vert="horz" wrap="square" lIns="213360" tIns="213360" rIns="213360" bIns="213360" numCol="1" spcCol="1270" anchor="ctr" anchorCtr="0">
+        <a:bodyPr spcFirstLastPara="0" vert="horz" wrap="square" lIns="199136" tIns="199136" rIns="199136" bIns="199136" numCol="1" spcCol="1270" anchor="ctr" anchorCtr="0">
           <a:noAutofit/>
         </a:bodyPr>
         <a:lstStyle/>
         <a:p>
-          <a:pPr lvl="0" algn="ctr" defTabSz="1333500">
+          <a:pPr lvl="0" algn="ctr" defTabSz="1244600">
             <a:lnSpc>
               <a:spcPct val="90000"/>
             </a:lnSpc>
@@ -2380,15 +2389,15 @@
             </a:spcAft>
           </a:pPr>
           <a:r>
-            <a:rPr lang="de-DE" sz="3000" kern="1200" dirty="0" smtClean="0"/>
+            <a:rPr lang="de-DE" sz="2800" kern="1200" dirty="0" smtClean="0"/>
             <a:t>Kontrolle</a:t>
           </a:r>
-          <a:endParaRPr lang="de-DE" sz="3000" kern="1200" dirty="0"/>
+          <a:endParaRPr lang="de-DE" sz="2800" kern="1200" dirty="0"/>
         </a:p>
       </dsp:txBody>
       <dsp:txXfrm>
-        <a:off x="1990995" y="3741220"/>
-        <a:ext cx="3480205" cy="870051"/>
+        <a:off x="1917956" y="3490643"/>
+        <a:ext cx="3247110" cy="811777"/>
       </dsp:txXfrm>
     </dsp:sp>
     <dsp:sp modelId="{A7568783-E2DA-4605-95C5-8412FFAA7879}">
@@ -2398,8 +2407,8 @@
       </dsp:nvSpPr>
       <dsp:spPr>
         <a:xfrm>
-          <a:off x="3214867" y="1588133"/>
-          <a:ext cx="1305077" cy="1305077"/>
+          <a:off x="3059856" y="1481764"/>
+          <a:ext cx="1217666" cy="1217666"/>
         </a:xfrm>
         <a:prstGeom prst="ellipse">
           <a:avLst/>
@@ -2441,12 +2450,12 @@
         </a:fontRef>
       </dsp:style>
       <dsp:txBody>
-        <a:bodyPr spcFirstLastPara="0" vert="horz" wrap="square" lIns="69850" tIns="69850" rIns="69850" bIns="69850" numCol="1" spcCol="1270" anchor="ctr" anchorCtr="0">
+        <a:bodyPr spcFirstLastPara="0" vert="horz" wrap="square" lIns="66040" tIns="66040" rIns="66040" bIns="66040" numCol="1" spcCol="1270" anchor="ctr" anchorCtr="0">
           <a:noAutofit/>
         </a:bodyPr>
         <a:lstStyle/>
         <a:p>
-          <a:pPr lvl="0" algn="ctr" defTabSz="2444750">
+          <a:pPr lvl="0" algn="ctr" defTabSz="2311400">
             <a:lnSpc>
               <a:spcPct val="90000"/>
             </a:lnSpc>
@@ -2458,15 +2467,15 @@
             </a:spcAft>
           </a:pPr>
           <a:r>
-            <a:rPr lang="de-DE" sz="5500" kern="1200" dirty="0" smtClean="0"/>
+            <a:rPr lang="de-DE" sz="5200" kern="1200" dirty="0" smtClean="0"/>
             <a:t>S3</a:t>
           </a:r>
-          <a:endParaRPr lang="de-DE" sz="5500" kern="1200" dirty="0"/>
+          <a:endParaRPr lang="de-DE" sz="5200" kern="1200" dirty="0"/>
         </a:p>
       </dsp:txBody>
       <dsp:txXfrm>
-        <a:off x="3405991" y="1779257"/>
-        <a:ext cx="922829" cy="922829"/>
+        <a:off x="3238179" y="1660087"/>
+        <a:ext cx="861020" cy="861020"/>
       </dsp:txXfrm>
     </dsp:sp>
     <dsp:sp modelId="{91D39E5B-56DD-409A-BE3B-A7E7E2255C58}">
@@ -2476,8 +2485,8 @@
       </dsp:nvSpPr>
       <dsp:spPr>
         <a:xfrm>
-          <a:off x="2281012" y="609035"/>
-          <a:ext cx="1305077" cy="1305077"/>
+          <a:off x="2188548" y="568244"/>
+          <a:ext cx="1217666" cy="1217666"/>
         </a:xfrm>
         <a:prstGeom prst="ellipse">
           <a:avLst/>
@@ -2516,12 +2525,12 @@
         </a:fontRef>
       </dsp:style>
       <dsp:txBody>
-        <a:bodyPr spcFirstLastPara="0" vert="horz" wrap="square" lIns="69850" tIns="69850" rIns="69850" bIns="69850" numCol="1" spcCol="1270" anchor="ctr" anchorCtr="0">
+        <a:bodyPr spcFirstLastPara="0" vert="horz" wrap="square" lIns="66040" tIns="66040" rIns="66040" bIns="66040" numCol="1" spcCol="1270" anchor="ctr" anchorCtr="0">
           <a:noAutofit/>
         </a:bodyPr>
         <a:lstStyle/>
         <a:p>
-          <a:pPr lvl="0" algn="ctr" defTabSz="2444750">
+          <a:pPr lvl="0" algn="ctr" defTabSz="2311400">
             <a:lnSpc>
               <a:spcPct val="90000"/>
             </a:lnSpc>
@@ -2533,15 +2542,15 @@
             </a:spcAft>
           </a:pPr>
           <a:r>
-            <a:rPr lang="de-DE" sz="5500" kern="1200" dirty="0" smtClean="0"/>
+            <a:rPr lang="de-DE" sz="5200" kern="1200" dirty="0" smtClean="0"/>
             <a:t>S2</a:t>
           </a:r>
-          <a:endParaRPr lang="de-DE" sz="5500" kern="1200" dirty="0"/>
+          <a:endParaRPr lang="de-DE" sz="5200" kern="1200" dirty="0"/>
         </a:p>
       </dsp:txBody>
       <dsp:txXfrm>
-        <a:off x="2472136" y="800159"/>
-        <a:ext cx="922829" cy="922829"/>
+        <a:off x="2366871" y="746567"/>
+        <a:ext cx="861020" cy="861020"/>
       </dsp:txXfrm>
     </dsp:sp>
     <dsp:sp modelId="{D20578B8-2610-4497-881C-DDA53023D9A5}">
@@ -2551,8 +2560,8 @@
       </dsp:nvSpPr>
       <dsp:spPr>
         <a:xfrm>
-          <a:off x="3615091" y="293497"/>
-          <a:ext cx="1305077" cy="1305077"/>
+          <a:off x="3433274" y="273839"/>
+          <a:ext cx="1217666" cy="1217666"/>
         </a:xfrm>
         <a:prstGeom prst="ellipse">
           <a:avLst/>
@@ -2594,12 +2603,12 @@
         </a:fontRef>
       </dsp:style>
       <dsp:txBody>
-        <a:bodyPr spcFirstLastPara="0" vert="horz" wrap="square" lIns="69850" tIns="69850" rIns="69850" bIns="69850" numCol="1" spcCol="1270" anchor="ctr" anchorCtr="0">
+        <a:bodyPr spcFirstLastPara="0" vert="horz" wrap="square" lIns="66040" tIns="66040" rIns="66040" bIns="66040" numCol="1" spcCol="1270" anchor="ctr" anchorCtr="0">
           <a:noAutofit/>
         </a:bodyPr>
         <a:lstStyle/>
         <a:p>
-          <a:pPr lvl="0" algn="ctr" defTabSz="2444750">
+          <a:pPr lvl="0" algn="ctr" defTabSz="2311400">
             <a:lnSpc>
               <a:spcPct val="90000"/>
             </a:lnSpc>
@@ -2611,15 +2620,15 @@
             </a:spcAft>
           </a:pPr>
           <a:r>
-            <a:rPr lang="de-DE" sz="5500" kern="1200" dirty="0" smtClean="0"/>
+            <a:rPr lang="de-DE" sz="5200" kern="1200" dirty="0" smtClean="0"/>
             <a:t>S1</a:t>
           </a:r>
-          <a:endParaRPr lang="de-DE" sz="5500" kern="1200" dirty="0"/>
+          <a:endParaRPr lang="de-DE" sz="5200" kern="1200" dirty="0"/>
         </a:p>
       </dsp:txBody>
       <dsp:txXfrm>
-        <a:off x="3806215" y="484621"/>
-        <a:ext cx="922829" cy="922829"/>
+        <a:off x="3611597" y="452162"/>
+        <a:ext cx="861020" cy="861020"/>
       </dsp:txXfrm>
     </dsp:sp>
     <dsp:sp modelId="{51FEC203-2273-417C-9089-194773F28204}">
@@ -2629,8 +2638,8 @@
       </dsp:nvSpPr>
       <dsp:spPr>
         <a:xfrm>
-          <a:off x="1700978" y="29001"/>
-          <a:ext cx="4060239" cy="3248191"/>
+          <a:off x="1647363" y="27059"/>
+          <a:ext cx="3788295" cy="3030636"/>
         </a:xfrm>
         <a:prstGeom prst="funnel">
           <a:avLst/>
@@ -11221,7 +11230,15 @@
           <a:p>
             <a:r>
               <a:rPr lang="de-CH" sz="2800" dirty="0" smtClean="0"/>
-              <a:t>#Stiftungsaufsicht</a:t>
+              <a:t>#</a:t>
+            </a:r>
+            <a:r>
+              <a:rPr lang="de-CH" sz="2800" dirty="0" smtClean="0"/>
+              <a:t>Stiftungsaufsicht      #</a:t>
+            </a:r>
+            <a:r>
+              <a:rPr lang="de-CH" sz="2800" dirty="0" err="1" smtClean="0"/>
+              <a:t>TeamVUnit</a:t>
             </a:r>
             <a:endParaRPr lang="de-CH" sz="2800" dirty="0"/>
           </a:p>
@@ -11231,6 +11248,116 @@
     <p:extLst>
       <p:ext uri="{BB962C8B-B14F-4D97-AF65-F5344CB8AC3E}">
         <p14:creationId xmlns:p14="http://schemas.microsoft.com/office/powerpoint/2010/main" val="1112907600"/>
+      </p:ext>
+    </p:extLst>
+  </p:cSld>
+  <p:clrMapOvr>
+    <a:masterClrMapping/>
+  </p:clrMapOvr>
+  <p:timing>
+    <p:tnLst>
+      <p:par>
+        <p:cTn id="1" dur="indefinite" restart="never" nodeType="tmRoot"/>
+      </p:par>
+    </p:tnLst>
+  </p:timing>
+</p:sld>
+</file>
+
+<file path=ppt/slides/slide10.xml><?xml version="1.0" encoding="utf-8"?>
+<p:sld xmlns:a="http://schemas.openxmlformats.org/drawingml/2006/main" xmlns:r="http://schemas.openxmlformats.org/officeDocument/2006/relationships" xmlns:p="http://schemas.openxmlformats.org/presentationml/2006/main">
+  <p:cSld>
+    <p:spTree>
+      <p:nvGrpSpPr>
+        <p:cNvPr id="1" name=""/>
+        <p:cNvGrpSpPr/>
+        <p:nvPr/>
+      </p:nvGrpSpPr>
+      <p:grpSpPr>
+        <a:xfrm>
+          <a:off x="0" y="0"/>
+          <a:ext cx="0" cy="0"/>
+          <a:chOff x="0" y="0"/>
+          <a:chExt cx="0" cy="0"/>
+        </a:xfrm>
+      </p:grpSpPr>
+      <p:sp>
+        <p:nvSpPr>
+          <p:cNvPr id="3" name="Inhaltsplatzhalter 2"/>
+          <p:cNvSpPr>
+            <a:spLocks noGrp="1"/>
+          </p:cNvSpPr>
+          <p:nvPr>
+            <p:ph idx="1"/>
+          </p:nvPr>
+        </p:nvSpPr>
+        <p:spPr/>
+        <p:txBody>
+          <a:bodyPr>
+            <a:noAutofit/>
+          </a:bodyPr>
+          <a:lstStyle/>
+          <a:p>
+            <a:endParaRPr lang="de-CH" sz="2800" dirty="0" smtClean="0"/>
+          </a:p>
+          <a:p>
+            <a:r>
+              <a:rPr lang="de-CH" sz="2800" dirty="0" smtClean="0"/>
+              <a:t>Verbesserte Erkennung von Bilanz- und Erfolgsrechnungsdaten</a:t>
+            </a:r>
+          </a:p>
+          <a:p>
+            <a:r>
+              <a:rPr lang="de-CH" sz="2800" dirty="0" smtClean="0"/>
+              <a:t>Vergleiche </a:t>
+            </a:r>
+            <a:r>
+              <a:rPr lang="de-CH" sz="2800" dirty="0" smtClean="0"/>
+              <a:t>zwischen </a:t>
+            </a:r>
+            <a:r>
+              <a:rPr lang="de-CH" sz="2800" dirty="0" smtClean="0"/>
+              <a:t>Geschäftsjahren</a:t>
+            </a:r>
+          </a:p>
+          <a:p>
+            <a:r>
+              <a:rPr lang="de-CH" sz="2800" dirty="0" smtClean="0"/>
+              <a:t>Verdächtige Aktivitäten erkennen</a:t>
+            </a:r>
+          </a:p>
+          <a:p>
+            <a:endParaRPr lang="de-CH" sz="2800" dirty="0"/>
+          </a:p>
+        </p:txBody>
+      </p:sp>
+      <p:sp>
+        <p:nvSpPr>
+          <p:cNvPr id="5" name="Titel 4"/>
+          <p:cNvSpPr>
+            <a:spLocks noGrp="1"/>
+          </p:cNvSpPr>
+          <p:nvPr>
+            <p:ph type="title"/>
+          </p:nvPr>
+        </p:nvSpPr>
+        <p:spPr/>
+        <p:txBody>
+          <a:bodyPr/>
+          <a:lstStyle/>
+          <a:p>
+            <a:r>
+              <a:rPr lang="de-CH" dirty="0" smtClean="0"/>
+              <a:t>Ausblick</a:t>
+            </a:r>
+            <a:endParaRPr lang="de-CH" dirty="0"/>
+          </a:p>
+        </p:txBody>
+      </p:sp>
+    </p:spTree>
+    <p:extLst>
+      <p:ext uri="{BB962C8B-B14F-4D97-AF65-F5344CB8AC3E}">
+        <p14:creationId xmlns:p14="http://schemas.microsoft.com/office/powerpoint/2010/main" val="2818509401"/>
       </p:ext>
     </p:extLst>
   </p:cSld>
@@ -11302,14 +11429,14 @@
           <p:nvPr>
             <p:extLst>
               <p:ext uri="{D42A27DB-BD31-4B8C-83A1-F6EECF244321}">
-                <p14:modId xmlns:p14="http://schemas.microsoft.com/office/powerpoint/2010/main" val="873259378"/>
+                <p14:modId xmlns:p14="http://schemas.microsoft.com/office/powerpoint/2010/main" val="3565781065"/>
               </p:ext>
             </p:extLst>
           </p:nvPr>
         </p:nvGraphicFramePr>
         <p:xfrm>
-          <a:off x="5313463" y="1099047"/>
-          <a:ext cx="7462196" cy="4640274"/>
+          <a:off x="5707002" y="2222287"/>
+          <a:ext cx="7083023" cy="4329480"/>
         </p:xfrm>
         <a:graphic>
           <a:graphicData uri="http://schemas.openxmlformats.org/drawingml/2006/diagram">
@@ -11317,6 +11444,44 @@
           </a:graphicData>
         </a:graphic>
       </p:graphicFrame>
+      <p:pic>
+        <p:nvPicPr>
+          <p:cNvPr id="2" name="Grafik 1"/>
+          <p:cNvPicPr>
+            <a:picLocks noChangeAspect="1"/>
+          </p:cNvPicPr>
+          <p:nvPr/>
+        </p:nvPicPr>
+        <p:blipFill>
+          <a:blip r:embed="rId7"/>
+          <a:stretch>
+            <a:fillRect/>
+          </a:stretch>
+        </p:blipFill>
+        <p:spPr>
+          <a:xfrm>
+            <a:off x="289126" y="368523"/>
+            <a:ext cx="7886700" cy="990600"/>
+          </a:xfrm>
+          <a:prstGeom prst="rect">
+            <a:avLst/>
+          </a:prstGeom>
+          <a:ln w="38100" cap="sq">
+            <a:solidFill>
+              <a:srgbClr val="000000"/>
+            </a:solidFill>
+            <a:prstDash val="solid"/>
+            <a:miter lim="800000"/>
+          </a:ln>
+          <a:effectLst>
+            <a:outerShdw blurRad="50800" dist="38100" dir="2700000" algn="tl" rotWithShape="0">
+              <a:srgbClr val="000000">
+                <a:alpha val="43000"/>
+              </a:srgbClr>
+            </a:outerShdw>
+          </a:effectLst>
+        </p:spPr>
+      </p:pic>
     </p:spTree>
     <p:extLst>
       <p:ext uri="{BB962C8B-B14F-4D97-AF65-F5344CB8AC3E}">
@@ -11523,7 +11688,7 @@
         </p:nvSpPr>
         <p:spPr>
           <a:xfrm>
-            <a:off x="4103802" y="6249328"/>
+            <a:off x="4103802" y="5592470"/>
             <a:ext cx="1558440" cy="369332"/>
           </a:xfrm>
           <a:prstGeom prst="rect">
@@ -11556,7 +11721,7 @@
         <p:spPr>
           <a:xfrm>
             <a:off x="7871370" y="2957101"/>
-            <a:ext cx="1587962" cy="653624"/>
+            <a:ext cx="2100562" cy="601387"/>
           </a:xfrm>
           <a:prstGeom prst="line">
             <a:avLst/>
@@ -11581,15 +11746,13 @@
       <p:cxnSp>
         <p:nvCxnSpPr>
           <p:cNvPr id="25" name="Gerader Verbinder 24"/>
-          <p:cNvCxnSpPr>
-            <a:stCxn id="21" idx="6"/>
-          </p:cNvCxnSpPr>
+          <p:cNvCxnSpPr/>
           <p:nvPr/>
         </p:nvCxnSpPr>
         <p:spPr>
-          <a:xfrm>
-            <a:off x="7581483" y="5442537"/>
-            <a:ext cx="1670009" cy="610814"/>
+          <a:xfrm flipV="1">
+            <a:off x="7422498" y="4331923"/>
+            <a:ext cx="2588764" cy="1139291"/>
           </a:xfrm>
           <a:prstGeom prst="line">
             <a:avLst/>
@@ -11619,7 +11782,7 @@
         </p:nvSpPr>
         <p:spPr>
           <a:xfrm>
-            <a:off x="9055180" y="4305344"/>
+            <a:off x="9666180" y="5551166"/>
             <a:ext cx="1558440" cy="369332"/>
           </a:xfrm>
           <a:prstGeom prst="rect">
@@ -11703,13 +11866,6 @@
               <a:rPr lang="de-CH" b="1" dirty="0" smtClean="0"/>
               <a:t>Samariterbund</a:t>
             </a:r>
-            <a:br>
-              <a:rPr lang="de-CH" b="1" dirty="0" smtClean="0"/>
-            </a:br>
-            <a:r>
-              <a:rPr lang="de-CH" b="1" dirty="0" smtClean="0"/>
-              <a:t>Bilanz: 9 MIO</a:t>
-            </a:r>
             <a:endParaRPr lang="de-CH" b="1" dirty="0"/>
           </a:p>
         </p:txBody>
@@ -11826,20 +11982,6 @@
               <a:rPr lang="de-CH" b="1" dirty="0" smtClean="0"/>
               <a:t>REGA</a:t>
             </a:r>
-            <a:br>
-              <a:rPr lang="de-CH" b="1" dirty="0" smtClean="0"/>
-            </a:br>
-            <a:r>
-              <a:rPr lang="de-CH" b="1" dirty="0" smtClean="0"/>
-              <a:t>Bilanz:</a:t>
-            </a:r>
-            <a:br>
-              <a:rPr lang="de-CH" b="1" dirty="0" smtClean="0"/>
-            </a:br>
-            <a:r>
-              <a:rPr lang="de-CH" b="1" dirty="0" smtClean="0"/>
-              <a:t>500 MIO</a:t>
-            </a:r>
             <a:endParaRPr lang="de-CH" b="1" dirty="0"/>
           </a:p>
         </p:txBody>
@@ -11984,7 +12126,7 @@
         </p:nvSpPr>
         <p:spPr>
           <a:xfrm>
-            <a:off x="9211830" y="5699150"/>
+            <a:off x="9822830" y="4055980"/>
             <a:ext cx="1245140" cy="680936"/>
           </a:xfrm>
           <a:prstGeom prst="roundRect">
@@ -12041,7 +12183,7 @@
           <a:p>
             <a:r>
               <a:rPr lang="de-CH" dirty="0" smtClean="0"/>
-              <a:t>Ziel</a:t>
+              <a:t>Vision</a:t>
             </a:r>
             <a:endParaRPr lang="de-CH" dirty="0"/>
           </a:p>
@@ -12055,7 +12197,7 @@
         </p:nvSpPr>
         <p:spPr>
           <a:xfrm>
-            <a:off x="9216870" y="3193595"/>
+            <a:off x="9839440" y="3195586"/>
             <a:ext cx="1245140" cy="680936"/>
           </a:xfrm>
           <a:prstGeom prst="roundRect">
@@ -12199,7 +12341,7 @@
         </p:nvSpPr>
         <p:spPr>
           <a:xfrm>
-            <a:off x="7729182" y="4504749"/>
+            <a:off x="8242799" y="5418745"/>
             <a:ext cx="845103" cy="646331"/>
           </a:xfrm>
           <a:prstGeom prst="rect">
@@ -12251,6 +12393,13 @@
   <p:clrMapOvr>
     <a:masterClrMapping/>
   </p:clrMapOvr>
+  <p:timing>
+    <p:tnLst>
+      <p:par>
+        <p:cTn id="1" dur="indefinite" restart="never" nodeType="tmRoot"/>
+      </p:par>
+    </p:tnLst>
+  </p:timing>
 </p:sld>
 </file>
 
@@ -12294,36 +12443,23 @@
           <a:lstStyle/>
           <a:p>
             <a:r>
-              <a:rPr lang="de-CH" sz="2000" dirty="0" smtClean="0"/>
-              <a:t>Strukturierte Daten </a:t>
-            </a:r>
-            <a:br>
-              <a:rPr lang="de-CH" sz="2000" dirty="0" smtClean="0"/>
-            </a:br>
-            <a:r>
-              <a:rPr lang="de-CH" sz="2000" dirty="0" smtClean="0"/>
-              <a:t>(ZEFIX, Handelsregister)</a:t>
-            </a:r>
-          </a:p>
-          <a:p>
-            <a:r>
-              <a:rPr lang="de-CH" sz="2000" dirty="0" smtClean="0"/>
+              <a:rPr lang="de-CH" sz="2400" dirty="0" smtClean="0"/>
+              <a:t>Strukturierte Daten</a:t>
+            </a:r>
+          </a:p>
+          <a:p>
+            <a:pPr marL="0" indent="0">
+              <a:buNone/>
+            </a:pPr>
+            <a:r>
+              <a:rPr lang="de-CH" sz="2400" dirty="0" smtClean="0"/>
+              <a:t> </a:t>
+            </a:r>
+          </a:p>
+          <a:p>
+            <a:r>
+              <a:rPr lang="de-CH" sz="2400" dirty="0" smtClean="0"/>
               <a:t>Unstrukturierte Daten</a:t>
-            </a:r>
-            <a:br>
-              <a:rPr lang="de-CH" sz="2000" dirty="0" smtClean="0"/>
-            </a:br>
-            <a:r>
-              <a:rPr lang="de-CH" sz="2000" dirty="0" smtClean="0"/>
-              <a:t>(</a:t>
-            </a:r>
-            <a:r>
-              <a:rPr lang="de-CH" sz="2000" dirty="0" err="1" smtClean="0"/>
-              <a:t>Jahreberichte</a:t>
-            </a:r>
-            <a:r>
-              <a:rPr lang="de-CH" sz="2000" dirty="0" smtClean="0"/>
-              <a:t>)</a:t>
             </a:r>
           </a:p>
         </p:txBody>
@@ -12335,7 +12471,7 @@
           <p:nvPr>
             <p:extLst>
               <p:ext uri="{D42A27DB-BD31-4B8C-83A1-F6EECF244321}">
-                <p14:modId xmlns:p14="http://schemas.microsoft.com/office/powerpoint/2010/main" val="3659842085"/>
+                <p14:modId xmlns:p14="http://schemas.microsoft.com/office/powerpoint/2010/main" val="1730874083"/>
               </p:ext>
             </p:extLst>
           </p:nvPr>
@@ -12595,15 +12731,7 @@
           <a:p>
             <a:r>
               <a:rPr lang="de-CH" sz="2000" dirty="0" smtClean="0"/>
-              <a:t>Stiftungszweck </a:t>
-            </a:r>
-            <a:r>
-              <a:rPr lang="de-CH" sz="2000" dirty="0"/>
-              <a:t>- </a:t>
-            </a:r>
-            <a:r>
-              <a:rPr lang="de-CH" sz="2000" dirty="0" err="1"/>
-              <a:t>Tagging</a:t>
+              <a:t>Auswertungen</a:t>
             </a:r>
             <a:endParaRPr lang="de-CH" sz="2000" dirty="0"/>
           </a:p>
@@ -12634,6 +12762,158 @@
           </a:p>
         </p:txBody>
       </p:sp>
+      <p:grpSp>
+        <p:nvGrpSpPr>
+          <p:cNvPr id="6" name="Gruppieren 5"/>
+          <p:cNvGrpSpPr/>
+          <p:nvPr/>
+        </p:nvGrpSpPr>
+        <p:grpSpPr>
+          <a:xfrm>
+            <a:off x="9347202" y="3032205"/>
+            <a:ext cx="383666" cy="448818"/>
+            <a:chOff x="3279775" y="2484924"/>
+            <a:chExt cx="383666" cy="448818"/>
+          </a:xfrm>
+        </p:grpSpPr>
+        <p:sp>
+          <p:nvSpPr>
+            <p:cNvPr id="7" name="Pfeil nach rechts 6"/>
+            <p:cNvSpPr/>
+            <p:nvPr/>
+          </p:nvSpPr>
+          <p:spPr>
+            <a:xfrm>
+              <a:off x="3279775" y="2484924"/>
+              <a:ext cx="383666" cy="448818"/>
+            </a:xfrm>
+            <a:prstGeom prst="rightArrow">
+              <a:avLst>
+                <a:gd name="adj1" fmla="val 60000"/>
+                <a:gd name="adj2" fmla="val 50000"/>
+              </a:avLst>
+            </a:prstGeom>
+          </p:spPr>
+          <p:style>
+            <a:lnRef idx="0">
+              <a:schemeClr val="accent5">
+                <a:tint val="60000"/>
+                <a:hueOff val="0"/>
+                <a:satOff val="0"/>
+                <a:lumOff val="0"/>
+                <a:alphaOff val="0"/>
+              </a:schemeClr>
+            </a:lnRef>
+            <a:fillRef idx="1">
+              <a:schemeClr val="accent5">
+                <a:tint val="60000"/>
+                <a:hueOff val="0"/>
+                <a:satOff val="0"/>
+                <a:lumOff val="0"/>
+                <a:alphaOff val="0"/>
+              </a:schemeClr>
+            </a:fillRef>
+            <a:effectRef idx="0">
+              <a:schemeClr val="accent5">
+                <a:tint val="60000"/>
+                <a:hueOff val="0"/>
+                <a:satOff val="0"/>
+                <a:lumOff val="0"/>
+                <a:alphaOff val="0"/>
+              </a:schemeClr>
+            </a:effectRef>
+            <a:fontRef idx="minor">
+              <a:schemeClr val="lt1"/>
+            </a:fontRef>
+          </p:style>
+        </p:sp>
+        <p:sp>
+          <p:nvSpPr>
+            <p:cNvPr id="10" name="Pfeil nach rechts 4"/>
+            <p:cNvSpPr txBox="1"/>
+            <p:nvPr/>
+          </p:nvSpPr>
+          <p:spPr>
+            <a:xfrm>
+              <a:off x="3279775" y="2574688"/>
+              <a:ext cx="268566" cy="269290"/>
+            </a:xfrm>
+            <a:prstGeom prst="rect">
+              <a:avLst/>
+            </a:prstGeom>
+          </p:spPr>
+          <p:style>
+            <a:lnRef idx="0">
+              <a:scrgbClr r="0" g="0" b="0"/>
+            </a:lnRef>
+            <a:fillRef idx="0">
+              <a:scrgbClr r="0" g="0" b="0"/>
+            </a:fillRef>
+            <a:effectRef idx="0">
+              <a:scrgbClr r="0" g="0" b="0"/>
+            </a:effectRef>
+            <a:fontRef idx="minor">
+              <a:schemeClr val="lt1"/>
+            </a:fontRef>
+          </p:style>
+          <p:txBody>
+            <a:bodyPr spcFirstLastPara="0" vert="horz" wrap="square" lIns="0" tIns="0" rIns="0" bIns="0" numCol="1" spcCol="1270" anchor="ctr" anchorCtr="0">
+              <a:noAutofit/>
+            </a:bodyPr>
+            <a:lstStyle/>
+            <a:p>
+              <a:pPr lvl="0" algn="ctr" defTabSz="844550">
+                <a:lnSpc>
+                  <a:spcPct val="90000"/>
+                </a:lnSpc>
+                <a:spcBef>
+                  <a:spcPct val="0"/>
+                </a:spcBef>
+                <a:spcAft>
+                  <a:spcPct val="35000"/>
+                </a:spcAft>
+              </a:pPr>
+              <a:endParaRPr lang="de-DE" sz="1900" kern="1200"/>
+            </a:p>
+          </p:txBody>
+        </p:sp>
+      </p:grpSp>
+      <p:pic>
+        <p:nvPicPr>
+          <p:cNvPr id="4" name="Grafik 3"/>
+          <p:cNvPicPr>
+            <a:picLocks noChangeAspect="1"/>
+          </p:cNvPicPr>
+          <p:nvPr/>
+        </p:nvPicPr>
+        <p:blipFill>
+          <a:blip r:embed="rId7">
+            <a:extLst>
+              <a:ext uri="{BEBA8EAE-BF5A-486C-A8C5-ECC9F3942E4B}">
+                <a14:imgProps xmlns:a14="http://schemas.microsoft.com/office/drawing/2010/main">
+                  <a14:imgLayer r:embed="rId8">
+                    <a14:imgEffect>
+                      <a14:backgroundRemoval t="0" b="99669" l="0" r="100000"/>
+                    </a14:imgEffect>
+                  </a14:imgLayer>
+                </a14:imgProps>
+              </a:ext>
+            </a:extLst>
+          </a:blip>
+          <a:stretch>
+            <a:fillRect/>
+          </a:stretch>
+        </p:blipFill>
+        <p:spPr>
+          <a:xfrm>
+            <a:off x="9711803" y="2288607"/>
+            <a:ext cx="2365527" cy="1936014"/>
+          </a:xfrm>
+          <a:prstGeom prst="rect">
+            <a:avLst/>
+          </a:prstGeom>
+        </p:spPr>
+      </p:pic>
     </p:spTree>
     <p:extLst>
       <p:ext uri="{BB962C8B-B14F-4D97-AF65-F5344CB8AC3E}">
@@ -12644,6 +12924,13 @@
   <p:clrMapOvr>
     <a:masterClrMapping/>
   </p:clrMapOvr>
+  <p:timing>
+    <p:tnLst>
+      <p:par>
+        <p:cTn id="1" dur="indefinite" restart="never" nodeType="tmRoot"/>
+      </p:par>
+    </p:tnLst>
+  </p:timing>
 </p:sld>
 </file>
 
@@ -12681,15 +12968,546 @@
           <a:p>
             <a:r>
               <a:rPr lang="de-CH" dirty="0" smtClean="0"/>
-              <a:t>Google-</a:t>
+              <a:t>ZEFIX / Handelsregister</a:t>
+            </a:r>
+            <a:endParaRPr lang="de-CH" dirty="0"/>
+          </a:p>
+        </p:txBody>
+      </p:sp>
+      <p:sp>
+        <p:nvSpPr>
+          <p:cNvPr id="3" name="Inhaltsplatzhalter 2"/>
+          <p:cNvSpPr>
+            <a:spLocks noGrp="1"/>
+          </p:cNvSpPr>
+          <p:nvPr>
+            <p:ph idx="1"/>
+          </p:nvPr>
+        </p:nvSpPr>
+        <p:spPr/>
+        <p:txBody>
+          <a:bodyPr>
+            <a:normAutofit/>
+          </a:bodyPr>
+          <a:lstStyle/>
+          <a:p>
+            <a:r>
+              <a:rPr lang="de-CH" sz="2400" dirty="0" smtClean="0"/>
+              <a:t>Strukturierte Daten</a:t>
+            </a:r>
+          </a:p>
+          <a:p>
+            <a:endParaRPr lang="de-CH" sz="2400" dirty="0" smtClean="0"/>
+          </a:p>
+          <a:p>
+            <a:r>
+              <a:rPr lang="de-CH" sz="2400" dirty="0" smtClean="0"/>
+              <a:t>Web Service Endpoints</a:t>
+            </a:r>
+            <a:endParaRPr lang="de-CH" sz="2400" dirty="0"/>
+          </a:p>
+        </p:txBody>
+      </p:sp>
+      <p:pic>
+        <p:nvPicPr>
+          <p:cNvPr id="5" name="Grafik 4"/>
+          <p:cNvPicPr>
+            <a:picLocks noChangeAspect="1"/>
+          </p:cNvPicPr>
+          <p:nvPr/>
+        </p:nvPicPr>
+        <p:blipFill>
+          <a:blip r:embed="rId2"/>
+          <a:stretch>
+            <a:fillRect/>
+          </a:stretch>
+        </p:blipFill>
+        <p:spPr>
+          <a:xfrm>
+            <a:off x="5152082" y="2916769"/>
+            <a:ext cx="6642519" cy="2766401"/>
+          </a:xfrm>
+          <a:prstGeom prst="rect">
+            <a:avLst/>
+          </a:prstGeom>
+          <a:solidFill>
+            <a:srgbClr val="FFFFFF">
+              <a:shade val="85000"/>
+            </a:srgbClr>
+          </a:solidFill>
+          <a:ln w="190500" cap="rnd">
+            <a:solidFill>
+              <a:srgbClr val="FFFFFF"/>
+            </a:solidFill>
+          </a:ln>
+          <a:effectLst>
+            <a:outerShdw blurRad="50000" algn="tl" rotWithShape="0">
+              <a:srgbClr val="000000">
+                <a:alpha val="41000"/>
+              </a:srgbClr>
+            </a:outerShdw>
+          </a:effectLst>
+          <a:scene3d>
+            <a:camera prst="orthographicFront"/>
+            <a:lightRig rig="twoPt" dir="t">
+              <a:rot lat="0" lon="0" rev="7800000"/>
+            </a:lightRig>
+          </a:scene3d>
+          <a:sp3d contourW="6350">
+            <a:bevelT w="50800" h="16510"/>
+            <a:contourClr>
+              <a:srgbClr val="C0C0C0"/>
+            </a:contourClr>
+          </a:sp3d>
+        </p:spPr>
+      </p:pic>
+    </p:spTree>
+    <p:extLst>
+      <p:ext uri="{BB962C8B-B14F-4D97-AF65-F5344CB8AC3E}">
+        <p14:creationId xmlns:p14="http://schemas.microsoft.com/office/powerpoint/2010/main" val="834265643"/>
+      </p:ext>
+    </p:extLst>
+  </p:cSld>
+  <p:clrMapOvr>
+    <a:masterClrMapping/>
+  </p:clrMapOvr>
+  <p:timing>
+    <p:tnLst>
+      <p:par>
+        <p:cTn id="1" dur="indefinite" restart="never" nodeType="tmRoot"/>
+      </p:par>
+    </p:tnLst>
+  </p:timing>
+</p:sld>
+</file>
+
+<file path=ppt/slides/slide6.xml><?xml version="1.0" encoding="utf-8"?>
+<p:sld xmlns:a="http://schemas.openxmlformats.org/drawingml/2006/main" xmlns:r="http://schemas.openxmlformats.org/officeDocument/2006/relationships" xmlns:p="http://schemas.openxmlformats.org/presentationml/2006/main">
+  <p:cSld>
+    <p:spTree>
+      <p:nvGrpSpPr>
+        <p:cNvPr id="1" name=""/>
+        <p:cNvGrpSpPr/>
+        <p:nvPr/>
+      </p:nvGrpSpPr>
+      <p:grpSpPr>
+        <a:xfrm>
+          <a:off x="0" y="0"/>
+          <a:ext cx="0" cy="0"/>
+          <a:chOff x="0" y="0"/>
+          <a:chExt cx="0" cy="0"/>
+        </a:xfrm>
+      </p:grpSpPr>
+      <p:sp>
+        <p:nvSpPr>
+          <p:cNvPr id="2" name="Titel 1"/>
+          <p:cNvSpPr>
+            <a:spLocks noGrp="1"/>
+          </p:cNvSpPr>
+          <p:nvPr>
+            <p:ph type="title"/>
+          </p:nvPr>
+        </p:nvSpPr>
+        <p:spPr/>
+        <p:txBody>
+          <a:bodyPr/>
+          <a:lstStyle/>
+          <a:p>
+            <a:r>
+              <a:rPr lang="de-CH" dirty="0" smtClean="0"/>
+              <a:t>Stiftungszweck </a:t>
             </a:r>
             <a:r>
               <a:rPr lang="de-CH" dirty="0" err="1" smtClean="0"/>
-              <a:t>fu</a:t>
-            </a:r>
+              <a:t>Tagging</a:t>
+            </a:r>
+            <a:endParaRPr lang="de-CH" dirty="0"/>
+          </a:p>
+        </p:txBody>
+      </p:sp>
+      <p:sp>
+        <p:nvSpPr>
+          <p:cNvPr id="3" name="Inhaltsplatzhalter 2"/>
+          <p:cNvSpPr>
+            <a:spLocks noGrp="1"/>
+          </p:cNvSpPr>
+          <p:nvPr>
+            <p:ph idx="1"/>
+          </p:nvPr>
+        </p:nvSpPr>
+        <p:spPr/>
+        <p:txBody>
+          <a:bodyPr>
+            <a:normAutofit/>
+          </a:bodyPr>
+          <a:lstStyle/>
+          <a:p>
+            <a:r>
+              <a:rPr lang="de-CH" sz="2400" dirty="0" smtClean="0"/>
+              <a:t>AZURE </a:t>
+            </a:r>
+            <a:r>
+              <a:rPr lang="de-CH" sz="2400" dirty="0" err="1" smtClean="0"/>
+              <a:t>Cognitive</a:t>
+            </a:r>
+            <a:r>
+              <a:rPr lang="de-CH" sz="2400" dirty="0" smtClean="0"/>
+              <a:t> Services </a:t>
+            </a:r>
+          </a:p>
+          <a:p>
+            <a:endParaRPr lang="de-CH" sz="2400" dirty="0" smtClean="0"/>
+          </a:p>
+          <a:p>
+            <a:endParaRPr lang="de-CH" sz="2400" dirty="0" smtClean="0"/>
+          </a:p>
+          <a:p>
+            <a:endParaRPr lang="de-CH" sz="2400" dirty="0"/>
+          </a:p>
+          <a:p>
+            <a:endParaRPr lang="de-CH" sz="2400" dirty="0"/>
+          </a:p>
+        </p:txBody>
+      </p:sp>
+      <p:sp>
+        <p:nvSpPr>
+          <p:cNvPr id="4" name="Textfeld 3"/>
+          <p:cNvSpPr txBox="1"/>
+          <p:nvPr/>
+        </p:nvSpPr>
+        <p:spPr>
+          <a:xfrm>
+            <a:off x="902826" y="3333509"/>
+            <a:ext cx="4294208" cy="3600986"/>
+          </a:xfrm>
+          <a:prstGeom prst="rect">
+            <a:avLst/>
+          </a:prstGeom>
+          <a:noFill/>
+        </p:spPr>
+        <p:txBody>
+          <a:bodyPr wrap="square" rtlCol="0">
+            <a:spAutoFit/>
+          </a:bodyPr>
+          <a:lstStyle/>
+          <a:p>
+            <a:r>
+              <a:rPr lang="de-CH" sz="1200" dirty="0"/>
+              <a:t>Zwecktext:</a:t>
+            </a:r>
+          </a:p>
+          <a:p>
+            <a:r>
+              <a:rPr lang="de-CH" sz="1200" dirty="0"/>
+              <a:t>Hilfe von Kindern in Not und behinderten Kindern im Nordosten </a:t>
+            </a:r>
+            <a:r>
+              <a:rPr lang="de-CH" sz="1200" dirty="0" smtClean="0"/>
+              <a:t>Brasiliens, besonders </a:t>
+            </a:r>
+            <a:r>
+              <a:rPr lang="de-CH" sz="1200" dirty="0"/>
+              <a:t>in den Staaten </a:t>
+            </a:r>
+            <a:r>
+              <a:rPr lang="de-CH" sz="1200" dirty="0" err="1"/>
+              <a:t>Paraiba</a:t>
+            </a:r>
+            <a:r>
+              <a:rPr lang="de-CH" sz="1200" dirty="0"/>
+              <a:t> und Rio Grande de </a:t>
+            </a:r>
+            <a:r>
+              <a:rPr lang="de-CH" sz="1200" dirty="0" err="1"/>
+              <a:t>Norte</a:t>
+            </a:r>
+            <a:r>
+              <a:rPr lang="de-CH" sz="1200" dirty="0"/>
+              <a:t>, </a:t>
+            </a:r>
+            <a:r>
+              <a:rPr lang="de-CH" sz="1200" dirty="0" smtClean="0"/>
+              <a:t>einigen der </a:t>
+            </a:r>
+            <a:r>
+              <a:rPr lang="de-CH" sz="1200" dirty="0"/>
+              <a:t>ärmsten Provinzen Brasiliens. Den Kindern in Not soll durch </a:t>
+            </a:r>
+            <a:r>
+              <a:rPr lang="de-CH" sz="1200" dirty="0" smtClean="0"/>
+              <a:t>Ernährungsprogramme, Gesundheitsdienste</a:t>
+            </a:r>
+            <a:r>
+              <a:rPr lang="de-CH" sz="1200" dirty="0"/>
+              <a:t>, Gesundheitsvorsorge und Bieten von Bildungsmöglichkeiten geholfen </a:t>
+            </a:r>
+            <a:r>
+              <a:rPr lang="de-CH" sz="1200" dirty="0" smtClean="0"/>
+              <a:t>werden. Weiter </a:t>
+            </a:r>
+            <a:r>
+              <a:rPr lang="de-CH" sz="1200" dirty="0"/>
+              <a:t>soll die Hilfe zugunsten der Kinder durch Unterstützung bedürftiger Mütter </a:t>
+            </a:r>
+            <a:r>
+              <a:rPr lang="de-CH" sz="1200" dirty="0" smtClean="0"/>
+              <a:t>erfolgen: durch </a:t>
+            </a:r>
+            <a:r>
+              <a:rPr lang="de-CH" sz="1200" dirty="0"/>
+              <a:t>Aufbau und Unterhalt von Kinderkrippen für arbeitende Mütter, Alphabetisierung von </a:t>
+            </a:r>
+            <a:r>
+              <a:rPr lang="de-CH" sz="1200" dirty="0" smtClean="0"/>
+              <a:t>Müttern, ihren </a:t>
+            </a:r>
+            <a:r>
+              <a:rPr lang="de-CH" sz="1200" dirty="0"/>
+              <a:t>Unterricht in Familienplanung, Gesundheitsvorsorge und ausgewogener und gesunder Ernährung. </a:t>
+            </a:r>
+            <a:r>
+              <a:rPr lang="de-CH" sz="1200" dirty="0" smtClean="0"/>
+              <a:t>Jugendlichen </a:t>
+            </a:r>
+            <a:r>
+              <a:rPr lang="de-CH" sz="1200" dirty="0"/>
+              <a:t>sollen Bildungsprogramme zum Erlernen praktischer Berufe geboten werden.</a:t>
+            </a:r>
+          </a:p>
+          <a:p>
+            <a:endParaRPr lang="de-CH" sz="1200" dirty="0"/>
+          </a:p>
+          <a:p>
+            <a:endParaRPr lang="de-CH" sz="1200" dirty="0"/>
+          </a:p>
+          <a:p>
+            <a:endParaRPr lang="de-CH" sz="1200" dirty="0"/>
+          </a:p>
+        </p:txBody>
+      </p:sp>
+      <p:sp>
+        <p:nvSpPr>
+          <p:cNvPr id="6" name="Pfeil nach rechts 5"/>
+          <p:cNvSpPr/>
+          <p:nvPr/>
+        </p:nvSpPr>
+        <p:spPr>
+          <a:xfrm>
+            <a:off x="5877220" y="4418537"/>
+            <a:ext cx="752354" cy="484632"/>
+          </a:xfrm>
+          <a:prstGeom prst="rightArrow">
+            <a:avLst/>
+          </a:prstGeom>
+        </p:spPr>
+        <p:style>
+          <a:lnRef idx="2">
+            <a:schemeClr val="accent1">
+              <a:shade val="50000"/>
+            </a:schemeClr>
+          </a:lnRef>
+          <a:fillRef idx="1">
+            <a:schemeClr val="accent1"/>
+          </a:fillRef>
+          <a:effectRef idx="0">
+            <a:schemeClr val="accent1"/>
+          </a:effectRef>
+          <a:fontRef idx="minor">
+            <a:schemeClr val="lt1"/>
+          </a:fontRef>
+        </p:style>
+        <p:txBody>
+          <a:bodyPr rtlCol="0" anchor="ctr"/>
+          <a:lstStyle/>
+          <a:p>
+            <a:pPr algn="ctr"/>
+            <a:endParaRPr lang="de-CH"/>
+          </a:p>
+        </p:txBody>
+      </p:sp>
+      <p:sp>
+        <p:nvSpPr>
+          <p:cNvPr id="7" name="Textfeld 6"/>
+          <p:cNvSpPr txBox="1"/>
+          <p:nvPr/>
+        </p:nvSpPr>
+        <p:spPr>
+          <a:xfrm>
+            <a:off x="7309760" y="3333509"/>
+            <a:ext cx="4092787" cy="3139321"/>
+          </a:xfrm>
+          <a:prstGeom prst="rect">
+            <a:avLst/>
+          </a:prstGeom>
+          <a:noFill/>
+        </p:spPr>
+        <p:txBody>
+          <a:bodyPr wrap="none" rtlCol="0">
+            <a:spAutoFit/>
+          </a:bodyPr>
+          <a:lstStyle/>
+          <a:p>
+            <a:pPr marL="285750" indent="-285750">
+              <a:buFont typeface="Arial" panose="020B0604020202020204" pitchFamily="34" charset="0"/>
+              <a:buChar char="•"/>
+            </a:pPr>
             <a:r>
               <a:rPr lang="de-CH" dirty="0" smtClean="0"/>
-              <a:t>*</a:t>
+              <a:t>Gesundheitsvorsorge</a:t>
+            </a:r>
+          </a:p>
+          <a:p>
+            <a:pPr marL="285750" indent="-285750">
+              <a:buFont typeface="Arial" panose="020B0604020202020204" pitchFamily="34" charset="0"/>
+              <a:buChar char="•"/>
+            </a:pPr>
+            <a:r>
+              <a:rPr lang="de-CH" dirty="0" smtClean="0"/>
+              <a:t>behinderte Kindern</a:t>
+            </a:r>
+          </a:p>
+          <a:p>
+            <a:pPr marL="285750" indent="-285750">
+              <a:buFont typeface="Arial" panose="020B0604020202020204" pitchFamily="34" charset="0"/>
+              <a:buChar char="•"/>
+            </a:pPr>
+            <a:r>
+              <a:rPr lang="de-CH" dirty="0" smtClean="0"/>
+              <a:t>Hilfe</a:t>
+            </a:r>
+          </a:p>
+          <a:p>
+            <a:pPr marL="285750" indent="-285750">
+              <a:buFont typeface="Arial" panose="020B0604020202020204" pitchFamily="34" charset="0"/>
+              <a:buChar char="•"/>
+            </a:pPr>
+            <a:r>
+              <a:rPr lang="de-CH" dirty="0" smtClean="0"/>
+              <a:t>Nordosten Brasilien</a:t>
+            </a:r>
+          </a:p>
+          <a:p>
+            <a:pPr marL="285750" indent="-285750">
+              <a:buFont typeface="Arial" panose="020B0604020202020204" pitchFamily="34" charset="0"/>
+              <a:buChar char="•"/>
+            </a:pPr>
+            <a:r>
+              <a:rPr lang="de-CH" dirty="0" smtClean="0"/>
+              <a:t>Unterstützung </a:t>
+            </a:r>
+            <a:r>
+              <a:rPr lang="de-CH" dirty="0"/>
+              <a:t>bedürftiger </a:t>
+            </a:r>
+            <a:r>
+              <a:rPr lang="de-CH" dirty="0" smtClean="0"/>
+              <a:t>Mütter</a:t>
+            </a:r>
+          </a:p>
+          <a:p>
+            <a:pPr marL="285750" indent="-285750">
+              <a:buFont typeface="Arial" panose="020B0604020202020204" pitchFamily="34" charset="0"/>
+              <a:buChar char="•"/>
+            </a:pPr>
+            <a:r>
+              <a:rPr lang="de-CH" dirty="0" smtClean="0"/>
+              <a:t>Bildungsprogramme</a:t>
+            </a:r>
+          </a:p>
+          <a:p>
+            <a:pPr marL="285750" indent="-285750">
+              <a:buFont typeface="Arial" panose="020B0604020202020204" pitchFamily="34" charset="0"/>
+              <a:buChar char="•"/>
+            </a:pPr>
+            <a:r>
+              <a:rPr lang="de-CH" dirty="0" smtClean="0"/>
+              <a:t>Familienplanung</a:t>
+            </a:r>
+          </a:p>
+          <a:p>
+            <a:pPr marL="285750" indent="-285750">
+              <a:buFont typeface="Arial" panose="020B0604020202020204" pitchFamily="34" charset="0"/>
+              <a:buChar char="•"/>
+            </a:pPr>
+            <a:r>
+              <a:rPr lang="de-CH" dirty="0" smtClean="0"/>
+              <a:t>Alphabetisierung</a:t>
+            </a:r>
+          </a:p>
+          <a:p>
+            <a:pPr marL="285750" indent="-285750">
+              <a:buFont typeface="Arial" panose="020B0604020202020204" pitchFamily="34" charset="0"/>
+              <a:buChar char="•"/>
+            </a:pPr>
+            <a:r>
+              <a:rPr lang="de-CH" dirty="0" smtClean="0"/>
+              <a:t>Kinderkrippen</a:t>
+            </a:r>
+          </a:p>
+          <a:p>
+            <a:pPr marL="285750" indent="-285750">
+              <a:buFont typeface="Arial" panose="020B0604020202020204" pitchFamily="34" charset="0"/>
+              <a:buChar char="•"/>
+            </a:pPr>
+            <a:r>
+              <a:rPr lang="de-CH" dirty="0" smtClean="0"/>
+              <a:t>Gesundheitsdienste</a:t>
+            </a:r>
+            <a:endParaRPr lang="de-CH" dirty="0"/>
+          </a:p>
+          <a:p>
+            <a:endParaRPr lang="de-CH" dirty="0"/>
+          </a:p>
+        </p:txBody>
+      </p:sp>
+    </p:spTree>
+    <p:extLst>
+      <p:ext uri="{BB962C8B-B14F-4D97-AF65-F5344CB8AC3E}">
+        <p14:creationId xmlns:p14="http://schemas.microsoft.com/office/powerpoint/2010/main" val="3642259985"/>
+      </p:ext>
+    </p:extLst>
+  </p:cSld>
+  <p:clrMapOvr>
+    <a:masterClrMapping/>
+  </p:clrMapOvr>
+</p:sld>
+</file>
+
+<file path=ppt/slides/slide7.xml><?xml version="1.0" encoding="utf-8"?>
+<p:sld xmlns:a="http://schemas.openxmlformats.org/drawingml/2006/main" xmlns:r="http://schemas.openxmlformats.org/officeDocument/2006/relationships" xmlns:p="http://schemas.openxmlformats.org/presentationml/2006/main">
+  <p:cSld>
+    <p:spTree>
+      <p:nvGrpSpPr>
+        <p:cNvPr id="1" name=""/>
+        <p:cNvGrpSpPr/>
+        <p:nvPr/>
+      </p:nvGrpSpPr>
+      <p:grpSpPr>
+        <a:xfrm>
+          <a:off x="0" y="0"/>
+          <a:ext cx="0" cy="0"/>
+          <a:chOff x="0" y="0"/>
+          <a:chExt cx="0" cy="0"/>
+        </a:xfrm>
+      </p:grpSpPr>
+      <p:sp>
+        <p:nvSpPr>
+          <p:cNvPr id="2" name="Titel 1"/>
+          <p:cNvSpPr>
+            <a:spLocks noGrp="1"/>
+          </p:cNvSpPr>
+          <p:nvPr>
+            <p:ph type="title"/>
+          </p:nvPr>
+        </p:nvSpPr>
+        <p:spPr/>
+        <p:txBody>
+          <a:bodyPr/>
+          <a:lstStyle/>
+          <a:p>
+            <a:r>
+              <a:rPr lang="de-CH" dirty="0" smtClean="0"/>
+              <a:t>Jahresberichte</a:t>
             </a:r>
             <a:endParaRPr lang="de-CH" dirty="0"/>
           </a:p>
@@ -12707,8 +13525,8 @@
         </p:nvSpPr>
         <p:spPr>
           <a:xfrm>
-            <a:off x="675503" y="2684834"/>
-            <a:ext cx="4209535" cy="3835445"/>
+            <a:off x="675503" y="2650603"/>
+            <a:ext cx="4209535" cy="3607029"/>
           </a:xfrm>
         </p:spPr>
         <p:txBody>
@@ -12718,28 +13536,52 @@
           <a:lstStyle/>
           <a:p>
             <a:r>
+              <a:rPr lang="de-CH" sz="2400" dirty="0" smtClean="0"/>
+              <a:t>Unstrukturierte Daten</a:t>
+            </a:r>
+          </a:p>
+          <a:p>
+            <a:r>
+              <a:rPr lang="de-CH" sz="2400" dirty="0" smtClean="0"/>
+              <a:t>Google-</a:t>
+            </a:r>
+            <a:r>
+              <a:rPr lang="de-CH" sz="2400" dirty="0" err="1" smtClean="0"/>
+              <a:t>fu</a:t>
+            </a:r>
+            <a:r>
               <a:rPr lang="de-CH" sz="2000" dirty="0" smtClean="0"/>
-              <a:t>Site: rega.ch</a:t>
-            </a:r>
-          </a:p>
-          <a:p>
-            <a:r>
-              <a:rPr lang="de-CH" sz="2000" dirty="0" smtClean="0"/>
+              <a:t>*</a:t>
+            </a:r>
+          </a:p>
+          <a:p>
+            <a:pPr lvl="1"/>
+            <a:r>
+              <a:rPr lang="de-CH" sz="1800" dirty="0" smtClean="0"/>
+              <a:t>Site</a:t>
+            </a:r>
+            <a:r>
+              <a:rPr lang="de-CH" sz="1800" dirty="0" smtClean="0"/>
+              <a:t>: rega.ch</a:t>
+            </a:r>
+          </a:p>
+          <a:p>
+            <a:pPr lvl="1"/>
+            <a:r>
+              <a:rPr lang="de-CH" sz="1800" dirty="0" smtClean="0"/>
               <a:t>Jahresrechnung 2017</a:t>
             </a:r>
           </a:p>
           <a:p>
-            <a:r>
-              <a:rPr lang="de-CH" sz="2000" dirty="0" err="1" smtClean="0"/>
+            <a:pPr lvl="1"/>
+            <a:r>
+              <a:rPr lang="de-CH" sz="1800" dirty="0" err="1" smtClean="0"/>
               <a:t>Pdf</a:t>
             </a:r>
-            <a:endParaRPr lang="de-CH" sz="2000" dirty="0" smtClean="0"/>
+            <a:endParaRPr lang="de-CH" sz="1800" dirty="0" smtClean="0"/>
           </a:p>
           <a:p>
             <a:endParaRPr lang="de-CH" sz="2000" dirty="0"/>
-          </a:p>
-          <a:p>
-            <a:endParaRPr lang="de-CH" sz="2000" dirty="0" smtClean="0"/>
           </a:p>
           <a:p>
             <a:pPr marL="0" indent="0">
@@ -12811,10 +13653,17 @@
   <p:clrMapOvr>
     <a:masterClrMapping/>
   </p:clrMapOvr>
+  <p:timing>
+    <p:tnLst>
+      <p:par>
+        <p:cTn id="1" dur="indefinite" restart="never" nodeType="tmRoot"/>
+      </p:par>
+    </p:tnLst>
+  </p:timing>
 </p:sld>
 </file>
 
-<file path=ppt/slides/slide6.xml><?xml version="1.0" encoding="utf-8"?>
+<file path=ppt/slides/slide8.xml><?xml version="1.0" encoding="utf-8"?>
 <p:sld xmlns:a="http://schemas.openxmlformats.org/drawingml/2006/main" xmlns:r="http://schemas.openxmlformats.org/officeDocument/2006/relationships" xmlns:p="http://schemas.openxmlformats.org/presentationml/2006/main">
   <p:cSld>
     <p:spTree>
@@ -13319,10 +14168,17 @@
   <p:clrMapOvr>
     <a:masterClrMapping/>
   </p:clrMapOvr>
+  <p:timing>
+    <p:tnLst>
+      <p:par>
+        <p:cTn id="1" dur="indefinite" restart="never" nodeType="tmRoot"/>
+      </p:par>
+    </p:tnLst>
+  </p:timing>
 </p:sld>
 </file>
 
-<file path=ppt/slides/slide7.xml><?xml version="1.0" encoding="utf-8"?>
+<file path=ppt/slides/slide9.xml><?xml version="1.0" encoding="utf-8"?>
 <p:sld xmlns:a="http://schemas.openxmlformats.org/drawingml/2006/main" xmlns:r="http://schemas.openxmlformats.org/officeDocument/2006/relationships" xmlns:p="http://schemas.openxmlformats.org/presentationml/2006/main">
   <p:cSld>
     <p:spTree>
@@ -13435,125 +14291,13 @@
   <p:clrMapOvr>
     <a:masterClrMapping/>
   </p:clrMapOvr>
-</p:sld>
-</file>
-
-<file path=ppt/slides/slide8.xml><?xml version="1.0" encoding="utf-8"?>
-<p:sld xmlns:a="http://schemas.openxmlformats.org/drawingml/2006/main" xmlns:r="http://schemas.openxmlformats.org/officeDocument/2006/relationships" xmlns:p="http://schemas.openxmlformats.org/presentationml/2006/main">
-  <p:cSld>
-    <p:spTree>
-      <p:nvGrpSpPr>
-        <p:cNvPr id="1" name=""/>
-        <p:cNvGrpSpPr/>
-        <p:nvPr/>
-      </p:nvGrpSpPr>
-      <p:grpSpPr>
-        <a:xfrm>
-          <a:off x="0" y="0"/>
-          <a:ext cx="0" cy="0"/>
-          <a:chOff x="0" y="0"/>
-          <a:chExt cx="0" cy="0"/>
-        </a:xfrm>
-      </p:grpSpPr>
-      <p:sp>
-        <p:nvSpPr>
-          <p:cNvPr id="3" name="Inhaltsplatzhalter 2"/>
-          <p:cNvSpPr>
-            <a:spLocks noGrp="1"/>
-          </p:cNvSpPr>
-          <p:nvPr>
-            <p:ph idx="1"/>
-          </p:nvPr>
-        </p:nvSpPr>
-        <p:spPr/>
-        <p:txBody>
-          <a:bodyPr>
-            <a:noAutofit/>
-          </a:bodyPr>
-          <a:lstStyle/>
-          <a:p>
-            <a:endParaRPr lang="de-CH" sz="2800" dirty="0" smtClean="0"/>
-          </a:p>
-          <a:p>
-            <a:r>
-              <a:rPr lang="de-CH" sz="2800" dirty="0" smtClean="0"/>
-              <a:t>Verbesserte Erkennung von Bilanz- und Erfolgsrechnungsdaten</a:t>
-            </a:r>
-          </a:p>
-          <a:p>
-            <a:r>
-              <a:rPr lang="de-CH" sz="2800" dirty="0" smtClean="0"/>
-              <a:t>Oder Standardisierung </a:t>
-            </a:r>
-            <a:r>
-              <a:rPr lang="de-CH" sz="2800" dirty="0" smtClean="0"/>
-              <a:t>Jahresrechnungsdatenlieferung</a:t>
-            </a:r>
-            <a:endParaRPr lang="de-CH" sz="2800" dirty="0" smtClean="0"/>
-          </a:p>
-          <a:p>
-            <a:r>
-              <a:rPr lang="de-CH" sz="2800" dirty="0" smtClean="0"/>
-              <a:t>Vergleiche zwischen </a:t>
-            </a:r>
-            <a:r>
-              <a:rPr lang="de-CH" sz="2800" dirty="0" smtClean="0"/>
-              <a:t>Geschäftsjahren</a:t>
-            </a:r>
-          </a:p>
-          <a:p>
-            <a:r>
-              <a:rPr lang="de-CH" sz="2800" dirty="0" err="1" smtClean="0"/>
-              <a:t>Keywordanalyse</a:t>
-            </a:r>
-            <a:r>
-              <a:rPr lang="de-CH" sz="2800" dirty="0" smtClean="0"/>
-              <a:t> </a:t>
-            </a:r>
-            <a:r>
-              <a:rPr lang="de-CH" sz="2800" smtClean="0"/>
-              <a:t>der Geschäftsberichte</a:t>
-            </a:r>
-            <a:endParaRPr lang="de-CH" sz="2800" dirty="0" smtClean="0"/>
-          </a:p>
-          <a:p>
-            <a:endParaRPr lang="de-CH" sz="2800" dirty="0"/>
-          </a:p>
-        </p:txBody>
-      </p:sp>
-      <p:sp>
-        <p:nvSpPr>
-          <p:cNvPr id="5" name="Titel 4"/>
-          <p:cNvSpPr>
-            <a:spLocks noGrp="1"/>
-          </p:cNvSpPr>
-          <p:nvPr>
-            <p:ph type="title"/>
-          </p:nvPr>
-        </p:nvSpPr>
-        <p:spPr/>
-        <p:txBody>
-          <a:bodyPr/>
-          <a:lstStyle/>
-          <a:p>
-            <a:r>
-              <a:rPr lang="de-CH" dirty="0" smtClean="0"/>
-              <a:t>Ausblick</a:t>
-            </a:r>
-            <a:endParaRPr lang="de-CH" dirty="0"/>
-          </a:p>
-        </p:txBody>
-      </p:sp>
-    </p:spTree>
-    <p:extLst>
-      <p:ext uri="{BB962C8B-B14F-4D97-AF65-F5344CB8AC3E}">
-        <p14:creationId xmlns:p14="http://schemas.microsoft.com/office/powerpoint/2010/main" val="2818509401"/>
-      </p:ext>
-    </p:extLst>
-  </p:cSld>
-  <p:clrMapOvr>
-    <a:masterClrMapping/>
-  </p:clrMapOvr>
+  <p:timing>
+    <p:tnLst>
+      <p:par>
+        <p:cTn id="1" dur="indefinite" restart="never" nodeType="tmRoot"/>
+      </p:par>
+    </p:tnLst>
+  </p:timing>
 </p:sld>
 </file>
 

--- a/Foundation Tracker.pptx
+++ b/Foundation Tracker.pptx
@@ -1873,15 +1873,15 @@
     </dgm:pt>
   </dgm:ptLst>
   <dgm:cxnLst>
+    <dgm:cxn modelId="{90C0BEBB-20E1-4C89-B72F-66CBBDC19B6F}" type="presOf" srcId="{B4021F1E-4A8B-46B4-9646-A3629E083AC6}" destId="{91D39E5B-56DD-409A-BE3B-A7E7E2255C58}" srcOrd="0" destOrd="0" presId="urn:microsoft.com/office/officeart/2005/8/layout/funnel1"/>
+    <dgm:cxn modelId="{E22C06BA-2926-417B-B06F-4807431878E1}" srcId="{85DF22F0-EC09-4555-9A1F-0EB5BE318F18}" destId="{B4021F1E-4A8B-46B4-9646-A3629E083AC6}" srcOrd="1" destOrd="0" parTransId="{6D6F7AA7-FDDE-4CB9-8991-824D9DF11D32}" sibTransId="{D9A80CB0-7FA5-436A-8436-30AB9C1A0564}"/>
+    <dgm:cxn modelId="{9DC89D1F-2C7F-4ECD-BC2C-345CE74F26D3}" srcId="{85DF22F0-EC09-4555-9A1F-0EB5BE318F18}" destId="{76B97F15-983C-4F75-8504-B18B9104CED3}" srcOrd="3" destOrd="0" parTransId="{72BE6C2C-0108-4D38-BFEF-F382F6C23CFA}" sibTransId="{A0D14C7D-BD2A-4980-BC5C-CA9ED270C6BA}"/>
+    <dgm:cxn modelId="{DFCE992F-EA8D-49E1-9C2D-AB25C925603F}" type="presOf" srcId="{76B97F15-983C-4F75-8504-B18B9104CED3}" destId="{64D67E4F-F28D-48F3-B83C-D6D6BE1FB8B2}" srcOrd="0" destOrd="0" presId="urn:microsoft.com/office/officeart/2005/8/layout/funnel1"/>
+    <dgm:cxn modelId="{D4902B3E-92C2-41D8-8A14-AF62687CCD3C}" srcId="{85DF22F0-EC09-4555-9A1F-0EB5BE318F18}" destId="{D82801AB-5AA2-4A92-B519-C0D5BA7BB857}" srcOrd="0" destOrd="0" parTransId="{DBDBE2A7-7667-48C5-9519-A25A8AE78CA8}" sibTransId="{E2F35904-704A-4BA4-A9AB-FEB3A3C6C36A}"/>
+    <dgm:cxn modelId="{F948C844-8D22-4D2D-97BA-30E8B2D865A4}" type="presOf" srcId="{85DF22F0-EC09-4555-9A1F-0EB5BE318F18}" destId="{BEB7E3B6-F1CE-4471-977D-A193CF101880}" srcOrd="0" destOrd="0" presId="urn:microsoft.com/office/officeart/2005/8/layout/funnel1"/>
+    <dgm:cxn modelId="{1D193558-890D-47C4-B61D-FD20B5B1C9DA}" type="presOf" srcId="{5E3E39E3-ABDC-4864-9C7C-DBFD850055F4}" destId="{A7568783-E2DA-4605-95C5-8412FFAA7879}" srcOrd="0" destOrd="0" presId="urn:microsoft.com/office/officeart/2005/8/layout/funnel1"/>
+    <dgm:cxn modelId="{F0865242-A669-4C4F-9354-ADAE4EC4B9B5}" type="presOf" srcId="{D82801AB-5AA2-4A92-B519-C0D5BA7BB857}" destId="{D20578B8-2610-4497-881C-DDA53023D9A5}" srcOrd="0" destOrd="0" presId="urn:microsoft.com/office/officeart/2005/8/layout/funnel1"/>
     <dgm:cxn modelId="{B424AE54-4F2B-4F4A-B81E-57ED451C65CF}" srcId="{85DF22F0-EC09-4555-9A1F-0EB5BE318F18}" destId="{5E3E39E3-ABDC-4864-9C7C-DBFD850055F4}" srcOrd="2" destOrd="0" parTransId="{D4643F34-1178-42DD-A608-0D360BABF08E}" sibTransId="{0445F530-5AE2-4090-83BC-FC587C77E252}"/>
-    <dgm:cxn modelId="{D4902B3E-92C2-41D8-8A14-AF62687CCD3C}" srcId="{85DF22F0-EC09-4555-9A1F-0EB5BE318F18}" destId="{D82801AB-5AA2-4A92-B519-C0D5BA7BB857}" srcOrd="0" destOrd="0" parTransId="{DBDBE2A7-7667-48C5-9519-A25A8AE78CA8}" sibTransId="{E2F35904-704A-4BA4-A9AB-FEB3A3C6C36A}"/>
-    <dgm:cxn modelId="{F0865242-A669-4C4F-9354-ADAE4EC4B9B5}" type="presOf" srcId="{D82801AB-5AA2-4A92-B519-C0D5BA7BB857}" destId="{D20578B8-2610-4497-881C-DDA53023D9A5}" srcOrd="0" destOrd="0" presId="urn:microsoft.com/office/officeart/2005/8/layout/funnel1"/>
-    <dgm:cxn modelId="{E22C06BA-2926-417B-B06F-4807431878E1}" srcId="{85DF22F0-EC09-4555-9A1F-0EB5BE318F18}" destId="{B4021F1E-4A8B-46B4-9646-A3629E083AC6}" srcOrd="1" destOrd="0" parTransId="{6D6F7AA7-FDDE-4CB9-8991-824D9DF11D32}" sibTransId="{D9A80CB0-7FA5-436A-8436-30AB9C1A0564}"/>
-    <dgm:cxn modelId="{1D193558-890D-47C4-B61D-FD20B5B1C9DA}" type="presOf" srcId="{5E3E39E3-ABDC-4864-9C7C-DBFD850055F4}" destId="{A7568783-E2DA-4605-95C5-8412FFAA7879}" srcOrd="0" destOrd="0" presId="urn:microsoft.com/office/officeart/2005/8/layout/funnel1"/>
-    <dgm:cxn modelId="{90C0BEBB-20E1-4C89-B72F-66CBBDC19B6F}" type="presOf" srcId="{B4021F1E-4A8B-46B4-9646-A3629E083AC6}" destId="{91D39E5B-56DD-409A-BE3B-A7E7E2255C58}" srcOrd="0" destOrd="0" presId="urn:microsoft.com/office/officeart/2005/8/layout/funnel1"/>
-    <dgm:cxn modelId="{DFCE992F-EA8D-49E1-9C2D-AB25C925603F}" type="presOf" srcId="{76B97F15-983C-4F75-8504-B18B9104CED3}" destId="{64D67E4F-F28D-48F3-B83C-D6D6BE1FB8B2}" srcOrd="0" destOrd="0" presId="urn:microsoft.com/office/officeart/2005/8/layout/funnel1"/>
-    <dgm:cxn modelId="{F948C844-8D22-4D2D-97BA-30E8B2D865A4}" type="presOf" srcId="{85DF22F0-EC09-4555-9A1F-0EB5BE318F18}" destId="{BEB7E3B6-F1CE-4471-977D-A193CF101880}" srcOrd="0" destOrd="0" presId="urn:microsoft.com/office/officeart/2005/8/layout/funnel1"/>
-    <dgm:cxn modelId="{9DC89D1F-2C7F-4ECD-BC2C-345CE74F26D3}" srcId="{85DF22F0-EC09-4555-9A1F-0EB5BE318F18}" destId="{76B97F15-983C-4F75-8504-B18B9104CED3}" srcOrd="3" destOrd="0" parTransId="{72BE6C2C-0108-4D38-BFEF-F382F6C23CFA}" sibTransId="{A0D14C7D-BD2A-4980-BC5C-CA9ED270C6BA}"/>
     <dgm:cxn modelId="{9DD74513-3B2C-4ED9-99AE-CDEC8BEE875A}" type="presParOf" srcId="{BEB7E3B6-F1CE-4471-977D-A193CF101880}" destId="{F2BD4A83-034E-4F54-B8E7-297994D8C0F0}" srcOrd="0" destOrd="0" presId="urn:microsoft.com/office/officeart/2005/8/layout/funnel1"/>
     <dgm:cxn modelId="{A5AD936B-86F4-403C-AE74-20F8D9585688}" type="presParOf" srcId="{BEB7E3B6-F1CE-4471-977D-A193CF101880}" destId="{B94FF145-0933-43CB-8897-6FF7BBA0A305}" srcOrd="1" destOrd="0" presId="urn:microsoft.com/office/officeart/2005/8/layout/funnel1"/>
     <dgm:cxn modelId="{DF08BA3A-7047-4355-871A-92CAD5A685F7}" type="presParOf" srcId="{BEB7E3B6-F1CE-4471-977D-A193CF101880}" destId="{64D67E4F-F28D-48F3-B83C-D6D6BE1FB8B2}" srcOrd="2" destOrd="0" presId="urn:microsoft.com/office/officeart/2005/8/layout/funnel1"/>
@@ -1894,7 +1894,7 @@
   <dgm:whole/>
   <dgm:extLst>
     <a:ext uri="http://schemas.microsoft.com/office/drawing/2008/diagram">
-      <dsp:dataModelExt xmlns:dsp="http://schemas.microsoft.com/office/drawing/2008/diagram" relId="rId6" minVer="http://schemas.openxmlformats.org/drawingml/2006/diagram"/>
+      <dsp:dataModelExt xmlns:dsp="http://schemas.microsoft.com/office/drawing/2008/diagram" relId="rId7" minVer="http://schemas.openxmlformats.org/drawingml/2006/diagram"/>
     </a:ext>
   </dgm:extLst>
 </dgm:dataModel>
@@ -11283,6 +11283,46 @@
       </p:grpSpPr>
       <p:sp>
         <p:nvSpPr>
+          <p:cNvPr id="4" name="Rechteck 3"/>
+          <p:cNvSpPr/>
+          <p:nvPr/>
+        </p:nvSpPr>
+        <p:spPr>
+          <a:xfrm rot="21069359">
+            <a:off x="9544573" y="1759279"/>
+            <a:ext cx="254643" cy="2858947"/>
+          </a:xfrm>
+          <a:prstGeom prst="rect">
+            <a:avLst/>
+          </a:prstGeom>
+        </p:spPr>
+        <p:style>
+          <a:lnRef idx="2">
+            <a:schemeClr val="accent4">
+              <a:shade val="50000"/>
+            </a:schemeClr>
+          </a:lnRef>
+          <a:fillRef idx="1">
+            <a:schemeClr val="accent4"/>
+          </a:fillRef>
+          <a:effectRef idx="0">
+            <a:schemeClr val="accent4"/>
+          </a:effectRef>
+          <a:fontRef idx="minor">
+            <a:schemeClr val="lt1"/>
+          </a:fontRef>
+        </p:style>
+        <p:txBody>
+          <a:bodyPr rtlCol="0" anchor="ctr"/>
+          <a:lstStyle/>
+          <a:p>
+            <a:pPr algn="ctr"/>
+            <a:endParaRPr lang="de-CH"/>
+          </a:p>
+        </p:txBody>
+      </p:sp>
+      <p:sp>
+        <p:nvSpPr>
           <p:cNvPr id="3" name="Inhaltsplatzhalter 2"/>
           <p:cNvSpPr>
             <a:spLocks noGrp="1"/>
@@ -11303,28 +11343,33 @@
           <a:p>
             <a:r>
               <a:rPr lang="de-CH" sz="2800" dirty="0" smtClean="0"/>
-              <a:t>Verbesserte Erkennung von Bilanz- und Erfolgsrechnungsdaten</a:t>
-            </a:r>
-          </a:p>
-          <a:p>
-            <a:r>
-              <a:rPr lang="de-CH" sz="2800" dirty="0" smtClean="0"/>
-              <a:t>Vergleiche </a:t>
-            </a:r>
-            <a:r>
-              <a:rPr lang="de-CH" sz="2800" dirty="0" smtClean="0"/>
-              <a:t>zwischen </a:t>
-            </a:r>
-            <a:r>
-              <a:rPr lang="de-CH" sz="2800" dirty="0" smtClean="0"/>
-              <a:t>Geschäftsjahren</a:t>
-            </a:r>
+              <a:t>Erweiterte Datensammlung</a:t>
+            </a:r>
+            <a:r>
+              <a:rPr lang="de-CH" sz="2800" dirty="0"/>
+              <a:t/>
+            </a:r>
+            <a:br>
+              <a:rPr lang="de-CH" sz="2800" dirty="0"/>
+            </a:br>
+            <a:endParaRPr lang="de-CH" sz="2800" dirty="0" smtClean="0"/>
           </a:p>
           <a:p>
             <a:r>
               <a:rPr lang="de-CH" sz="2800" dirty="0" smtClean="0"/>
               <a:t>Verdächtige Aktivitäten erkennen</a:t>
             </a:r>
+            <a:br>
+              <a:rPr lang="de-CH" sz="2800" dirty="0" smtClean="0"/>
+            </a:br>
+            <a:endParaRPr lang="de-CH" sz="2800" dirty="0" smtClean="0"/>
+          </a:p>
+          <a:p>
+            <a:r>
+              <a:rPr lang="de-CH" sz="2800" dirty="0" smtClean="0"/>
+              <a:t>Gemeinnützige Tätigkeit sicherstellen</a:t>
+            </a:r>
+            <a:endParaRPr lang="de-CH" sz="2800" dirty="0" smtClean="0"/>
           </a:p>
           <a:p>
             <a:endParaRPr lang="de-CH" sz="2800" dirty="0"/>
@@ -11351,6 +11396,245 @@
               <a:t>Ausblick</a:t>
             </a:r>
             <a:endParaRPr lang="de-CH" dirty="0"/>
+          </a:p>
+        </p:txBody>
+      </p:sp>
+      <p:sp>
+        <p:nvSpPr>
+          <p:cNvPr id="2" name="Richtungspfeil 1"/>
+          <p:cNvSpPr/>
+          <p:nvPr/>
+        </p:nvSpPr>
+        <p:spPr>
+          <a:xfrm rot="21178876">
+            <a:off x="7343160" y="907151"/>
+            <a:ext cx="4385442" cy="1020972"/>
+          </a:xfrm>
+          <a:prstGeom prst="homePlate">
+            <a:avLst/>
+          </a:prstGeom>
+          <a:gradFill flip="none" rotWithShape="1">
+            <a:gsLst>
+              <a:gs pos="0">
+                <a:schemeClr val="accent4">
+                  <a:lumMod val="67000"/>
+                </a:schemeClr>
+              </a:gs>
+              <a:gs pos="48000">
+                <a:schemeClr val="accent4">
+                  <a:lumMod val="97000"/>
+                  <a:lumOff val="3000"/>
+                </a:schemeClr>
+              </a:gs>
+              <a:gs pos="100000">
+                <a:schemeClr val="accent4">
+                  <a:lumMod val="60000"/>
+                  <a:lumOff val="40000"/>
+                </a:schemeClr>
+              </a:gs>
+            </a:gsLst>
+            <a:lin ang="16200000" scaled="1"/>
+            <a:tileRect/>
+          </a:gradFill>
+          <a:ln>
+            <a:noFill/>
+          </a:ln>
+        </p:spPr>
+        <p:style>
+          <a:lnRef idx="0">
+            <a:scrgbClr r="0" g="0" b="0"/>
+          </a:lnRef>
+          <a:fillRef idx="0">
+            <a:scrgbClr r="0" g="0" b="0"/>
+          </a:fillRef>
+          <a:effectRef idx="0">
+            <a:scrgbClr r="0" g="0" b="0"/>
+          </a:effectRef>
+          <a:fontRef idx="minor">
+            <a:schemeClr val="lt1"/>
+          </a:fontRef>
+        </p:style>
+        <p:txBody>
+          <a:bodyPr rtlCol="0" anchor="ctr"/>
+          <a:lstStyle/>
+          <a:p>
+            <a:pPr algn="ctr"/>
+            <a:r>
+              <a:rPr lang="de-CH" sz="4400" b="1" dirty="0" smtClean="0">
+                <a:solidFill>
+                  <a:schemeClr val="bg1">
+                    <a:lumMod val="95000"/>
+                    <a:lumOff val="5000"/>
+                  </a:schemeClr>
+                </a:solidFill>
+              </a:rPr>
+              <a:t>FUTURE</a:t>
+            </a:r>
+            <a:endParaRPr lang="de-CH" b="1" dirty="0">
+              <a:solidFill>
+                <a:schemeClr val="bg1">
+                  <a:lumMod val="95000"/>
+                  <a:lumOff val="5000"/>
+                </a:schemeClr>
+              </a:solidFill>
+            </a:endParaRPr>
+          </a:p>
+        </p:txBody>
+      </p:sp>
+      <p:sp>
+        <p:nvSpPr>
+          <p:cNvPr id="6" name="Sehne 5"/>
+          <p:cNvSpPr/>
+          <p:nvPr/>
+        </p:nvSpPr>
+        <p:spPr>
+          <a:xfrm rot="6337511">
+            <a:off x="9664242" y="4414404"/>
+            <a:ext cx="568248" cy="696241"/>
+          </a:xfrm>
+          <a:custGeom>
+            <a:avLst/>
+            <a:gdLst>
+              <a:gd name="connsiteX0" fmla="*/ 642080 w 756184"/>
+              <a:gd name="connsiteY0" fmla="*/ 632743 h 737509"/>
+              <a:gd name="connsiteX1" fmla="*/ 192579 w 756184"/>
+              <a:gd name="connsiteY1" fmla="*/ 690071 h 737509"/>
+              <a:gd name="connsiteX2" fmla="*/ 13508 w 756184"/>
+              <a:gd name="connsiteY2" fmla="*/ 271065 h 737509"/>
+              <a:gd name="connsiteX3" fmla="*/ 378091 w 756184"/>
+              <a:gd name="connsiteY3" fmla="*/ 0 h 737509"/>
+              <a:gd name="connsiteX4" fmla="*/ 642080 w 756184"/>
+              <a:gd name="connsiteY4" fmla="*/ 632743 h 737509"/>
+              <a:gd name="connsiteX0" fmla="*/ 590815 w 590815"/>
+              <a:gd name="connsiteY0" fmla="*/ 632743 h 729909"/>
+              <a:gd name="connsiteX1" fmla="*/ 141314 w 590815"/>
+              <a:gd name="connsiteY1" fmla="*/ 690071 h 729909"/>
+              <a:gd name="connsiteX2" fmla="*/ 13612 w 590815"/>
+              <a:gd name="connsiteY2" fmla="*/ 256699 h 729909"/>
+              <a:gd name="connsiteX3" fmla="*/ 326826 w 590815"/>
+              <a:gd name="connsiteY3" fmla="*/ 0 h 729909"/>
+              <a:gd name="connsiteX4" fmla="*/ 590815 w 590815"/>
+              <a:gd name="connsiteY4" fmla="*/ 632743 h 729909"/>
+              <a:gd name="connsiteX0" fmla="*/ 588223 w 588223"/>
+              <a:gd name="connsiteY0" fmla="*/ 632743 h 692534"/>
+              <a:gd name="connsiteX1" fmla="*/ 167950 w 588223"/>
+              <a:gd name="connsiteY1" fmla="*/ 610685 h 692534"/>
+              <a:gd name="connsiteX2" fmla="*/ 11020 w 588223"/>
+              <a:gd name="connsiteY2" fmla="*/ 256699 h 692534"/>
+              <a:gd name="connsiteX3" fmla="*/ 324234 w 588223"/>
+              <a:gd name="connsiteY3" fmla="*/ 0 h 692534"/>
+              <a:gd name="connsiteX4" fmla="*/ 588223 w 588223"/>
+              <a:gd name="connsiteY4" fmla="*/ 632743 h 692534"/>
+              <a:gd name="connsiteX0" fmla="*/ 587762 w 587762"/>
+              <a:gd name="connsiteY0" fmla="*/ 632743 h 707157"/>
+              <a:gd name="connsiteX1" fmla="*/ 174082 w 587762"/>
+              <a:gd name="connsiteY1" fmla="*/ 648403 h 707157"/>
+              <a:gd name="connsiteX2" fmla="*/ 10559 w 587762"/>
+              <a:gd name="connsiteY2" fmla="*/ 256699 h 707157"/>
+              <a:gd name="connsiteX3" fmla="*/ 323773 w 587762"/>
+              <a:gd name="connsiteY3" fmla="*/ 0 h 707157"/>
+              <a:gd name="connsiteX4" fmla="*/ 587762 w 587762"/>
+              <a:gd name="connsiteY4" fmla="*/ 632743 h 707157"/>
+              <a:gd name="connsiteX0" fmla="*/ 587762 w 587762"/>
+              <a:gd name="connsiteY0" fmla="*/ 632743 h 707157"/>
+              <a:gd name="connsiteX1" fmla="*/ 174082 w 587762"/>
+              <a:gd name="connsiteY1" fmla="*/ 648403 h 707157"/>
+              <a:gd name="connsiteX2" fmla="*/ 10559 w 587762"/>
+              <a:gd name="connsiteY2" fmla="*/ 256699 h 707157"/>
+              <a:gd name="connsiteX3" fmla="*/ 323773 w 587762"/>
+              <a:gd name="connsiteY3" fmla="*/ 0 h 707157"/>
+              <a:gd name="connsiteX4" fmla="*/ 587762 w 587762"/>
+              <a:gd name="connsiteY4" fmla="*/ 632743 h 707157"/>
+              <a:gd name="connsiteX0" fmla="*/ 587762 w 587762"/>
+              <a:gd name="connsiteY0" fmla="*/ 632743 h 697374"/>
+              <a:gd name="connsiteX1" fmla="*/ 174082 w 587762"/>
+              <a:gd name="connsiteY1" fmla="*/ 648403 h 697374"/>
+              <a:gd name="connsiteX2" fmla="*/ 10559 w 587762"/>
+              <a:gd name="connsiteY2" fmla="*/ 256699 h 697374"/>
+              <a:gd name="connsiteX3" fmla="*/ 323773 w 587762"/>
+              <a:gd name="connsiteY3" fmla="*/ 0 h 697374"/>
+              <a:gd name="connsiteX4" fmla="*/ 587762 w 587762"/>
+              <a:gd name="connsiteY4" fmla="*/ 632743 h 697374"/>
+              <a:gd name="connsiteX0" fmla="*/ 568248 w 568248"/>
+              <a:gd name="connsiteY0" fmla="*/ 632743 h 696241"/>
+              <a:gd name="connsiteX1" fmla="*/ 154568 w 568248"/>
+              <a:gd name="connsiteY1" fmla="*/ 648403 h 696241"/>
+              <a:gd name="connsiteX2" fmla="*/ 11879 w 568248"/>
+              <a:gd name="connsiteY2" fmla="*/ 274609 h 696241"/>
+              <a:gd name="connsiteX3" fmla="*/ 304259 w 568248"/>
+              <a:gd name="connsiteY3" fmla="*/ 0 h 696241"/>
+              <a:gd name="connsiteX4" fmla="*/ 568248 w 568248"/>
+              <a:gd name="connsiteY4" fmla="*/ 632743 h 696241"/>
+            </a:gdLst>
+            <a:ahLst/>
+            <a:cxnLst>
+              <a:cxn ang="0">
+                <a:pos x="connsiteX0" y="connsiteY0"/>
+              </a:cxn>
+              <a:cxn ang="0">
+                <a:pos x="connsiteX1" y="connsiteY1"/>
+              </a:cxn>
+              <a:cxn ang="0">
+                <a:pos x="connsiteX2" y="connsiteY2"/>
+              </a:cxn>
+              <a:cxn ang="0">
+                <a:pos x="connsiteX3" y="connsiteY3"/>
+              </a:cxn>
+              <a:cxn ang="0">
+                <a:pos x="connsiteX4" y="connsiteY4"/>
+              </a:cxn>
+            </a:cxnLst>
+            <a:rect l="l" t="t" r="r" b="b"/>
+            <a:pathLst>
+              <a:path w="568248" h="696241">
+                <a:moveTo>
+                  <a:pt x="568248" y="632743"/>
+                </a:moveTo>
+                <a:cubicBezTo>
+                  <a:pt x="369717" y="721494"/>
+                  <a:pt x="247296" y="708092"/>
+                  <a:pt x="154568" y="648403"/>
+                </a:cubicBezTo>
+                <a:cubicBezTo>
+                  <a:pt x="61840" y="588714"/>
+                  <a:pt x="-34092" y="437807"/>
+                  <a:pt x="11879" y="274609"/>
+                </a:cubicBezTo>
+                <a:cubicBezTo>
+                  <a:pt x="56978" y="114506"/>
+                  <a:pt x="131067" y="60169"/>
+                  <a:pt x="304259" y="0"/>
+                </a:cubicBezTo>
+                <a:lnTo>
+                  <a:pt x="568248" y="632743"/>
+                </a:lnTo>
+                <a:close/>
+              </a:path>
+            </a:pathLst>
+          </a:custGeom>
+        </p:spPr>
+        <p:style>
+          <a:lnRef idx="2">
+            <a:schemeClr val="accent2">
+              <a:shade val="50000"/>
+            </a:schemeClr>
+          </a:lnRef>
+          <a:fillRef idx="1">
+            <a:schemeClr val="accent2"/>
+          </a:fillRef>
+          <a:effectRef idx="0">
+            <a:schemeClr val="accent2"/>
+          </a:effectRef>
+          <a:fontRef idx="minor">
+            <a:schemeClr val="lt1"/>
+          </a:fontRef>
+        </p:style>
+        <p:txBody>
+          <a:bodyPr rtlCol="0" anchor="ctr"/>
+          <a:lstStyle/>
+          <a:p>
+            <a:pPr algn="ctr"/>
+            <a:endParaRPr lang="de-CH"/>
           </a:p>
         </p:txBody>
       </p:sp>
@@ -11410,8 +11694,16 @@
           <a:p>
             <a:r>
               <a:rPr lang="de-CH" sz="2800" dirty="0" smtClean="0"/>
-              <a:t>2300 Stiftungen</a:t>
-            </a:r>
+              <a:t>2300 </a:t>
+            </a:r>
+            <a:r>
+              <a:rPr lang="de-CH" sz="2800" dirty="0" smtClean="0"/>
+              <a:t>Stiftungen</a:t>
+            </a:r>
+            <a:br>
+              <a:rPr lang="de-CH" sz="2800" dirty="0" smtClean="0"/>
+            </a:br>
+            <a:endParaRPr lang="de-CH" sz="2800" dirty="0" smtClean="0"/>
           </a:p>
           <a:p>
             <a:r>
@@ -11422,28 +11714,6 @@
           </a:p>
         </p:txBody>
       </p:sp>
-      <p:graphicFrame>
-        <p:nvGraphicFramePr>
-          <p:cNvPr id="4" name="Diagramm 3"/>
-          <p:cNvGraphicFramePr/>
-          <p:nvPr>
-            <p:extLst>
-              <p:ext uri="{D42A27DB-BD31-4B8C-83A1-F6EECF244321}">
-                <p14:modId xmlns:p14="http://schemas.microsoft.com/office/powerpoint/2010/main" val="3565781065"/>
-              </p:ext>
-            </p:extLst>
-          </p:nvPr>
-        </p:nvGraphicFramePr>
-        <p:xfrm>
-          <a:off x="5707002" y="2222287"/>
-          <a:ext cx="7083023" cy="4329480"/>
-        </p:xfrm>
-        <a:graphic>
-          <a:graphicData uri="http://schemas.openxmlformats.org/drawingml/2006/diagram">
-            <dgm:relIds xmlns:dgm="http://schemas.openxmlformats.org/drawingml/2006/diagram" xmlns:r="http://schemas.openxmlformats.org/officeDocument/2006/relationships" r:dm="rId2" r:lo="rId3" r:qs="rId4" r:cs="rId5"/>
-          </a:graphicData>
-        </a:graphic>
-      </p:graphicFrame>
       <p:pic>
         <p:nvPicPr>
           <p:cNvPr id="2" name="Grafik 1"/>
@@ -11453,7 +11723,7 @@
           <p:nvPr/>
         </p:nvPicPr>
         <p:blipFill>
-          <a:blip r:embed="rId7"/>
+          <a:blip r:embed="rId2"/>
           <a:stretch>
             <a:fillRect/>
           </a:stretch>
@@ -11482,6 +11752,1667 @@
           </a:effectLst>
         </p:spPr>
       </p:pic>
+      <p:grpSp>
+        <p:nvGrpSpPr>
+          <p:cNvPr id="5" name="Gruppieren 4"/>
+          <p:cNvGrpSpPr/>
+          <p:nvPr/>
+        </p:nvGrpSpPr>
+        <p:grpSpPr>
+          <a:xfrm>
+            <a:off x="9726087" y="682294"/>
+            <a:ext cx="601117" cy="584429"/>
+            <a:chOff x="3433274" y="273839"/>
+            <a:chExt cx="1217666" cy="1217666"/>
+          </a:xfrm>
+        </p:grpSpPr>
+        <p:sp>
+          <p:nvSpPr>
+            <p:cNvPr id="6" name="Ellipse 5"/>
+            <p:cNvSpPr/>
+            <p:nvPr/>
+          </p:nvSpPr>
+          <p:spPr>
+            <a:xfrm>
+              <a:off x="3433274" y="273839"/>
+              <a:ext cx="1217666" cy="1217666"/>
+            </a:xfrm>
+            <a:prstGeom prst="ellipse">
+              <a:avLst/>
+            </a:prstGeom>
+          </p:spPr>
+          <p:style>
+            <a:lnRef idx="2">
+              <a:schemeClr val="dk1">
+                <a:shade val="50000"/>
+              </a:schemeClr>
+            </a:lnRef>
+            <a:fillRef idx="1">
+              <a:schemeClr val="dk1"/>
+            </a:fillRef>
+            <a:effectRef idx="0">
+              <a:schemeClr val="dk1"/>
+            </a:effectRef>
+            <a:fontRef idx="minor">
+              <a:schemeClr val="lt1"/>
+            </a:fontRef>
+          </p:style>
+        </p:sp>
+        <p:sp>
+          <p:nvSpPr>
+            <p:cNvPr id="7" name="Ellipse 4"/>
+            <p:cNvSpPr txBox="1"/>
+            <p:nvPr/>
+          </p:nvSpPr>
+          <p:spPr>
+            <a:xfrm>
+              <a:off x="3611597" y="452162"/>
+              <a:ext cx="861020" cy="861020"/>
+            </a:xfrm>
+            <a:prstGeom prst="rect">
+              <a:avLst/>
+            </a:prstGeom>
+          </p:spPr>
+          <p:style>
+            <a:lnRef idx="2">
+              <a:schemeClr val="dk1">
+                <a:shade val="50000"/>
+              </a:schemeClr>
+            </a:lnRef>
+            <a:fillRef idx="1">
+              <a:schemeClr val="dk1"/>
+            </a:fillRef>
+            <a:effectRef idx="0">
+              <a:schemeClr val="dk1"/>
+            </a:effectRef>
+            <a:fontRef idx="minor">
+              <a:schemeClr val="lt1"/>
+            </a:fontRef>
+          </p:style>
+          <p:txBody>
+            <a:bodyPr spcFirstLastPara="0" vert="horz" wrap="square" lIns="66040" tIns="66040" rIns="66040" bIns="66040" numCol="1" spcCol="1270" anchor="ctr" anchorCtr="0">
+              <a:noAutofit/>
+            </a:bodyPr>
+            <a:lstStyle/>
+            <a:p>
+              <a:pPr lvl="0" algn="ctr" defTabSz="2311400">
+                <a:lnSpc>
+                  <a:spcPct val="90000"/>
+                </a:lnSpc>
+                <a:spcBef>
+                  <a:spcPct val="0"/>
+                </a:spcBef>
+                <a:spcAft>
+                  <a:spcPct val="35000"/>
+                </a:spcAft>
+              </a:pPr>
+              <a:endParaRPr lang="de-DE" sz="5200" kern="1200" dirty="0"/>
+            </a:p>
+          </p:txBody>
+        </p:sp>
+      </p:grpSp>
+      <p:grpSp>
+        <p:nvGrpSpPr>
+          <p:cNvPr id="11" name="Gruppieren 10"/>
+          <p:cNvGrpSpPr/>
+          <p:nvPr/>
+        </p:nvGrpSpPr>
+        <p:grpSpPr>
+          <a:xfrm>
+            <a:off x="10226851" y="1158670"/>
+            <a:ext cx="601117" cy="584429"/>
+            <a:chOff x="3433274" y="273839"/>
+            <a:chExt cx="1217666" cy="1217666"/>
+          </a:xfrm>
+        </p:grpSpPr>
+        <p:sp>
+          <p:nvSpPr>
+            <p:cNvPr id="12" name="Ellipse 11"/>
+            <p:cNvSpPr/>
+            <p:nvPr/>
+          </p:nvSpPr>
+          <p:spPr>
+            <a:xfrm>
+              <a:off x="3433274" y="273839"/>
+              <a:ext cx="1217666" cy="1217666"/>
+            </a:xfrm>
+            <a:prstGeom prst="ellipse">
+              <a:avLst/>
+            </a:prstGeom>
+          </p:spPr>
+          <p:style>
+            <a:lnRef idx="2">
+              <a:schemeClr val="dk1">
+                <a:shade val="50000"/>
+              </a:schemeClr>
+            </a:lnRef>
+            <a:fillRef idx="1">
+              <a:schemeClr val="dk1"/>
+            </a:fillRef>
+            <a:effectRef idx="0">
+              <a:schemeClr val="dk1"/>
+            </a:effectRef>
+            <a:fontRef idx="minor">
+              <a:schemeClr val="lt1"/>
+            </a:fontRef>
+          </p:style>
+        </p:sp>
+        <p:sp>
+          <p:nvSpPr>
+            <p:cNvPr id="13" name="Ellipse 4"/>
+            <p:cNvSpPr txBox="1"/>
+            <p:nvPr/>
+          </p:nvSpPr>
+          <p:spPr>
+            <a:xfrm>
+              <a:off x="3611597" y="452162"/>
+              <a:ext cx="861020" cy="861020"/>
+            </a:xfrm>
+            <a:prstGeom prst="rect">
+              <a:avLst/>
+            </a:prstGeom>
+          </p:spPr>
+          <p:style>
+            <a:lnRef idx="2">
+              <a:schemeClr val="dk1">
+                <a:shade val="50000"/>
+              </a:schemeClr>
+            </a:lnRef>
+            <a:fillRef idx="1">
+              <a:schemeClr val="dk1"/>
+            </a:fillRef>
+            <a:effectRef idx="0">
+              <a:schemeClr val="dk1"/>
+            </a:effectRef>
+            <a:fontRef idx="minor">
+              <a:schemeClr val="lt1"/>
+            </a:fontRef>
+          </p:style>
+          <p:txBody>
+            <a:bodyPr spcFirstLastPara="0" vert="horz" wrap="square" lIns="66040" tIns="66040" rIns="66040" bIns="66040" numCol="1" spcCol="1270" anchor="ctr" anchorCtr="0">
+              <a:noAutofit/>
+            </a:bodyPr>
+            <a:lstStyle/>
+            <a:p>
+              <a:pPr lvl="0" algn="ctr" defTabSz="2311400">
+                <a:lnSpc>
+                  <a:spcPct val="90000"/>
+                </a:lnSpc>
+                <a:spcBef>
+                  <a:spcPct val="0"/>
+                </a:spcBef>
+                <a:spcAft>
+                  <a:spcPct val="35000"/>
+                </a:spcAft>
+              </a:pPr>
+              <a:endParaRPr lang="de-DE" sz="5200" kern="1200" dirty="0"/>
+            </a:p>
+          </p:txBody>
+        </p:sp>
+      </p:grpSp>
+      <p:grpSp>
+        <p:nvGrpSpPr>
+          <p:cNvPr id="14" name="Gruppieren 13"/>
+          <p:cNvGrpSpPr/>
+          <p:nvPr/>
+        </p:nvGrpSpPr>
+        <p:grpSpPr>
+          <a:xfrm>
+            <a:off x="10226852" y="251156"/>
+            <a:ext cx="601117" cy="584429"/>
+            <a:chOff x="3433274" y="273839"/>
+            <a:chExt cx="1217666" cy="1217666"/>
+          </a:xfrm>
+        </p:grpSpPr>
+        <p:sp>
+          <p:nvSpPr>
+            <p:cNvPr id="15" name="Ellipse 14"/>
+            <p:cNvSpPr/>
+            <p:nvPr/>
+          </p:nvSpPr>
+          <p:spPr>
+            <a:xfrm>
+              <a:off x="3433274" y="273839"/>
+              <a:ext cx="1217666" cy="1217666"/>
+            </a:xfrm>
+            <a:prstGeom prst="ellipse">
+              <a:avLst/>
+            </a:prstGeom>
+          </p:spPr>
+          <p:style>
+            <a:lnRef idx="2">
+              <a:schemeClr val="dk1">
+                <a:shade val="50000"/>
+              </a:schemeClr>
+            </a:lnRef>
+            <a:fillRef idx="1">
+              <a:schemeClr val="dk1"/>
+            </a:fillRef>
+            <a:effectRef idx="0">
+              <a:schemeClr val="dk1"/>
+            </a:effectRef>
+            <a:fontRef idx="minor">
+              <a:schemeClr val="lt1"/>
+            </a:fontRef>
+          </p:style>
+        </p:sp>
+        <p:sp>
+          <p:nvSpPr>
+            <p:cNvPr id="16" name="Ellipse 4"/>
+            <p:cNvSpPr txBox="1"/>
+            <p:nvPr/>
+          </p:nvSpPr>
+          <p:spPr>
+            <a:xfrm>
+              <a:off x="3611597" y="452162"/>
+              <a:ext cx="861020" cy="861020"/>
+            </a:xfrm>
+            <a:prstGeom prst="rect">
+              <a:avLst/>
+            </a:prstGeom>
+          </p:spPr>
+          <p:style>
+            <a:lnRef idx="2">
+              <a:schemeClr val="dk1">
+                <a:shade val="50000"/>
+              </a:schemeClr>
+            </a:lnRef>
+            <a:fillRef idx="1">
+              <a:schemeClr val="dk1"/>
+            </a:fillRef>
+            <a:effectRef idx="0">
+              <a:schemeClr val="dk1"/>
+            </a:effectRef>
+            <a:fontRef idx="minor">
+              <a:schemeClr val="lt1"/>
+            </a:fontRef>
+          </p:style>
+          <p:txBody>
+            <a:bodyPr spcFirstLastPara="0" vert="horz" wrap="square" lIns="66040" tIns="66040" rIns="66040" bIns="66040" numCol="1" spcCol="1270" anchor="ctr" anchorCtr="0">
+              <a:noAutofit/>
+            </a:bodyPr>
+            <a:lstStyle/>
+            <a:p>
+              <a:pPr lvl="0" algn="ctr" defTabSz="2311400">
+                <a:lnSpc>
+                  <a:spcPct val="90000"/>
+                </a:lnSpc>
+                <a:spcBef>
+                  <a:spcPct val="0"/>
+                </a:spcBef>
+                <a:spcAft>
+                  <a:spcPct val="35000"/>
+                </a:spcAft>
+              </a:pPr>
+              <a:endParaRPr lang="de-DE" sz="5200" kern="1200" dirty="0"/>
+            </a:p>
+          </p:txBody>
+        </p:sp>
+      </p:grpSp>
+      <p:grpSp>
+        <p:nvGrpSpPr>
+          <p:cNvPr id="17" name="Gruppieren 16"/>
+          <p:cNvGrpSpPr/>
+          <p:nvPr/>
+        </p:nvGrpSpPr>
+        <p:grpSpPr>
+          <a:xfrm>
+            <a:off x="10792991" y="613546"/>
+            <a:ext cx="601117" cy="584429"/>
+            <a:chOff x="3433274" y="273839"/>
+            <a:chExt cx="1217666" cy="1217666"/>
+          </a:xfrm>
+        </p:grpSpPr>
+        <p:sp>
+          <p:nvSpPr>
+            <p:cNvPr id="18" name="Ellipse 17"/>
+            <p:cNvSpPr/>
+            <p:nvPr/>
+          </p:nvSpPr>
+          <p:spPr>
+            <a:xfrm>
+              <a:off x="3433274" y="273839"/>
+              <a:ext cx="1217666" cy="1217666"/>
+            </a:xfrm>
+            <a:prstGeom prst="ellipse">
+              <a:avLst/>
+            </a:prstGeom>
+          </p:spPr>
+          <p:style>
+            <a:lnRef idx="2">
+              <a:schemeClr val="dk1">
+                <a:shade val="50000"/>
+              </a:schemeClr>
+            </a:lnRef>
+            <a:fillRef idx="1">
+              <a:schemeClr val="dk1"/>
+            </a:fillRef>
+            <a:effectRef idx="0">
+              <a:schemeClr val="dk1"/>
+            </a:effectRef>
+            <a:fontRef idx="minor">
+              <a:schemeClr val="lt1"/>
+            </a:fontRef>
+          </p:style>
+        </p:sp>
+        <p:sp>
+          <p:nvSpPr>
+            <p:cNvPr id="19" name="Ellipse 4"/>
+            <p:cNvSpPr txBox="1"/>
+            <p:nvPr/>
+          </p:nvSpPr>
+          <p:spPr>
+            <a:xfrm>
+              <a:off x="3611597" y="452162"/>
+              <a:ext cx="861020" cy="861020"/>
+            </a:xfrm>
+            <a:prstGeom prst="rect">
+              <a:avLst/>
+            </a:prstGeom>
+          </p:spPr>
+          <p:style>
+            <a:lnRef idx="2">
+              <a:schemeClr val="dk1">
+                <a:shade val="50000"/>
+              </a:schemeClr>
+            </a:lnRef>
+            <a:fillRef idx="1">
+              <a:schemeClr val="dk1"/>
+            </a:fillRef>
+            <a:effectRef idx="0">
+              <a:schemeClr val="dk1"/>
+            </a:effectRef>
+            <a:fontRef idx="minor">
+              <a:schemeClr val="lt1"/>
+            </a:fontRef>
+          </p:style>
+          <p:txBody>
+            <a:bodyPr spcFirstLastPara="0" vert="horz" wrap="square" lIns="66040" tIns="66040" rIns="66040" bIns="66040" numCol="1" spcCol="1270" anchor="ctr" anchorCtr="0">
+              <a:noAutofit/>
+            </a:bodyPr>
+            <a:lstStyle/>
+            <a:p>
+              <a:pPr lvl="0" algn="ctr" defTabSz="2311400">
+                <a:lnSpc>
+                  <a:spcPct val="90000"/>
+                </a:lnSpc>
+                <a:spcBef>
+                  <a:spcPct val="0"/>
+                </a:spcBef>
+                <a:spcAft>
+                  <a:spcPct val="35000"/>
+                </a:spcAft>
+              </a:pPr>
+              <a:endParaRPr lang="de-DE" sz="5200" kern="1200" dirty="0"/>
+            </a:p>
+          </p:txBody>
+        </p:sp>
+      </p:grpSp>
+      <p:grpSp>
+        <p:nvGrpSpPr>
+          <p:cNvPr id="20" name="Gruppieren 19"/>
+          <p:cNvGrpSpPr/>
+          <p:nvPr/>
+        </p:nvGrpSpPr>
+        <p:grpSpPr>
+          <a:xfrm>
+            <a:off x="9359274" y="1346953"/>
+            <a:ext cx="601117" cy="584429"/>
+            <a:chOff x="3433274" y="273839"/>
+            <a:chExt cx="1217666" cy="1217666"/>
+          </a:xfrm>
+        </p:grpSpPr>
+        <p:sp>
+          <p:nvSpPr>
+            <p:cNvPr id="21" name="Ellipse 20"/>
+            <p:cNvSpPr/>
+            <p:nvPr/>
+          </p:nvSpPr>
+          <p:spPr>
+            <a:xfrm>
+              <a:off x="3433274" y="273839"/>
+              <a:ext cx="1217666" cy="1217666"/>
+            </a:xfrm>
+            <a:prstGeom prst="ellipse">
+              <a:avLst/>
+            </a:prstGeom>
+          </p:spPr>
+          <p:style>
+            <a:lnRef idx="2">
+              <a:schemeClr val="dk1">
+                <a:shade val="50000"/>
+              </a:schemeClr>
+            </a:lnRef>
+            <a:fillRef idx="1">
+              <a:schemeClr val="dk1"/>
+            </a:fillRef>
+            <a:effectRef idx="0">
+              <a:schemeClr val="dk1"/>
+            </a:effectRef>
+            <a:fontRef idx="minor">
+              <a:schemeClr val="lt1"/>
+            </a:fontRef>
+          </p:style>
+        </p:sp>
+        <p:sp>
+          <p:nvSpPr>
+            <p:cNvPr id="22" name="Ellipse 4"/>
+            <p:cNvSpPr txBox="1"/>
+            <p:nvPr/>
+          </p:nvSpPr>
+          <p:spPr>
+            <a:xfrm>
+              <a:off x="3611597" y="452162"/>
+              <a:ext cx="861020" cy="861020"/>
+            </a:xfrm>
+            <a:prstGeom prst="rect">
+              <a:avLst/>
+            </a:prstGeom>
+          </p:spPr>
+          <p:style>
+            <a:lnRef idx="2">
+              <a:schemeClr val="dk1">
+                <a:shade val="50000"/>
+              </a:schemeClr>
+            </a:lnRef>
+            <a:fillRef idx="1">
+              <a:schemeClr val="dk1"/>
+            </a:fillRef>
+            <a:effectRef idx="0">
+              <a:schemeClr val="dk1"/>
+            </a:effectRef>
+            <a:fontRef idx="minor">
+              <a:schemeClr val="lt1"/>
+            </a:fontRef>
+          </p:style>
+          <p:txBody>
+            <a:bodyPr spcFirstLastPara="0" vert="horz" wrap="square" lIns="66040" tIns="66040" rIns="66040" bIns="66040" numCol="1" spcCol="1270" anchor="ctr" anchorCtr="0">
+              <a:noAutofit/>
+            </a:bodyPr>
+            <a:lstStyle/>
+            <a:p>
+              <a:pPr lvl="0" algn="ctr" defTabSz="2311400">
+                <a:lnSpc>
+                  <a:spcPct val="90000"/>
+                </a:lnSpc>
+                <a:spcBef>
+                  <a:spcPct val="0"/>
+                </a:spcBef>
+                <a:spcAft>
+                  <a:spcPct val="35000"/>
+                </a:spcAft>
+              </a:pPr>
+              <a:endParaRPr lang="de-DE" sz="5200" kern="1200" dirty="0"/>
+            </a:p>
+          </p:txBody>
+        </p:sp>
+      </p:grpSp>
+      <p:grpSp>
+        <p:nvGrpSpPr>
+          <p:cNvPr id="23" name="Gruppieren 22"/>
+          <p:cNvGrpSpPr/>
+          <p:nvPr/>
+        </p:nvGrpSpPr>
+        <p:grpSpPr>
+          <a:xfrm>
+            <a:off x="8570229" y="1405083"/>
+            <a:ext cx="601117" cy="584429"/>
+            <a:chOff x="3433274" y="273839"/>
+            <a:chExt cx="1217666" cy="1217666"/>
+          </a:xfrm>
+        </p:grpSpPr>
+        <p:sp>
+          <p:nvSpPr>
+            <p:cNvPr id="24" name="Ellipse 23"/>
+            <p:cNvSpPr/>
+            <p:nvPr/>
+          </p:nvSpPr>
+          <p:spPr>
+            <a:xfrm>
+              <a:off x="3433274" y="273839"/>
+              <a:ext cx="1217666" cy="1217666"/>
+            </a:xfrm>
+            <a:prstGeom prst="ellipse">
+              <a:avLst/>
+            </a:prstGeom>
+          </p:spPr>
+          <p:style>
+            <a:lnRef idx="2">
+              <a:schemeClr val="dk1">
+                <a:shade val="50000"/>
+              </a:schemeClr>
+            </a:lnRef>
+            <a:fillRef idx="1">
+              <a:schemeClr val="dk1"/>
+            </a:fillRef>
+            <a:effectRef idx="0">
+              <a:schemeClr val="dk1"/>
+            </a:effectRef>
+            <a:fontRef idx="minor">
+              <a:schemeClr val="lt1"/>
+            </a:fontRef>
+          </p:style>
+        </p:sp>
+        <p:sp>
+          <p:nvSpPr>
+            <p:cNvPr id="25" name="Ellipse 4"/>
+            <p:cNvSpPr txBox="1"/>
+            <p:nvPr/>
+          </p:nvSpPr>
+          <p:spPr>
+            <a:xfrm>
+              <a:off x="3611597" y="452162"/>
+              <a:ext cx="861020" cy="861020"/>
+            </a:xfrm>
+            <a:prstGeom prst="rect">
+              <a:avLst/>
+            </a:prstGeom>
+          </p:spPr>
+          <p:style>
+            <a:lnRef idx="2">
+              <a:schemeClr val="dk1">
+                <a:shade val="50000"/>
+              </a:schemeClr>
+            </a:lnRef>
+            <a:fillRef idx="1">
+              <a:schemeClr val="dk1"/>
+            </a:fillRef>
+            <a:effectRef idx="0">
+              <a:schemeClr val="dk1"/>
+            </a:effectRef>
+            <a:fontRef idx="minor">
+              <a:schemeClr val="lt1"/>
+            </a:fontRef>
+          </p:style>
+          <p:txBody>
+            <a:bodyPr spcFirstLastPara="0" vert="horz" wrap="square" lIns="66040" tIns="66040" rIns="66040" bIns="66040" numCol="1" spcCol="1270" anchor="ctr" anchorCtr="0">
+              <a:noAutofit/>
+            </a:bodyPr>
+            <a:lstStyle/>
+            <a:p>
+              <a:pPr lvl="0" algn="ctr" defTabSz="2311400">
+                <a:lnSpc>
+                  <a:spcPct val="90000"/>
+                </a:lnSpc>
+                <a:spcBef>
+                  <a:spcPct val="0"/>
+                </a:spcBef>
+                <a:spcAft>
+                  <a:spcPct val="35000"/>
+                </a:spcAft>
+              </a:pPr>
+              <a:endParaRPr lang="de-DE" sz="5200" kern="1200" dirty="0"/>
+            </a:p>
+          </p:txBody>
+        </p:sp>
+      </p:grpSp>
+      <p:grpSp>
+        <p:nvGrpSpPr>
+          <p:cNvPr id="26" name="Gruppieren 25"/>
+          <p:cNvGrpSpPr/>
+          <p:nvPr/>
+        </p:nvGrpSpPr>
+        <p:grpSpPr>
+          <a:xfrm>
+            <a:off x="8972597" y="772656"/>
+            <a:ext cx="601117" cy="584429"/>
+            <a:chOff x="3433274" y="273839"/>
+            <a:chExt cx="1217666" cy="1217666"/>
+          </a:xfrm>
+        </p:grpSpPr>
+        <p:sp>
+          <p:nvSpPr>
+            <p:cNvPr id="27" name="Ellipse 26"/>
+            <p:cNvSpPr/>
+            <p:nvPr/>
+          </p:nvSpPr>
+          <p:spPr>
+            <a:xfrm>
+              <a:off x="3433274" y="273839"/>
+              <a:ext cx="1217666" cy="1217666"/>
+            </a:xfrm>
+            <a:prstGeom prst="ellipse">
+              <a:avLst/>
+            </a:prstGeom>
+          </p:spPr>
+          <p:style>
+            <a:lnRef idx="2">
+              <a:schemeClr val="dk1">
+                <a:shade val="50000"/>
+              </a:schemeClr>
+            </a:lnRef>
+            <a:fillRef idx="1">
+              <a:schemeClr val="dk1"/>
+            </a:fillRef>
+            <a:effectRef idx="0">
+              <a:schemeClr val="dk1"/>
+            </a:effectRef>
+            <a:fontRef idx="minor">
+              <a:schemeClr val="lt1"/>
+            </a:fontRef>
+          </p:style>
+        </p:sp>
+        <p:sp>
+          <p:nvSpPr>
+            <p:cNvPr id="28" name="Ellipse 4"/>
+            <p:cNvSpPr txBox="1"/>
+            <p:nvPr/>
+          </p:nvSpPr>
+          <p:spPr>
+            <a:xfrm>
+              <a:off x="3611597" y="452162"/>
+              <a:ext cx="861020" cy="861020"/>
+            </a:xfrm>
+            <a:prstGeom prst="rect">
+              <a:avLst/>
+            </a:prstGeom>
+          </p:spPr>
+          <p:style>
+            <a:lnRef idx="2">
+              <a:schemeClr val="dk1">
+                <a:shade val="50000"/>
+              </a:schemeClr>
+            </a:lnRef>
+            <a:fillRef idx="1">
+              <a:schemeClr val="dk1"/>
+            </a:fillRef>
+            <a:effectRef idx="0">
+              <a:schemeClr val="dk1"/>
+            </a:effectRef>
+            <a:fontRef idx="minor">
+              <a:schemeClr val="lt1"/>
+            </a:fontRef>
+          </p:style>
+          <p:txBody>
+            <a:bodyPr spcFirstLastPara="0" vert="horz" wrap="square" lIns="66040" tIns="66040" rIns="66040" bIns="66040" numCol="1" spcCol="1270" anchor="ctr" anchorCtr="0">
+              <a:noAutofit/>
+            </a:bodyPr>
+            <a:lstStyle/>
+            <a:p>
+              <a:pPr lvl="0" algn="ctr" defTabSz="2311400">
+                <a:lnSpc>
+                  <a:spcPct val="90000"/>
+                </a:lnSpc>
+                <a:spcBef>
+                  <a:spcPct val="0"/>
+                </a:spcBef>
+                <a:spcAft>
+                  <a:spcPct val="35000"/>
+                </a:spcAft>
+              </a:pPr>
+              <a:endParaRPr lang="de-DE" sz="5200" kern="1200" dirty="0"/>
+            </a:p>
+          </p:txBody>
+        </p:sp>
+      </p:grpSp>
+      <p:grpSp>
+        <p:nvGrpSpPr>
+          <p:cNvPr id="32" name="Gruppieren 31"/>
+          <p:cNvGrpSpPr/>
+          <p:nvPr/>
+        </p:nvGrpSpPr>
+        <p:grpSpPr>
+          <a:xfrm>
+            <a:off x="9299887" y="115085"/>
+            <a:ext cx="601117" cy="584429"/>
+            <a:chOff x="3433274" y="273839"/>
+            <a:chExt cx="1217666" cy="1217666"/>
+          </a:xfrm>
+        </p:grpSpPr>
+        <p:sp>
+          <p:nvSpPr>
+            <p:cNvPr id="33" name="Ellipse 32"/>
+            <p:cNvSpPr/>
+            <p:nvPr/>
+          </p:nvSpPr>
+          <p:spPr>
+            <a:xfrm>
+              <a:off x="3433274" y="273839"/>
+              <a:ext cx="1217666" cy="1217666"/>
+            </a:xfrm>
+            <a:prstGeom prst="ellipse">
+              <a:avLst/>
+            </a:prstGeom>
+          </p:spPr>
+          <p:style>
+            <a:lnRef idx="2">
+              <a:schemeClr val="dk1">
+                <a:shade val="50000"/>
+              </a:schemeClr>
+            </a:lnRef>
+            <a:fillRef idx="1">
+              <a:schemeClr val="dk1"/>
+            </a:fillRef>
+            <a:effectRef idx="0">
+              <a:schemeClr val="dk1"/>
+            </a:effectRef>
+            <a:fontRef idx="minor">
+              <a:schemeClr val="lt1"/>
+            </a:fontRef>
+          </p:style>
+        </p:sp>
+        <p:sp>
+          <p:nvSpPr>
+            <p:cNvPr id="34" name="Ellipse 4"/>
+            <p:cNvSpPr txBox="1"/>
+            <p:nvPr/>
+          </p:nvSpPr>
+          <p:spPr>
+            <a:xfrm>
+              <a:off x="3611597" y="452162"/>
+              <a:ext cx="861020" cy="861020"/>
+            </a:xfrm>
+            <a:prstGeom prst="rect">
+              <a:avLst/>
+            </a:prstGeom>
+          </p:spPr>
+          <p:style>
+            <a:lnRef idx="2">
+              <a:schemeClr val="dk1">
+                <a:shade val="50000"/>
+              </a:schemeClr>
+            </a:lnRef>
+            <a:fillRef idx="1">
+              <a:schemeClr val="dk1"/>
+            </a:fillRef>
+            <a:effectRef idx="0">
+              <a:schemeClr val="dk1"/>
+            </a:effectRef>
+            <a:fontRef idx="minor">
+              <a:schemeClr val="lt1"/>
+            </a:fontRef>
+          </p:style>
+          <p:txBody>
+            <a:bodyPr spcFirstLastPara="0" vert="horz" wrap="square" lIns="66040" tIns="66040" rIns="66040" bIns="66040" numCol="1" spcCol="1270" anchor="ctr" anchorCtr="0">
+              <a:noAutofit/>
+            </a:bodyPr>
+            <a:lstStyle/>
+            <a:p>
+              <a:pPr lvl="0" algn="ctr" defTabSz="2311400">
+                <a:lnSpc>
+                  <a:spcPct val="90000"/>
+                </a:lnSpc>
+                <a:spcBef>
+                  <a:spcPct val="0"/>
+                </a:spcBef>
+                <a:spcAft>
+                  <a:spcPct val="35000"/>
+                </a:spcAft>
+              </a:pPr>
+              <a:endParaRPr lang="de-DE" sz="5200" kern="1200" dirty="0"/>
+            </a:p>
+          </p:txBody>
+        </p:sp>
+      </p:grpSp>
+      <p:grpSp>
+        <p:nvGrpSpPr>
+          <p:cNvPr id="35" name="Gruppieren 34"/>
+          <p:cNvGrpSpPr/>
+          <p:nvPr/>
+        </p:nvGrpSpPr>
+        <p:grpSpPr>
+          <a:xfrm>
+            <a:off x="9775793" y="-380974"/>
+            <a:ext cx="601117" cy="584429"/>
+            <a:chOff x="3433274" y="273839"/>
+            <a:chExt cx="1217666" cy="1217666"/>
+          </a:xfrm>
+        </p:grpSpPr>
+        <p:sp>
+          <p:nvSpPr>
+            <p:cNvPr id="36" name="Ellipse 35"/>
+            <p:cNvSpPr/>
+            <p:nvPr/>
+          </p:nvSpPr>
+          <p:spPr>
+            <a:xfrm>
+              <a:off x="3433274" y="273839"/>
+              <a:ext cx="1217666" cy="1217666"/>
+            </a:xfrm>
+            <a:prstGeom prst="ellipse">
+              <a:avLst/>
+            </a:prstGeom>
+          </p:spPr>
+          <p:style>
+            <a:lnRef idx="2">
+              <a:schemeClr val="dk1">
+                <a:shade val="50000"/>
+              </a:schemeClr>
+            </a:lnRef>
+            <a:fillRef idx="1">
+              <a:schemeClr val="dk1"/>
+            </a:fillRef>
+            <a:effectRef idx="0">
+              <a:schemeClr val="dk1"/>
+            </a:effectRef>
+            <a:fontRef idx="minor">
+              <a:schemeClr val="lt1"/>
+            </a:fontRef>
+          </p:style>
+        </p:sp>
+        <p:sp>
+          <p:nvSpPr>
+            <p:cNvPr id="37" name="Ellipse 4"/>
+            <p:cNvSpPr txBox="1"/>
+            <p:nvPr/>
+          </p:nvSpPr>
+          <p:spPr>
+            <a:xfrm>
+              <a:off x="3611597" y="452162"/>
+              <a:ext cx="861020" cy="861020"/>
+            </a:xfrm>
+            <a:prstGeom prst="rect">
+              <a:avLst/>
+            </a:prstGeom>
+          </p:spPr>
+          <p:style>
+            <a:lnRef idx="2">
+              <a:schemeClr val="dk1">
+                <a:shade val="50000"/>
+              </a:schemeClr>
+            </a:lnRef>
+            <a:fillRef idx="1">
+              <a:schemeClr val="dk1"/>
+            </a:fillRef>
+            <a:effectRef idx="0">
+              <a:schemeClr val="dk1"/>
+            </a:effectRef>
+            <a:fontRef idx="minor">
+              <a:schemeClr val="lt1"/>
+            </a:fontRef>
+          </p:style>
+          <p:txBody>
+            <a:bodyPr spcFirstLastPara="0" vert="horz" wrap="square" lIns="66040" tIns="66040" rIns="66040" bIns="66040" numCol="1" spcCol="1270" anchor="ctr" anchorCtr="0">
+              <a:noAutofit/>
+            </a:bodyPr>
+            <a:lstStyle/>
+            <a:p>
+              <a:pPr lvl="0" algn="ctr" defTabSz="2311400">
+                <a:lnSpc>
+                  <a:spcPct val="90000"/>
+                </a:lnSpc>
+                <a:spcBef>
+                  <a:spcPct val="0"/>
+                </a:spcBef>
+                <a:spcAft>
+                  <a:spcPct val="35000"/>
+                </a:spcAft>
+              </a:pPr>
+              <a:endParaRPr lang="de-DE" sz="5200" kern="1200" dirty="0"/>
+            </a:p>
+          </p:txBody>
+        </p:sp>
+      </p:grpSp>
+      <p:grpSp>
+        <p:nvGrpSpPr>
+          <p:cNvPr id="38" name="Gruppieren 37"/>
+          <p:cNvGrpSpPr/>
+          <p:nvPr/>
+        </p:nvGrpSpPr>
+        <p:grpSpPr>
+          <a:xfrm>
+            <a:off x="10751888" y="-152915"/>
+            <a:ext cx="601117" cy="584429"/>
+            <a:chOff x="3433274" y="273839"/>
+            <a:chExt cx="1217666" cy="1217666"/>
+          </a:xfrm>
+        </p:grpSpPr>
+        <p:sp>
+          <p:nvSpPr>
+            <p:cNvPr id="39" name="Ellipse 38"/>
+            <p:cNvSpPr/>
+            <p:nvPr/>
+          </p:nvSpPr>
+          <p:spPr>
+            <a:xfrm>
+              <a:off x="3433274" y="273839"/>
+              <a:ext cx="1217666" cy="1217666"/>
+            </a:xfrm>
+            <a:prstGeom prst="ellipse">
+              <a:avLst/>
+            </a:prstGeom>
+          </p:spPr>
+          <p:style>
+            <a:lnRef idx="2">
+              <a:schemeClr val="dk1">
+                <a:shade val="50000"/>
+              </a:schemeClr>
+            </a:lnRef>
+            <a:fillRef idx="1">
+              <a:schemeClr val="dk1"/>
+            </a:fillRef>
+            <a:effectRef idx="0">
+              <a:schemeClr val="dk1"/>
+            </a:effectRef>
+            <a:fontRef idx="minor">
+              <a:schemeClr val="lt1"/>
+            </a:fontRef>
+          </p:style>
+        </p:sp>
+        <p:sp>
+          <p:nvSpPr>
+            <p:cNvPr id="40" name="Ellipse 4"/>
+            <p:cNvSpPr txBox="1"/>
+            <p:nvPr/>
+          </p:nvSpPr>
+          <p:spPr>
+            <a:xfrm>
+              <a:off x="3611597" y="452162"/>
+              <a:ext cx="861020" cy="861020"/>
+            </a:xfrm>
+            <a:prstGeom prst="rect">
+              <a:avLst/>
+            </a:prstGeom>
+          </p:spPr>
+          <p:style>
+            <a:lnRef idx="2">
+              <a:schemeClr val="dk1">
+                <a:shade val="50000"/>
+              </a:schemeClr>
+            </a:lnRef>
+            <a:fillRef idx="1">
+              <a:schemeClr val="dk1"/>
+            </a:fillRef>
+            <a:effectRef idx="0">
+              <a:schemeClr val="dk1"/>
+            </a:effectRef>
+            <a:fontRef idx="minor">
+              <a:schemeClr val="lt1"/>
+            </a:fontRef>
+          </p:style>
+          <p:txBody>
+            <a:bodyPr spcFirstLastPara="0" vert="horz" wrap="square" lIns="66040" tIns="66040" rIns="66040" bIns="66040" numCol="1" spcCol="1270" anchor="ctr" anchorCtr="0">
+              <a:noAutofit/>
+            </a:bodyPr>
+            <a:lstStyle/>
+            <a:p>
+              <a:pPr lvl="0" algn="ctr" defTabSz="2311400">
+                <a:lnSpc>
+                  <a:spcPct val="90000"/>
+                </a:lnSpc>
+                <a:spcBef>
+                  <a:spcPct val="0"/>
+                </a:spcBef>
+                <a:spcAft>
+                  <a:spcPct val="35000"/>
+                </a:spcAft>
+              </a:pPr>
+              <a:endParaRPr lang="de-DE" sz="5200" kern="1200" dirty="0"/>
+            </a:p>
+          </p:txBody>
+        </p:sp>
+      </p:grpSp>
+      <p:grpSp>
+        <p:nvGrpSpPr>
+          <p:cNvPr id="41" name="Gruppieren 40"/>
+          <p:cNvGrpSpPr/>
+          <p:nvPr/>
+        </p:nvGrpSpPr>
+        <p:grpSpPr>
+          <a:xfrm>
+            <a:off x="11373286" y="205346"/>
+            <a:ext cx="601117" cy="584429"/>
+            <a:chOff x="3433274" y="273839"/>
+            <a:chExt cx="1217666" cy="1217666"/>
+          </a:xfrm>
+        </p:grpSpPr>
+        <p:sp>
+          <p:nvSpPr>
+            <p:cNvPr id="42" name="Ellipse 41"/>
+            <p:cNvSpPr/>
+            <p:nvPr/>
+          </p:nvSpPr>
+          <p:spPr>
+            <a:xfrm>
+              <a:off x="3433274" y="273839"/>
+              <a:ext cx="1217666" cy="1217666"/>
+            </a:xfrm>
+            <a:prstGeom prst="ellipse">
+              <a:avLst/>
+            </a:prstGeom>
+          </p:spPr>
+          <p:style>
+            <a:lnRef idx="2">
+              <a:schemeClr val="dk1">
+                <a:shade val="50000"/>
+              </a:schemeClr>
+            </a:lnRef>
+            <a:fillRef idx="1">
+              <a:schemeClr val="dk1"/>
+            </a:fillRef>
+            <a:effectRef idx="0">
+              <a:schemeClr val="dk1"/>
+            </a:effectRef>
+            <a:fontRef idx="minor">
+              <a:schemeClr val="lt1"/>
+            </a:fontRef>
+          </p:style>
+        </p:sp>
+        <p:sp>
+          <p:nvSpPr>
+            <p:cNvPr id="43" name="Ellipse 4"/>
+            <p:cNvSpPr txBox="1"/>
+            <p:nvPr/>
+          </p:nvSpPr>
+          <p:spPr>
+            <a:xfrm>
+              <a:off x="3611597" y="452162"/>
+              <a:ext cx="861020" cy="861020"/>
+            </a:xfrm>
+            <a:prstGeom prst="rect">
+              <a:avLst/>
+            </a:prstGeom>
+          </p:spPr>
+          <p:style>
+            <a:lnRef idx="2">
+              <a:schemeClr val="dk1">
+                <a:shade val="50000"/>
+              </a:schemeClr>
+            </a:lnRef>
+            <a:fillRef idx="1">
+              <a:schemeClr val="dk1"/>
+            </a:fillRef>
+            <a:effectRef idx="0">
+              <a:schemeClr val="dk1"/>
+            </a:effectRef>
+            <a:fontRef idx="minor">
+              <a:schemeClr val="lt1"/>
+            </a:fontRef>
+          </p:style>
+          <p:txBody>
+            <a:bodyPr spcFirstLastPara="0" vert="horz" wrap="square" lIns="66040" tIns="66040" rIns="66040" bIns="66040" numCol="1" spcCol="1270" anchor="ctr" anchorCtr="0">
+              <a:noAutofit/>
+            </a:bodyPr>
+            <a:lstStyle/>
+            <a:p>
+              <a:pPr lvl="0" algn="ctr" defTabSz="2311400">
+                <a:lnSpc>
+                  <a:spcPct val="90000"/>
+                </a:lnSpc>
+                <a:spcBef>
+                  <a:spcPct val="0"/>
+                </a:spcBef>
+                <a:spcAft>
+                  <a:spcPct val="35000"/>
+                </a:spcAft>
+              </a:pPr>
+              <a:endParaRPr lang="de-DE" sz="5200" kern="1200" dirty="0"/>
+            </a:p>
+          </p:txBody>
+        </p:sp>
+      </p:grpSp>
+      <p:grpSp>
+        <p:nvGrpSpPr>
+          <p:cNvPr id="44" name="Gruppieren 43"/>
+          <p:cNvGrpSpPr/>
+          <p:nvPr/>
+        </p:nvGrpSpPr>
+        <p:grpSpPr>
+          <a:xfrm>
+            <a:off x="8309831" y="1788251"/>
+            <a:ext cx="682139" cy="640663"/>
+            <a:chOff x="3433274" y="273839"/>
+            <a:chExt cx="1217666" cy="1217666"/>
+          </a:xfrm>
+        </p:grpSpPr>
+        <p:sp>
+          <p:nvSpPr>
+            <p:cNvPr id="45" name="Ellipse 44"/>
+            <p:cNvSpPr/>
+            <p:nvPr/>
+          </p:nvSpPr>
+          <p:spPr>
+            <a:xfrm>
+              <a:off x="3433274" y="273839"/>
+              <a:ext cx="1217666" cy="1217666"/>
+            </a:xfrm>
+            <a:prstGeom prst="ellipse">
+              <a:avLst/>
+            </a:prstGeom>
+          </p:spPr>
+          <p:style>
+            <a:lnRef idx="2">
+              <a:schemeClr val="lt1">
+                <a:hueOff val="0"/>
+                <a:satOff val="0"/>
+                <a:lumOff val="0"/>
+                <a:alphaOff val="0"/>
+              </a:schemeClr>
+            </a:lnRef>
+            <a:fillRef idx="1">
+              <a:schemeClr val="accent1">
+                <a:hueOff val="0"/>
+                <a:satOff val="0"/>
+                <a:lumOff val="0"/>
+                <a:alphaOff val="0"/>
+              </a:schemeClr>
+            </a:fillRef>
+            <a:effectRef idx="0">
+              <a:schemeClr val="accent1">
+                <a:hueOff val="0"/>
+                <a:satOff val="0"/>
+                <a:lumOff val="0"/>
+                <a:alphaOff val="0"/>
+              </a:schemeClr>
+            </a:effectRef>
+            <a:fontRef idx="minor">
+              <a:schemeClr val="lt1"/>
+            </a:fontRef>
+          </p:style>
+        </p:sp>
+        <p:sp>
+          <p:nvSpPr>
+            <p:cNvPr id="46" name="Ellipse 4"/>
+            <p:cNvSpPr txBox="1"/>
+            <p:nvPr/>
+          </p:nvSpPr>
+          <p:spPr>
+            <a:xfrm>
+              <a:off x="3611597" y="452162"/>
+              <a:ext cx="861020" cy="861020"/>
+            </a:xfrm>
+            <a:prstGeom prst="rect">
+              <a:avLst/>
+            </a:prstGeom>
+          </p:spPr>
+          <p:style>
+            <a:lnRef idx="0">
+              <a:scrgbClr r="0" g="0" b="0"/>
+            </a:lnRef>
+            <a:fillRef idx="0">
+              <a:scrgbClr r="0" g="0" b="0"/>
+            </a:fillRef>
+            <a:effectRef idx="0">
+              <a:scrgbClr r="0" g="0" b="0"/>
+            </a:effectRef>
+            <a:fontRef idx="minor">
+              <a:schemeClr val="lt1"/>
+            </a:fontRef>
+          </p:style>
+          <p:txBody>
+            <a:bodyPr spcFirstLastPara="0" vert="horz" wrap="square" lIns="66040" tIns="66040" rIns="66040" bIns="66040" numCol="1" spcCol="1270" anchor="ctr" anchorCtr="0">
+              <a:noAutofit/>
+            </a:bodyPr>
+            <a:lstStyle/>
+            <a:p>
+              <a:pPr lvl="0" algn="ctr" defTabSz="2311400">
+                <a:lnSpc>
+                  <a:spcPct val="90000"/>
+                </a:lnSpc>
+                <a:spcBef>
+                  <a:spcPct val="0"/>
+                </a:spcBef>
+                <a:spcAft>
+                  <a:spcPct val="35000"/>
+                </a:spcAft>
+              </a:pPr>
+              <a:endParaRPr lang="de-DE" sz="5200" kern="1200" dirty="0"/>
+            </a:p>
+          </p:txBody>
+        </p:sp>
+      </p:grpSp>
+      <p:grpSp>
+        <p:nvGrpSpPr>
+          <p:cNvPr id="47" name="Gruppieren 46"/>
+          <p:cNvGrpSpPr/>
+          <p:nvPr/>
+        </p:nvGrpSpPr>
+        <p:grpSpPr>
+          <a:xfrm>
+            <a:off x="7876290" y="2333642"/>
+            <a:ext cx="682139" cy="640663"/>
+            <a:chOff x="3433274" y="273839"/>
+            <a:chExt cx="1217666" cy="1217666"/>
+          </a:xfrm>
+        </p:grpSpPr>
+        <p:sp>
+          <p:nvSpPr>
+            <p:cNvPr id="48" name="Ellipse 47"/>
+            <p:cNvSpPr/>
+            <p:nvPr/>
+          </p:nvSpPr>
+          <p:spPr>
+            <a:xfrm>
+              <a:off x="3433274" y="273839"/>
+              <a:ext cx="1217666" cy="1217666"/>
+            </a:xfrm>
+            <a:prstGeom prst="ellipse">
+              <a:avLst/>
+            </a:prstGeom>
+          </p:spPr>
+          <p:style>
+            <a:lnRef idx="2">
+              <a:schemeClr val="lt1">
+                <a:hueOff val="0"/>
+                <a:satOff val="0"/>
+                <a:lumOff val="0"/>
+                <a:alphaOff val="0"/>
+              </a:schemeClr>
+            </a:lnRef>
+            <a:fillRef idx="1">
+              <a:schemeClr val="accent1">
+                <a:hueOff val="0"/>
+                <a:satOff val="0"/>
+                <a:lumOff val="0"/>
+                <a:alphaOff val="0"/>
+              </a:schemeClr>
+            </a:fillRef>
+            <a:effectRef idx="0">
+              <a:schemeClr val="accent1">
+                <a:hueOff val="0"/>
+                <a:satOff val="0"/>
+                <a:lumOff val="0"/>
+                <a:alphaOff val="0"/>
+              </a:schemeClr>
+            </a:effectRef>
+            <a:fontRef idx="minor">
+              <a:schemeClr val="lt1"/>
+            </a:fontRef>
+          </p:style>
+        </p:sp>
+        <p:sp>
+          <p:nvSpPr>
+            <p:cNvPr id="49" name="Ellipse 4"/>
+            <p:cNvSpPr txBox="1"/>
+            <p:nvPr/>
+          </p:nvSpPr>
+          <p:spPr>
+            <a:xfrm>
+              <a:off x="3611597" y="452162"/>
+              <a:ext cx="861020" cy="861020"/>
+            </a:xfrm>
+            <a:prstGeom prst="rect">
+              <a:avLst/>
+            </a:prstGeom>
+          </p:spPr>
+          <p:style>
+            <a:lnRef idx="0">
+              <a:scrgbClr r="0" g="0" b="0"/>
+            </a:lnRef>
+            <a:fillRef idx="0">
+              <a:scrgbClr r="0" g="0" b="0"/>
+            </a:fillRef>
+            <a:effectRef idx="0">
+              <a:scrgbClr r="0" g="0" b="0"/>
+            </a:effectRef>
+            <a:fontRef idx="minor">
+              <a:schemeClr val="lt1"/>
+            </a:fontRef>
+          </p:style>
+          <p:txBody>
+            <a:bodyPr spcFirstLastPara="0" vert="horz" wrap="square" lIns="66040" tIns="66040" rIns="66040" bIns="66040" numCol="1" spcCol="1270" anchor="ctr" anchorCtr="0">
+              <a:noAutofit/>
+            </a:bodyPr>
+            <a:lstStyle/>
+            <a:p>
+              <a:pPr lvl="0" algn="ctr" defTabSz="2311400">
+                <a:lnSpc>
+                  <a:spcPct val="90000"/>
+                </a:lnSpc>
+                <a:spcBef>
+                  <a:spcPct val="0"/>
+                </a:spcBef>
+                <a:spcAft>
+                  <a:spcPct val="35000"/>
+                </a:spcAft>
+              </a:pPr>
+              <a:endParaRPr lang="de-DE" sz="5200" kern="1200" dirty="0"/>
+            </a:p>
+          </p:txBody>
+        </p:sp>
+      </p:grpSp>
+      <p:grpSp>
+        <p:nvGrpSpPr>
+          <p:cNvPr id="50" name="Gruppieren 49"/>
+          <p:cNvGrpSpPr/>
+          <p:nvPr/>
+        </p:nvGrpSpPr>
+        <p:grpSpPr>
+          <a:xfrm>
+            <a:off x="8753216" y="2233351"/>
+            <a:ext cx="694090" cy="674728"/>
+            <a:chOff x="3433274" y="273839"/>
+            <a:chExt cx="1217666" cy="1217666"/>
+          </a:xfrm>
+        </p:grpSpPr>
+        <p:sp>
+          <p:nvSpPr>
+            <p:cNvPr id="51" name="Ellipse 50"/>
+            <p:cNvSpPr/>
+            <p:nvPr/>
+          </p:nvSpPr>
+          <p:spPr>
+            <a:xfrm>
+              <a:off x="3433274" y="273839"/>
+              <a:ext cx="1217666" cy="1217666"/>
+            </a:xfrm>
+            <a:prstGeom prst="ellipse">
+              <a:avLst/>
+            </a:prstGeom>
+          </p:spPr>
+          <p:style>
+            <a:lnRef idx="2">
+              <a:schemeClr val="lt1">
+                <a:hueOff val="0"/>
+                <a:satOff val="0"/>
+                <a:lumOff val="0"/>
+                <a:alphaOff val="0"/>
+              </a:schemeClr>
+            </a:lnRef>
+            <a:fillRef idx="1">
+              <a:schemeClr val="accent1">
+                <a:hueOff val="0"/>
+                <a:satOff val="0"/>
+                <a:lumOff val="0"/>
+                <a:alphaOff val="0"/>
+              </a:schemeClr>
+            </a:fillRef>
+            <a:effectRef idx="0">
+              <a:schemeClr val="accent1">
+                <a:hueOff val="0"/>
+                <a:satOff val="0"/>
+                <a:lumOff val="0"/>
+                <a:alphaOff val="0"/>
+              </a:schemeClr>
+            </a:effectRef>
+            <a:fontRef idx="minor">
+              <a:schemeClr val="lt1"/>
+            </a:fontRef>
+          </p:style>
+        </p:sp>
+        <p:sp>
+          <p:nvSpPr>
+            <p:cNvPr id="52" name="Ellipse 4"/>
+            <p:cNvSpPr txBox="1"/>
+            <p:nvPr/>
+          </p:nvSpPr>
+          <p:spPr>
+            <a:xfrm>
+              <a:off x="3611597" y="452162"/>
+              <a:ext cx="861020" cy="861020"/>
+            </a:xfrm>
+            <a:prstGeom prst="rect">
+              <a:avLst/>
+            </a:prstGeom>
+          </p:spPr>
+          <p:style>
+            <a:lnRef idx="0">
+              <a:scrgbClr r="0" g="0" b="0"/>
+            </a:lnRef>
+            <a:fillRef idx="0">
+              <a:scrgbClr r="0" g="0" b="0"/>
+            </a:fillRef>
+            <a:effectRef idx="0">
+              <a:scrgbClr r="0" g="0" b="0"/>
+            </a:effectRef>
+            <a:fontRef idx="minor">
+              <a:schemeClr val="lt1"/>
+            </a:fontRef>
+          </p:style>
+          <p:txBody>
+            <a:bodyPr spcFirstLastPara="0" vert="horz" wrap="square" lIns="66040" tIns="66040" rIns="66040" bIns="66040" numCol="1" spcCol="1270" anchor="ctr" anchorCtr="0">
+              <a:noAutofit/>
+            </a:bodyPr>
+            <a:lstStyle/>
+            <a:p>
+              <a:pPr lvl="0" algn="ctr" defTabSz="2311400">
+                <a:lnSpc>
+                  <a:spcPct val="90000"/>
+                </a:lnSpc>
+                <a:spcBef>
+                  <a:spcPct val="0"/>
+                </a:spcBef>
+                <a:spcAft>
+                  <a:spcPct val="35000"/>
+                </a:spcAft>
+              </a:pPr>
+              <a:endParaRPr lang="de-DE" sz="5200" kern="1200" dirty="0"/>
+            </a:p>
+          </p:txBody>
+        </p:sp>
+      </p:grpSp>
+      <p:grpSp>
+        <p:nvGrpSpPr>
+          <p:cNvPr id="53" name="Gruppieren 52"/>
+          <p:cNvGrpSpPr/>
+          <p:nvPr/>
+        </p:nvGrpSpPr>
+        <p:grpSpPr>
+          <a:xfrm>
+            <a:off x="9998086" y="1729044"/>
+            <a:ext cx="596567" cy="606047"/>
+            <a:chOff x="3433274" y="273839"/>
+            <a:chExt cx="1217666" cy="1217666"/>
+          </a:xfrm>
+        </p:grpSpPr>
+        <p:sp>
+          <p:nvSpPr>
+            <p:cNvPr id="54" name="Ellipse 53"/>
+            <p:cNvSpPr/>
+            <p:nvPr/>
+          </p:nvSpPr>
+          <p:spPr>
+            <a:xfrm>
+              <a:off x="3433274" y="273839"/>
+              <a:ext cx="1217666" cy="1217666"/>
+            </a:xfrm>
+            <a:prstGeom prst="ellipse">
+              <a:avLst/>
+            </a:prstGeom>
+          </p:spPr>
+          <p:style>
+            <a:lnRef idx="2">
+              <a:schemeClr val="lt1">
+                <a:hueOff val="0"/>
+                <a:satOff val="0"/>
+                <a:lumOff val="0"/>
+                <a:alphaOff val="0"/>
+              </a:schemeClr>
+            </a:lnRef>
+            <a:fillRef idx="1">
+              <a:schemeClr val="accent1">
+                <a:hueOff val="0"/>
+                <a:satOff val="0"/>
+                <a:lumOff val="0"/>
+                <a:alphaOff val="0"/>
+              </a:schemeClr>
+            </a:fillRef>
+            <a:effectRef idx="0">
+              <a:schemeClr val="accent1">
+                <a:hueOff val="0"/>
+                <a:satOff val="0"/>
+                <a:lumOff val="0"/>
+                <a:alphaOff val="0"/>
+              </a:schemeClr>
+            </a:effectRef>
+            <a:fontRef idx="minor">
+              <a:schemeClr val="lt1"/>
+            </a:fontRef>
+          </p:style>
+        </p:sp>
+        <p:sp>
+          <p:nvSpPr>
+            <p:cNvPr id="55" name="Ellipse 4"/>
+            <p:cNvSpPr txBox="1"/>
+            <p:nvPr/>
+          </p:nvSpPr>
+          <p:spPr>
+            <a:xfrm>
+              <a:off x="3611597" y="452162"/>
+              <a:ext cx="861020" cy="861020"/>
+            </a:xfrm>
+            <a:prstGeom prst="rect">
+              <a:avLst/>
+            </a:prstGeom>
+          </p:spPr>
+          <p:style>
+            <a:lnRef idx="0">
+              <a:scrgbClr r="0" g="0" b="0"/>
+            </a:lnRef>
+            <a:fillRef idx="0">
+              <a:scrgbClr r="0" g="0" b="0"/>
+            </a:fillRef>
+            <a:effectRef idx="0">
+              <a:scrgbClr r="0" g="0" b="0"/>
+            </a:effectRef>
+            <a:fontRef idx="minor">
+              <a:schemeClr val="lt1"/>
+            </a:fontRef>
+          </p:style>
+          <p:txBody>
+            <a:bodyPr spcFirstLastPara="0" vert="horz" wrap="square" lIns="66040" tIns="66040" rIns="66040" bIns="66040" numCol="1" spcCol="1270" anchor="ctr" anchorCtr="0">
+              <a:noAutofit/>
+            </a:bodyPr>
+            <a:lstStyle/>
+            <a:p>
+              <a:pPr lvl="0" algn="ctr" defTabSz="2311400">
+                <a:lnSpc>
+                  <a:spcPct val="90000"/>
+                </a:lnSpc>
+                <a:spcBef>
+                  <a:spcPct val="0"/>
+                </a:spcBef>
+                <a:spcAft>
+                  <a:spcPct val="35000"/>
+                </a:spcAft>
+              </a:pPr>
+              <a:endParaRPr lang="de-DE" sz="5200" kern="1200" dirty="0"/>
+            </a:p>
+          </p:txBody>
+        </p:sp>
+      </p:grpSp>
+      <p:grpSp>
+        <p:nvGrpSpPr>
+          <p:cNvPr id="56" name="Gruppieren 55"/>
+          <p:cNvGrpSpPr/>
+          <p:nvPr/>
+        </p:nvGrpSpPr>
+        <p:grpSpPr>
+          <a:xfrm>
+            <a:off x="9259377" y="1797897"/>
+            <a:ext cx="612983" cy="563341"/>
+            <a:chOff x="3433274" y="273839"/>
+            <a:chExt cx="1217666" cy="1217666"/>
+          </a:xfrm>
+        </p:grpSpPr>
+        <p:sp>
+          <p:nvSpPr>
+            <p:cNvPr id="57" name="Ellipse 56"/>
+            <p:cNvSpPr/>
+            <p:nvPr/>
+          </p:nvSpPr>
+          <p:spPr>
+            <a:xfrm>
+              <a:off x="3433274" y="273839"/>
+              <a:ext cx="1217666" cy="1217666"/>
+            </a:xfrm>
+            <a:prstGeom prst="ellipse">
+              <a:avLst/>
+            </a:prstGeom>
+          </p:spPr>
+          <p:style>
+            <a:lnRef idx="2">
+              <a:schemeClr val="lt1">
+                <a:hueOff val="0"/>
+                <a:satOff val="0"/>
+                <a:lumOff val="0"/>
+                <a:alphaOff val="0"/>
+              </a:schemeClr>
+            </a:lnRef>
+            <a:fillRef idx="1">
+              <a:schemeClr val="accent1">
+                <a:hueOff val="0"/>
+                <a:satOff val="0"/>
+                <a:lumOff val="0"/>
+                <a:alphaOff val="0"/>
+              </a:schemeClr>
+            </a:fillRef>
+            <a:effectRef idx="0">
+              <a:schemeClr val="accent1">
+                <a:hueOff val="0"/>
+                <a:satOff val="0"/>
+                <a:lumOff val="0"/>
+                <a:alphaOff val="0"/>
+              </a:schemeClr>
+            </a:effectRef>
+            <a:fontRef idx="minor">
+              <a:schemeClr val="lt1"/>
+            </a:fontRef>
+          </p:style>
+        </p:sp>
+        <p:sp>
+          <p:nvSpPr>
+            <p:cNvPr id="58" name="Ellipse 4"/>
+            <p:cNvSpPr txBox="1"/>
+            <p:nvPr/>
+          </p:nvSpPr>
+          <p:spPr>
+            <a:xfrm>
+              <a:off x="3611597" y="452162"/>
+              <a:ext cx="861020" cy="861020"/>
+            </a:xfrm>
+            <a:prstGeom prst="rect">
+              <a:avLst/>
+            </a:prstGeom>
+          </p:spPr>
+          <p:style>
+            <a:lnRef idx="0">
+              <a:scrgbClr r="0" g="0" b="0"/>
+            </a:lnRef>
+            <a:fillRef idx="0">
+              <a:scrgbClr r="0" g="0" b="0"/>
+            </a:fillRef>
+            <a:effectRef idx="0">
+              <a:scrgbClr r="0" g="0" b="0"/>
+            </a:effectRef>
+            <a:fontRef idx="minor">
+              <a:schemeClr val="lt1"/>
+            </a:fontRef>
+          </p:style>
+          <p:txBody>
+            <a:bodyPr spcFirstLastPara="0" vert="horz" wrap="square" lIns="66040" tIns="66040" rIns="66040" bIns="66040" numCol="1" spcCol="1270" anchor="ctr" anchorCtr="0">
+              <a:noAutofit/>
+            </a:bodyPr>
+            <a:lstStyle/>
+            <a:p>
+              <a:pPr lvl="0" algn="ctr" defTabSz="2311400">
+                <a:lnSpc>
+                  <a:spcPct val="90000"/>
+                </a:lnSpc>
+                <a:spcBef>
+                  <a:spcPct val="0"/>
+                </a:spcBef>
+                <a:spcAft>
+                  <a:spcPct val="35000"/>
+                </a:spcAft>
+              </a:pPr>
+              <a:endParaRPr lang="de-DE" sz="5200" kern="1200" dirty="0"/>
+            </a:p>
+          </p:txBody>
+        </p:sp>
+      </p:grpSp>
+      <p:graphicFrame>
+        <p:nvGraphicFramePr>
+          <p:cNvPr id="4" name="Diagramm 3"/>
+          <p:cNvGraphicFramePr/>
+          <p:nvPr>
+            <p:extLst>
+              <p:ext uri="{D42A27DB-BD31-4B8C-83A1-F6EECF244321}">
+                <p14:modId xmlns:p14="http://schemas.microsoft.com/office/powerpoint/2010/main" val="477930407"/>
+              </p:ext>
+            </p:extLst>
+          </p:nvPr>
+        </p:nvGraphicFramePr>
+        <p:xfrm>
+          <a:off x="5707002" y="2222287"/>
+          <a:ext cx="7083023" cy="4329480"/>
+        </p:xfrm>
+        <a:graphic>
+          <a:graphicData uri="http://schemas.openxmlformats.org/drawingml/2006/diagram">
+            <dgm:relIds xmlns:dgm="http://schemas.openxmlformats.org/drawingml/2006/diagram" xmlns:r="http://schemas.openxmlformats.org/officeDocument/2006/relationships" r:dm="rId3" r:lo="rId4" r:qs="rId5" r:cs="rId6"/>
+          </a:graphicData>
+        </a:graphic>
+      </p:graphicFrame>
     </p:spTree>
     <p:extLst>
       <p:ext uri="{BB962C8B-B14F-4D97-AF65-F5344CB8AC3E}">
@@ -12752,13 +14683,8 @@
           <a:p>
             <a:r>
               <a:rPr lang="de-CH" sz="2000" dirty="0" smtClean="0"/>
-              <a:t>Visualisierung, z.B. </a:t>
-            </a:r>
-            <a:r>
-              <a:rPr lang="de-CH" sz="2000" dirty="0" err="1" smtClean="0"/>
-              <a:t>Kantonsheatmap</a:t>
-            </a:r>
-            <a:endParaRPr lang="de-CH" sz="2000" dirty="0"/>
+              <a:t>Visualisierung</a:t>
+            </a:r>
           </a:p>
         </p:txBody>
       </p:sp>
@@ -14245,7 +16171,7 @@
         </p:nvSpPr>
         <p:spPr>
           <a:xfrm>
-            <a:off x="8599251" y="767184"/>
+            <a:off x="9421053" y="177361"/>
             <a:ext cx="2587557" cy="2480553"/>
           </a:xfrm>
           <a:prstGeom prst="star12">
